--- a/doc/Steps overview.pptx
+++ b/doc/Steps overview.pptx
@@ -8,16 +8,17 @@
     <p:sldId id="263" r:id="rId2"/>
     <p:sldId id="257" r:id="rId3"/>
     <p:sldId id="259" r:id="rId4"/>
-    <p:sldId id="265" r:id="rId5"/>
+    <p:sldId id="270" r:id="rId5"/>
     <p:sldId id="258" r:id="rId6"/>
     <p:sldId id="264" r:id="rId7"/>
     <p:sldId id="268" r:id="rId8"/>
     <p:sldId id="266" r:id="rId9"/>
     <p:sldId id="269" r:id="rId10"/>
     <p:sldId id="267" r:id="rId11"/>
-    <p:sldId id="261" r:id="rId12"/>
-    <p:sldId id="262" r:id="rId13"/>
-    <p:sldId id="260" r:id="rId14"/>
+    <p:sldId id="271" r:id="rId12"/>
+    <p:sldId id="261" r:id="rId13"/>
+    <p:sldId id="262" r:id="rId14"/>
+    <p:sldId id="260" r:id="rId15"/>
   </p:sldIdLst>
   <p:sldSz cx="12192000" cy="6858000"/>
   <p:notesSz cx="6858000" cy="9144000"/>
@@ -3578,6 +3579,147 @@
   <p:cSld>
     <p:spTree>
       <p:nvGrpSpPr>
+        <p:cNvPr id="1" name=""/>
+        <p:cNvGrpSpPr/>
+        <p:nvPr/>
+      </p:nvGrpSpPr>
+      <p:grpSpPr>
+        <a:xfrm>
+          <a:off x="0" y="0"/>
+          <a:ext cx="0" cy="0"/>
+          <a:chOff x="0" y="0"/>
+          <a:chExt cx="0" cy="0"/>
+        </a:xfrm>
+      </p:grpSpPr>
+      <p:sp>
+        <p:nvSpPr>
+          <p:cNvPr id="2" name="Titre 1">
+            <a:extLst>
+              <a:ext uri="{FF2B5EF4-FFF2-40B4-BE49-F238E27FC236}">
+                <a16:creationId xmlns:a16="http://schemas.microsoft.com/office/drawing/2014/main" id="{5CD88424-3B05-EF85-2ADF-D4BB9AB2BEE9}"/>
+              </a:ext>
+            </a:extLst>
+          </p:cNvPr>
+          <p:cNvSpPr>
+            <a:spLocks noGrp="1"/>
+          </p:cNvSpPr>
+          <p:nvPr>
+            <p:ph type="title"/>
+          </p:nvPr>
+        </p:nvSpPr>
+        <p:spPr/>
+        <p:txBody>
+          <a:bodyPr/>
+          <a:lstStyle/>
+          <a:p>
+            <a:r>
+              <a:rPr lang="en-GB" dirty="0"/>
+              <a:t>Logging</a:t>
+            </a:r>
+          </a:p>
+        </p:txBody>
+      </p:sp>
+      <p:sp>
+        <p:nvSpPr>
+          <p:cNvPr id="3" name="Espace réservé du contenu 2">
+            <a:extLst>
+              <a:ext uri="{FF2B5EF4-FFF2-40B4-BE49-F238E27FC236}">
+                <a16:creationId xmlns:a16="http://schemas.microsoft.com/office/drawing/2014/main" id="{DBCD5C9A-DDC8-CD17-FA84-53228B4ABB8A}"/>
+              </a:ext>
+            </a:extLst>
+          </p:cNvPr>
+          <p:cNvSpPr>
+            <a:spLocks noGrp="1"/>
+          </p:cNvSpPr>
+          <p:nvPr>
+            <p:ph idx="1"/>
+          </p:nvPr>
+        </p:nvSpPr>
+        <p:spPr/>
+        <p:txBody>
+          <a:bodyPr/>
+          <a:lstStyle/>
+          <a:p>
+            <a:r>
+              <a:rPr lang="en-GB" dirty="0"/>
+              <a:t>Alternatives: Log4j, Log4j 2, </a:t>
+            </a:r>
+            <a:r>
+              <a:rPr lang="en-GB" dirty="0" err="1"/>
+              <a:t>Logback</a:t>
+            </a:r>
+            <a:r>
+              <a:rPr lang="en-GB" dirty="0"/>
+              <a:t>+ SL4J (</a:t>
+            </a:r>
+            <a:r>
+              <a:rPr lang="en-GB" sz="2000" dirty="0">
+                <a:hlinkClick r:id="rId2"/>
+              </a:rPr>
+              <a:t>https://www.baeldung.com/java-logging-intro</a:t>
+            </a:r>
+            <a:r>
+              <a:rPr lang="en-GB" dirty="0"/>
+              <a:t>)</a:t>
+            </a:r>
+          </a:p>
+          <a:p>
+            <a:r>
+              <a:rPr lang="en-GB" dirty="0"/>
+              <a:t>Selection: SL4J+Logback because </a:t>
+            </a:r>
+            <a:r>
+              <a:rPr lang="en-US" dirty="0"/>
+              <a:t>provides a common interface and abstraction for most of the Java logging frameworks.</a:t>
+            </a:r>
+            <a:br>
+              <a:rPr lang="en-US" dirty="0"/>
+            </a:br>
+            <a:r>
+              <a:rPr lang="en-US" dirty="0">
+                <a:hlinkClick r:id="rId3"/>
+              </a:rPr>
+              <a:t>https://www.baeldung.com/logback</a:t>
+            </a:r>
+            <a:br>
+              <a:rPr lang="en-US" dirty="0"/>
+            </a:br>
+            <a:endParaRPr lang="en-US" dirty="0"/>
+          </a:p>
+          <a:p>
+            <a:r>
+              <a:rPr lang="en-US" dirty="0"/>
+              <a:t>Requires to convert to </a:t>
+            </a:r>
+            <a:r>
+              <a:rPr lang="en-US"/>
+              <a:t>Maven project</a:t>
+            </a:r>
+            <a:endParaRPr lang="en-US" dirty="0"/>
+          </a:p>
+          <a:p>
+            <a:endParaRPr lang="en-GB" dirty="0"/>
+          </a:p>
+        </p:txBody>
+      </p:sp>
+    </p:spTree>
+    <p:extLst>
+      <p:ext uri="{BB962C8B-B14F-4D97-AF65-F5344CB8AC3E}">
+        <p14:creationId xmlns:p14="http://schemas.microsoft.com/office/powerpoint/2010/main" val="3665003048"/>
+      </p:ext>
+    </p:extLst>
+  </p:cSld>
+  <p:clrMapOvr>
+    <a:masterClrMapping/>
+  </p:clrMapOvr>
+</p:sld>
+</file>
+
+<file path=ppt/slides/slide12.xml><?xml version="1.0" encoding="utf-8"?>
+<p:sld xmlns:a="http://schemas.openxmlformats.org/drawingml/2006/main" xmlns:r="http://schemas.openxmlformats.org/officeDocument/2006/relationships" xmlns:p="http://schemas.openxmlformats.org/presentationml/2006/main">
+  <p:cSld>
+    <p:spTree>
+      <p:nvGrpSpPr>
         <p:cNvPr id="1" name="">
           <a:extLst>
             <a:ext uri="{FF2B5EF4-FFF2-40B4-BE49-F238E27FC236}">
@@ -3766,7 +3908,7 @@
 </p:sld>
 </file>
 
-<file path=ppt/slides/slide12.xml><?xml version="1.0" encoding="utf-8"?>
+<file path=ppt/slides/slide13.xml><?xml version="1.0" encoding="utf-8"?>
 <p:sld xmlns:a="http://schemas.openxmlformats.org/drawingml/2006/main" xmlns:r="http://schemas.openxmlformats.org/officeDocument/2006/relationships" xmlns:p="http://schemas.openxmlformats.org/presentationml/2006/main">
   <p:cSld>
     <p:spTree>
@@ -3911,7 +4053,7 @@
 </p:sld>
 </file>
 
-<file path=ppt/slides/slide13.xml><?xml version="1.0" encoding="utf-8"?>
+<file path=ppt/slides/slide14.xml><?xml version="1.0" encoding="utf-8"?>
 <p:sld xmlns:a="http://schemas.openxmlformats.org/drawingml/2006/main" xmlns:r="http://schemas.openxmlformats.org/officeDocument/2006/relationships" xmlns:p="http://schemas.openxmlformats.org/presentationml/2006/main">
   <p:cSld>
     <p:spTree>
@@ -6213,12 +6355,25 @@
               <a:t>Output ports cannot be monitored -&gt; duplicate to input (virtual microphone)</a:t>
             </a:r>
           </a:p>
+          <a:p>
+            <a:r>
+              <a:rPr lang="en-GB" dirty="0"/>
+              <a:t>eclipse 2023-12 will not say if the default JDK is too old</a:t>
+            </a:r>
+            <a:br>
+              <a:rPr lang="en-GB" dirty="0"/>
+            </a:br>
+            <a:r>
+              <a:rPr lang="en-GB" dirty="0"/>
+              <a:t>(make sure the system’s JDK is 17+)</a:t>
+            </a:r>
+          </a:p>
         </p:txBody>
       </p:sp>
     </p:spTree>
     <p:extLst>
       <p:ext uri="{BB962C8B-B14F-4D97-AF65-F5344CB8AC3E}">
-        <p14:creationId xmlns:p14="http://schemas.microsoft.com/office/powerpoint/2010/main" val="1759997425"/>
+        <p14:creationId xmlns:p14="http://schemas.microsoft.com/office/powerpoint/2010/main" val="3756963057"/>
       </p:ext>
     </p:extLst>
   </p:cSld>

--- a/doc/Steps overview.pptx
+++ b/doc/Steps overview.pptx
@@ -16,9 +16,10 @@
     <p:sldId id="269" r:id="rId10"/>
     <p:sldId id="267" r:id="rId11"/>
     <p:sldId id="271" r:id="rId12"/>
-    <p:sldId id="261" r:id="rId13"/>
-    <p:sldId id="262" r:id="rId14"/>
-    <p:sldId id="260" r:id="rId15"/>
+    <p:sldId id="272" r:id="rId13"/>
+    <p:sldId id="261" r:id="rId14"/>
+    <p:sldId id="262" r:id="rId15"/>
+    <p:sldId id="260" r:id="rId16"/>
   </p:sldIdLst>
   <p:sldSz cx="12192000" cy="6858000"/>
   <p:notesSz cx="6858000" cy="9144000"/>
@@ -3720,6 +3721,93 @@
   <p:cSld>
     <p:spTree>
       <p:nvGrpSpPr>
+        <p:cNvPr id="1" name=""/>
+        <p:cNvGrpSpPr/>
+        <p:nvPr/>
+      </p:nvGrpSpPr>
+      <p:grpSpPr>
+        <a:xfrm>
+          <a:off x="0" y="0"/>
+          <a:ext cx="0" cy="0"/>
+          <a:chOff x="0" y="0"/>
+          <a:chExt cx="0" cy="0"/>
+        </a:xfrm>
+      </p:grpSpPr>
+      <p:sp>
+        <p:nvSpPr>
+          <p:cNvPr id="2" name="Titre 1">
+            <a:extLst>
+              <a:ext uri="{FF2B5EF4-FFF2-40B4-BE49-F238E27FC236}">
+                <a16:creationId xmlns:a16="http://schemas.microsoft.com/office/drawing/2014/main" id="{4670362E-1FFE-AA2A-385D-F8315FBCEF68}"/>
+              </a:ext>
+            </a:extLst>
+          </p:cNvPr>
+          <p:cNvSpPr>
+            <a:spLocks noGrp="1"/>
+          </p:cNvSpPr>
+          <p:nvPr>
+            <p:ph type="title"/>
+          </p:nvPr>
+        </p:nvSpPr>
+        <p:spPr/>
+        <p:txBody>
+          <a:bodyPr/>
+          <a:lstStyle/>
+          <a:p>
+            <a:r>
+              <a:rPr lang="en-GB" dirty="0"/>
+              <a:t>Libraries not accessible</a:t>
+            </a:r>
+          </a:p>
+        </p:txBody>
+      </p:sp>
+      <p:pic>
+        <p:nvPicPr>
+          <p:cNvPr id="5" name="Espace réservé du contenu 4">
+            <a:extLst>
+              <a:ext uri="{FF2B5EF4-FFF2-40B4-BE49-F238E27FC236}">
+                <a16:creationId xmlns:a16="http://schemas.microsoft.com/office/drawing/2014/main" id="{24B90690-CF0C-865F-A6C0-6F661F1620D7}"/>
+              </a:ext>
+            </a:extLst>
+          </p:cNvPr>
+          <p:cNvPicPr>
+            <a:picLocks noGrp="1" noChangeAspect="1"/>
+          </p:cNvPicPr>
+          <p:nvPr>
+            <p:ph idx="1"/>
+          </p:nvPr>
+        </p:nvPicPr>
+        <p:blipFill>
+          <a:blip r:embed="rId2"/>
+          <a:stretch>
+            <a:fillRect/>
+          </a:stretch>
+        </p:blipFill>
+        <p:spPr>
+          <a:xfrm>
+            <a:off x="923925" y="1562881"/>
+            <a:ext cx="5124450" cy="1466794"/>
+          </a:xfrm>
+        </p:spPr>
+      </p:pic>
+    </p:spTree>
+    <p:extLst>
+      <p:ext uri="{BB962C8B-B14F-4D97-AF65-F5344CB8AC3E}">
+        <p14:creationId xmlns:p14="http://schemas.microsoft.com/office/powerpoint/2010/main" val="451518883"/>
+      </p:ext>
+    </p:extLst>
+  </p:cSld>
+  <p:clrMapOvr>
+    <a:masterClrMapping/>
+  </p:clrMapOvr>
+</p:sld>
+</file>
+
+<file path=ppt/slides/slide13.xml><?xml version="1.0" encoding="utf-8"?>
+<p:sld xmlns:a="http://schemas.openxmlformats.org/drawingml/2006/main" xmlns:r="http://schemas.openxmlformats.org/officeDocument/2006/relationships" xmlns:p="http://schemas.openxmlformats.org/presentationml/2006/main">
+  <p:cSld>
+    <p:spTree>
+      <p:nvGrpSpPr>
         <p:cNvPr id="1" name="">
           <a:extLst>
             <a:ext uri="{FF2B5EF4-FFF2-40B4-BE49-F238E27FC236}">
@@ -3908,7 +3996,7 @@
 </p:sld>
 </file>
 
-<file path=ppt/slides/slide13.xml><?xml version="1.0" encoding="utf-8"?>
+<file path=ppt/slides/slide14.xml><?xml version="1.0" encoding="utf-8"?>
 <p:sld xmlns:a="http://schemas.openxmlformats.org/drawingml/2006/main" xmlns:r="http://schemas.openxmlformats.org/officeDocument/2006/relationships" xmlns:p="http://schemas.openxmlformats.org/presentationml/2006/main">
   <p:cSld>
     <p:spTree>
@@ -4053,7 +4141,7 @@
 </p:sld>
 </file>
 
-<file path=ppt/slides/slide14.xml><?xml version="1.0" encoding="utf-8"?>
+<file path=ppt/slides/slide15.xml><?xml version="1.0" encoding="utf-8"?>
 <p:sld xmlns:a="http://schemas.openxmlformats.org/drawingml/2006/main" xmlns:r="http://schemas.openxmlformats.org/officeDocument/2006/relationships" xmlns:p="http://schemas.openxmlformats.org/presentationml/2006/main">
   <p:cSld>
     <p:spTree>
@@ -8556,12 +8644,8 @@
           <a:lstStyle/>
           <a:p>
             <a:r>
-              <a:rPr lang="en-GB" dirty="0"/>
-              <a:t>Aligning code with </a:t>
-            </a:r>
-            <a:r>
-              <a:rPr lang="en-GB" dirty="0" err="1"/>
-              <a:t>github</a:t>
+              <a:rPr lang="en-GB"/>
+              <a:t>Aligning code with github</a:t>
             </a:r>
             <a:endParaRPr lang="en-GB" dirty="0"/>
           </a:p>

--- a/doc/Steps overview.pptx
+++ b/doc/Steps overview.pptx
@@ -275,7 +275,7 @@
           <a:p>
             <a:fld id="{54E383A8-4E35-4FEC-85D5-4853630A56E9}" type="datetimeFigureOut">
               <a:rPr lang="LID4096" smtClean="0"/>
-              <a:t>02/09/2024</a:t>
+              <a:t>02/12/2024</a:t>
             </a:fld>
             <a:endParaRPr lang="LID4096"/>
           </a:p>
@@ -475,7 +475,7 @@
           <a:p>
             <a:fld id="{54E383A8-4E35-4FEC-85D5-4853630A56E9}" type="datetimeFigureOut">
               <a:rPr lang="LID4096" smtClean="0"/>
-              <a:t>02/09/2024</a:t>
+              <a:t>02/12/2024</a:t>
             </a:fld>
             <a:endParaRPr lang="LID4096"/>
           </a:p>
@@ -685,7 +685,7 @@
           <a:p>
             <a:fld id="{54E383A8-4E35-4FEC-85D5-4853630A56E9}" type="datetimeFigureOut">
               <a:rPr lang="LID4096" smtClean="0"/>
-              <a:t>02/09/2024</a:t>
+              <a:t>02/12/2024</a:t>
             </a:fld>
             <a:endParaRPr lang="LID4096"/>
           </a:p>
@@ -885,7 +885,7 @@
           <a:p>
             <a:fld id="{54E383A8-4E35-4FEC-85D5-4853630A56E9}" type="datetimeFigureOut">
               <a:rPr lang="LID4096" smtClean="0"/>
-              <a:t>02/09/2024</a:t>
+              <a:t>02/12/2024</a:t>
             </a:fld>
             <a:endParaRPr lang="LID4096"/>
           </a:p>
@@ -1161,7 +1161,7 @@
           <a:p>
             <a:fld id="{54E383A8-4E35-4FEC-85D5-4853630A56E9}" type="datetimeFigureOut">
               <a:rPr lang="LID4096" smtClean="0"/>
-              <a:t>02/09/2024</a:t>
+              <a:t>02/12/2024</a:t>
             </a:fld>
             <a:endParaRPr lang="LID4096"/>
           </a:p>
@@ -1429,7 +1429,7 @@
           <a:p>
             <a:fld id="{54E383A8-4E35-4FEC-85D5-4853630A56E9}" type="datetimeFigureOut">
               <a:rPr lang="LID4096" smtClean="0"/>
-              <a:t>02/09/2024</a:t>
+              <a:t>02/12/2024</a:t>
             </a:fld>
             <a:endParaRPr lang="LID4096"/>
           </a:p>
@@ -1844,7 +1844,7 @@
           <a:p>
             <a:fld id="{54E383A8-4E35-4FEC-85D5-4853630A56E9}" type="datetimeFigureOut">
               <a:rPr lang="LID4096" smtClean="0"/>
-              <a:t>02/09/2024</a:t>
+              <a:t>02/12/2024</a:t>
             </a:fld>
             <a:endParaRPr lang="LID4096"/>
           </a:p>
@@ -1986,7 +1986,7 @@
           <a:p>
             <a:fld id="{54E383A8-4E35-4FEC-85D5-4853630A56E9}" type="datetimeFigureOut">
               <a:rPr lang="LID4096" smtClean="0"/>
-              <a:t>02/09/2024</a:t>
+              <a:t>02/12/2024</a:t>
             </a:fld>
             <a:endParaRPr lang="LID4096"/>
           </a:p>
@@ -2099,7 +2099,7 @@
           <a:p>
             <a:fld id="{54E383A8-4E35-4FEC-85D5-4853630A56E9}" type="datetimeFigureOut">
               <a:rPr lang="LID4096" smtClean="0"/>
-              <a:t>02/09/2024</a:t>
+              <a:t>02/12/2024</a:t>
             </a:fld>
             <a:endParaRPr lang="LID4096"/>
           </a:p>
@@ -2412,7 +2412,7 @@
           <a:p>
             <a:fld id="{54E383A8-4E35-4FEC-85D5-4853630A56E9}" type="datetimeFigureOut">
               <a:rPr lang="LID4096" smtClean="0"/>
-              <a:t>02/09/2024</a:t>
+              <a:t>02/12/2024</a:t>
             </a:fld>
             <a:endParaRPr lang="LID4096"/>
           </a:p>
@@ -2701,7 +2701,7 @@
           <a:p>
             <a:fld id="{54E383A8-4E35-4FEC-85D5-4853630A56E9}" type="datetimeFigureOut">
               <a:rPr lang="LID4096" smtClean="0"/>
-              <a:t>02/09/2024</a:t>
+              <a:t>02/12/2024</a:t>
             </a:fld>
             <a:endParaRPr lang="LID4096"/>
           </a:p>
@@ -2944,7 +2944,7 @@
           <a:p>
             <a:fld id="{54E383A8-4E35-4FEC-85D5-4853630A56E9}" type="datetimeFigureOut">
               <a:rPr lang="LID4096" smtClean="0"/>
-              <a:t>02/09/2024</a:t>
+              <a:t>02/12/2024</a:t>
             </a:fld>
             <a:endParaRPr lang="LID4096"/>
           </a:p>
@@ -3690,16 +3690,99 @@
           <a:p>
             <a:r>
               <a:rPr lang="en-US" dirty="0"/>
-              <a:t>Requires to convert to </a:t>
-            </a:r>
-            <a:r>
-              <a:rPr lang="en-US"/>
-              <a:t>Maven project</a:t>
-            </a:r>
-            <a:endParaRPr lang="en-US" dirty="0"/>
+              <a:t>Requires to convert to Maven project</a:t>
+            </a:r>
+          </a:p>
+          <a:p>
+            <a:r>
+              <a:rPr lang="en-US" dirty="0"/>
+              <a:t>Specify compilation option in pom.xml:</a:t>
+            </a:r>
           </a:p>
           <a:p>
             <a:endParaRPr lang="en-GB" dirty="0"/>
+          </a:p>
+        </p:txBody>
+      </p:sp>
+      <p:pic>
+        <p:nvPicPr>
+          <p:cNvPr id="5" name="Image 4">
+            <a:extLst>
+              <a:ext uri="{FF2B5EF4-FFF2-40B4-BE49-F238E27FC236}">
+                <a16:creationId xmlns:a16="http://schemas.microsoft.com/office/drawing/2014/main" id="{B4DC8207-335E-0E87-E98F-375A1A849B34}"/>
+              </a:ext>
+            </a:extLst>
+          </p:cNvPr>
+          <p:cNvPicPr>
+            <a:picLocks noChangeAspect="1"/>
+          </p:cNvPicPr>
+          <p:nvPr/>
+        </p:nvPicPr>
+        <p:blipFill>
+          <a:blip r:embed="rId4"/>
+          <a:stretch>
+            <a:fillRect/>
+          </a:stretch>
+        </p:blipFill>
+        <p:spPr>
+          <a:xfrm>
+            <a:off x="7537971" y="4686299"/>
+            <a:ext cx="3523961" cy="1782311"/>
+          </a:xfrm>
+          <a:prstGeom prst="rect">
+            <a:avLst/>
+          </a:prstGeom>
+        </p:spPr>
+      </p:pic>
+      <p:sp>
+        <p:nvSpPr>
+          <p:cNvPr id="6" name="Rectangle : coins arrondis 5">
+            <a:extLst>
+              <a:ext uri="{FF2B5EF4-FFF2-40B4-BE49-F238E27FC236}">
+                <a16:creationId xmlns:a16="http://schemas.microsoft.com/office/drawing/2014/main" id="{E6FEE8AE-B34D-7DF2-EE20-B303E4865A34}"/>
+              </a:ext>
+            </a:extLst>
+          </p:cNvPr>
+          <p:cNvSpPr/>
+          <p:nvPr/>
+        </p:nvSpPr>
+        <p:spPr>
+          <a:xfrm>
+            <a:off x="8686800" y="5648325"/>
+            <a:ext cx="2162175" cy="428625"/>
+          </a:xfrm>
+          <a:prstGeom prst="roundRect">
+            <a:avLst/>
+          </a:prstGeom>
+          <a:noFill/>
+          <a:ln>
+            <a:solidFill>
+              <a:srgbClr val="FF0000"/>
+            </a:solidFill>
+          </a:ln>
+        </p:spPr>
+        <p:style>
+          <a:lnRef idx="2">
+            <a:schemeClr val="accent1">
+              <a:shade val="15000"/>
+            </a:schemeClr>
+          </a:lnRef>
+          <a:fillRef idx="1">
+            <a:schemeClr val="accent1"/>
+          </a:fillRef>
+          <a:effectRef idx="0">
+            <a:schemeClr val="accent1"/>
+          </a:effectRef>
+          <a:fontRef idx="minor">
+            <a:schemeClr val="lt1"/>
+          </a:fontRef>
+        </p:style>
+        <p:txBody>
+          <a:bodyPr rtlCol="0" anchor="ctr"/>
+          <a:lstStyle/>
+          <a:p>
+            <a:pPr algn="ctr"/>
+            <a:endParaRPr lang="en-GB"/>
           </a:p>
         </p:txBody>
       </p:sp>

--- a/doc/Steps overview.pptx
+++ b/doc/Steps overview.pptx
@@ -3700,6 +3700,33 @@
             </a:r>
           </a:p>
           <a:p>
+            <a:r>
+              <a:rPr lang="en-US" dirty="0"/>
+              <a:t>Configure SL4J/</a:t>
+            </a:r>
+            <a:r>
+              <a:rPr lang="en-US" dirty="0" err="1"/>
+              <a:t>logback</a:t>
+            </a:r>
+            <a:r>
+              <a:rPr lang="en-US" dirty="0"/>
+              <a:t>: </a:t>
+            </a:r>
+            <a:r>
+              <a:rPr lang="en-US" dirty="0">
+                <a:hlinkClick r:id="rId4"/>
+              </a:rPr>
+              <a:t>https://logback.qos.ch/setup.html</a:t>
+            </a:r>
+            <a:endParaRPr lang="en-US" dirty="0"/>
+          </a:p>
+          <a:p>
+            <a:pPr marL="0" indent="0">
+              <a:buNone/>
+            </a:pPr>
+            <a:endParaRPr lang="en-US" dirty="0"/>
+          </a:p>
+          <a:p>
             <a:endParaRPr lang="en-GB" dirty="0"/>
           </a:p>
         </p:txBody>
@@ -3719,14 +3746,14 @@
           <p:nvPr/>
         </p:nvPicPr>
         <p:blipFill>
-          <a:blip r:embed="rId4"/>
+          <a:blip r:embed="rId5"/>
           <a:stretch>
             <a:fillRect/>
           </a:stretch>
         </p:blipFill>
         <p:spPr>
           <a:xfrm>
-            <a:off x="7537971" y="4686299"/>
+            <a:off x="7688973" y="3587341"/>
             <a:ext cx="3523961" cy="1782311"/>
           </a:xfrm>
           <a:prstGeom prst="rect">
@@ -3748,7 +3775,7 @@
         </p:nvSpPr>
         <p:spPr>
           <a:xfrm>
-            <a:off x="8686800" y="5648325"/>
+            <a:off x="8896525" y="4524200"/>
             <a:ext cx="2162175" cy="428625"/>
           </a:xfrm>
           <a:prstGeom prst="roundRect">

--- a/doc/Steps overview.pptx
+++ b/doc/Steps overview.pptx
@@ -18,8 +18,12 @@
     <p:sldId id="271" r:id="rId12"/>
     <p:sldId id="272" r:id="rId13"/>
     <p:sldId id="261" r:id="rId14"/>
-    <p:sldId id="262" r:id="rId15"/>
-    <p:sldId id="260" r:id="rId16"/>
+    <p:sldId id="273" r:id="rId15"/>
+    <p:sldId id="274" r:id="rId16"/>
+    <p:sldId id="276" r:id="rId17"/>
+    <p:sldId id="275" r:id="rId18"/>
+    <p:sldId id="262" r:id="rId19"/>
+    <p:sldId id="260" r:id="rId20"/>
   </p:sldIdLst>
   <p:sldSz cx="12192000" cy="6858000"/>
   <p:notesSz cx="6858000" cy="9144000"/>
@@ -4008,12 +4012,6 @@
               <a:t>GUI Framework: JavaFX</a:t>
             </a:r>
           </a:p>
-          <a:p>
-            <a:r>
-              <a:rPr lang="en-GB" dirty="0"/>
-              <a:t>Server : swing</a:t>
-            </a:r>
-          </a:p>
         </p:txBody>
       </p:sp>
       <p:sp>
@@ -4107,6 +4105,3907 @@
 </file>
 
 <file path=ppt/slides/slide14.xml><?xml version="1.0" encoding="utf-8"?>
+<p:sld xmlns:a="http://schemas.openxmlformats.org/drawingml/2006/main" xmlns:r="http://schemas.openxmlformats.org/officeDocument/2006/relationships" xmlns:p="http://schemas.openxmlformats.org/presentationml/2006/main">
+  <p:cSld>
+    <p:spTree>
+      <p:nvGrpSpPr>
+        <p:cNvPr id="1" name=""/>
+        <p:cNvGrpSpPr/>
+        <p:nvPr/>
+      </p:nvGrpSpPr>
+      <p:grpSpPr>
+        <a:xfrm>
+          <a:off x="0" y="0"/>
+          <a:ext cx="0" cy="0"/>
+          <a:chOff x="0" y="0"/>
+          <a:chExt cx="0" cy="0"/>
+        </a:xfrm>
+      </p:grpSpPr>
+      <p:sp>
+        <p:nvSpPr>
+          <p:cNvPr id="2" name="Titre 1">
+            <a:extLst>
+              <a:ext uri="{FF2B5EF4-FFF2-40B4-BE49-F238E27FC236}">
+                <a16:creationId xmlns:a16="http://schemas.microsoft.com/office/drawing/2014/main" id="{07D5A971-8A1C-6F22-4269-BD295DD545BA}"/>
+              </a:ext>
+            </a:extLst>
+          </p:cNvPr>
+          <p:cNvSpPr>
+            <a:spLocks noGrp="1"/>
+          </p:cNvSpPr>
+          <p:nvPr>
+            <p:ph type="title" idx="4294967295"/>
+          </p:nvPr>
+        </p:nvSpPr>
+        <p:spPr>
+          <a:xfrm>
+            <a:off x="0" y="365125"/>
+            <a:ext cx="10515600" cy="1325563"/>
+          </a:xfrm>
+        </p:spPr>
+        <p:txBody>
+          <a:bodyPr/>
+          <a:lstStyle/>
+          <a:p>
+            <a:r>
+              <a:rPr lang="en-GB" dirty="0"/>
+              <a:t>Graphical representation - layout</a:t>
+            </a:r>
+          </a:p>
+        </p:txBody>
+      </p:sp>
+      <p:pic>
+        <p:nvPicPr>
+          <p:cNvPr id="5" name="Image 4">
+            <a:extLst>
+              <a:ext uri="{FF2B5EF4-FFF2-40B4-BE49-F238E27FC236}">
+                <a16:creationId xmlns:a16="http://schemas.microsoft.com/office/drawing/2014/main" id="{D18B8041-3EDF-8740-73F5-8DDB87E69FDA}"/>
+              </a:ext>
+            </a:extLst>
+          </p:cNvPr>
+          <p:cNvPicPr>
+            <a:picLocks noChangeAspect="1"/>
+          </p:cNvPicPr>
+          <p:nvPr/>
+        </p:nvPicPr>
+        <p:blipFill>
+          <a:blip r:embed="rId2"/>
+          <a:stretch>
+            <a:fillRect/>
+          </a:stretch>
+        </p:blipFill>
+        <p:spPr>
+          <a:xfrm>
+            <a:off x="2157631" y="1500187"/>
+            <a:ext cx="7943850" cy="3857625"/>
+          </a:xfrm>
+          <a:prstGeom prst="rect">
+            <a:avLst/>
+          </a:prstGeom>
+          <a:ln>
+            <a:solidFill>
+              <a:srgbClr val="FF0000"/>
+            </a:solidFill>
+            <a:prstDash val="dashDot"/>
+          </a:ln>
+        </p:spPr>
+      </p:pic>
+      <p:cxnSp>
+        <p:nvCxnSpPr>
+          <p:cNvPr id="7" name="Connecteur droit 6">
+            <a:extLst>
+              <a:ext uri="{FF2B5EF4-FFF2-40B4-BE49-F238E27FC236}">
+                <a16:creationId xmlns:a16="http://schemas.microsoft.com/office/drawing/2014/main" id="{CB725FA3-0CE5-2D34-3FEC-85107AF253C1}"/>
+              </a:ext>
+            </a:extLst>
+          </p:cNvPr>
+          <p:cNvCxnSpPr>
+            <a:cxnSpLocks/>
+          </p:cNvCxnSpPr>
+          <p:nvPr/>
+        </p:nvCxnSpPr>
+        <p:spPr>
+          <a:xfrm flipH="1">
+            <a:off x="6100981" y="1174459"/>
+            <a:ext cx="1180663" cy="5140616"/>
+          </a:xfrm>
+          <a:prstGeom prst="line">
+            <a:avLst/>
+          </a:prstGeom>
+          <a:ln>
+            <a:solidFill>
+              <a:srgbClr val="FF0000"/>
+            </a:solidFill>
+            <a:prstDash val="dashDot"/>
+          </a:ln>
+        </p:spPr>
+        <p:style>
+          <a:lnRef idx="1">
+            <a:schemeClr val="accent1"/>
+          </a:lnRef>
+          <a:fillRef idx="0">
+            <a:schemeClr val="accent1"/>
+          </a:fillRef>
+          <a:effectRef idx="0">
+            <a:schemeClr val="accent1"/>
+          </a:effectRef>
+          <a:fontRef idx="minor">
+            <a:schemeClr val="tx1"/>
+          </a:fontRef>
+        </p:style>
+      </p:cxnSp>
+      <p:cxnSp>
+        <p:nvCxnSpPr>
+          <p:cNvPr id="8" name="Connecteur droit 7">
+            <a:extLst>
+              <a:ext uri="{FF2B5EF4-FFF2-40B4-BE49-F238E27FC236}">
+                <a16:creationId xmlns:a16="http://schemas.microsoft.com/office/drawing/2014/main" id="{87D07865-31F2-7725-896E-6779245B6F1E}"/>
+              </a:ext>
+            </a:extLst>
+          </p:cNvPr>
+          <p:cNvCxnSpPr>
+            <a:cxnSpLocks/>
+          </p:cNvCxnSpPr>
+          <p:nvPr/>
+        </p:nvCxnSpPr>
+        <p:spPr>
+          <a:xfrm>
+            <a:off x="6119157" y="838899"/>
+            <a:ext cx="0" cy="5636965"/>
+          </a:xfrm>
+          <a:prstGeom prst="line">
+            <a:avLst/>
+          </a:prstGeom>
+          <a:ln>
+            <a:solidFill>
+              <a:srgbClr val="FF0000"/>
+            </a:solidFill>
+            <a:prstDash val="dashDot"/>
+          </a:ln>
+        </p:spPr>
+        <p:style>
+          <a:lnRef idx="1">
+            <a:schemeClr val="accent1"/>
+          </a:lnRef>
+          <a:fillRef idx="0">
+            <a:schemeClr val="accent1"/>
+          </a:fillRef>
+          <a:effectRef idx="0">
+            <a:schemeClr val="accent1"/>
+          </a:effectRef>
+          <a:fontRef idx="minor">
+            <a:schemeClr val="tx1"/>
+          </a:fontRef>
+        </p:style>
+      </p:cxnSp>
+      <p:cxnSp>
+        <p:nvCxnSpPr>
+          <p:cNvPr id="11" name="Connecteur droit 10">
+            <a:extLst>
+              <a:ext uri="{FF2B5EF4-FFF2-40B4-BE49-F238E27FC236}">
+                <a16:creationId xmlns:a16="http://schemas.microsoft.com/office/drawing/2014/main" id="{45A8A992-EC29-0BE0-B5FD-E5463A864905}"/>
+              </a:ext>
+            </a:extLst>
+          </p:cNvPr>
+          <p:cNvCxnSpPr>
+            <a:cxnSpLocks/>
+          </p:cNvCxnSpPr>
+          <p:nvPr/>
+        </p:nvCxnSpPr>
+        <p:spPr>
+          <a:xfrm flipH="1">
+            <a:off x="6098796" y="2416029"/>
+            <a:ext cx="4043494" cy="3858936"/>
+          </a:xfrm>
+          <a:prstGeom prst="line">
+            <a:avLst/>
+          </a:prstGeom>
+          <a:ln>
+            <a:solidFill>
+              <a:srgbClr val="FF0000"/>
+            </a:solidFill>
+            <a:prstDash val="dashDot"/>
+          </a:ln>
+        </p:spPr>
+        <p:style>
+          <a:lnRef idx="1">
+            <a:schemeClr val="accent1"/>
+          </a:lnRef>
+          <a:fillRef idx="0">
+            <a:schemeClr val="accent1"/>
+          </a:fillRef>
+          <a:effectRef idx="0">
+            <a:schemeClr val="accent1"/>
+          </a:effectRef>
+          <a:fontRef idx="minor">
+            <a:schemeClr val="tx1"/>
+          </a:fontRef>
+        </p:style>
+      </p:cxnSp>
+      <p:cxnSp>
+        <p:nvCxnSpPr>
+          <p:cNvPr id="15" name="Connecteur droit 14">
+            <a:extLst>
+              <a:ext uri="{FF2B5EF4-FFF2-40B4-BE49-F238E27FC236}">
+                <a16:creationId xmlns:a16="http://schemas.microsoft.com/office/drawing/2014/main" id="{41AD7589-5A17-C1DC-158F-35C2AB875F15}"/>
+              </a:ext>
+            </a:extLst>
+          </p:cNvPr>
+          <p:cNvCxnSpPr>
+            <a:cxnSpLocks/>
+          </p:cNvCxnSpPr>
+          <p:nvPr/>
+        </p:nvCxnSpPr>
+        <p:spPr>
+          <a:xfrm>
+            <a:off x="2374084" y="2533475"/>
+            <a:ext cx="3741490" cy="3699545"/>
+          </a:xfrm>
+          <a:prstGeom prst="line">
+            <a:avLst/>
+          </a:prstGeom>
+          <a:ln>
+            <a:solidFill>
+              <a:srgbClr val="FF0000"/>
+            </a:solidFill>
+            <a:prstDash val="dashDot"/>
+          </a:ln>
+        </p:spPr>
+        <p:style>
+          <a:lnRef idx="1">
+            <a:schemeClr val="accent1"/>
+          </a:lnRef>
+          <a:fillRef idx="0">
+            <a:schemeClr val="accent1"/>
+          </a:fillRef>
+          <a:effectRef idx="0">
+            <a:schemeClr val="accent1"/>
+          </a:effectRef>
+          <a:fontRef idx="minor">
+            <a:schemeClr val="tx1"/>
+          </a:fontRef>
+        </p:style>
+      </p:cxnSp>
+      <p:sp>
+        <p:nvSpPr>
+          <p:cNvPr id="18" name="ZoneTexte 17">
+            <a:extLst>
+              <a:ext uri="{FF2B5EF4-FFF2-40B4-BE49-F238E27FC236}">
+                <a16:creationId xmlns:a16="http://schemas.microsoft.com/office/drawing/2014/main" id="{650E508E-920B-992B-C6F1-B73DA46A7480}"/>
+              </a:ext>
+            </a:extLst>
+          </p:cNvPr>
+          <p:cNvSpPr txBox="1"/>
+          <p:nvPr/>
+        </p:nvSpPr>
+        <p:spPr>
+          <a:xfrm>
+            <a:off x="9748008" y="5402511"/>
+            <a:ext cx="721672" cy="307777"/>
+          </a:xfrm>
+          <a:prstGeom prst="rect">
+            <a:avLst/>
+          </a:prstGeom>
+          <a:noFill/>
+        </p:spPr>
+        <p:txBody>
+          <a:bodyPr wrap="none" rtlCol="0">
+            <a:spAutoFit/>
+          </a:bodyPr>
+          <a:lstStyle/>
+          <a:p>
+            <a:r>
+              <a:rPr lang="en-GB" sz="1400" dirty="0">
+                <a:solidFill>
+                  <a:srgbClr val="FF0000"/>
+                </a:solidFill>
+                <a:latin typeface="Courier New" panose="02070309020205020404" pitchFamily="49" charset="0"/>
+                <a:cs typeface="Courier New" panose="02070309020205020404" pitchFamily="49" charset="0"/>
+              </a:rPr>
+              <a:t>width</a:t>
+            </a:r>
+          </a:p>
+        </p:txBody>
+      </p:sp>
+      <p:sp>
+        <p:nvSpPr>
+          <p:cNvPr id="19" name="ZoneTexte 18">
+            <a:extLst>
+              <a:ext uri="{FF2B5EF4-FFF2-40B4-BE49-F238E27FC236}">
+                <a16:creationId xmlns:a16="http://schemas.microsoft.com/office/drawing/2014/main" id="{BB3B0350-3212-4E56-1F74-41108F55F9D8}"/>
+              </a:ext>
+            </a:extLst>
+          </p:cNvPr>
+          <p:cNvSpPr txBox="1"/>
+          <p:nvPr/>
+        </p:nvSpPr>
+        <p:spPr>
+          <a:xfrm>
+            <a:off x="1754697" y="1167468"/>
+            <a:ext cx="829073" cy="307777"/>
+          </a:xfrm>
+          <a:prstGeom prst="rect">
+            <a:avLst/>
+          </a:prstGeom>
+          <a:noFill/>
+        </p:spPr>
+        <p:txBody>
+          <a:bodyPr wrap="none" rtlCol="0">
+            <a:spAutoFit/>
+          </a:bodyPr>
+          <a:lstStyle/>
+          <a:p>
+            <a:r>
+              <a:rPr lang="en-GB" sz="1400" dirty="0">
+                <a:solidFill>
+                  <a:srgbClr val="FF0000"/>
+                </a:solidFill>
+                <a:latin typeface="Courier New" panose="02070309020205020404" pitchFamily="49" charset="0"/>
+                <a:cs typeface="Courier New" panose="02070309020205020404" pitchFamily="49" charset="0"/>
+              </a:rPr>
+              <a:t>height</a:t>
+            </a:r>
+          </a:p>
+        </p:txBody>
+      </p:sp>
+      <p:sp>
+        <p:nvSpPr>
+          <p:cNvPr id="20" name="Arc 19">
+            <a:extLst>
+              <a:ext uri="{FF2B5EF4-FFF2-40B4-BE49-F238E27FC236}">
+                <a16:creationId xmlns:a16="http://schemas.microsoft.com/office/drawing/2014/main" id="{A4BA0582-A6D9-F110-E226-33EBFEE2F7D3}"/>
+              </a:ext>
+            </a:extLst>
+          </p:cNvPr>
+          <p:cNvSpPr/>
+          <p:nvPr/>
+        </p:nvSpPr>
+        <p:spPr>
+          <a:xfrm>
+            <a:off x="5251508" y="5587068"/>
+            <a:ext cx="1466792" cy="1372532"/>
+          </a:xfrm>
+          <a:prstGeom prst="arc">
+            <a:avLst>
+              <a:gd name="adj1" fmla="val 19432388"/>
+              <a:gd name="adj2" fmla="val 0"/>
+            </a:avLst>
+          </a:prstGeom>
+          <a:ln w="19050">
+            <a:solidFill>
+              <a:srgbClr val="FF0000"/>
+            </a:solidFill>
+            <a:headEnd type="arrow" w="med" len="med"/>
+            <a:tailEnd type="none" w="med" len="med"/>
+          </a:ln>
+        </p:spPr>
+        <p:style>
+          <a:lnRef idx="1">
+            <a:schemeClr val="accent1"/>
+          </a:lnRef>
+          <a:fillRef idx="0">
+            <a:schemeClr val="accent1"/>
+          </a:fillRef>
+          <a:effectRef idx="0">
+            <a:schemeClr val="accent1"/>
+          </a:effectRef>
+          <a:fontRef idx="minor">
+            <a:schemeClr val="tx1"/>
+          </a:fontRef>
+        </p:style>
+        <p:txBody>
+          <a:bodyPr rtlCol="0" anchor="ctr"/>
+          <a:lstStyle/>
+          <a:p>
+            <a:pPr algn="ctr"/>
+            <a:endParaRPr lang="en-GB"/>
+          </a:p>
+        </p:txBody>
+      </p:sp>
+      <p:cxnSp>
+        <p:nvCxnSpPr>
+          <p:cNvPr id="21" name="Connecteur droit 20">
+            <a:extLst>
+              <a:ext uri="{FF2B5EF4-FFF2-40B4-BE49-F238E27FC236}">
+                <a16:creationId xmlns:a16="http://schemas.microsoft.com/office/drawing/2014/main" id="{758661AE-979F-2458-76E8-AE08471FAD24}"/>
+              </a:ext>
+            </a:extLst>
+          </p:cNvPr>
+          <p:cNvCxnSpPr>
+            <a:cxnSpLocks/>
+          </p:cNvCxnSpPr>
+          <p:nvPr/>
+        </p:nvCxnSpPr>
+        <p:spPr>
+          <a:xfrm flipH="1">
+            <a:off x="5227739" y="6251196"/>
+            <a:ext cx="4721604" cy="0"/>
+          </a:xfrm>
+          <a:prstGeom prst="line">
+            <a:avLst/>
+          </a:prstGeom>
+          <a:ln>
+            <a:solidFill>
+              <a:srgbClr val="FF0000"/>
+            </a:solidFill>
+            <a:prstDash val="dashDot"/>
+          </a:ln>
+        </p:spPr>
+        <p:style>
+          <a:lnRef idx="1">
+            <a:schemeClr val="accent1"/>
+          </a:lnRef>
+          <a:fillRef idx="0">
+            <a:schemeClr val="accent1"/>
+          </a:fillRef>
+          <a:effectRef idx="0">
+            <a:schemeClr val="accent1"/>
+          </a:effectRef>
+          <a:fontRef idx="minor">
+            <a:schemeClr val="tx1"/>
+          </a:fontRef>
+        </p:style>
+      </p:cxnSp>
+      <p:sp>
+        <p:nvSpPr>
+          <p:cNvPr id="23" name="ZoneTexte 22">
+            <a:extLst>
+              <a:ext uri="{FF2B5EF4-FFF2-40B4-BE49-F238E27FC236}">
+                <a16:creationId xmlns:a16="http://schemas.microsoft.com/office/drawing/2014/main" id="{342B65BC-BC65-022E-122C-EE2FF37CA71B}"/>
+              </a:ext>
+            </a:extLst>
+          </p:cNvPr>
+          <p:cNvSpPr txBox="1"/>
+          <p:nvPr/>
+        </p:nvSpPr>
+        <p:spPr>
+          <a:xfrm>
+            <a:off x="5889561" y="5585740"/>
+            <a:ext cx="1043876" cy="307777"/>
+          </a:xfrm>
+          <a:prstGeom prst="rect">
+            <a:avLst/>
+          </a:prstGeom>
+          <a:noFill/>
+        </p:spPr>
+        <p:txBody>
+          <a:bodyPr wrap="none" rtlCol="0">
+            <a:spAutoFit/>
+          </a:bodyPr>
+          <a:lstStyle/>
+          <a:p>
+            <a:r>
+              <a:rPr lang="en-GB" sz="1400" dirty="0" err="1">
+                <a:solidFill>
+                  <a:srgbClr val="FF0000"/>
+                </a:solidFill>
+                <a:latin typeface="Courier New" panose="02070309020205020404" pitchFamily="49" charset="0"/>
+                <a:cs typeface="Courier New" panose="02070309020205020404" pitchFamily="49" charset="0"/>
+              </a:rPr>
+              <a:t>maxAngle</a:t>
+            </a:r>
+            <a:endParaRPr lang="en-GB" sz="1400" dirty="0">
+              <a:solidFill>
+                <a:srgbClr val="FF0000"/>
+              </a:solidFill>
+              <a:latin typeface="Courier New" panose="02070309020205020404" pitchFamily="49" charset="0"/>
+              <a:cs typeface="Courier New" panose="02070309020205020404" pitchFamily="49" charset="0"/>
+            </a:endParaRPr>
+          </a:p>
+        </p:txBody>
+      </p:sp>
+      <p:sp>
+        <p:nvSpPr>
+          <p:cNvPr id="24" name="Arc 23">
+            <a:extLst>
+              <a:ext uri="{FF2B5EF4-FFF2-40B4-BE49-F238E27FC236}">
+                <a16:creationId xmlns:a16="http://schemas.microsoft.com/office/drawing/2014/main" id="{D8D85281-7C7B-EFDC-E955-B887AEED30F7}"/>
+              </a:ext>
+            </a:extLst>
+          </p:cNvPr>
+          <p:cNvSpPr/>
+          <p:nvPr/>
+        </p:nvSpPr>
+        <p:spPr>
+          <a:xfrm>
+            <a:off x="4379055" y="5027336"/>
+            <a:ext cx="2827206" cy="2414864"/>
+          </a:xfrm>
+          <a:prstGeom prst="arc">
+            <a:avLst>
+              <a:gd name="adj1" fmla="val 14133161"/>
+              <a:gd name="adj2" fmla="val 0"/>
+            </a:avLst>
+          </a:prstGeom>
+          <a:ln w="19050">
+            <a:solidFill>
+              <a:srgbClr val="FF0000"/>
+            </a:solidFill>
+            <a:headEnd type="arrow" w="med" len="med"/>
+            <a:tailEnd type="none" w="med" len="med"/>
+          </a:ln>
+        </p:spPr>
+        <p:style>
+          <a:lnRef idx="1">
+            <a:schemeClr val="accent1"/>
+          </a:lnRef>
+          <a:fillRef idx="0">
+            <a:schemeClr val="accent1"/>
+          </a:fillRef>
+          <a:effectRef idx="0">
+            <a:schemeClr val="accent1"/>
+          </a:effectRef>
+          <a:fontRef idx="minor">
+            <a:schemeClr val="tx1"/>
+          </a:fontRef>
+        </p:style>
+        <p:txBody>
+          <a:bodyPr rtlCol="0" anchor="ctr"/>
+          <a:lstStyle/>
+          <a:p>
+            <a:pPr algn="ctr"/>
+            <a:endParaRPr lang="en-GB"/>
+          </a:p>
+        </p:txBody>
+      </p:sp>
+      <p:sp>
+        <p:nvSpPr>
+          <p:cNvPr id="25" name="ZoneTexte 24">
+            <a:extLst>
+              <a:ext uri="{FF2B5EF4-FFF2-40B4-BE49-F238E27FC236}">
+                <a16:creationId xmlns:a16="http://schemas.microsoft.com/office/drawing/2014/main" id="{75F3F179-6449-651E-8E29-FCE193D197AB}"/>
+              </a:ext>
+            </a:extLst>
+          </p:cNvPr>
+          <p:cNvSpPr txBox="1"/>
+          <p:nvPr/>
+        </p:nvSpPr>
+        <p:spPr>
+          <a:xfrm>
+            <a:off x="4457001" y="4747540"/>
+            <a:ext cx="1043876" cy="307777"/>
+          </a:xfrm>
+          <a:prstGeom prst="rect">
+            <a:avLst/>
+          </a:prstGeom>
+          <a:noFill/>
+        </p:spPr>
+        <p:txBody>
+          <a:bodyPr wrap="none" rtlCol="0">
+            <a:spAutoFit/>
+          </a:bodyPr>
+          <a:lstStyle/>
+          <a:p>
+            <a:r>
+              <a:rPr lang="en-GB" sz="1400" dirty="0" err="1">
+                <a:solidFill>
+                  <a:srgbClr val="FF0000"/>
+                </a:solidFill>
+                <a:latin typeface="Courier New" panose="02070309020205020404" pitchFamily="49" charset="0"/>
+                <a:cs typeface="Courier New" panose="02070309020205020404" pitchFamily="49" charset="0"/>
+              </a:rPr>
+              <a:t>minAngle</a:t>
+            </a:r>
+            <a:endParaRPr lang="en-GB" sz="1400" dirty="0">
+              <a:solidFill>
+                <a:srgbClr val="FF0000"/>
+              </a:solidFill>
+              <a:latin typeface="Courier New" panose="02070309020205020404" pitchFamily="49" charset="0"/>
+              <a:cs typeface="Courier New" panose="02070309020205020404" pitchFamily="49" charset="0"/>
+            </a:endParaRPr>
+          </a:p>
+        </p:txBody>
+      </p:sp>
+      <p:cxnSp>
+        <p:nvCxnSpPr>
+          <p:cNvPr id="27" name="Connecteur droit avec flèche 26">
+            <a:extLst>
+              <a:ext uri="{FF2B5EF4-FFF2-40B4-BE49-F238E27FC236}">
+                <a16:creationId xmlns:a16="http://schemas.microsoft.com/office/drawing/2014/main" id="{1AEDB349-C47F-78D8-C8F6-E0722B3DA9B6}"/>
+              </a:ext>
+            </a:extLst>
+          </p:cNvPr>
+          <p:cNvCxnSpPr>
+            <a:cxnSpLocks/>
+          </p:cNvCxnSpPr>
+          <p:nvPr/>
+        </p:nvCxnSpPr>
+        <p:spPr>
+          <a:xfrm flipH="1">
+            <a:off x="6134100" y="1737360"/>
+            <a:ext cx="1043940" cy="4511040"/>
+          </a:xfrm>
+          <a:prstGeom prst="straightConnector1">
+            <a:avLst/>
+          </a:prstGeom>
+          <a:ln w="19050" cmpd="sng">
+            <a:solidFill>
+              <a:srgbClr val="FF0000"/>
+            </a:solidFill>
+            <a:prstDash val="solid"/>
+            <a:headEnd type="arrow" w="sm" len="med"/>
+            <a:tailEnd type="arrow"/>
+          </a:ln>
+        </p:spPr>
+        <p:style>
+          <a:lnRef idx="1">
+            <a:schemeClr val="accent1"/>
+          </a:lnRef>
+          <a:fillRef idx="0">
+            <a:schemeClr val="accent1"/>
+          </a:fillRef>
+          <a:effectRef idx="0">
+            <a:schemeClr val="accent1"/>
+          </a:effectRef>
+          <a:fontRef idx="minor">
+            <a:schemeClr val="tx1"/>
+          </a:fontRef>
+        </p:style>
+      </p:cxnSp>
+      <p:sp>
+        <p:nvSpPr>
+          <p:cNvPr id="29" name="Arc 28">
+            <a:extLst>
+              <a:ext uri="{FF2B5EF4-FFF2-40B4-BE49-F238E27FC236}">
+                <a16:creationId xmlns:a16="http://schemas.microsoft.com/office/drawing/2014/main" id="{65E71E1E-E256-F256-8084-BBB46442A452}"/>
+              </a:ext>
+            </a:extLst>
+          </p:cNvPr>
+          <p:cNvSpPr/>
+          <p:nvPr/>
+        </p:nvSpPr>
+        <p:spPr>
+          <a:xfrm>
+            <a:off x="1104900" y="1619250"/>
+            <a:ext cx="10096500" cy="9315450"/>
+          </a:xfrm>
+          <a:prstGeom prst="arc">
+            <a:avLst>
+              <a:gd name="adj1" fmla="val 13498927"/>
+              <a:gd name="adj2" fmla="val 18928888"/>
+            </a:avLst>
+          </a:prstGeom>
+          <a:ln w="19050">
+            <a:solidFill>
+              <a:srgbClr val="FF0000"/>
+            </a:solidFill>
+            <a:headEnd type="arrow" w="med" len="med"/>
+            <a:tailEnd type="none" w="med" len="med"/>
+          </a:ln>
+        </p:spPr>
+        <p:style>
+          <a:lnRef idx="1">
+            <a:schemeClr val="accent1"/>
+          </a:lnRef>
+          <a:fillRef idx="0">
+            <a:schemeClr val="accent1"/>
+          </a:fillRef>
+          <a:effectRef idx="0">
+            <a:schemeClr val="accent1"/>
+          </a:effectRef>
+          <a:fontRef idx="minor">
+            <a:schemeClr val="tx1"/>
+          </a:fontRef>
+        </p:style>
+        <p:txBody>
+          <a:bodyPr rtlCol="0" anchor="ctr"/>
+          <a:lstStyle/>
+          <a:p>
+            <a:pPr algn="ctr"/>
+            <a:endParaRPr lang="en-GB"/>
+          </a:p>
+        </p:txBody>
+      </p:sp>
+      <p:sp>
+        <p:nvSpPr>
+          <p:cNvPr id="30" name="ZoneTexte 29">
+            <a:extLst>
+              <a:ext uri="{FF2B5EF4-FFF2-40B4-BE49-F238E27FC236}">
+                <a16:creationId xmlns:a16="http://schemas.microsoft.com/office/drawing/2014/main" id="{EBA7EC0F-0F73-F9F5-E9A5-352BB7254E1B}"/>
+              </a:ext>
+            </a:extLst>
+          </p:cNvPr>
+          <p:cNvSpPr txBox="1"/>
+          <p:nvPr/>
+        </p:nvSpPr>
+        <p:spPr>
+          <a:xfrm rot="17029957">
+            <a:off x="6026909" y="2583111"/>
+            <a:ext cx="1473480" cy="307777"/>
+          </a:xfrm>
+          <a:prstGeom prst="rect">
+            <a:avLst/>
+          </a:prstGeom>
+          <a:noFill/>
+        </p:spPr>
+        <p:txBody>
+          <a:bodyPr wrap="none" rtlCol="0">
+            <a:spAutoFit/>
+          </a:bodyPr>
+          <a:lstStyle/>
+          <a:p>
+            <a:r>
+              <a:rPr lang="en-GB" sz="1400" dirty="0">
+                <a:solidFill>
+                  <a:srgbClr val="FF0000"/>
+                </a:solidFill>
+                <a:latin typeface="Courier New" panose="02070309020205020404" pitchFamily="49" charset="0"/>
+                <a:cs typeface="Courier New" panose="02070309020205020404" pitchFamily="49" charset="0"/>
+              </a:rPr>
+              <a:t>needleLength</a:t>
+            </a:r>
+          </a:p>
+        </p:txBody>
+      </p:sp>
+    </p:spTree>
+    <p:extLst>
+      <p:ext uri="{BB962C8B-B14F-4D97-AF65-F5344CB8AC3E}">
+        <p14:creationId xmlns:p14="http://schemas.microsoft.com/office/powerpoint/2010/main" val="644556632"/>
+      </p:ext>
+    </p:extLst>
+  </p:cSld>
+  <p:clrMapOvr>
+    <a:masterClrMapping/>
+  </p:clrMapOvr>
+</p:sld>
+</file>
+
+<file path=ppt/slides/slide15.xml><?xml version="1.0" encoding="utf-8"?>
+<p:sld xmlns:a="http://schemas.openxmlformats.org/drawingml/2006/main" xmlns:r="http://schemas.openxmlformats.org/officeDocument/2006/relationships" xmlns:p="http://schemas.openxmlformats.org/presentationml/2006/main">
+  <p:cSld>
+    <p:spTree>
+      <p:nvGrpSpPr>
+        <p:cNvPr id="1" name="">
+          <a:extLst>
+            <a:ext uri="{FF2B5EF4-FFF2-40B4-BE49-F238E27FC236}">
+              <a16:creationId xmlns:a16="http://schemas.microsoft.com/office/drawing/2014/main" id="{2E3A25CE-C1B5-3B72-722D-FA0B3ED505E8}"/>
+            </a:ext>
+          </a:extLst>
+        </p:cNvPr>
+        <p:cNvGrpSpPr/>
+        <p:nvPr/>
+      </p:nvGrpSpPr>
+      <p:grpSpPr>
+        <a:xfrm>
+          <a:off x="0" y="0"/>
+          <a:ext cx="0" cy="0"/>
+          <a:chOff x="0" y="0"/>
+          <a:chExt cx="0" cy="0"/>
+        </a:xfrm>
+      </p:grpSpPr>
+      <p:sp>
+        <p:nvSpPr>
+          <p:cNvPr id="2" name="Titre 1">
+            <a:extLst>
+              <a:ext uri="{FF2B5EF4-FFF2-40B4-BE49-F238E27FC236}">
+                <a16:creationId xmlns:a16="http://schemas.microsoft.com/office/drawing/2014/main" id="{EA569F57-F328-9CE9-74D8-501A3A8028D3}"/>
+              </a:ext>
+            </a:extLst>
+          </p:cNvPr>
+          <p:cNvSpPr>
+            <a:spLocks noGrp="1"/>
+          </p:cNvSpPr>
+          <p:nvPr>
+            <p:ph type="title" idx="4294967295"/>
+          </p:nvPr>
+        </p:nvSpPr>
+        <p:spPr>
+          <a:xfrm>
+            <a:off x="0" y="365125"/>
+            <a:ext cx="10515600" cy="1325563"/>
+          </a:xfrm>
+        </p:spPr>
+        <p:txBody>
+          <a:bodyPr/>
+          <a:lstStyle/>
+          <a:p>
+            <a:r>
+              <a:rPr lang="en-GB" dirty="0"/>
+              <a:t>Graphical representation - coordinates</a:t>
+            </a:r>
+          </a:p>
+        </p:txBody>
+      </p:sp>
+      <p:cxnSp>
+        <p:nvCxnSpPr>
+          <p:cNvPr id="7" name="Connecteur droit 6">
+            <a:extLst>
+              <a:ext uri="{FF2B5EF4-FFF2-40B4-BE49-F238E27FC236}">
+                <a16:creationId xmlns:a16="http://schemas.microsoft.com/office/drawing/2014/main" id="{8F4AE237-5223-E631-CE0C-D9A938122B4F}"/>
+              </a:ext>
+            </a:extLst>
+          </p:cNvPr>
+          <p:cNvCxnSpPr>
+            <a:cxnSpLocks/>
+          </p:cNvCxnSpPr>
+          <p:nvPr/>
+        </p:nvCxnSpPr>
+        <p:spPr>
+          <a:xfrm flipH="1">
+            <a:off x="6100981" y="1174459"/>
+            <a:ext cx="1180663" cy="5140616"/>
+          </a:xfrm>
+          <a:prstGeom prst="line">
+            <a:avLst/>
+          </a:prstGeom>
+          <a:ln>
+            <a:solidFill>
+              <a:srgbClr val="FF0000"/>
+            </a:solidFill>
+            <a:prstDash val="dashDot"/>
+          </a:ln>
+        </p:spPr>
+        <p:style>
+          <a:lnRef idx="1">
+            <a:schemeClr val="accent1"/>
+          </a:lnRef>
+          <a:fillRef idx="0">
+            <a:schemeClr val="accent1"/>
+          </a:fillRef>
+          <a:effectRef idx="0">
+            <a:schemeClr val="accent1"/>
+          </a:effectRef>
+          <a:fontRef idx="minor">
+            <a:schemeClr val="tx1"/>
+          </a:fontRef>
+        </p:style>
+      </p:cxnSp>
+      <p:cxnSp>
+        <p:nvCxnSpPr>
+          <p:cNvPr id="8" name="Connecteur droit 7">
+            <a:extLst>
+              <a:ext uri="{FF2B5EF4-FFF2-40B4-BE49-F238E27FC236}">
+                <a16:creationId xmlns:a16="http://schemas.microsoft.com/office/drawing/2014/main" id="{AB8B3C50-5B3C-8F8A-CF99-71EABF4BE120}"/>
+              </a:ext>
+            </a:extLst>
+          </p:cNvPr>
+          <p:cNvCxnSpPr>
+            <a:cxnSpLocks/>
+          </p:cNvCxnSpPr>
+          <p:nvPr/>
+        </p:nvCxnSpPr>
+        <p:spPr>
+          <a:xfrm>
+            <a:off x="6119157" y="838899"/>
+            <a:ext cx="0" cy="5636965"/>
+          </a:xfrm>
+          <a:prstGeom prst="line">
+            <a:avLst/>
+          </a:prstGeom>
+          <a:ln>
+            <a:solidFill>
+              <a:srgbClr val="FF0000"/>
+            </a:solidFill>
+            <a:prstDash val="dashDot"/>
+          </a:ln>
+        </p:spPr>
+        <p:style>
+          <a:lnRef idx="1">
+            <a:schemeClr val="accent1"/>
+          </a:lnRef>
+          <a:fillRef idx="0">
+            <a:schemeClr val="accent1"/>
+          </a:fillRef>
+          <a:effectRef idx="0">
+            <a:schemeClr val="accent1"/>
+          </a:effectRef>
+          <a:fontRef idx="minor">
+            <a:schemeClr val="tx1"/>
+          </a:fontRef>
+        </p:style>
+      </p:cxnSp>
+      <p:cxnSp>
+        <p:nvCxnSpPr>
+          <p:cNvPr id="11" name="Connecteur droit 10">
+            <a:extLst>
+              <a:ext uri="{FF2B5EF4-FFF2-40B4-BE49-F238E27FC236}">
+                <a16:creationId xmlns:a16="http://schemas.microsoft.com/office/drawing/2014/main" id="{88C35827-03B5-FFBD-ED64-22CF42BC36D0}"/>
+              </a:ext>
+            </a:extLst>
+          </p:cNvPr>
+          <p:cNvCxnSpPr>
+            <a:cxnSpLocks/>
+          </p:cNvCxnSpPr>
+          <p:nvPr/>
+        </p:nvCxnSpPr>
+        <p:spPr>
+          <a:xfrm flipH="1">
+            <a:off x="6098796" y="2416029"/>
+            <a:ext cx="4043494" cy="3858936"/>
+          </a:xfrm>
+          <a:prstGeom prst="line">
+            <a:avLst/>
+          </a:prstGeom>
+          <a:ln>
+            <a:solidFill>
+              <a:srgbClr val="FF0000"/>
+            </a:solidFill>
+            <a:prstDash val="dashDot"/>
+          </a:ln>
+        </p:spPr>
+        <p:style>
+          <a:lnRef idx="1">
+            <a:schemeClr val="accent1"/>
+          </a:lnRef>
+          <a:fillRef idx="0">
+            <a:schemeClr val="accent1"/>
+          </a:fillRef>
+          <a:effectRef idx="0">
+            <a:schemeClr val="accent1"/>
+          </a:effectRef>
+          <a:fontRef idx="minor">
+            <a:schemeClr val="tx1"/>
+          </a:fontRef>
+        </p:style>
+      </p:cxnSp>
+      <p:cxnSp>
+        <p:nvCxnSpPr>
+          <p:cNvPr id="15" name="Connecteur droit 14">
+            <a:extLst>
+              <a:ext uri="{FF2B5EF4-FFF2-40B4-BE49-F238E27FC236}">
+                <a16:creationId xmlns:a16="http://schemas.microsoft.com/office/drawing/2014/main" id="{907F0FC1-DD0B-3A42-837A-73A1BFD206F0}"/>
+              </a:ext>
+            </a:extLst>
+          </p:cNvPr>
+          <p:cNvCxnSpPr>
+            <a:cxnSpLocks/>
+          </p:cNvCxnSpPr>
+          <p:nvPr/>
+        </p:nvCxnSpPr>
+        <p:spPr>
+          <a:xfrm>
+            <a:off x="2374084" y="2533475"/>
+            <a:ext cx="3741490" cy="3699545"/>
+          </a:xfrm>
+          <a:prstGeom prst="line">
+            <a:avLst/>
+          </a:prstGeom>
+          <a:ln>
+            <a:solidFill>
+              <a:srgbClr val="FF0000"/>
+            </a:solidFill>
+            <a:prstDash val="dashDot"/>
+          </a:ln>
+        </p:spPr>
+        <p:style>
+          <a:lnRef idx="1">
+            <a:schemeClr val="accent1"/>
+          </a:lnRef>
+          <a:fillRef idx="0">
+            <a:schemeClr val="accent1"/>
+          </a:fillRef>
+          <a:effectRef idx="0">
+            <a:schemeClr val="accent1"/>
+          </a:effectRef>
+          <a:fontRef idx="minor">
+            <a:schemeClr val="tx1"/>
+          </a:fontRef>
+        </p:style>
+      </p:cxnSp>
+      <p:sp>
+        <p:nvSpPr>
+          <p:cNvPr id="18" name="ZoneTexte 17">
+            <a:extLst>
+              <a:ext uri="{FF2B5EF4-FFF2-40B4-BE49-F238E27FC236}">
+                <a16:creationId xmlns:a16="http://schemas.microsoft.com/office/drawing/2014/main" id="{E096771D-0BC7-79FA-3FDB-866CE7A32D7F}"/>
+              </a:ext>
+            </a:extLst>
+          </p:cNvPr>
+          <p:cNvSpPr txBox="1"/>
+          <p:nvPr/>
+        </p:nvSpPr>
+        <p:spPr>
+          <a:xfrm>
+            <a:off x="9748008" y="5402511"/>
+            <a:ext cx="721672" cy="307777"/>
+          </a:xfrm>
+          <a:prstGeom prst="rect">
+            <a:avLst/>
+          </a:prstGeom>
+          <a:noFill/>
+        </p:spPr>
+        <p:txBody>
+          <a:bodyPr wrap="none" rtlCol="0">
+            <a:spAutoFit/>
+          </a:bodyPr>
+          <a:lstStyle/>
+          <a:p>
+            <a:r>
+              <a:rPr lang="en-GB" sz="1400" dirty="0">
+                <a:solidFill>
+                  <a:srgbClr val="FF0000"/>
+                </a:solidFill>
+                <a:latin typeface="Courier New" panose="02070309020205020404" pitchFamily="49" charset="0"/>
+                <a:cs typeface="Courier New" panose="02070309020205020404" pitchFamily="49" charset="0"/>
+              </a:rPr>
+              <a:t>width</a:t>
+            </a:r>
+          </a:p>
+        </p:txBody>
+      </p:sp>
+      <p:sp>
+        <p:nvSpPr>
+          <p:cNvPr id="19" name="ZoneTexte 18">
+            <a:extLst>
+              <a:ext uri="{FF2B5EF4-FFF2-40B4-BE49-F238E27FC236}">
+                <a16:creationId xmlns:a16="http://schemas.microsoft.com/office/drawing/2014/main" id="{466C2634-0DC4-5B00-425E-8D15BAED668D}"/>
+              </a:ext>
+            </a:extLst>
+          </p:cNvPr>
+          <p:cNvSpPr txBox="1"/>
+          <p:nvPr/>
+        </p:nvSpPr>
+        <p:spPr>
+          <a:xfrm>
+            <a:off x="1754697" y="1167468"/>
+            <a:ext cx="829073" cy="307777"/>
+          </a:xfrm>
+          <a:prstGeom prst="rect">
+            <a:avLst/>
+          </a:prstGeom>
+          <a:noFill/>
+        </p:spPr>
+        <p:txBody>
+          <a:bodyPr wrap="none" rtlCol="0">
+            <a:spAutoFit/>
+          </a:bodyPr>
+          <a:lstStyle/>
+          <a:p>
+            <a:r>
+              <a:rPr lang="en-GB" sz="1400" dirty="0">
+                <a:solidFill>
+                  <a:srgbClr val="FF0000"/>
+                </a:solidFill>
+                <a:latin typeface="Courier New" panose="02070309020205020404" pitchFamily="49" charset="0"/>
+                <a:cs typeface="Courier New" panose="02070309020205020404" pitchFamily="49" charset="0"/>
+              </a:rPr>
+              <a:t>height</a:t>
+            </a:r>
+          </a:p>
+        </p:txBody>
+      </p:sp>
+      <p:sp>
+        <p:nvSpPr>
+          <p:cNvPr id="20" name="Arc 19">
+            <a:extLst>
+              <a:ext uri="{FF2B5EF4-FFF2-40B4-BE49-F238E27FC236}">
+                <a16:creationId xmlns:a16="http://schemas.microsoft.com/office/drawing/2014/main" id="{0BA0EDC6-B84F-4512-EB7E-DD3C9E959379}"/>
+              </a:ext>
+            </a:extLst>
+          </p:cNvPr>
+          <p:cNvSpPr/>
+          <p:nvPr/>
+        </p:nvSpPr>
+        <p:spPr>
+          <a:xfrm>
+            <a:off x="5251508" y="5587068"/>
+            <a:ext cx="1466792" cy="1372532"/>
+          </a:xfrm>
+          <a:prstGeom prst="arc">
+            <a:avLst>
+              <a:gd name="adj1" fmla="val 19432388"/>
+              <a:gd name="adj2" fmla="val 0"/>
+            </a:avLst>
+          </a:prstGeom>
+          <a:ln w="19050">
+            <a:solidFill>
+              <a:srgbClr val="FF0000"/>
+            </a:solidFill>
+            <a:headEnd type="arrow" w="med" len="med"/>
+            <a:tailEnd type="none" w="med" len="med"/>
+          </a:ln>
+        </p:spPr>
+        <p:style>
+          <a:lnRef idx="1">
+            <a:schemeClr val="accent1"/>
+          </a:lnRef>
+          <a:fillRef idx="0">
+            <a:schemeClr val="accent1"/>
+          </a:fillRef>
+          <a:effectRef idx="0">
+            <a:schemeClr val="accent1"/>
+          </a:effectRef>
+          <a:fontRef idx="minor">
+            <a:schemeClr val="tx1"/>
+          </a:fontRef>
+        </p:style>
+        <p:txBody>
+          <a:bodyPr rtlCol="0" anchor="ctr"/>
+          <a:lstStyle/>
+          <a:p>
+            <a:pPr algn="ctr"/>
+            <a:endParaRPr lang="en-GB"/>
+          </a:p>
+        </p:txBody>
+      </p:sp>
+      <p:cxnSp>
+        <p:nvCxnSpPr>
+          <p:cNvPr id="21" name="Connecteur droit 20">
+            <a:extLst>
+              <a:ext uri="{FF2B5EF4-FFF2-40B4-BE49-F238E27FC236}">
+                <a16:creationId xmlns:a16="http://schemas.microsoft.com/office/drawing/2014/main" id="{0FB27BB1-379F-8534-468B-4FAD9D7D2BBD}"/>
+              </a:ext>
+            </a:extLst>
+          </p:cNvPr>
+          <p:cNvCxnSpPr>
+            <a:cxnSpLocks/>
+          </p:cNvCxnSpPr>
+          <p:nvPr/>
+        </p:nvCxnSpPr>
+        <p:spPr>
+          <a:xfrm flipH="1">
+            <a:off x="5227739" y="6251196"/>
+            <a:ext cx="4721604" cy="0"/>
+          </a:xfrm>
+          <a:prstGeom prst="line">
+            <a:avLst/>
+          </a:prstGeom>
+          <a:ln>
+            <a:solidFill>
+              <a:srgbClr val="FF0000"/>
+            </a:solidFill>
+            <a:prstDash val="dashDot"/>
+          </a:ln>
+        </p:spPr>
+        <p:style>
+          <a:lnRef idx="1">
+            <a:schemeClr val="accent1"/>
+          </a:lnRef>
+          <a:fillRef idx="0">
+            <a:schemeClr val="accent1"/>
+          </a:fillRef>
+          <a:effectRef idx="0">
+            <a:schemeClr val="accent1"/>
+          </a:effectRef>
+          <a:fontRef idx="minor">
+            <a:schemeClr val="tx1"/>
+          </a:fontRef>
+        </p:style>
+      </p:cxnSp>
+      <p:sp>
+        <p:nvSpPr>
+          <p:cNvPr id="23" name="ZoneTexte 22">
+            <a:extLst>
+              <a:ext uri="{FF2B5EF4-FFF2-40B4-BE49-F238E27FC236}">
+                <a16:creationId xmlns:a16="http://schemas.microsoft.com/office/drawing/2014/main" id="{B98D2221-EF78-ED66-EC12-04D53EE907F8}"/>
+              </a:ext>
+            </a:extLst>
+          </p:cNvPr>
+          <p:cNvSpPr txBox="1"/>
+          <p:nvPr/>
+        </p:nvSpPr>
+        <p:spPr>
+          <a:xfrm>
+            <a:off x="5889561" y="5585740"/>
+            <a:ext cx="1043876" cy="307777"/>
+          </a:xfrm>
+          <a:prstGeom prst="rect">
+            <a:avLst/>
+          </a:prstGeom>
+          <a:noFill/>
+        </p:spPr>
+        <p:txBody>
+          <a:bodyPr wrap="none" rtlCol="0">
+            <a:spAutoFit/>
+          </a:bodyPr>
+          <a:lstStyle/>
+          <a:p>
+            <a:r>
+              <a:rPr lang="en-GB" sz="1400" dirty="0" err="1">
+                <a:solidFill>
+                  <a:srgbClr val="FF0000"/>
+                </a:solidFill>
+                <a:latin typeface="Courier New" panose="02070309020205020404" pitchFamily="49" charset="0"/>
+                <a:cs typeface="Courier New" panose="02070309020205020404" pitchFamily="49" charset="0"/>
+              </a:rPr>
+              <a:t>maxAngle</a:t>
+            </a:r>
+            <a:endParaRPr lang="en-GB" sz="1400" dirty="0">
+              <a:solidFill>
+                <a:srgbClr val="FF0000"/>
+              </a:solidFill>
+              <a:latin typeface="Courier New" panose="02070309020205020404" pitchFamily="49" charset="0"/>
+              <a:cs typeface="Courier New" panose="02070309020205020404" pitchFamily="49" charset="0"/>
+            </a:endParaRPr>
+          </a:p>
+        </p:txBody>
+      </p:sp>
+      <p:sp>
+        <p:nvSpPr>
+          <p:cNvPr id="24" name="Arc 23">
+            <a:extLst>
+              <a:ext uri="{FF2B5EF4-FFF2-40B4-BE49-F238E27FC236}">
+                <a16:creationId xmlns:a16="http://schemas.microsoft.com/office/drawing/2014/main" id="{014EEC8A-7DF3-6207-88C4-E855EE7B0F4F}"/>
+              </a:ext>
+            </a:extLst>
+          </p:cNvPr>
+          <p:cNvSpPr/>
+          <p:nvPr/>
+        </p:nvSpPr>
+        <p:spPr>
+          <a:xfrm>
+            <a:off x="4379055" y="5027336"/>
+            <a:ext cx="2827206" cy="2414864"/>
+          </a:xfrm>
+          <a:prstGeom prst="arc">
+            <a:avLst>
+              <a:gd name="adj1" fmla="val 14133161"/>
+              <a:gd name="adj2" fmla="val 0"/>
+            </a:avLst>
+          </a:prstGeom>
+          <a:ln w="19050">
+            <a:solidFill>
+              <a:srgbClr val="FF0000"/>
+            </a:solidFill>
+            <a:headEnd type="arrow" w="med" len="med"/>
+            <a:tailEnd type="none" w="med" len="med"/>
+          </a:ln>
+        </p:spPr>
+        <p:style>
+          <a:lnRef idx="1">
+            <a:schemeClr val="accent1"/>
+          </a:lnRef>
+          <a:fillRef idx="0">
+            <a:schemeClr val="accent1"/>
+          </a:fillRef>
+          <a:effectRef idx="0">
+            <a:schemeClr val="accent1"/>
+          </a:effectRef>
+          <a:fontRef idx="minor">
+            <a:schemeClr val="tx1"/>
+          </a:fontRef>
+        </p:style>
+        <p:txBody>
+          <a:bodyPr rtlCol="0" anchor="ctr"/>
+          <a:lstStyle/>
+          <a:p>
+            <a:pPr algn="ctr"/>
+            <a:endParaRPr lang="en-GB"/>
+          </a:p>
+        </p:txBody>
+      </p:sp>
+      <p:sp>
+        <p:nvSpPr>
+          <p:cNvPr id="25" name="ZoneTexte 24">
+            <a:extLst>
+              <a:ext uri="{FF2B5EF4-FFF2-40B4-BE49-F238E27FC236}">
+                <a16:creationId xmlns:a16="http://schemas.microsoft.com/office/drawing/2014/main" id="{120E7164-5881-6C5A-429A-ABD2917D5F8C}"/>
+              </a:ext>
+            </a:extLst>
+          </p:cNvPr>
+          <p:cNvSpPr txBox="1"/>
+          <p:nvPr/>
+        </p:nvSpPr>
+        <p:spPr>
+          <a:xfrm>
+            <a:off x="4457001" y="4747540"/>
+            <a:ext cx="1043876" cy="307777"/>
+          </a:xfrm>
+          <a:prstGeom prst="rect">
+            <a:avLst/>
+          </a:prstGeom>
+          <a:noFill/>
+        </p:spPr>
+        <p:txBody>
+          <a:bodyPr wrap="none" rtlCol="0">
+            <a:spAutoFit/>
+          </a:bodyPr>
+          <a:lstStyle/>
+          <a:p>
+            <a:r>
+              <a:rPr lang="en-GB" sz="1400" dirty="0" err="1">
+                <a:solidFill>
+                  <a:srgbClr val="FF0000"/>
+                </a:solidFill>
+                <a:latin typeface="Courier New" panose="02070309020205020404" pitchFamily="49" charset="0"/>
+                <a:cs typeface="Courier New" panose="02070309020205020404" pitchFamily="49" charset="0"/>
+              </a:rPr>
+              <a:t>minAngle</a:t>
+            </a:r>
+            <a:endParaRPr lang="en-GB" sz="1400" dirty="0">
+              <a:solidFill>
+                <a:srgbClr val="FF0000"/>
+              </a:solidFill>
+              <a:latin typeface="Courier New" panose="02070309020205020404" pitchFamily="49" charset="0"/>
+              <a:cs typeface="Courier New" panose="02070309020205020404" pitchFamily="49" charset="0"/>
+            </a:endParaRPr>
+          </a:p>
+        </p:txBody>
+      </p:sp>
+      <p:cxnSp>
+        <p:nvCxnSpPr>
+          <p:cNvPr id="27" name="Connecteur droit avec flèche 26">
+            <a:extLst>
+              <a:ext uri="{FF2B5EF4-FFF2-40B4-BE49-F238E27FC236}">
+                <a16:creationId xmlns:a16="http://schemas.microsoft.com/office/drawing/2014/main" id="{F39D2126-2787-FA85-045C-E1F64ED6D187}"/>
+              </a:ext>
+            </a:extLst>
+          </p:cNvPr>
+          <p:cNvCxnSpPr>
+            <a:cxnSpLocks/>
+          </p:cNvCxnSpPr>
+          <p:nvPr/>
+        </p:nvCxnSpPr>
+        <p:spPr>
+          <a:xfrm flipH="1">
+            <a:off x="6134100" y="1737360"/>
+            <a:ext cx="1043940" cy="4511040"/>
+          </a:xfrm>
+          <a:prstGeom prst="straightConnector1">
+            <a:avLst/>
+          </a:prstGeom>
+          <a:ln w="19050" cmpd="sng">
+            <a:solidFill>
+              <a:srgbClr val="FF0000"/>
+            </a:solidFill>
+            <a:prstDash val="solid"/>
+            <a:headEnd type="arrow" w="sm" len="med"/>
+            <a:tailEnd type="arrow"/>
+          </a:ln>
+        </p:spPr>
+        <p:style>
+          <a:lnRef idx="1">
+            <a:schemeClr val="accent1"/>
+          </a:lnRef>
+          <a:fillRef idx="0">
+            <a:schemeClr val="accent1"/>
+          </a:fillRef>
+          <a:effectRef idx="0">
+            <a:schemeClr val="accent1"/>
+          </a:effectRef>
+          <a:fontRef idx="minor">
+            <a:schemeClr val="tx1"/>
+          </a:fontRef>
+        </p:style>
+      </p:cxnSp>
+      <p:sp>
+        <p:nvSpPr>
+          <p:cNvPr id="29" name="Arc 28">
+            <a:extLst>
+              <a:ext uri="{FF2B5EF4-FFF2-40B4-BE49-F238E27FC236}">
+                <a16:creationId xmlns:a16="http://schemas.microsoft.com/office/drawing/2014/main" id="{9FA4E61B-3BED-421B-030A-063FF46E15C3}"/>
+              </a:ext>
+            </a:extLst>
+          </p:cNvPr>
+          <p:cNvSpPr/>
+          <p:nvPr/>
+        </p:nvSpPr>
+        <p:spPr>
+          <a:xfrm>
+            <a:off x="1104900" y="1619250"/>
+            <a:ext cx="10096500" cy="9315450"/>
+          </a:xfrm>
+          <a:prstGeom prst="arc">
+            <a:avLst>
+              <a:gd name="adj1" fmla="val 13498927"/>
+              <a:gd name="adj2" fmla="val 18928888"/>
+            </a:avLst>
+          </a:prstGeom>
+          <a:ln w="19050">
+            <a:solidFill>
+              <a:srgbClr val="FF0000"/>
+            </a:solidFill>
+            <a:headEnd type="arrow" w="med" len="med"/>
+            <a:tailEnd type="none" w="med" len="med"/>
+          </a:ln>
+        </p:spPr>
+        <p:style>
+          <a:lnRef idx="1">
+            <a:schemeClr val="accent1"/>
+          </a:lnRef>
+          <a:fillRef idx="0">
+            <a:schemeClr val="accent1"/>
+          </a:fillRef>
+          <a:effectRef idx="0">
+            <a:schemeClr val="accent1"/>
+          </a:effectRef>
+          <a:fontRef idx="minor">
+            <a:schemeClr val="tx1"/>
+          </a:fontRef>
+        </p:style>
+        <p:txBody>
+          <a:bodyPr rtlCol="0" anchor="ctr"/>
+          <a:lstStyle/>
+          <a:p>
+            <a:pPr algn="ctr"/>
+            <a:endParaRPr lang="en-GB"/>
+          </a:p>
+        </p:txBody>
+      </p:sp>
+      <p:sp>
+        <p:nvSpPr>
+          <p:cNvPr id="30" name="ZoneTexte 29">
+            <a:extLst>
+              <a:ext uri="{FF2B5EF4-FFF2-40B4-BE49-F238E27FC236}">
+                <a16:creationId xmlns:a16="http://schemas.microsoft.com/office/drawing/2014/main" id="{F15BEB79-5D61-C508-B6F4-0733C0D28581}"/>
+              </a:ext>
+            </a:extLst>
+          </p:cNvPr>
+          <p:cNvSpPr txBox="1"/>
+          <p:nvPr/>
+        </p:nvSpPr>
+        <p:spPr>
+          <a:xfrm rot="17029957">
+            <a:off x="6026909" y="2583111"/>
+            <a:ext cx="1473480" cy="307777"/>
+          </a:xfrm>
+          <a:prstGeom prst="rect">
+            <a:avLst/>
+          </a:prstGeom>
+          <a:noFill/>
+        </p:spPr>
+        <p:txBody>
+          <a:bodyPr wrap="none" rtlCol="0">
+            <a:spAutoFit/>
+          </a:bodyPr>
+          <a:lstStyle/>
+          <a:p>
+            <a:r>
+              <a:rPr lang="en-GB" sz="1400" dirty="0">
+                <a:solidFill>
+                  <a:srgbClr val="FF0000"/>
+                </a:solidFill>
+                <a:latin typeface="Courier New" panose="02070309020205020404" pitchFamily="49" charset="0"/>
+                <a:cs typeface="Courier New" panose="02070309020205020404" pitchFamily="49" charset="0"/>
+              </a:rPr>
+              <a:t>needleLength</a:t>
+            </a:r>
+          </a:p>
+        </p:txBody>
+      </p:sp>
+      <p:sp>
+        <p:nvSpPr>
+          <p:cNvPr id="3" name="Rectangle 2">
+            <a:extLst>
+              <a:ext uri="{FF2B5EF4-FFF2-40B4-BE49-F238E27FC236}">
+                <a16:creationId xmlns:a16="http://schemas.microsoft.com/office/drawing/2014/main" id="{BC005B9D-EB04-DF93-6DC0-8F6FC2B87FF0}"/>
+              </a:ext>
+            </a:extLst>
+          </p:cNvPr>
+          <p:cNvSpPr/>
+          <p:nvPr/>
+        </p:nvSpPr>
+        <p:spPr>
+          <a:xfrm>
+            <a:off x="2159000" y="1498600"/>
+            <a:ext cx="7937500" cy="3848100"/>
+          </a:xfrm>
+          <a:prstGeom prst="rect">
+            <a:avLst/>
+          </a:prstGeom>
+          <a:ln>
+            <a:solidFill>
+              <a:srgbClr val="FF0000"/>
+            </a:solidFill>
+            <a:prstDash val="dashDot"/>
+          </a:ln>
+        </p:spPr>
+        <p:style>
+          <a:lnRef idx="1">
+            <a:schemeClr val="accent1"/>
+          </a:lnRef>
+          <a:fillRef idx="0">
+            <a:schemeClr val="accent1"/>
+          </a:fillRef>
+          <a:effectRef idx="0">
+            <a:schemeClr val="accent1"/>
+          </a:effectRef>
+          <a:fontRef idx="minor">
+            <a:schemeClr val="tx1"/>
+          </a:fontRef>
+        </p:style>
+        <p:txBody>
+          <a:bodyPr rtlCol="0" anchor="ctr"/>
+          <a:lstStyle/>
+          <a:p>
+            <a:pPr algn="ctr"/>
+            <a:endParaRPr lang="en-GB"/>
+          </a:p>
+        </p:txBody>
+      </p:sp>
+      <p:sp>
+        <p:nvSpPr>
+          <p:cNvPr id="4" name="ZoneTexte 3">
+            <a:extLst>
+              <a:ext uri="{FF2B5EF4-FFF2-40B4-BE49-F238E27FC236}">
+                <a16:creationId xmlns:a16="http://schemas.microsoft.com/office/drawing/2014/main" id="{5C73DAE5-D066-2D3D-2812-50F95BEF0C2F}"/>
+              </a:ext>
+            </a:extLst>
+          </p:cNvPr>
+          <p:cNvSpPr txBox="1"/>
+          <p:nvPr/>
+        </p:nvSpPr>
+        <p:spPr>
+          <a:xfrm>
+            <a:off x="5638800" y="6299200"/>
+            <a:ext cx="1003673" cy="369332"/>
+          </a:xfrm>
+          <a:prstGeom prst="rect">
+            <a:avLst/>
+          </a:prstGeom>
+          <a:noFill/>
+        </p:spPr>
+        <p:txBody>
+          <a:bodyPr wrap="none" rtlCol="0">
+            <a:spAutoFit/>
+          </a:bodyPr>
+          <a:lstStyle>
+            <a:defPPr>
+              <a:defRPr lang="LID4096"/>
+            </a:defPPr>
+            <a:lvl1pPr>
+              <a:defRPr sz="1400">
+                <a:solidFill>
+                  <a:srgbClr val="FF0000"/>
+                </a:solidFill>
+                <a:latin typeface="Courier New" panose="02070309020205020404" pitchFamily="49" charset="0"/>
+                <a:cs typeface="Courier New" panose="02070309020205020404" pitchFamily="49" charset="0"/>
+              </a:defRPr>
+            </a:lvl1pPr>
+          </a:lstStyle>
+          <a:p>
+            <a:r>
+              <a:rPr lang="en-GB" dirty="0"/>
+              <a:t>C (</a:t>
+            </a:r>
+            <a:r>
+              <a:rPr lang="en-GB" dirty="0" err="1"/>
+              <a:t>xC</a:t>
+            </a:r>
+            <a:r>
+              <a:rPr lang="en-GB" dirty="0"/>
+              <a:t>, </a:t>
+            </a:r>
+            <a:r>
+              <a:rPr lang="en-GB" dirty="0" err="1"/>
+              <a:t>yC</a:t>
+            </a:r>
+            <a:r>
+              <a:rPr lang="en-GB" dirty="0"/>
+              <a:t>)</a:t>
+            </a:r>
+          </a:p>
+        </p:txBody>
+      </p:sp>
+      <p:sp>
+        <p:nvSpPr>
+          <p:cNvPr id="6" name="ZoneTexte 5">
+            <a:extLst>
+              <a:ext uri="{FF2B5EF4-FFF2-40B4-BE49-F238E27FC236}">
+                <a16:creationId xmlns:a16="http://schemas.microsoft.com/office/drawing/2014/main" id="{302E0CE1-96B4-43E5-3817-680CE15A71DC}"/>
+              </a:ext>
+            </a:extLst>
+          </p:cNvPr>
+          <p:cNvSpPr txBox="1"/>
+          <p:nvPr/>
+        </p:nvSpPr>
+        <p:spPr>
+          <a:xfrm>
+            <a:off x="1752600" y="2997200"/>
+            <a:ext cx="1903085" cy="307777"/>
+          </a:xfrm>
+          <a:prstGeom prst="rect">
+            <a:avLst/>
+          </a:prstGeom>
+          <a:noFill/>
+        </p:spPr>
+        <p:txBody>
+          <a:bodyPr wrap="none" rtlCol="0">
+            <a:spAutoFit/>
+          </a:bodyPr>
+          <a:lstStyle>
+            <a:defPPr>
+              <a:defRPr lang="LID4096"/>
+            </a:defPPr>
+            <a:lvl1pPr>
+              <a:defRPr sz="1400">
+                <a:solidFill>
+                  <a:srgbClr val="FF0000"/>
+                </a:solidFill>
+                <a:latin typeface="Courier New" panose="02070309020205020404" pitchFamily="49" charset="0"/>
+                <a:cs typeface="Courier New" panose="02070309020205020404" pitchFamily="49" charset="0"/>
+              </a:defRPr>
+            </a:lvl1pPr>
+          </a:lstStyle>
+          <a:p>
+            <a:r>
+              <a:rPr lang="en-GB" dirty="0"/>
+              <a:t>Min (</a:t>
+            </a:r>
+            <a:r>
+              <a:rPr lang="en-GB" dirty="0" err="1"/>
+              <a:t>xMin</a:t>
+            </a:r>
+            <a:r>
+              <a:rPr lang="en-GB" dirty="0"/>
+              <a:t>, </a:t>
+            </a:r>
+            <a:r>
+              <a:rPr lang="en-GB" dirty="0" err="1"/>
+              <a:t>yMin</a:t>
+            </a:r>
+            <a:r>
+              <a:rPr lang="en-GB" dirty="0"/>
+              <a:t>)</a:t>
+            </a:r>
+          </a:p>
+        </p:txBody>
+      </p:sp>
+      <p:sp>
+        <p:nvSpPr>
+          <p:cNvPr id="9" name="Ellipse 8">
+            <a:extLst>
+              <a:ext uri="{FF2B5EF4-FFF2-40B4-BE49-F238E27FC236}">
+                <a16:creationId xmlns:a16="http://schemas.microsoft.com/office/drawing/2014/main" id="{A37B75B9-8E94-04EC-1BE6-55C9E1C9B7DD}"/>
+              </a:ext>
+            </a:extLst>
+          </p:cNvPr>
+          <p:cNvSpPr/>
+          <p:nvPr/>
+        </p:nvSpPr>
+        <p:spPr>
+          <a:xfrm>
+            <a:off x="2603500" y="2755900"/>
+            <a:ext cx="215900" cy="203200"/>
+          </a:xfrm>
+          <a:prstGeom prst="ellipse">
+            <a:avLst/>
+          </a:prstGeom>
+          <a:solidFill>
+            <a:srgbClr val="FF0000"/>
+          </a:solidFill>
+          <a:ln>
+            <a:solidFill>
+              <a:srgbClr val="FF0000"/>
+            </a:solidFill>
+          </a:ln>
+        </p:spPr>
+        <p:style>
+          <a:lnRef idx="2">
+            <a:schemeClr val="accent1">
+              <a:shade val="15000"/>
+            </a:schemeClr>
+          </a:lnRef>
+          <a:fillRef idx="1">
+            <a:schemeClr val="accent1"/>
+          </a:fillRef>
+          <a:effectRef idx="0">
+            <a:schemeClr val="accent1"/>
+          </a:effectRef>
+          <a:fontRef idx="minor">
+            <a:schemeClr val="lt1"/>
+          </a:fontRef>
+        </p:style>
+        <p:txBody>
+          <a:bodyPr rtlCol="0" anchor="ctr"/>
+          <a:lstStyle/>
+          <a:p>
+            <a:pPr algn="ctr"/>
+            <a:endParaRPr lang="en-GB"/>
+          </a:p>
+        </p:txBody>
+      </p:sp>
+      <p:sp>
+        <p:nvSpPr>
+          <p:cNvPr id="10" name="Ellipse 9">
+            <a:extLst>
+              <a:ext uri="{FF2B5EF4-FFF2-40B4-BE49-F238E27FC236}">
+                <a16:creationId xmlns:a16="http://schemas.microsoft.com/office/drawing/2014/main" id="{97975C4F-72CB-EEF5-639F-6A8529A82484}"/>
+              </a:ext>
+            </a:extLst>
+          </p:cNvPr>
+          <p:cNvSpPr/>
+          <p:nvPr/>
+        </p:nvSpPr>
+        <p:spPr>
+          <a:xfrm>
+            <a:off x="9537700" y="2794000"/>
+            <a:ext cx="215900" cy="203200"/>
+          </a:xfrm>
+          <a:prstGeom prst="ellipse">
+            <a:avLst/>
+          </a:prstGeom>
+          <a:solidFill>
+            <a:srgbClr val="FF0000"/>
+          </a:solidFill>
+          <a:ln>
+            <a:solidFill>
+              <a:srgbClr val="FF0000"/>
+            </a:solidFill>
+          </a:ln>
+        </p:spPr>
+        <p:style>
+          <a:lnRef idx="2">
+            <a:schemeClr val="accent1">
+              <a:shade val="15000"/>
+            </a:schemeClr>
+          </a:lnRef>
+          <a:fillRef idx="1">
+            <a:schemeClr val="accent1"/>
+          </a:fillRef>
+          <a:effectRef idx="0">
+            <a:schemeClr val="accent1"/>
+          </a:effectRef>
+          <a:fontRef idx="minor">
+            <a:schemeClr val="lt1"/>
+          </a:fontRef>
+        </p:style>
+        <p:txBody>
+          <a:bodyPr rtlCol="0" anchor="ctr"/>
+          <a:lstStyle/>
+          <a:p>
+            <a:pPr algn="ctr"/>
+            <a:endParaRPr lang="en-GB"/>
+          </a:p>
+        </p:txBody>
+      </p:sp>
+      <p:sp>
+        <p:nvSpPr>
+          <p:cNvPr id="12" name="ZoneTexte 11">
+            <a:extLst>
+              <a:ext uri="{FF2B5EF4-FFF2-40B4-BE49-F238E27FC236}">
+                <a16:creationId xmlns:a16="http://schemas.microsoft.com/office/drawing/2014/main" id="{EBB3006F-4589-8C79-779C-DFE55BC3A6CE}"/>
+              </a:ext>
+            </a:extLst>
+          </p:cNvPr>
+          <p:cNvSpPr txBox="1"/>
+          <p:nvPr/>
+        </p:nvSpPr>
+        <p:spPr>
+          <a:xfrm>
+            <a:off x="8458200" y="3124200"/>
+            <a:ext cx="1903085" cy="307777"/>
+          </a:xfrm>
+          <a:prstGeom prst="rect">
+            <a:avLst/>
+          </a:prstGeom>
+          <a:noFill/>
+        </p:spPr>
+        <p:txBody>
+          <a:bodyPr wrap="none" rtlCol="0">
+            <a:spAutoFit/>
+          </a:bodyPr>
+          <a:lstStyle>
+            <a:defPPr>
+              <a:defRPr lang="LID4096"/>
+            </a:defPPr>
+            <a:lvl1pPr>
+              <a:defRPr sz="1400">
+                <a:solidFill>
+                  <a:srgbClr val="FF0000"/>
+                </a:solidFill>
+                <a:latin typeface="Courier New" panose="02070309020205020404" pitchFamily="49" charset="0"/>
+                <a:cs typeface="Courier New" panose="02070309020205020404" pitchFamily="49" charset="0"/>
+              </a:defRPr>
+            </a:lvl1pPr>
+          </a:lstStyle>
+          <a:p>
+            <a:r>
+              <a:rPr lang="en-GB" dirty="0"/>
+              <a:t>Max (</a:t>
+            </a:r>
+            <a:r>
+              <a:rPr lang="en-GB" dirty="0" err="1"/>
+              <a:t>xMax</a:t>
+            </a:r>
+            <a:r>
+              <a:rPr lang="en-GB" dirty="0"/>
+              <a:t>, </a:t>
+            </a:r>
+            <a:r>
+              <a:rPr lang="en-GB" dirty="0" err="1"/>
+              <a:t>yMax</a:t>
+            </a:r>
+            <a:r>
+              <a:rPr lang="en-GB" dirty="0"/>
+              <a:t>)</a:t>
+            </a:r>
+          </a:p>
+        </p:txBody>
+      </p:sp>
+      <p:sp>
+        <p:nvSpPr>
+          <p:cNvPr id="13" name="ZoneTexte 12">
+            <a:extLst>
+              <a:ext uri="{FF2B5EF4-FFF2-40B4-BE49-F238E27FC236}">
+                <a16:creationId xmlns:a16="http://schemas.microsoft.com/office/drawing/2014/main" id="{2C9A3535-3AF8-993C-E07E-B4E9762832CF}"/>
+              </a:ext>
+            </a:extLst>
+          </p:cNvPr>
+          <p:cNvSpPr txBox="1"/>
+          <p:nvPr/>
+        </p:nvSpPr>
+        <p:spPr>
+          <a:xfrm>
+            <a:off x="1803400" y="5359400"/>
+            <a:ext cx="617477" cy="369332"/>
+          </a:xfrm>
+          <a:prstGeom prst="rect">
+            <a:avLst/>
+          </a:prstGeom>
+          <a:noFill/>
+        </p:spPr>
+        <p:txBody>
+          <a:bodyPr wrap="none" rtlCol="0">
+            <a:spAutoFit/>
+          </a:bodyPr>
+          <a:lstStyle>
+            <a:defPPr>
+              <a:defRPr lang="LID4096"/>
+            </a:defPPr>
+            <a:lvl1pPr>
+              <a:defRPr sz="1400">
+                <a:solidFill>
+                  <a:srgbClr val="FF0000"/>
+                </a:solidFill>
+                <a:latin typeface="Courier New" panose="02070309020205020404" pitchFamily="49" charset="0"/>
+                <a:cs typeface="Courier New" panose="02070309020205020404" pitchFamily="49" charset="0"/>
+              </a:defRPr>
+            </a:lvl1pPr>
+          </a:lstStyle>
+          <a:p>
+            <a:r>
+              <a:rPr lang="en-GB" dirty="0"/>
+              <a:t>(0,0)</a:t>
+            </a:r>
+          </a:p>
+        </p:txBody>
+      </p:sp>
+    </p:spTree>
+    <p:extLst>
+      <p:ext uri="{BB962C8B-B14F-4D97-AF65-F5344CB8AC3E}">
+        <p14:creationId xmlns:p14="http://schemas.microsoft.com/office/powerpoint/2010/main" val="3992369576"/>
+      </p:ext>
+    </p:extLst>
+  </p:cSld>
+  <p:clrMapOvr>
+    <a:masterClrMapping/>
+  </p:clrMapOvr>
+</p:sld>
+</file>
+
+<file path=ppt/slides/slide16.xml><?xml version="1.0" encoding="utf-8"?>
+<p:sld xmlns:a="http://schemas.openxmlformats.org/drawingml/2006/main" xmlns:r="http://schemas.openxmlformats.org/officeDocument/2006/relationships" xmlns:p="http://schemas.openxmlformats.org/presentationml/2006/main">
+  <p:cSld>
+    <p:spTree>
+      <p:nvGrpSpPr>
+        <p:cNvPr id="1" name="">
+          <a:extLst>
+            <a:ext uri="{FF2B5EF4-FFF2-40B4-BE49-F238E27FC236}">
+              <a16:creationId xmlns:a16="http://schemas.microsoft.com/office/drawing/2014/main" id="{06FA51BB-3B0A-3C5F-7F67-10A60BA7C6E7}"/>
+            </a:ext>
+          </a:extLst>
+        </p:cNvPr>
+        <p:cNvGrpSpPr/>
+        <p:nvPr/>
+      </p:nvGrpSpPr>
+      <p:grpSpPr>
+        <a:xfrm>
+          <a:off x="0" y="0"/>
+          <a:ext cx="0" cy="0"/>
+          <a:chOff x="0" y="0"/>
+          <a:chExt cx="0" cy="0"/>
+        </a:xfrm>
+      </p:grpSpPr>
+      <p:cxnSp>
+        <p:nvCxnSpPr>
+          <p:cNvPr id="47" name="Connecteur droit avec flèche 46">
+            <a:extLst>
+              <a:ext uri="{FF2B5EF4-FFF2-40B4-BE49-F238E27FC236}">
+                <a16:creationId xmlns:a16="http://schemas.microsoft.com/office/drawing/2014/main" id="{11276763-547A-8885-5CDE-9549901941BA}"/>
+              </a:ext>
+            </a:extLst>
+          </p:cNvPr>
+          <p:cNvCxnSpPr>
+            <a:cxnSpLocks/>
+          </p:cNvCxnSpPr>
+          <p:nvPr/>
+        </p:nvCxnSpPr>
+        <p:spPr>
+          <a:xfrm>
+            <a:off x="6146800" y="6019800"/>
+            <a:ext cx="5105400" cy="0"/>
+          </a:xfrm>
+          <a:prstGeom prst="straightConnector1">
+            <a:avLst/>
+          </a:prstGeom>
+          <a:ln>
+            <a:solidFill>
+              <a:srgbClr val="FF0000"/>
+            </a:solidFill>
+            <a:prstDash val="dash"/>
+            <a:headEnd type="arrow" w="med" len="med"/>
+            <a:tailEnd type="arrow" w="med" len="med"/>
+          </a:ln>
+        </p:spPr>
+        <p:style>
+          <a:lnRef idx="1">
+            <a:schemeClr val="accent1"/>
+          </a:lnRef>
+          <a:fillRef idx="0">
+            <a:schemeClr val="accent1"/>
+          </a:fillRef>
+          <a:effectRef idx="0">
+            <a:schemeClr val="accent1"/>
+          </a:effectRef>
+          <a:fontRef idx="minor">
+            <a:schemeClr val="tx1"/>
+          </a:fontRef>
+        </p:style>
+      </p:cxnSp>
+      <p:sp>
+        <p:nvSpPr>
+          <p:cNvPr id="2" name="Titre 1">
+            <a:extLst>
+              <a:ext uri="{FF2B5EF4-FFF2-40B4-BE49-F238E27FC236}">
+                <a16:creationId xmlns:a16="http://schemas.microsoft.com/office/drawing/2014/main" id="{114B468E-B15C-5EF6-C409-D9A55C0E51FE}"/>
+              </a:ext>
+            </a:extLst>
+          </p:cNvPr>
+          <p:cNvSpPr>
+            <a:spLocks noGrp="1"/>
+          </p:cNvSpPr>
+          <p:nvPr>
+            <p:ph type="title" idx="4294967295"/>
+          </p:nvPr>
+        </p:nvSpPr>
+        <p:spPr>
+          <a:xfrm>
+            <a:off x="0" y="365125"/>
+            <a:ext cx="10515600" cy="1325563"/>
+          </a:xfrm>
+        </p:spPr>
+        <p:txBody>
+          <a:bodyPr/>
+          <a:lstStyle/>
+          <a:p>
+            <a:r>
+              <a:rPr lang="en-GB" dirty="0"/>
+              <a:t>Graphical representation - coordinates</a:t>
+            </a:r>
+          </a:p>
+        </p:txBody>
+      </p:sp>
+      <p:cxnSp>
+        <p:nvCxnSpPr>
+          <p:cNvPr id="15" name="Connecteur droit 14">
+            <a:extLst>
+              <a:ext uri="{FF2B5EF4-FFF2-40B4-BE49-F238E27FC236}">
+                <a16:creationId xmlns:a16="http://schemas.microsoft.com/office/drawing/2014/main" id="{45C6ABB4-FEED-2449-AB5C-AE89328A24B2}"/>
+              </a:ext>
+            </a:extLst>
+          </p:cNvPr>
+          <p:cNvCxnSpPr>
+            <a:cxnSpLocks/>
+          </p:cNvCxnSpPr>
+          <p:nvPr/>
+        </p:nvCxnSpPr>
+        <p:spPr>
+          <a:xfrm>
+            <a:off x="2374084" y="2533475"/>
+            <a:ext cx="3741490" cy="3699545"/>
+          </a:xfrm>
+          <a:prstGeom prst="line">
+            <a:avLst/>
+          </a:prstGeom>
+          <a:ln>
+            <a:solidFill>
+              <a:srgbClr val="FF0000"/>
+            </a:solidFill>
+            <a:prstDash val="dashDot"/>
+          </a:ln>
+        </p:spPr>
+        <p:style>
+          <a:lnRef idx="1">
+            <a:schemeClr val="accent1"/>
+          </a:lnRef>
+          <a:fillRef idx="0">
+            <a:schemeClr val="accent1"/>
+          </a:fillRef>
+          <a:effectRef idx="0">
+            <a:schemeClr val="accent1"/>
+          </a:effectRef>
+          <a:fontRef idx="minor">
+            <a:schemeClr val="tx1"/>
+          </a:fontRef>
+        </p:style>
+      </p:cxnSp>
+      <p:sp>
+        <p:nvSpPr>
+          <p:cNvPr id="24" name="Arc 23">
+            <a:extLst>
+              <a:ext uri="{FF2B5EF4-FFF2-40B4-BE49-F238E27FC236}">
+                <a16:creationId xmlns:a16="http://schemas.microsoft.com/office/drawing/2014/main" id="{3719D575-B9F4-A7DD-F7C6-5BD31FD855A3}"/>
+              </a:ext>
+            </a:extLst>
+          </p:cNvPr>
+          <p:cNvSpPr/>
+          <p:nvPr/>
+        </p:nvSpPr>
+        <p:spPr>
+          <a:xfrm>
+            <a:off x="4379055" y="5027336"/>
+            <a:ext cx="2827206" cy="2414864"/>
+          </a:xfrm>
+          <a:prstGeom prst="arc">
+            <a:avLst>
+              <a:gd name="adj1" fmla="val 14133161"/>
+              <a:gd name="adj2" fmla="val 0"/>
+            </a:avLst>
+          </a:prstGeom>
+          <a:ln w="19050">
+            <a:solidFill>
+              <a:srgbClr val="FF0000"/>
+            </a:solidFill>
+            <a:headEnd type="arrow" w="med" len="med"/>
+            <a:tailEnd type="none" w="med" len="med"/>
+          </a:ln>
+        </p:spPr>
+        <p:style>
+          <a:lnRef idx="1">
+            <a:schemeClr val="accent1"/>
+          </a:lnRef>
+          <a:fillRef idx="0">
+            <a:schemeClr val="accent1"/>
+          </a:fillRef>
+          <a:effectRef idx="0">
+            <a:schemeClr val="accent1"/>
+          </a:effectRef>
+          <a:fontRef idx="minor">
+            <a:schemeClr val="tx1"/>
+          </a:fontRef>
+        </p:style>
+        <p:txBody>
+          <a:bodyPr rtlCol="0" anchor="ctr"/>
+          <a:lstStyle/>
+          <a:p>
+            <a:pPr algn="ctr"/>
+            <a:endParaRPr lang="en-GB"/>
+          </a:p>
+        </p:txBody>
+      </p:sp>
+      <p:sp>
+        <p:nvSpPr>
+          <p:cNvPr id="25" name="ZoneTexte 24">
+            <a:extLst>
+              <a:ext uri="{FF2B5EF4-FFF2-40B4-BE49-F238E27FC236}">
+                <a16:creationId xmlns:a16="http://schemas.microsoft.com/office/drawing/2014/main" id="{F5CA8E57-0D24-C7C1-7249-5AF4CBBEF6C8}"/>
+              </a:ext>
+            </a:extLst>
+          </p:cNvPr>
+          <p:cNvSpPr txBox="1"/>
+          <p:nvPr/>
+        </p:nvSpPr>
+        <p:spPr>
+          <a:xfrm>
+            <a:off x="4457001" y="4747540"/>
+            <a:ext cx="1043876" cy="307777"/>
+          </a:xfrm>
+          <a:prstGeom prst="rect">
+            <a:avLst/>
+          </a:prstGeom>
+          <a:noFill/>
+        </p:spPr>
+        <p:txBody>
+          <a:bodyPr wrap="none" rtlCol="0">
+            <a:spAutoFit/>
+          </a:bodyPr>
+          <a:lstStyle/>
+          <a:p>
+            <a:r>
+              <a:rPr lang="en-GB" sz="1400" dirty="0" err="1">
+                <a:solidFill>
+                  <a:srgbClr val="FF0000"/>
+                </a:solidFill>
+                <a:latin typeface="Courier New" panose="02070309020205020404" pitchFamily="49" charset="0"/>
+                <a:cs typeface="Courier New" panose="02070309020205020404" pitchFamily="49" charset="0"/>
+              </a:rPr>
+              <a:t>minAngle</a:t>
+            </a:r>
+            <a:endParaRPr lang="en-GB" sz="1400" dirty="0">
+              <a:solidFill>
+                <a:srgbClr val="FF0000"/>
+              </a:solidFill>
+              <a:latin typeface="Courier New" panose="02070309020205020404" pitchFamily="49" charset="0"/>
+              <a:cs typeface="Courier New" panose="02070309020205020404" pitchFamily="49" charset="0"/>
+            </a:endParaRPr>
+          </a:p>
+        </p:txBody>
+      </p:sp>
+      <p:sp>
+        <p:nvSpPr>
+          <p:cNvPr id="6" name="ZoneTexte 5">
+            <a:extLst>
+              <a:ext uri="{FF2B5EF4-FFF2-40B4-BE49-F238E27FC236}">
+                <a16:creationId xmlns:a16="http://schemas.microsoft.com/office/drawing/2014/main" id="{7818011F-B97F-2913-93C0-61B4B38795CE}"/>
+              </a:ext>
+            </a:extLst>
+          </p:cNvPr>
+          <p:cNvSpPr txBox="1"/>
+          <p:nvPr/>
+        </p:nvSpPr>
+        <p:spPr>
+          <a:xfrm>
+            <a:off x="1752600" y="2997200"/>
+            <a:ext cx="1903085" cy="307777"/>
+          </a:xfrm>
+          <a:prstGeom prst="rect">
+            <a:avLst/>
+          </a:prstGeom>
+          <a:noFill/>
+        </p:spPr>
+        <p:txBody>
+          <a:bodyPr wrap="none" rtlCol="0">
+            <a:spAutoFit/>
+          </a:bodyPr>
+          <a:lstStyle>
+            <a:defPPr>
+              <a:defRPr lang="LID4096"/>
+            </a:defPPr>
+            <a:lvl1pPr>
+              <a:defRPr sz="1400">
+                <a:solidFill>
+                  <a:srgbClr val="FF0000"/>
+                </a:solidFill>
+                <a:latin typeface="Courier New" panose="02070309020205020404" pitchFamily="49" charset="0"/>
+                <a:cs typeface="Courier New" panose="02070309020205020404" pitchFamily="49" charset="0"/>
+              </a:defRPr>
+            </a:lvl1pPr>
+          </a:lstStyle>
+          <a:p>
+            <a:r>
+              <a:rPr lang="en-GB" dirty="0"/>
+              <a:t>Min (</a:t>
+            </a:r>
+            <a:r>
+              <a:rPr lang="en-GB" dirty="0" err="1"/>
+              <a:t>xMin</a:t>
+            </a:r>
+            <a:r>
+              <a:rPr lang="en-GB" dirty="0"/>
+              <a:t>, </a:t>
+            </a:r>
+            <a:r>
+              <a:rPr lang="en-GB" dirty="0" err="1"/>
+              <a:t>yMin</a:t>
+            </a:r>
+            <a:r>
+              <a:rPr lang="en-GB" dirty="0"/>
+              <a:t>)</a:t>
+            </a:r>
+          </a:p>
+        </p:txBody>
+      </p:sp>
+      <p:sp>
+        <p:nvSpPr>
+          <p:cNvPr id="9" name="Ellipse 8">
+            <a:extLst>
+              <a:ext uri="{FF2B5EF4-FFF2-40B4-BE49-F238E27FC236}">
+                <a16:creationId xmlns:a16="http://schemas.microsoft.com/office/drawing/2014/main" id="{6893F12E-4515-6D04-9B5A-553F284BB2AA}"/>
+              </a:ext>
+            </a:extLst>
+          </p:cNvPr>
+          <p:cNvSpPr/>
+          <p:nvPr/>
+        </p:nvSpPr>
+        <p:spPr>
+          <a:xfrm>
+            <a:off x="2603500" y="2755900"/>
+            <a:ext cx="215900" cy="203200"/>
+          </a:xfrm>
+          <a:prstGeom prst="ellipse">
+            <a:avLst/>
+          </a:prstGeom>
+          <a:solidFill>
+            <a:srgbClr val="FF0000"/>
+          </a:solidFill>
+          <a:ln>
+            <a:solidFill>
+              <a:srgbClr val="FF0000"/>
+            </a:solidFill>
+          </a:ln>
+        </p:spPr>
+        <p:style>
+          <a:lnRef idx="2">
+            <a:schemeClr val="accent1">
+              <a:shade val="15000"/>
+            </a:schemeClr>
+          </a:lnRef>
+          <a:fillRef idx="1">
+            <a:schemeClr val="accent1"/>
+          </a:fillRef>
+          <a:effectRef idx="0">
+            <a:schemeClr val="accent1"/>
+          </a:effectRef>
+          <a:fontRef idx="minor">
+            <a:schemeClr val="lt1"/>
+          </a:fontRef>
+        </p:style>
+        <p:txBody>
+          <a:bodyPr rtlCol="0" anchor="ctr"/>
+          <a:lstStyle/>
+          <a:p>
+            <a:pPr algn="ctr"/>
+            <a:endParaRPr lang="en-GB"/>
+          </a:p>
+        </p:txBody>
+      </p:sp>
+      <p:cxnSp>
+        <p:nvCxnSpPr>
+          <p:cNvPr id="14" name="Connecteur droit avec flèche 13">
+            <a:extLst>
+              <a:ext uri="{FF2B5EF4-FFF2-40B4-BE49-F238E27FC236}">
+                <a16:creationId xmlns:a16="http://schemas.microsoft.com/office/drawing/2014/main" id="{B3F750E9-8080-4127-E7CF-CCEF05AAFFCB}"/>
+              </a:ext>
+            </a:extLst>
+          </p:cNvPr>
+          <p:cNvCxnSpPr>
+            <a:cxnSpLocks/>
+          </p:cNvCxnSpPr>
+          <p:nvPr/>
+        </p:nvCxnSpPr>
+        <p:spPr>
+          <a:xfrm flipV="1">
+            <a:off x="6127750" y="1270000"/>
+            <a:ext cx="0" cy="5232400"/>
+          </a:xfrm>
+          <a:prstGeom prst="straightConnector1">
+            <a:avLst/>
+          </a:prstGeom>
+          <a:ln>
+            <a:tailEnd type="triangle"/>
+          </a:ln>
+        </p:spPr>
+        <p:style>
+          <a:lnRef idx="1">
+            <a:schemeClr val="accent1"/>
+          </a:lnRef>
+          <a:fillRef idx="0">
+            <a:schemeClr val="accent1"/>
+          </a:fillRef>
+          <a:effectRef idx="0">
+            <a:schemeClr val="accent1"/>
+          </a:effectRef>
+          <a:fontRef idx="minor">
+            <a:schemeClr val="tx1"/>
+          </a:fontRef>
+        </p:style>
+      </p:cxnSp>
+      <p:cxnSp>
+        <p:nvCxnSpPr>
+          <p:cNvPr id="17" name="Connecteur droit avec flèche 16">
+            <a:extLst>
+              <a:ext uri="{FF2B5EF4-FFF2-40B4-BE49-F238E27FC236}">
+                <a16:creationId xmlns:a16="http://schemas.microsoft.com/office/drawing/2014/main" id="{4CA5A6D3-FB56-CA6E-98A8-BA47EC2ACD57}"/>
+              </a:ext>
+            </a:extLst>
+          </p:cNvPr>
+          <p:cNvCxnSpPr>
+            <a:cxnSpLocks/>
+          </p:cNvCxnSpPr>
+          <p:nvPr/>
+        </p:nvCxnSpPr>
+        <p:spPr>
+          <a:xfrm>
+            <a:off x="482600" y="6235700"/>
+            <a:ext cx="10769600" cy="0"/>
+          </a:xfrm>
+          <a:prstGeom prst="straightConnector1">
+            <a:avLst/>
+          </a:prstGeom>
+          <a:ln>
+            <a:tailEnd type="triangle"/>
+          </a:ln>
+        </p:spPr>
+        <p:style>
+          <a:lnRef idx="1">
+            <a:schemeClr val="accent1"/>
+          </a:lnRef>
+          <a:fillRef idx="0">
+            <a:schemeClr val="accent1"/>
+          </a:fillRef>
+          <a:effectRef idx="0">
+            <a:schemeClr val="accent1"/>
+          </a:effectRef>
+          <a:fontRef idx="minor">
+            <a:schemeClr val="tx1"/>
+          </a:fontRef>
+        </p:style>
+      </p:cxnSp>
+      <p:cxnSp>
+        <p:nvCxnSpPr>
+          <p:cNvPr id="32" name="Connecteur droit 31">
+            <a:extLst>
+              <a:ext uri="{FF2B5EF4-FFF2-40B4-BE49-F238E27FC236}">
+                <a16:creationId xmlns:a16="http://schemas.microsoft.com/office/drawing/2014/main" id="{5100BC38-E876-5633-4453-0BEB253E9597}"/>
+              </a:ext>
+            </a:extLst>
+          </p:cNvPr>
+          <p:cNvCxnSpPr>
+            <a:stCxn id="9" idx="4"/>
+          </p:cNvCxnSpPr>
+          <p:nvPr/>
+        </p:nvCxnSpPr>
+        <p:spPr>
+          <a:xfrm flipH="1">
+            <a:off x="2705100" y="2959100"/>
+            <a:ext cx="6350" cy="3314700"/>
+          </a:xfrm>
+          <a:prstGeom prst="line">
+            <a:avLst/>
+          </a:prstGeom>
+          <a:ln>
+            <a:prstDash val="dash"/>
+          </a:ln>
+        </p:spPr>
+        <p:style>
+          <a:lnRef idx="1">
+            <a:schemeClr val="accent1"/>
+          </a:lnRef>
+          <a:fillRef idx="0">
+            <a:schemeClr val="accent1"/>
+          </a:fillRef>
+          <a:effectRef idx="0">
+            <a:schemeClr val="accent1"/>
+          </a:effectRef>
+          <a:fontRef idx="minor">
+            <a:schemeClr val="tx1"/>
+          </a:fontRef>
+        </p:style>
+      </p:cxnSp>
+      <p:sp>
+        <p:nvSpPr>
+          <p:cNvPr id="33" name="Arc 32">
+            <a:extLst>
+              <a:ext uri="{FF2B5EF4-FFF2-40B4-BE49-F238E27FC236}">
+                <a16:creationId xmlns:a16="http://schemas.microsoft.com/office/drawing/2014/main" id="{3AD0DEE7-4CCF-227B-DC6F-4C269553E5C1}"/>
+              </a:ext>
+            </a:extLst>
+          </p:cNvPr>
+          <p:cNvSpPr/>
+          <p:nvPr/>
+        </p:nvSpPr>
+        <p:spPr>
+          <a:xfrm>
+            <a:off x="1155700" y="1593850"/>
+            <a:ext cx="10096500" cy="9315450"/>
+          </a:xfrm>
+          <a:prstGeom prst="arc">
+            <a:avLst>
+              <a:gd name="adj1" fmla="val 10811020"/>
+              <a:gd name="adj2" fmla="val 21576889"/>
+            </a:avLst>
+          </a:prstGeom>
+          <a:ln>
+            <a:prstDash val="dash"/>
+          </a:ln>
+        </p:spPr>
+        <p:style>
+          <a:lnRef idx="1">
+            <a:schemeClr val="accent1"/>
+          </a:lnRef>
+          <a:fillRef idx="0">
+            <a:schemeClr val="accent1"/>
+          </a:fillRef>
+          <a:effectRef idx="0">
+            <a:schemeClr val="accent1"/>
+          </a:effectRef>
+          <a:fontRef idx="minor">
+            <a:schemeClr val="tx1"/>
+          </a:fontRef>
+        </p:style>
+        <p:txBody>
+          <a:bodyPr rtlCol="0" anchor="ctr"/>
+          <a:lstStyle/>
+          <a:p>
+            <a:pPr algn="ctr"/>
+            <a:endParaRPr lang="en-GB"/>
+          </a:p>
+        </p:txBody>
+      </p:sp>
+      <p:cxnSp>
+        <p:nvCxnSpPr>
+          <p:cNvPr id="39" name="Connecteur droit 38">
+            <a:extLst>
+              <a:ext uri="{FF2B5EF4-FFF2-40B4-BE49-F238E27FC236}">
+                <a16:creationId xmlns:a16="http://schemas.microsoft.com/office/drawing/2014/main" id="{0D380404-9FB9-1B99-30B8-4C5142F99EB2}"/>
+              </a:ext>
+            </a:extLst>
+          </p:cNvPr>
+          <p:cNvCxnSpPr>
+            <a:cxnSpLocks/>
+          </p:cNvCxnSpPr>
+          <p:nvPr/>
+        </p:nvCxnSpPr>
+        <p:spPr>
+          <a:xfrm>
+            <a:off x="2717800" y="2857500"/>
+            <a:ext cx="3492500" cy="0"/>
+          </a:xfrm>
+          <a:prstGeom prst="line">
+            <a:avLst/>
+          </a:prstGeom>
+          <a:ln>
+            <a:prstDash val="dash"/>
+          </a:ln>
+        </p:spPr>
+        <p:style>
+          <a:lnRef idx="1">
+            <a:schemeClr val="accent1"/>
+          </a:lnRef>
+          <a:fillRef idx="0">
+            <a:schemeClr val="accent1"/>
+          </a:fillRef>
+          <a:effectRef idx="0">
+            <a:schemeClr val="accent1"/>
+          </a:effectRef>
+          <a:fontRef idx="minor">
+            <a:schemeClr val="tx1"/>
+          </a:fontRef>
+        </p:style>
+      </p:cxnSp>
+      <p:sp>
+        <p:nvSpPr>
+          <p:cNvPr id="42" name="ZoneTexte 41">
+            <a:extLst>
+              <a:ext uri="{FF2B5EF4-FFF2-40B4-BE49-F238E27FC236}">
+                <a16:creationId xmlns:a16="http://schemas.microsoft.com/office/drawing/2014/main" id="{66C9B91E-04CD-FB8A-BBB0-F9E673D189BD}"/>
+              </a:ext>
+            </a:extLst>
+          </p:cNvPr>
+          <p:cNvSpPr txBox="1"/>
+          <p:nvPr/>
+        </p:nvSpPr>
+        <p:spPr>
+          <a:xfrm>
+            <a:off x="5638800" y="6299200"/>
+            <a:ext cx="1258678" cy="307777"/>
+          </a:xfrm>
+          <a:prstGeom prst="rect">
+            <a:avLst/>
+          </a:prstGeom>
+          <a:noFill/>
+        </p:spPr>
+        <p:txBody>
+          <a:bodyPr wrap="none" rtlCol="0">
+            <a:spAutoFit/>
+          </a:bodyPr>
+          <a:lstStyle>
+            <a:defPPr>
+              <a:defRPr lang="LID4096"/>
+            </a:defPPr>
+            <a:lvl1pPr>
+              <a:defRPr sz="1400">
+                <a:solidFill>
+                  <a:srgbClr val="FF0000"/>
+                </a:solidFill>
+                <a:latin typeface="Courier New" panose="02070309020205020404" pitchFamily="49" charset="0"/>
+                <a:cs typeface="Courier New" panose="02070309020205020404" pitchFamily="49" charset="0"/>
+              </a:defRPr>
+            </a:lvl1pPr>
+          </a:lstStyle>
+          <a:p>
+            <a:r>
+              <a:rPr lang="en-GB" dirty="0"/>
+              <a:t>C (</a:t>
+            </a:r>
+            <a:r>
+              <a:rPr lang="en-GB" dirty="0" err="1"/>
+              <a:t>xC</a:t>
+            </a:r>
+            <a:r>
+              <a:rPr lang="en-GB" dirty="0"/>
+              <a:t>, </a:t>
+            </a:r>
+            <a:r>
+              <a:rPr lang="en-GB" dirty="0" err="1"/>
+              <a:t>yC</a:t>
+            </a:r>
+            <a:r>
+              <a:rPr lang="en-GB" dirty="0"/>
+              <a:t>)</a:t>
+            </a:r>
+          </a:p>
+        </p:txBody>
+      </p:sp>
+      <p:sp>
+        <p:nvSpPr>
+          <p:cNvPr id="44" name="ZoneTexte 43">
+            <a:extLst>
+              <a:ext uri="{FF2B5EF4-FFF2-40B4-BE49-F238E27FC236}">
+                <a16:creationId xmlns:a16="http://schemas.microsoft.com/office/drawing/2014/main" id="{8CE4E8B9-5AA1-DE46-9E97-3A7CB1101AB8}"/>
+              </a:ext>
+            </a:extLst>
+          </p:cNvPr>
+          <p:cNvSpPr txBox="1"/>
+          <p:nvPr/>
+        </p:nvSpPr>
+        <p:spPr>
+          <a:xfrm>
+            <a:off x="8046209" y="5859711"/>
+            <a:ext cx="1473480" cy="307777"/>
+          </a:xfrm>
+          <a:prstGeom prst="rect">
+            <a:avLst/>
+          </a:prstGeom>
+          <a:solidFill>
+            <a:schemeClr val="bg1"/>
+          </a:solidFill>
+        </p:spPr>
+        <p:txBody>
+          <a:bodyPr wrap="none" rtlCol="0">
+            <a:spAutoFit/>
+          </a:bodyPr>
+          <a:lstStyle/>
+          <a:p>
+            <a:r>
+              <a:rPr lang="en-GB" sz="1400" dirty="0">
+                <a:solidFill>
+                  <a:srgbClr val="FF0000"/>
+                </a:solidFill>
+                <a:latin typeface="Courier New" panose="02070309020205020404" pitchFamily="49" charset="0"/>
+                <a:cs typeface="Courier New" panose="02070309020205020404" pitchFamily="49" charset="0"/>
+              </a:rPr>
+              <a:t>needleLength</a:t>
+            </a:r>
+          </a:p>
+        </p:txBody>
+      </p:sp>
+      <p:cxnSp>
+        <p:nvCxnSpPr>
+          <p:cNvPr id="50" name="Connecteur droit avec flèche 49">
+            <a:extLst>
+              <a:ext uri="{FF2B5EF4-FFF2-40B4-BE49-F238E27FC236}">
+                <a16:creationId xmlns:a16="http://schemas.microsoft.com/office/drawing/2014/main" id="{389CB9E4-6930-EB73-3563-91F8EAAB7D25}"/>
+              </a:ext>
+            </a:extLst>
+          </p:cNvPr>
+          <p:cNvCxnSpPr>
+            <a:cxnSpLocks/>
+          </p:cNvCxnSpPr>
+          <p:nvPr/>
+        </p:nvCxnSpPr>
+        <p:spPr>
+          <a:xfrm>
+            <a:off x="2705100" y="5753100"/>
+            <a:ext cx="3429000" cy="0"/>
+          </a:xfrm>
+          <a:prstGeom prst="straightConnector1">
+            <a:avLst/>
+          </a:prstGeom>
+          <a:ln>
+            <a:solidFill>
+              <a:srgbClr val="FF0000"/>
+            </a:solidFill>
+            <a:prstDash val="dash"/>
+            <a:headEnd type="arrow" w="med" len="med"/>
+            <a:tailEnd type="arrow" w="med" len="med"/>
+          </a:ln>
+        </p:spPr>
+        <p:style>
+          <a:lnRef idx="1">
+            <a:schemeClr val="accent1"/>
+          </a:lnRef>
+          <a:fillRef idx="0">
+            <a:schemeClr val="accent1"/>
+          </a:fillRef>
+          <a:effectRef idx="0">
+            <a:schemeClr val="accent1"/>
+          </a:effectRef>
+          <a:fontRef idx="minor">
+            <a:schemeClr val="tx1"/>
+          </a:fontRef>
+        </p:style>
+      </p:cxnSp>
+      <p:sp>
+        <p:nvSpPr>
+          <p:cNvPr id="52" name="ZoneTexte 51">
+            <a:extLst>
+              <a:ext uri="{FF2B5EF4-FFF2-40B4-BE49-F238E27FC236}">
+                <a16:creationId xmlns:a16="http://schemas.microsoft.com/office/drawing/2014/main" id="{3D6F6A99-91F9-5538-A765-D1633927595B}"/>
+              </a:ext>
+            </a:extLst>
+          </p:cNvPr>
+          <p:cNvSpPr txBox="1"/>
+          <p:nvPr/>
+        </p:nvSpPr>
+        <p:spPr>
+          <a:xfrm>
+            <a:off x="3131309" y="5580311"/>
+            <a:ext cx="2596391" cy="307777"/>
+          </a:xfrm>
+          <a:prstGeom prst="rect">
+            <a:avLst/>
+          </a:prstGeom>
+          <a:solidFill>
+            <a:schemeClr val="bg1"/>
+          </a:solidFill>
+        </p:spPr>
+        <p:txBody>
+          <a:bodyPr wrap="square" rtlCol="0">
+            <a:spAutoFit/>
+          </a:bodyPr>
+          <a:lstStyle/>
+          <a:p>
+            <a:r>
+              <a:rPr lang="en-GB" sz="1400" dirty="0" err="1">
+                <a:solidFill>
+                  <a:srgbClr val="FF0000"/>
+                </a:solidFill>
+                <a:latin typeface="Courier New" panose="02070309020205020404" pitchFamily="49" charset="0"/>
+                <a:cs typeface="Courier New" panose="02070309020205020404" pitchFamily="49" charset="0"/>
+              </a:rPr>
+              <a:t>cosMin</a:t>
+            </a:r>
+            <a:r>
+              <a:rPr lang="en-GB" sz="1400" dirty="0">
+                <a:solidFill>
+                  <a:srgbClr val="FF0000"/>
+                </a:solidFill>
+                <a:latin typeface="Courier New" panose="02070309020205020404" pitchFamily="49" charset="0"/>
+                <a:cs typeface="Courier New" panose="02070309020205020404" pitchFamily="49" charset="0"/>
+              </a:rPr>
+              <a:t> = </a:t>
+            </a:r>
+          </a:p>
+        </p:txBody>
+      </p:sp>
+      <p:sp>
+        <p:nvSpPr>
+          <p:cNvPr id="53" name="ZoneTexte 52">
+            <a:extLst>
+              <a:ext uri="{FF2B5EF4-FFF2-40B4-BE49-F238E27FC236}">
+                <a16:creationId xmlns:a16="http://schemas.microsoft.com/office/drawing/2014/main" id="{A23FF9B8-343D-B42C-B568-310B57A270CD}"/>
+              </a:ext>
+            </a:extLst>
+          </p:cNvPr>
+          <p:cNvSpPr txBox="1"/>
+          <p:nvPr/>
+        </p:nvSpPr>
+        <p:spPr>
+          <a:xfrm>
+            <a:off x="4058409" y="5783511"/>
+            <a:ext cx="1473480" cy="307777"/>
+          </a:xfrm>
+          <a:prstGeom prst="rect">
+            <a:avLst/>
+          </a:prstGeom>
+          <a:solidFill>
+            <a:schemeClr val="bg1"/>
+          </a:solidFill>
+        </p:spPr>
+        <p:txBody>
+          <a:bodyPr wrap="none" rtlCol="0">
+            <a:spAutoFit/>
+          </a:bodyPr>
+          <a:lstStyle/>
+          <a:p>
+            <a:r>
+              <a:rPr lang="en-GB" sz="1400" dirty="0">
+                <a:solidFill>
+                  <a:srgbClr val="FF0000"/>
+                </a:solidFill>
+                <a:latin typeface="Courier New" panose="02070309020205020404" pitchFamily="49" charset="0"/>
+                <a:cs typeface="Courier New" panose="02070309020205020404" pitchFamily="49" charset="0"/>
+              </a:rPr>
+              <a:t>needleLength</a:t>
+            </a:r>
+          </a:p>
+        </p:txBody>
+      </p:sp>
+      <p:sp>
+        <p:nvSpPr>
+          <p:cNvPr id="55" name="ZoneTexte 54">
+            <a:extLst>
+              <a:ext uri="{FF2B5EF4-FFF2-40B4-BE49-F238E27FC236}">
+                <a16:creationId xmlns:a16="http://schemas.microsoft.com/office/drawing/2014/main" id="{04799F9D-8768-6BFA-05F1-EEC83ACE2DE4}"/>
+              </a:ext>
+            </a:extLst>
+          </p:cNvPr>
+          <p:cNvSpPr txBox="1"/>
+          <p:nvPr/>
+        </p:nvSpPr>
+        <p:spPr>
+          <a:xfrm>
+            <a:off x="4114800" y="5416034"/>
+            <a:ext cx="1524000" cy="369332"/>
+          </a:xfrm>
+          <a:prstGeom prst="rect">
+            <a:avLst/>
+          </a:prstGeom>
+          <a:noFill/>
+        </p:spPr>
+        <p:txBody>
+          <a:bodyPr wrap="square">
+            <a:spAutoFit/>
+          </a:bodyPr>
+          <a:lstStyle/>
+          <a:p>
+            <a:r>
+              <a:rPr lang="en-GB" sz="1800" dirty="0">
+                <a:solidFill>
+                  <a:srgbClr val="FF0000"/>
+                </a:solidFill>
+                <a:latin typeface="Courier New" panose="02070309020205020404" pitchFamily="49" charset="0"/>
+                <a:cs typeface="Courier New" panose="02070309020205020404" pitchFamily="49" charset="0"/>
+              </a:rPr>
+              <a:t>x</a:t>
+            </a:r>
+            <a:r>
+              <a:rPr lang="fr-BE" sz="1800" dirty="0">
+                <a:solidFill>
+                  <a:srgbClr val="FF0000"/>
+                </a:solidFill>
+                <a:latin typeface="Courier New" panose="02070309020205020404" pitchFamily="49" charset="0"/>
+                <a:cs typeface="Courier New" panose="02070309020205020404" pitchFamily="49" charset="0"/>
+              </a:rPr>
+              <a:t>Min – </a:t>
+            </a:r>
+            <a:r>
+              <a:rPr lang="fr-BE" sz="1800" dirty="0" err="1">
+                <a:solidFill>
+                  <a:srgbClr val="FF0000"/>
+                </a:solidFill>
+                <a:latin typeface="Courier New" panose="02070309020205020404" pitchFamily="49" charset="0"/>
+                <a:cs typeface="Courier New" panose="02070309020205020404" pitchFamily="49" charset="0"/>
+              </a:rPr>
+              <a:t>xC</a:t>
+            </a:r>
+            <a:endParaRPr lang="en-GB" dirty="0"/>
+          </a:p>
+        </p:txBody>
+      </p:sp>
+      <p:cxnSp>
+        <p:nvCxnSpPr>
+          <p:cNvPr id="57" name="Connecteur droit 56">
+            <a:extLst>
+              <a:ext uri="{FF2B5EF4-FFF2-40B4-BE49-F238E27FC236}">
+                <a16:creationId xmlns:a16="http://schemas.microsoft.com/office/drawing/2014/main" id="{9C2850BD-C3A4-FD91-98B4-FAA612F590A3}"/>
+              </a:ext>
+            </a:extLst>
+          </p:cNvPr>
+          <p:cNvCxnSpPr/>
+          <p:nvPr/>
+        </p:nvCxnSpPr>
+        <p:spPr>
+          <a:xfrm>
+            <a:off x="4140200" y="5740400"/>
+            <a:ext cx="1270000" cy="0"/>
+          </a:xfrm>
+          <a:prstGeom prst="line">
+            <a:avLst/>
+          </a:prstGeom>
+          <a:ln>
+            <a:solidFill>
+              <a:srgbClr val="FF0000"/>
+            </a:solidFill>
+          </a:ln>
+        </p:spPr>
+        <p:style>
+          <a:lnRef idx="1">
+            <a:schemeClr val="accent1"/>
+          </a:lnRef>
+          <a:fillRef idx="0">
+            <a:schemeClr val="accent1"/>
+          </a:fillRef>
+          <a:effectRef idx="0">
+            <a:schemeClr val="accent1"/>
+          </a:effectRef>
+          <a:fontRef idx="minor">
+            <a:schemeClr val="tx1"/>
+          </a:fontRef>
+        </p:style>
+      </p:cxnSp>
+    </p:spTree>
+    <p:extLst>
+      <p:ext uri="{BB962C8B-B14F-4D97-AF65-F5344CB8AC3E}">
+        <p14:creationId xmlns:p14="http://schemas.microsoft.com/office/powerpoint/2010/main" val="868645602"/>
+      </p:ext>
+    </p:extLst>
+  </p:cSld>
+  <p:clrMapOvr>
+    <a:masterClrMapping/>
+  </p:clrMapOvr>
+</p:sld>
+</file>
+
+<file path=ppt/slides/slide17.xml><?xml version="1.0" encoding="utf-8"?>
+<p:sld xmlns:a="http://schemas.openxmlformats.org/drawingml/2006/main" xmlns:r="http://schemas.openxmlformats.org/officeDocument/2006/relationships" xmlns:p="http://schemas.openxmlformats.org/presentationml/2006/main">
+  <p:cSld>
+    <p:spTree>
+      <p:nvGrpSpPr>
+        <p:cNvPr id="1" name="">
+          <a:extLst>
+            <a:ext uri="{FF2B5EF4-FFF2-40B4-BE49-F238E27FC236}">
+              <a16:creationId xmlns:a16="http://schemas.microsoft.com/office/drawing/2014/main" id="{C0F66B8F-EDB1-94FD-E5B6-2410C38D994B}"/>
+            </a:ext>
+          </a:extLst>
+        </p:cNvPr>
+        <p:cNvGrpSpPr/>
+        <p:nvPr/>
+      </p:nvGrpSpPr>
+      <p:grpSpPr>
+        <a:xfrm>
+          <a:off x="0" y="0"/>
+          <a:ext cx="0" cy="0"/>
+          <a:chOff x="0" y="0"/>
+          <a:chExt cx="0" cy="0"/>
+        </a:xfrm>
+      </p:grpSpPr>
+      <p:sp>
+        <p:nvSpPr>
+          <p:cNvPr id="2" name="Titre 1">
+            <a:extLst>
+              <a:ext uri="{FF2B5EF4-FFF2-40B4-BE49-F238E27FC236}">
+                <a16:creationId xmlns:a16="http://schemas.microsoft.com/office/drawing/2014/main" id="{A33DF64A-9166-1BA5-758D-7371AB791952}"/>
+              </a:ext>
+            </a:extLst>
+          </p:cNvPr>
+          <p:cNvSpPr>
+            <a:spLocks noGrp="1"/>
+          </p:cNvSpPr>
+          <p:nvPr>
+            <p:ph type="title" idx="4294967295"/>
+          </p:nvPr>
+        </p:nvSpPr>
+        <p:spPr>
+          <a:xfrm>
+            <a:off x="0" y="365125"/>
+            <a:ext cx="10515600" cy="1325563"/>
+          </a:xfrm>
+        </p:spPr>
+        <p:txBody>
+          <a:bodyPr/>
+          <a:lstStyle/>
+          <a:p>
+            <a:r>
+              <a:rPr lang="en-GB" dirty="0"/>
+              <a:t>Graphical representation - calculations</a:t>
+            </a:r>
+          </a:p>
+        </p:txBody>
+      </p:sp>
+      <p:sp>
+        <p:nvSpPr>
+          <p:cNvPr id="18" name="ZoneTexte 17">
+            <a:extLst>
+              <a:ext uri="{FF2B5EF4-FFF2-40B4-BE49-F238E27FC236}">
+                <a16:creationId xmlns:a16="http://schemas.microsoft.com/office/drawing/2014/main" id="{0F7CF162-7BC6-7431-76CB-1F2E326C88AB}"/>
+              </a:ext>
+            </a:extLst>
+          </p:cNvPr>
+          <p:cNvSpPr txBox="1"/>
+          <p:nvPr/>
+        </p:nvSpPr>
+        <p:spPr>
+          <a:xfrm>
+            <a:off x="8274808" y="1871911"/>
+            <a:ext cx="721672" cy="307777"/>
+          </a:xfrm>
+          <a:prstGeom prst="rect">
+            <a:avLst/>
+          </a:prstGeom>
+          <a:noFill/>
+        </p:spPr>
+        <p:txBody>
+          <a:bodyPr wrap="none" rtlCol="0">
+            <a:spAutoFit/>
+          </a:bodyPr>
+          <a:lstStyle/>
+          <a:p>
+            <a:r>
+              <a:rPr lang="en-GB" sz="1400" dirty="0">
+                <a:solidFill>
+                  <a:srgbClr val="FF0000"/>
+                </a:solidFill>
+                <a:latin typeface="Courier New" panose="02070309020205020404" pitchFamily="49" charset="0"/>
+                <a:cs typeface="Courier New" panose="02070309020205020404" pitchFamily="49" charset="0"/>
+              </a:rPr>
+              <a:t>width</a:t>
+            </a:r>
+          </a:p>
+        </p:txBody>
+      </p:sp>
+      <p:sp>
+        <p:nvSpPr>
+          <p:cNvPr id="19" name="ZoneTexte 18">
+            <a:extLst>
+              <a:ext uri="{FF2B5EF4-FFF2-40B4-BE49-F238E27FC236}">
+                <a16:creationId xmlns:a16="http://schemas.microsoft.com/office/drawing/2014/main" id="{0A6BAFC1-13ED-5660-FE7B-6931F3970282}"/>
+              </a:ext>
+            </a:extLst>
+          </p:cNvPr>
+          <p:cNvSpPr txBox="1"/>
+          <p:nvPr/>
+        </p:nvSpPr>
+        <p:spPr>
+          <a:xfrm>
+            <a:off x="8257097" y="1700868"/>
+            <a:ext cx="829073" cy="307777"/>
+          </a:xfrm>
+          <a:prstGeom prst="rect">
+            <a:avLst/>
+          </a:prstGeom>
+          <a:noFill/>
+        </p:spPr>
+        <p:txBody>
+          <a:bodyPr wrap="none" rtlCol="0">
+            <a:spAutoFit/>
+          </a:bodyPr>
+          <a:lstStyle/>
+          <a:p>
+            <a:r>
+              <a:rPr lang="en-GB" sz="1400" dirty="0">
+                <a:solidFill>
+                  <a:srgbClr val="FF0000"/>
+                </a:solidFill>
+                <a:latin typeface="Courier New" panose="02070309020205020404" pitchFamily="49" charset="0"/>
+                <a:cs typeface="Courier New" panose="02070309020205020404" pitchFamily="49" charset="0"/>
+              </a:rPr>
+              <a:t>height</a:t>
+            </a:r>
+          </a:p>
+        </p:txBody>
+      </p:sp>
+      <p:sp>
+        <p:nvSpPr>
+          <p:cNvPr id="23" name="ZoneTexte 22">
+            <a:extLst>
+              <a:ext uri="{FF2B5EF4-FFF2-40B4-BE49-F238E27FC236}">
+                <a16:creationId xmlns:a16="http://schemas.microsoft.com/office/drawing/2014/main" id="{2EAE0D39-6815-0526-D0E6-D01B0051542B}"/>
+              </a:ext>
+            </a:extLst>
+          </p:cNvPr>
+          <p:cNvSpPr txBox="1"/>
+          <p:nvPr/>
+        </p:nvSpPr>
+        <p:spPr>
+          <a:xfrm>
+            <a:off x="8277161" y="4315740"/>
+            <a:ext cx="1043876" cy="307777"/>
+          </a:xfrm>
+          <a:prstGeom prst="rect">
+            <a:avLst/>
+          </a:prstGeom>
+          <a:noFill/>
+        </p:spPr>
+        <p:txBody>
+          <a:bodyPr wrap="none" rtlCol="0">
+            <a:spAutoFit/>
+          </a:bodyPr>
+          <a:lstStyle/>
+          <a:p>
+            <a:r>
+              <a:rPr lang="en-GB" sz="1400" dirty="0" err="1">
+                <a:solidFill>
+                  <a:srgbClr val="FF0000"/>
+                </a:solidFill>
+                <a:latin typeface="Courier New" panose="02070309020205020404" pitchFamily="49" charset="0"/>
+                <a:cs typeface="Courier New" panose="02070309020205020404" pitchFamily="49" charset="0"/>
+              </a:rPr>
+              <a:t>maxAngle</a:t>
+            </a:r>
+            <a:endParaRPr lang="en-GB" sz="1400" dirty="0">
+              <a:solidFill>
+                <a:srgbClr val="FF0000"/>
+              </a:solidFill>
+              <a:latin typeface="Courier New" panose="02070309020205020404" pitchFamily="49" charset="0"/>
+              <a:cs typeface="Courier New" panose="02070309020205020404" pitchFamily="49" charset="0"/>
+            </a:endParaRPr>
+          </a:p>
+        </p:txBody>
+      </p:sp>
+      <p:sp>
+        <p:nvSpPr>
+          <p:cNvPr id="25" name="ZoneTexte 24">
+            <a:extLst>
+              <a:ext uri="{FF2B5EF4-FFF2-40B4-BE49-F238E27FC236}">
+                <a16:creationId xmlns:a16="http://schemas.microsoft.com/office/drawing/2014/main" id="{ABC605B1-EF6A-5D4B-422A-7E1B416CFA65}"/>
+              </a:ext>
+            </a:extLst>
+          </p:cNvPr>
+          <p:cNvSpPr txBox="1"/>
+          <p:nvPr/>
+        </p:nvSpPr>
+        <p:spPr>
+          <a:xfrm>
+            <a:off x="8305101" y="3934740"/>
+            <a:ext cx="1043876" cy="307777"/>
+          </a:xfrm>
+          <a:prstGeom prst="rect">
+            <a:avLst/>
+          </a:prstGeom>
+          <a:noFill/>
+        </p:spPr>
+        <p:txBody>
+          <a:bodyPr wrap="none" rtlCol="0">
+            <a:spAutoFit/>
+          </a:bodyPr>
+          <a:lstStyle/>
+          <a:p>
+            <a:r>
+              <a:rPr lang="en-GB" sz="1400" dirty="0" err="1">
+                <a:solidFill>
+                  <a:srgbClr val="FF0000"/>
+                </a:solidFill>
+                <a:latin typeface="Courier New" panose="02070309020205020404" pitchFamily="49" charset="0"/>
+                <a:cs typeface="Courier New" panose="02070309020205020404" pitchFamily="49" charset="0"/>
+              </a:rPr>
+              <a:t>minAngle</a:t>
+            </a:r>
+            <a:endParaRPr lang="en-GB" sz="1400" dirty="0">
+              <a:solidFill>
+                <a:srgbClr val="FF0000"/>
+              </a:solidFill>
+              <a:latin typeface="Courier New" panose="02070309020205020404" pitchFamily="49" charset="0"/>
+              <a:cs typeface="Courier New" panose="02070309020205020404" pitchFamily="49" charset="0"/>
+            </a:endParaRPr>
+          </a:p>
+        </p:txBody>
+      </p:sp>
+      <p:sp>
+        <p:nvSpPr>
+          <p:cNvPr id="30" name="ZoneTexte 29">
+            <a:extLst>
+              <a:ext uri="{FF2B5EF4-FFF2-40B4-BE49-F238E27FC236}">
+                <a16:creationId xmlns:a16="http://schemas.microsoft.com/office/drawing/2014/main" id="{F6DF0D67-C86F-6913-7301-41AA371F1BA9}"/>
+              </a:ext>
+            </a:extLst>
+          </p:cNvPr>
+          <p:cNvSpPr txBox="1"/>
+          <p:nvPr/>
+        </p:nvSpPr>
+        <p:spPr>
+          <a:xfrm>
+            <a:off x="8249409" y="3688010"/>
+            <a:ext cx="1473480" cy="307777"/>
+          </a:xfrm>
+          <a:prstGeom prst="rect">
+            <a:avLst/>
+          </a:prstGeom>
+          <a:noFill/>
+        </p:spPr>
+        <p:txBody>
+          <a:bodyPr wrap="none" rtlCol="0">
+            <a:spAutoFit/>
+          </a:bodyPr>
+          <a:lstStyle/>
+          <a:p>
+            <a:r>
+              <a:rPr lang="en-GB" sz="1400" dirty="0">
+                <a:solidFill>
+                  <a:srgbClr val="FF0000"/>
+                </a:solidFill>
+                <a:latin typeface="Courier New" panose="02070309020205020404" pitchFamily="49" charset="0"/>
+                <a:cs typeface="Courier New" panose="02070309020205020404" pitchFamily="49" charset="0"/>
+              </a:rPr>
+              <a:t>needleLength</a:t>
+            </a:r>
+          </a:p>
+        </p:txBody>
+      </p:sp>
+      <p:sp>
+        <p:nvSpPr>
+          <p:cNvPr id="4" name="ZoneTexte 3">
+            <a:extLst>
+              <a:ext uri="{FF2B5EF4-FFF2-40B4-BE49-F238E27FC236}">
+                <a16:creationId xmlns:a16="http://schemas.microsoft.com/office/drawing/2014/main" id="{EAF192FB-47F1-AC46-FD46-A7850634C577}"/>
+              </a:ext>
+            </a:extLst>
+          </p:cNvPr>
+          <p:cNvSpPr txBox="1"/>
+          <p:nvPr/>
+        </p:nvSpPr>
+        <p:spPr>
+          <a:xfrm>
+            <a:off x="8293100" y="2095500"/>
+            <a:ext cx="1003673" cy="369332"/>
+          </a:xfrm>
+          <a:prstGeom prst="rect">
+            <a:avLst/>
+          </a:prstGeom>
+          <a:noFill/>
+        </p:spPr>
+        <p:txBody>
+          <a:bodyPr wrap="none" rtlCol="0">
+            <a:spAutoFit/>
+          </a:bodyPr>
+          <a:lstStyle>
+            <a:defPPr>
+              <a:defRPr lang="LID4096"/>
+            </a:defPPr>
+            <a:lvl1pPr>
+              <a:defRPr sz="1400">
+                <a:solidFill>
+                  <a:srgbClr val="FF0000"/>
+                </a:solidFill>
+                <a:latin typeface="Courier New" panose="02070309020205020404" pitchFamily="49" charset="0"/>
+                <a:cs typeface="Courier New" panose="02070309020205020404" pitchFamily="49" charset="0"/>
+              </a:defRPr>
+            </a:lvl1pPr>
+          </a:lstStyle>
+          <a:p>
+            <a:r>
+              <a:rPr lang="en-GB" dirty="0"/>
+              <a:t>C (</a:t>
+            </a:r>
+            <a:r>
+              <a:rPr lang="en-GB" dirty="0" err="1"/>
+              <a:t>xC</a:t>
+            </a:r>
+            <a:r>
+              <a:rPr lang="en-GB" dirty="0"/>
+              <a:t>, </a:t>
+            </a:r>
+            <a:r>
+              <a:rPr lang="en-GB" dirty="0" err="1"/>
+              <a:t>yC</a:t>
+            </a:r>
+            <a:r>
+              <a:rPr lang="en-GB" dirty="0"/>
+              <a:t>)</a:t>
+            </a:r>
+          </a:p>
+        </p:txBody>
+      </p:sp>
+      <p:sp>
+        <p:nvSpPr>
+          <p:cNvPr id="6" name="ZoneTexte 5">
+            <a:extLst>
+              <a:ext uri="{FF2B5EF4-FFF2-40B4-BE49-F238E27FC236}">
+                <a16:creationId xmlns:a16="http://schemas.microsoft.com/office/drawing/2014/main" id="{74CAE0D1-EF87-E9A6-2364-48B72A67D7F2}"/>
+              </a:ext>
+            </a:extLst>
+          </p:cNvPr>
+          <p:cNvSpPr txBox="1"/>
+          <p:nvPr/>
+        </p:nvSpPr>
+        <p:spPr>
+          <a:xfrm>
+            <a:off x="8331200" y="2400300"/>
+            <a:ext cx="1903085" cy="307777"/>
+          </a:xfrm>
+          <a:prstGeom prst="rect">
+            <a:avLst/>
+          </a:prstGeom>
+          <a:noFill/>
+        </p:spPr>
+        <p:txBody>
+          <a:bodyPr wrap="none" rtlCol="0">
+            <a:spAutoFit/>
+          </a:bodyPr>
+          <a:lstStyle>
+            <a:defPPr>
+              <a:defRPr lang="LID4096"/>
+            </a:defPPr>
+            <a:lvl1pPr>
+              <a:defRPr sz="1400">
+                <a:solidFill>
+                  <a:srgbClr val="FF0000"/>
+                </a:solidFill>
+                <a:latin typeface="Courier New" panose="02070309020205020404" pitchFamily="49" charset="0"/>
+                <a:cs typeface="Courier New" panose="02070309020205020404" pitchFamily="49" charset="0"/>
+              </a:defRPr>
+            </a:lvl1pPr>
+          </a:lstStyle>
+          <a:p>
+            <a:r>
+              <a:rPr lang="en-GB" dirty="0"/>
+              <a:t>Min (</a:t>
+            </a:r>
+            <a:r>
+              <a:rPr lang="en-GB" dirty="0" err="1"/>
+              <a:t>xMin</a:t>
+            </a:r>
+            <a:r>
+              <a:rPr lang="en-GB" dirty="0"/>
+              <a:t>, </a:t>
+            </a:r>
+            <a:r>
+              <a:rPr lang="en-GB" dirty="0" err="1"/>
+              <a:t>yMin</a:t>
+            </a:r>
+            <a:r>
+              <a:rPr lang="en-GB" dirty="0"/>
+              <a:t>)</a:t>
+            </a:r>
+          </a:p>
+        </p:txBody>
+      </p:sp>
+      <p:sp>
+        <p:nvSpPr>
+          <p:cNvPr id="12" name="ZoneTexte 11">
+            <a:extLst>
+              <a:ext uri="{FF2B5EF4-FFF2-40B4-BE49-F238E27FC236}">
+                <a16:creationId xmlns:a16="http://schemas.microsoft.com/office/drawing/2014/main" id="{0C7FDE1F-32BC-62EE-C8E6-3F583858E75D}"/>
+              </a:ext>
+            </a:extLst>
+          </p:cNvPr>
+          <p:cNvSpPr txBox="1"/>
+          <p:nvPr/>
+        </p:nvSpPr>
+        <p:spPr>
+          <a:xfrm>
+            <a:off x="8293100" y="2768600"/>
+            <a:ext cx="1903085" cy="307777"/>
+          </a:xfrm>
+          <a:prstGeom prst="rect">
+            <a:avLst/>
+          </a:prstGeom>
+          <a:noFill/>
+        </p:spPr>
+        <p:txBody>
+          <a:bodyPr wrap="none" rtlCol="0">
+            <a:spAutoFit/>
+          </a:bodyPr>
+          <a:lstStyle>
+            <a:defPPr>
+              <a:defRPr lang="LID4096"/>
+            </a:defPPr>
+            <a:lvl1pPr>
+              <a:defRPr sz="1400">
+                <a:solidFill>
+                  <a:srgbClr val="FF0000"/>
+                </a:solidFill>
+                <a:latin typeface="Courier New" panose="02070309020205020404" pitchFamily="49" charset="0"/>
+                <a:cs typeface="Courier New" panose="02070309020205020404" pitchFamily="49" charset="0"/>
+              </a:defRPr>
+            </a:lvl1pPr>
+          </a:lstStyle>
+          <a:p>
+            <a:r>
+              <a:rPr lang="en-GB" dirty="0"/>
+              <a:t>Max (</a:t>
+            </a:r>
+            <a:r>
+              <a:rPr lang="en-GB" dirty="0" err="1"/>
+              <a:t>xMax</a:t>
+            </a:r>
+            <a:r>
+              <a:rPr lang="en-GB" dirty="0"/>
+              <a:t>, </a:t>
+            </a:r>
+            <a:r>
+              <a:rPr lang="en-GB" dirty="0" err="1"/>
+              <a:t>yMax</a:t>
+            </a:r>
+            <a:r>
+              <a:rPr lang="en-GB" dirty="0"/>
+              <a:t>)</a:t>
+            </a:r>
+          </a:p>
+        </p:txBody>
+      </p:sp>
+      <p:sp>
+        <p:nvSpPr>
+          <p:cNvPr id="5" name="ZoneTexte 4">
+            <a:extLst>
+              <a:ext uri="{FF2B5EF4-FFF2-40B4-BE49-F238E27FC236}">
+                <a16:creationId xmlns:a16="http://schemas.microsoft.com/office/drawing/2014/main" id="{4BD46F95-F027-939C-8215-95B7883F81EE}"/>
+              </a:ext>
+            </a:extLst>
+          </p:cNvPr>
+          <p:cNvSpPr txBox="1"/>
+          <p:nvPr/>
+        </p:nvSpPr>
+        <p:spPr>
+          <a:xfrm>
+            <a:off x="635000" y="1600200"/>
+            <a:ext cx="7186583" cy="5355312"/>
+          </a:xfrm>
+          <a:prstGeom prst="rect">
+            <a:avLst/>
+          </a:prstGeom>
+          <a:noFill/>
+        </p:spPr>
+        <p:txBody>
+          <a:bodyPr wrap="none" rtlCol="0">
+            <a:spAutoFit/>
+          </a:bodyPr>
+          <a:lstStyle/>
+          <a:p>
+            <a:pPr marL="285750" indent="-285750">
+              <a:buFont typeface="Arial" panose="020B0604020202020204" pitchFamily="34" charset="0"/>
+              <a:buChar char="•"/>
+            </a:pPr>
+            <a:r>
+              <a:rPr lang="en-GB" dirty="0"/>
+              <a:t>Input</a:t>
+            </a:r>
+          </a:p>
+          <a:p>
+            <a:pPr marL="742950" lvl="1" indent="-285750">
+              <a:buFont typeface="Arial" panose="020B0604020202020204" pitchFamily="34" charset="0"/>
+              <a:buChar char="•"/>
+            </a:pPr>
+            <a:r>
+              <a:rPr lang="en-GB" dirty="0"/>
+              <a:t>Background </a:t>
+            </a:r>
+            <a:r>
+              <a:rPr lang="en-GB" dirty="0">
+                <a:sym typeface="Wingdings" panose="05000000000000000000" pitchFamily="2" charset="2"/>
+              </a:rPr>
+              <a:t> width, height</a:t>
+            </a:r>
+            <a:endParaRPr lang="en-GB" dirty="0"/>
+          </a:p>
+          <a:p>
+            <a:pPr marL="285750" indent="-285750">
+              <a:buFont typeface="Arial" panose="020B0604020202020204" pitchFamily="34" charset="0"/>
+              <a:buChar char="•"/>
+            </a:pPr>
+            <a:r>
+              <a:rPr lang="en-GB" dirty="0"/>
+              <a:t>Configuration</a:t>
+            </a:r>
+          </a:p>
+          <a:p>
+            <a:pPr marL="742950" lvl="1" indent="-285750">
+              <a:buFont typeface="Arial" panose="020B0604020202020204" pitchFamily="34" charset="0"/>
+              <a:buChar char="•"/>
+            </a:pPr>
+            <a:r>
+              <a:rPr lang="fr-BE" dirty="0" err="1">
+                <a:latin typeface="Courier New" panose="02070309020205020404" pitchFamily="49" charset="0"/>
+                <a:cs typeface="Courier New" panose="02070309020205020404" pitchFamily="49" charset="0"/>
+              </a:rPr>
+              <a:t>xC</a:t>
+            </a:r>
+            <a:r>
+              <a:rPr lang="fr-BE" dirty="0">
+                <a:latin typeface="Courier New" panose="02070309020205020404" pitchFamily="49" charset="0"/>
+                <a:cs typeface="Courier New" panose="02070309020205020404" pitchFamily="49" charset="0"/>
+              </a:rPr>
+              <a:t> (default = </a:t>
+            </a:r>
+            <a:r>
+              <a:rPr lang="fr-BE" dirty="0" err="1">
+                <a:latin typeface="Courier New" panose="02070309020205020404" pitchFamily="49" charset="0"/>
+                <a:cs typeface="Courier New" panose="02070309020205020404" pitchFamily="49" charset="0"/>
+              </a:rPr>
+              <a:t>width</a:t>
+            </a:r>
+            <a:r>
+              <a:rPr lang="fr-BE" dirty="0">
+                <a:latin typeface="Courier New" panose="02070309020205020404" pitchFamily="49" charset="0"/>
+                <a:cs typeface="Courier New" panose="02070309020205020404" pitchFamily="49" charset="0"/>
+              </a:rPr>
+              <a:t>/2)</a:t>
+            </a:r>
+          </a:p>
+          <a:p>
+            <a:pPr marL="742950" lvl="1" indent="-285750">
+              <a:buFont typeface="Arial" panose="020B0604020202020204" pitchFamily="34" charset="0"/>
+              <a:buChar char="•"/>
+            </a:pPr>
+            <a:r>
+              <a:rPr lang="fr-BE" dirty="0" err="1">
+                <a:latin typeface="Courier New" panose="02070309020205020404" pitchFamily="49" charset="0"/>
+                <a:cs typeface="Courier New" panose="02070309020205020404" pitchFamily="49" charset="0"/>
+              </a:rPr>
+              <a:t>yC</a:t>
+            </a:r>
+            <a:r>
+              <a:rPr lang="fr-BE" dirty="0">
+                <a:latin typeface="Courier New" panose="02070309020205020404" pitchFamily="49" charset="0"/>
+                <a:cs typeface="Courier New" panose="02070309020205020404" pitchFamily="49" charset="0"/>
+              </a:rPr>
+              <a:t> (default = -</a:t>
+            </a:r>
+            <a:r>
+              <a:rPr lang="fr-BE" dirty="0" err="1">
+                <a:latin typeface="Courier New" panose="02070309020205020404" pitchFamily="49" charset="0"/>
+                <a:cs typeface="Courier New" panose="02070309020205020404" pitchFamily="49" charset="0"/>
+              </a:rPr>
+              <a:t>height</a:t>
+            </a:r>
+            <a:r>
+              <a:rPr lang="fr-BE" dirty="0">
+                <a:latin typeface="Courier New" panose="02070309020205020404" pitchFamily="49" charset="0"/>
+                <a:cs typeface="Courier New" panose="02070309020205020404" pitchFamily="49" charset="0"/>
+              </a:rPr>
+              <a:t> / 5)</a:t>
+            </a:r>
+          </a:p>
+          <a:p>
+            <a:pPr marL="742950" lvl="1" indent="-285750">
+              <a:buFont typeface="Arial" panose="020B0604020202020204" pitchFamily="34" charset="0"/>
+              <a:buChar char="•"/>
+            </a:pPr>
+            <a:r>
+              <a:rPr lang="fr-BE" dirty="0" err="1">
+                <a:latin typeface="Courier New" panose="02070309020205020404" pitchFamily="49" charset="0"/>
+                <a:cs typeface="Courier New" panose="02070309020205020404" pitchFamily="49" charset="0"/>
+              </a:rPr>
+              <a:t>xMin</a:t>
+            </a:r>
+            <a:r>
+              <a:rPr lang="fr-BE" dirty="0">
+                <a:latin typeface="Courier New" panose="02070309020205020404" pitchFamily="49" charset="0"/>
+                <a:cs typeface="Courier New" panose="02070309020205020404" pitchFamily="49" charset="0"/>
+              </a:rPr>
+              <a:t> (default = </a:t>
+            </a:r>
+            <a:r>
+              <a:rPr lang="fr-BE" dirty="0" err="1">
+                <a:latin typeface="Courier New" panose="02070309020205020404" pitchFamily="49" charset="0"/>
+                <a:cs typeface="Courier New" panose="02070309020205020404" pitchFamily="49" charset="0"/>
+              </a:rPr>
+              <a:t>witdh</a:t>
+            </a:r>
+            <a:r>
+              <a:rPr lang="fr-BE" dirty="0">
+                <a:latin typeface="Courier New" panose="02070309020205020404" pitchFamily="49" charset="0"/>
+                <a:cs typeface="Courier New" panose="02070309020205020404" pitchFamily="49" charset="0"/>
+              </a:rPr>
+              <a:t>/10)</a:t>
+            </a:r>
+          </a:p>
+          <a:p>
+            <a:pPr marL="742950" lvl="1" indent="-285750">
+              <a:buFont typeface="Arial" panose="020B0604020202020204" pitchFamily="34" charset="0"/>
+              <a:buChar char="•"/>
+            </a:pPr>
+            <a:r>
+              <a:rPr lang="fr-BE" dirty="0" err="1">
+                <a:latin typeface="Courier New" panose="02070309020205020404" pitchFamily="49" charset="0"/>
+                <a:cs typeface="Courier New" panose="02070309020205020404" pitchFamily="49" charset="0"/>
+              </a:rPr>
+              <a:t>yMin</a:t>
+            </a:r>
+            <a:r>
+              <a:rPr lang="fr-BE" dirty="0">
+                <a:latin typeface="Courier New" panose="02070309020205020404" pitchFamily="49" charset="0"/>
+                <a:cs typeface="Courier New" panose="02070309020205020404" pitchFamily="49" charset="0"/>
+              </a:rPr>
+              <a:t> (default = </a:t>
+            </a:r>
+            <a:r>
+              <a:rPr lang="fr-BE" dirty="0" err="1">
+                <a:latin typeface="Courier New" panose="02070309020205020404" pitchFamily="49" charset="0"/>
+                <a:cs typeface="Courier New" panose="02070309020205020404" pitchFamily="49" charset="0"/>
+              </a:rPr>
+              <a:t>height</a:t>
+            </a:r>
+            <a:r>
+              <a:rPr lang="fr-BE" dirty="0">
+                <a:latin typeface="Courier New" panose="02070309020205020404" pitchFamily="49" charset="0"/>
+                <a:cs typeface="Courier New" panose="02070309020205020404" pitchFamily="49" charset="0"/>
+              </a:rPr>
+              <a:t>/3)</a:t>
+            </a:r>
+          </a:p>
+          <a:p>
+            <a:pPr marL="742950" lvl="1" indent="-285750">
+              <a:buFont typeface="Arial" panose="020B0604020202020204" pitchFamily="34" charset="0"/>
+              <a:buChar char="•"/>
+            </a:pPr>
+            <a:r>
+              <a:rPr lang="fr-BE" dirty="0" err="1">
+                <a:latin typeface="Courier New" panose="02070309020205020404" pitchFamily="49" charset="0"/>
+                <a:cs typeface="Courier New" panose="02070309020205020404" pitchFamily="49" charset="0"/>
+              </a:rPr>
+              <a:t>xMax</a:t>
+            </a:r>
+            <a:r>
+              <a:rPr lang="fr-BE" dirty="0">
+                <a:latin typeface="Courier New" panose="02070309020205020404" pitchFamily="49" charset="0"/>
+                <a:cs typeface="Courier New" panose="02070309020205020404" pitchFamily="49" charset="0"/>
+              </a:rPr>
+              <a:t> (default = 9*</a:t>
+            </a:r>
+            <a:r>
+              <a:rPr lang="fr-BE" dirty="0" err="1">
+                <a:latin typeface="Courier New" panose="02070309020205020404" pitchFamily="49" charset="0"/>
+                <a:cs typeface="Courier New" panose="02070309020205020404" pitchFamily="49" charset="0"/>
+              </a:rPr>
+              <a:t>width</a:t>
+            </a:r>
+            <a:r>
+              <a:rPr lang="fr-BE" dirty="0">
+                <a:latin typeface="Courier New" panose="02070309020205020404" pitchFamily="49" charset="0"/>
+                <a:cs typeface="Courier New" panose="02070309020205020404" pitchFamily="49" charset="0"/>
+              </a:rPr>
+              <a:t>/10)</a:t>
+            </a:r>
+          </a:p>
+          <a:p>
+            <a:pPr marL="742950" lvl="1" indent="-285750">
+              <a:buFont typeface="Arial" panose="020B0604020202020204" pitchFamily="34" charset="0"/>
+              <a:buChar char="•"/>
+            </a:pPr>
+            <a:r>
+              <a:rPr lang="fr-BE" dirty="0" err="1">
+                <a:latin typeface="Courier New" panose="02070309020205020404" pitchFamily="49" charset="0"/>
+                <a:cs typeface="Courier New" panose="02070309020205020404" pitchFamily="49" charset="0"/>
+              </a:rPr>
+              <a:t>yMax</a:t>
+            </a:r>
+            <a:r>
+              <a:rPr lang="fr-BE" dirty="0">
+                <a:latin typeface="Courier New" panose="02070309020205020404" pitchFamily="49" charset="0"/>
+                <a:cs typeface="Courier New" panose="02070309020205020404" pitchFamily="49" charset="0"/>
+              </a:rPr>
+              <a:t> : not configurable</a:t>
+            </a:r>
+          </a:p>
+          <a:p>
+            <a:pPr marL="742950" lvl="1" indent="-285750">
+              <a:buFont typeface="Arial" panose="020B0604020202020204" pitchFamily="34" charset="0"/>
+              <a:buChar char="•"/>
+            </a:pPr>
+            <a:r>
+              <a:rPr lang="fr-BE" dirty="0" err="1">
+                <a:latin typeface="Courier New" panose="02070309020205020404" pitchFamily="49" charset="0"/>
+                <a:cs typeface="Courier New" panose="02070309020205020404" pitchFamily="49" charset="0"/>
+              </a:rPr>
+              <a:t>needleRed</a:t>
+            </a:r>
+            <a:r>
+              <a:rPr lang="fr-BE" dirty="0">
+                <a:latin typeface="Courier New" panose="02070309020205020404" pitchFamily="49" charset="0"/>
+                <a:cs typeface="Courier New" panose="02070309020205020404" pitchFamily="49" charset="0"/>
+              </a:rPr>
+              <a:t> = 0..255 (default = 0)</a:t>
+            </a:r>
+          </a:p>
+          <a:p>
+            <a:pPr marL="742950" lvl="1" indent="-285750">
+              <a:buFont typeface="Arial" panose="020B0604020202020204" pitchFamily="34" charset="0"/>
+              <a:buChar char="•"/>
+            </a:pPr>
+            <a:r>
+              <a:rPr lang="fr-BE" dirty="0" err="1">
+                <a:latin typeface="Courier New" panose="02070309020205020404" pitchFamily="49" charset="0"/>
+                <a:cs typeface="Courier New" panose="02070309020205020404" pitchFamily="49" charset="0"/>
+              </a:rPr>
+              <a:t>needleGreen</a:t>
+            </a:r>
+            <a:r>
+              <a:rPr lang="fr-BE" dirty="0">
+                <a:latin typeface="Courier New" panose="02070309020205020404" pitchFamily="49" charset="0"/>
+                <a:cs typeface="Courier New" panose="02070309020205020404" pitchFamily="49" charset="0"/>
+              </a:rPr>
+              <a:t> = 0..255 (default = 0)</a:t>
+            </a:r>
+          </a:p>
+          <a:p>
+            <a:pPr marL="742950" lvl="1" indent="-285750">
+              <a:buFont typeface="Arial" panose="020B0604020202020204" pitchFamily="34" charset="0"/>
+              <a:buChar char="•"/>
+            </a:pPr>
+            <a:r>
+              <a:rPr lang="fr-BE" dirty="0" err="1">
+                <a:latin typeface="Courier New" panose="02070309020205020404" pitchFamily="49" charset="0"/>
+                <a:cs typeface="Courier New" panose="02070309020205020404" pitchFamily="49" charset="0"/>
+              </a:rPr>
+              <a:t>needleBlue</a:t>
+            </a:r>
+            <a:r>
+              <a:rPr lang="fr-BE" dirty="0">
+                <a:latin typeface="Courier New" panose="02070309020205020404" pitchFamily="49" charset="0"/>
+                <a:cs typeface="Courier New" panose="02070309020205020404" pitchFamily="49" charset="0"/>
+              </a:rPr>
+              <a:t> = 0..255 (default = 0)</a:t>
+            </a:r>
+          </a:p>
+          <a:p>
+            <a:pPr marL="285750" indent="-285750">
+              <a:buFont typeface="Arial" panose="020B0604020202020204" pitchFamily="34" charset="0"/>
+              <a:buChar char="•"/>
+            </a:pPr>
+            <a:endParaRPr lang="en-GB" dirty="0"/>
+          </a:p>
+          <a:p>
+            <a:pPr marL="285750" indent="-285750">
+              <a:buFont typeface="Arial" panose="020B0604020202020204" pitchFamily="34" charset="0"/>
+              <a:buChar char="•"/>
+            </a:pPr>
+            <a:r>
+              <a:rPr lang="en-GB" dirty="0"/>
+              <a:t>Calculations</a:t>
+            </a:r>
+          </a:p>
+          <a:p>
+            <a:pPr marL="742950" lvl="1" indent="-285750">
+              <a:buFont typeface="Arial" panose="020B0604020202020204" pitchFamily="34" charset="0"/>
+              <a:buChar char="•"/>
+            </a:pPr>
+            <a:r>
+              <a:rPr lang="en-GB" dirty="0">
+                <a:latin typeface="Courier New" panose="02070309020205020404" pitchFamily="49" charset="0"/>
+                <a:cs typeface="Courier New" panose="02070309020205020404" pitchFamily="49" charset="0"/>
+              </a:rPr>
+              <a:t>needleLength = sqrt( (</a:t>
+            </a:r>
+            <a:r>
+              <a:rPr lang="fr-BE" dirty="0" err="1">
+                <a:latin typeface="Courier New" panose="02070309020205020404" pitchFamily="49" charset="0"/>
+                <a:cs typeface="Courier New" panose="02070309020205020404" pitchFamily="49" charset="0"/>
+              </a:rPr>
+              <a:t>xMin-xC</a:t>
+            </a:r>
+            <a:r>
+              <a:rPr lang="en-GB" dirty="0">
+                <a:latin typeface="Courier New" panose="02070309020205020404" pitchFamily="49" charset="0"/>
+                <a:cs typeface="Courier New" panose="02070309020205020404" pitchFamily="49" charset="0"/>
+              </a:rPr>
+              <a:t>)</a:t>
+            </a:r>
+            <a:r>
+              <a:rPr lang="en-GB" baseline="30000" dirty="0">
+                <a:latin typeface="Courier New" panose="02070309020205020404" pitchFamily="49" charset="0"/>
+                <a:cs typeface="Courier New" panose="02070309020205020404" pitchFamily="49" charset="0"/>
+              </a:rPr>
+              <a:t>2</a:t>
+            </a:r>
+            <a:r>
+              <a:rPr lang="en-GB" dirty="0">
+                <a:latin typeface="Courier New" panose="02070309020205020404" pitchFamily="49" charset="0"/>
+                <a:cs typeface="Courier New" panose="02070309020205020404" pitchFamily="49" charset="0"/>
+              </a:rPr>
+              <a:t> + (</a:t>
+            </a:r>
+            <a:r>
+              <a:rPr lang="fr-BE" dirty="0" err="1">
+                <a:latin typeface="Courier New" panose="02070309020205020404" pitchFamily="49" charset="0"/>
+                <a:cs typeface="Courier New" panose="02070309020205020404" pitchFamily="49" charset="0"/>
+              </a:rPr>
+              <a:t>yMin-yC</a:t>
+            </a:r>
+            <a:r>
+              <a:rPr lang="en-GB" dirty="0">
+                <a:latin typeface="Courier New" panose="02070309020205020404" pitchFamily="49" charset="0"/>
+                <a:cs typeface="Courier New" panose="02070309020205020404" pitchFamily="49" charset="0"/>
+              </a:rPr>
+              <a:t>)</a:t>
+            </a:r>
+            <a:r>
+              <a:rPr lang="en-GB" baseline="30000" dirty="0">
+                <a:latin typeface="Courier New" panose="02070309020205020404" pitchFamily="49" charset="0"/>
+                <a:cs typeface="Courier New" panose="02070309020205020404" pitchFamily="49" charset="0"/>
+              </a:rPr>
+              <a:t>2</a:t>
+            </a:r>
+            <a:r>
+              <a:rPr lang="en-GB" dirty="0">
+                <a:latin typeface="Courier New" panose="02070309020205020404" pitchFamily="49" charset="0"/>
+                <a:cs typeface="Courier New" panose="02070309020205020404" pitchFamily="49" charset="0"/>
+              </a:rPr>
+              <a:t> )</a:t>
+            </a:r>
+          </a:p>
+          <a:p>
+            <a:pPr marL="742950" lvl="1" indent="-285750">
+              <a:buFont typeface="Arial" panose="020B0604020202020204" pitchFamily="34" charset="0"/>
+              <a:buChar char="•"/>
+            </a:pPr>
+            <a:r>
+              <a:rPr lang="en-GB" dirty="0" err="1">
+                <a:latin typeface="Courier New" panose="02070309020205020404" pitchFamily="49" charset="0"/>
+                <a:cs typeface="Courier New" panose="02070309020205020404" pitchFamily="49" charset="0"/>
+              </a:rPr>
+              <a:t>minAngle</a:t>
+            </a:r>
+            <a:r>
+              <a:rPr lang="en-GB" dirty="0">
+                <a:latin typeface="Courier New" panose="02070309020205020404" pitchFamily="49" charset="0"/>
+                <a:cs typeface="Courier New" panose="02070309020205020404" pitchFamily="49" charset="0"/>
+              </a:rPr>
+              <a:t> </a:t>
+            </a:r>
+            <a:r>
+              <a:rPr lang="fr-BE" dirty="0">
+                <a:latin typeface="Courier New" panose="02070309020205020404" pitchFamily="49" charset="0"/>
+                <a:cs typeface="Courier New" panose="02070309020205020404" pitchFamily="49" charset="0"/>
+              </a:rPr>
+              <a:t>=</a:t>
+            </a:r>
+            <a:r>
+              <a:rPr lang="en-GB" dirty="0">
+                <a:latin typeface="Courier New" panose="02070309020205020404" pitchFamily="49" charset="0"/>
+                <a:cs typeface="Courier New" panose="02070309020205020404" pitchFamily="49" charset="0"/>
+              </a:rPr>
+              <a:t> </a:t>
+            </a:r>
+            <a:r>
+              <a:rPr lang="en-GB" dirty="0" err="1">
+                <a:latin typeface="Courier New" panose="02070309020205020404" pitchFamily="49" charset="0"/>
+                <a:cs typeface="Courier New" panose="02070309020205020404" pitchFamily="49" charset="0"/>
+              </a:rPr>
+              <a:t>arccos</a:t>
+            </a:r>
+            <a:r>
+              <a:rPr lang="en-GB" dirty="0">
+                <a:latin typeface="Courier New" panose="02070309020205020404" pitchFamily="49" charset="0"/>
+                <a:cs typeface="Courier New" panose="02070309020205020404" pitchFamily="49" charset="0"/>
+              </a:rPr>
+              <a:t>((</a:t>
+            </a:r>
+            <a:r>
+              <a:rPr lang="en-GB" dirty="0" err="1">
+                <a:latin typeface="Courier New" panose="02070309020205020404" pitchFamily="49" charset="0"/>
+                <a:cs typeface="Courier New" panose="02070309020205020404" pitchFamily="49" charset="0"/>
+              </a:rPr>
+              <a:t>xMin</a:t>
+            </a:r>
+            <a:r>
+              <a:rPr lang="en-GB" dirty="0">
+                <a:latin typeface="Courier New" panose="02070309020205020404" pitchFamily="49" charset="0"/>
+                <a:cs typeface="Courier New" panose="02070309020205020404" pitchFamily="49" charset="0"/>
+              </a:rPr>
+              <a:t> – </a:t>
+            </a:r>
+            <a:r>
+              <a:rPr lang="en-GB" dirty="0" err="1">
+                <a:latin typeface="Courier New" panose="02070309020205020404" pitchFamily="49" charset="0"/>
+                <a:cs typeface="Courier New" panose="02070309020205020404" pitchFamily="49" charset="0"/>
+              </a:rPr>
+              <a:t>xC</a:t>
+            </a:r>
+            <a:r>
+              <a:rPr lang="en-GB" dirty="0">
+                <a:latin typeface="Courier New" panose="02070309020205020404" pitchFamily="49" charset="0"/>
+                <a:cs typeface="Courier New" panose="02070309020205020404" pitchFamily="49" charset="0"/>
+              </a:rPr>
+              <a:t>) / needleLength)</a:t>
+            </a:r>
+          </a:p>
+          <a:p>
+            <a:pPr marL="742950" lvl="1" indent="-285750">
+              <a:buFont typeface="Arial" panose="020B0604020202020204" pitchFamily="34" charset="0"/>
+              <a:buChar char="•"/>
+            </a:pPr>
+            <a:r>
+              <a:rPr lang="en-GB" dirty="0" err="1">
+                <a:latin typeface="Courier New" panose="02070309020205020404" pitchFamily="49" charset="0"/>
+                <a:cs typeface="Courier New" panose="02070309020205020404" pitchFamily="49" charset="0"/>
+              </a:rPr>
+              <a:t>maxAngle</a:t>
+            </a:r>
+            <a:r>
+              <a:rPr lang="en-GB" dirty="0">
+                <a:latin typeface="Courier New" panose="02070309020205020404" pitchFamily="49" charset="0"/>
+                <a:cs typeface="Courier New" panose="02070309020205020404" pitchFamily="49" charset="0"/>
+              </a:rPr>
+              <a:t> </a:t>
+            </a:r>
+            <a:r>
+              <a:rPr lang="fr-BE" dirty="0">
+                <a:latin typeface="Courier New" panose="02070309020205020404" pitchFamily="49" charset="0"/>
+                <a:cs typeface="Courier New" panose="02070309020205020404" pitchFamily="49" charset="0"/>
+              </a:rPr>
+              <a:t>=</a:t>
+            </a:r>
+            <a:r>
+              <a:rPr lang="en-GB" dirty="0">
+                <a:latin typeface="Courier New" panose="02070309020205020404" pitchFamily="49" charset="0"/>
+                <a:cs typeface="Courier New" panose="02070309020205020404" pitchFamily="49" charset="0"/>
+              </a:rPr>
+              <a:t> </a:t>
+            </a:r>
+            <a:r>
+              <a:rPr lang="en-GB" dirty="0" err="1">
+                <a:latin typeface="Courier New" panose="02070309020205020404" pitchFamily="49" charset="0"/>
+                <a:cs typeface="Courier New" panose="02070309020205020404" pitchFamily="49" charset="0"/>
+              </a:rPr>
+              <a:t>arccos</a:t>
+            </a:r>
+            <a:r>
+              <a:rPr lang="en-GB" dirty="0">
+                <a:latin typeface="Courier New" panose="02070309020205020404" pitchFamily="49" charset="0"/>
+                <a:cs typeface="Courier New" panose="02070309020205020404" pitchFamily="49" charset="0"/>
+              </a:rPr>
+              <a:t>((</a:t>
+            </a:r>
+            <a:r>
+              <a:rPr lang="en-GB" dirty="0" err="1">
+                <a:latin typeface="Courier New" panose="02070309020205020404" pitchFamily="49" charset="0"/>
+                <a:cs typeface="Courier New" panose="02070309020205020404" pitchFamily="49" charset="0"/>
+              </a:rPr>
+              <a:t>xMax</a:t>
+            </a:r>
+            <a:r>
+              <a:rPr lang="en-GB" dirty="0">
+                <a:latin typeface="Courier New" panose="02070309020205020404" pitchFamily="49" charset="0"/>
+                <a:cs typeface="Courier New" panose="02070309020205020404" pitchFamily="49" charset="0"/>
+              </a:rPr>
+              <a:t> – </a:t>
+            </a:r>
+            <a:r>
+              <a:rPr lang="en-GB" dirty="0" err="1">
+                <a:latin typeface="Courier New" panose="02070309020205020404" pitchFamily="49" charset="0"/>
+                <a:cs typeface="Courier New" panose="02070309020205020404" pitchFamily="49" charset="0"/>
+              </a:rPr>
+              <a:t>xC</a:t>
+            </a:r>
+            <a:r>
+              <a:rPr lang="en-GB" dirty="0">
+                <a:latin typeface="Courier New" panose="02070309020205020404" pitchFamily="49" charset="0"/>
+                <a:cs typeface="Courier New" panose="02070309020205020404" pitchFamily="49" charset="0"/>
+              </a:rPr>
+              <a:t>) / needleLength)</a:t>
+            </a:r>
+          </a:p>
+          <a:p>
+            <a:pPr marL="742950" lvl="1" indent="-285750">
+              <a:buFont typeface="Arial" panose="020B0604020202020204" pitchFamily="34" charset="0"/>
+              <a:buChar char="•"/>
+            </a:pPr>
+            <a:r>
+              <a:rPr lang="fr-BE" dirty="0" err="1">
+                <a:latin typeface="Courier New" panose="02070309020205020404" pitchFamily="49" charset="0"/>
+                <a:cs typeface="Courier New" panose="02070309020205020404" pitchFamily="49" charset="0"/>
+              </a:rPr>
+              <a:t>yMax</a:t>
+            </a:r>
+            <a:r>
+              <a:rPr lang="fr-BE" dirty="0">
+                <a:latin typeface="Courier New" panose="02070309020205020404" pitchFamily="49" charset="0"/>
+                <a:cs typeface="Courier New" panose="02070309020205020404" pitchFamily="49" charset="0"/>
+              </a:rPr>
+              <a:t> </a:t>
+            </a:r>
+            <a:r>
+              <a:rPr lang="en-GB" dirty="0">
+                <a:latin typeface="Courier New" panose="02070309020205020404" pitchFamily="49" charset="0"/>
+                <a:cs typeface="Courier New" panose="02070309020205020404" pitchFamily="49" charset="0"/>
+              </a:rPr>
+              <a:t>= </a:t>
+            </a:r>
+            <a:r>
+              <a:rPr lang="en-GB" dirty="0" err="1">
+                <a:latin typeface="Courier New" panose="02070309020205020404" pitchFamily="49" charset="0"/>
+                <a:cs typeface="Courier New" panose="02070309020205020404" pitchFamily="49" charset="0"/>
+              </a:rPr>
+              <a:t>yC</a:t>
+            </a:r>
+            <a:r>
+              <a:rPr lang="en-GB" dirty="0">
+                <a:latin typeface="Courier New" panose="02070309020205020404" pitchFamily="49" charset="0"/>
+                <a:cs typeface="Courier New" panose="02070309020205020404" pitchFamily="49" charset="0"/>
+              </a:rPr>
+              <a:t> + needleLength * sin (</a:t>
+            </a:r>
+            <a:r>
+              <a:rPr lang="en-GB" dirty="0" err="1">
+                <a:latin typeface="Courier New" panose="02070309020205020404" pitchFamily="49" charset="0"/>
+                <a:cs typeface="Courier New" panose="02070309020205020404" pitchFamily="49" charset="0"/>
+              </a:rPr>
+              <a:t>maxAngle</a:t>
+            </a:r>
+            <a:r>
+              <a:rPr lang="en-GB" dirty="0">
+                <a:latin typeface="Courier New" panose="02070309020205020404" pitchFamily="49" charset="0"/>
+                <a:cs typeface="Courier New" panose="02070309020205020404" pitchFamily="49" charset="0"/>
+              </a:rPr>
+              <a:t>)</a:t>
+            </a:r>
+          </a:p>
+          <a:p>
+            <a:pPr marL="742950" lvl="1" indent="-285750">
+              <a:buFont typeface="Arial" panose="020B0604020202020204" pitchFamily="34" charset="0"/>
+              <a:buChar char="•"/>
+            </a:pPr>
+            <a:endParaRPr lang="en-GB" dirty="0"/>
+          </a:p>
+        </p:txBody>
+      </p:sp>
+    </p:spTree>
+    <p:extLst>
+      <p:ext uri="{BB962C8B-B14F-4D97-AF65-F5344CB8AC3E}">
+        <p14:creationId xmlns:p14="http://schemas.microsoft.com/office/powerpoint/2010/main" val="2147109353"/>
+      </p:ext>
+    </p:extLst>
+  </p:cSld>
+  <p:clrMapOvr>
+    <a:masterClrMapping/>
+  </p:clrMapOvr>
+</p:sld>
+</file>
+
+<file path=ppt/slides/slide18.xml><?xml version="1.0" encoding="utf-8"?>
 <p:sld xmlns:a="http://schemas.openxmlformats.org/drawingml/2006/main" xmlns:r="http://schemas.openxmlformats.org/officeDocument/2006/relationships" xmlns:p="http://schemas.openxmlformats.org/presentationml/2006/main">
   <p:cSld>
     <p:spTree>
@@ -4251,7 +8150,7 @@
 </p:sld>
 </file>
 
-<file path=ppt/slides/slide15.xml><?xml version="1.0" encoding="utf-8"?>
+<file path=ppt/slides/slide19.xml><?xml version="1.0" encoding="utf-8"?>
 <p:sld xmlns:a="http://schemas.openxmlformats.org/drawingml/2006/main" xmlns:r="http://schemas.openxmlformats.org/officeDocument/2006/relationships" xmlns:p="http://schemas.openxmlformats.org/presentationml/2006/main">
   <p:cSld>
     <p:spTree>

--- a/doc/Steps overview.pptx
+++ b/doc/Steps overview.pptx
@@ -16,14 +16,15 @@
     <p:sldId id="269" r:id="rId10"/>
     <p:sldId id="267" r:id="rId11"/>
     <p:sldId id="271" r:id="rId12"/>
-    <p:sldId id="272" r:id="rId13"/>
-    <p:sldId id="261" r:id="rId14"/>
-    <p:sldId id="273" r:id="rId15"/>
-    <p:sldId id="274" r:id="rId16"/>
-    <p:sldId id="276" r:id="rId17"/>
-    <p:sldId id="275" r:id="rId18"/>
-    <p:sldId id="262" r:id="rId19"/>
-    <p:sldId id="260" r:id="rId20"/>
+    <p:sldId id="277" r:id="rId13"/>
+    <p:sldId id="272" r:id="rId14"/>
+    <p:sldId id="261" r:id="rId15"/>
+    <p:sldId id="273" r:id="rId16"/>
+    <p:sldId id="274" r:id="rId17"/>
+    <p:sldId id="276" r:id="rId18"/>
+    <p:sldId id="275" r:id="rId19"/>
+    <p:sldId id="262" r:id="rId20"/>
+    <p:sldId id="260" r:id="rId21"/>
   </p:sldIdLst>
   <p:sldSz cx="12192000" cy="6858000"/>
   <p:notesSz cx="6858000" cy="9144000"/>
@@ -279,7 +280,7 @@
           <a:p>
             <a:fld id="{54E383A8-4E35-4FEC-85D5-4853630A56E9}" type="datetimeFigureOut">
               <a:rPr lang="LID4096" smtClean="0"/>
-              <a:t>02/12/2024</a:t>
+              <a:t>02/13/2024</a:t>
             </a:fld>
             <a:endParaRPr lang="LID4096"/>
           </a:p>
@@ -479,7 +480,7 @@
           <a:p>
             <a:fld id="{54E383A8-4E35-4FEC-85D5-4853630A56E9}" type="datetimeFigureOut">
               <a:rPr lang="LID4096" smtClean="0"/>
-              <a:t>02/12/2024</a:t>
+              <a:t>02/13/2024</a:t>
             </a:fld>
             <a:endParaRPr lang="LID4096"/>
           </a:p>
@@ -689,7 +690,7 @@
           <a:p>
             <a:fld id="{54E383A8-4E35-4FEC-85D5-4853630A56E9}" type="datetimeFigureOut">
               <a:rPr lang="LID4096" smtClean="0"/>
-              <a:t>02/12/2024</a:t>
+              <a:t>02/13/2024</a:t>
             </a:fld>
             <a:endParaRPr lang="LID4096"/>
           </a:p>
@@ -889,7 +890,7 @@
           <a:p>
             <a:fld id="{54E383A8-4E35-4FEC-85D5-4853630A56E9}" type="datetimeFigureOut">
               <a:rPr lang="LID4096" smtClean="0"/>
-              <a:t>02/12/2024</a:t>
+              <a:t>02/13/2024</a:t>
             </a:fld>
             <a:endParaRPr lang="LID4096"/>
           </a:p>
@@ -1165,7 +1166,7 @@
           <a:p>
             <a:fld id="{54E383A8-4E35-4FEC-85D5-4853630A56E9}" type="datetimeFigureOut">
               <a:rPr lang="LID4096" smtClean="0"/>
-              <a:t>02/12/2024</a:t>
+              <a:t>02/13/2024</a:t>
             </a:fld>
             <a:endParaRPr lang="LID4096"/>
           </a:p>
@@ -1433,7 +1434,7 @@
           <a:p>
             <a:fld id="{54E383A8-4E35-4FEC-85D5-4853630A56E9}" type="datetimeFigureOut">
               <a:rPr lang="LID4096" smtClean="0"/>
-              <a:t>02/12/2024</a:t>
+              <a:t>02/13/2024</a:t>
             </a:fld>
             <a:endParaRPr lang="LID4096"/>
           </a:p>
@@ -1848,7 +1849,7 @@
           <a:p>
             <a:fld id="{54E383A8-4E35-4FEC-85D5-4853630A56E9}" type="datetimeFigureOut">
               <a:rPr lang="LID4096" smtClean="0"/>
-              <a:t>02/12/2024</a:t>
+              <a:t>02/13/2024</a:t>
             </a:fld>
             <a:endParaRPr lang="LID4096"/>
           </a:p>
@@ -1990,7 +1991,7 @@
           <a:p>
             <a:fld id="{54E383A8-4E35-4FEC-85D5-4853630A56E9}" type="datetimeFigureOut">
               <a:rPr lang="LID4096" smtClean="0"/>
-              <a:t>02/12/2024</a:t>
+              <a:t>02/13/2024</a:t>
             </a:fld>
             <a:endParaRPr lang="LID4096"/>
           </a:p>
@@ -2103,7 +2104,7 @@
           <a:p>
             <a:fld id="{54E383A8-4E35-4FEC-85D5-4853630A56E9}" type="datetimeFigureOut">
               <a:rPr lang="LID4096" smtClean="0"/>
-              <a:t>02/12/2024</a:t>
+              <a:t>02/13/2024</a:t>
             </a:fld>
             <a:endParaRPr lang="LID4096"/>
           </a:p>
@@ -2416,7 +2417,7 @@
           <a:p>
             <a:fld id="{54E383A8-4E35-4FEC-85D5-4853630A56E9}" type="datetimeFigureOut">
               <a:rPr lang="LID4096" smtClean="0"/>
-              <a:t>02/12/2024</a:t>
+              <a:t>02/13/2024</a:t>
             </a:fld>
             <a:endParaRPr lang="LID4096"/>
           </a:p>
@@ -2705,7 +2706,7 @@
           <a:p>
             <a:fld id="{54E383A8-4E35-4FEC-85D5-4853630A56E9}" type="datetimeFigureOut">
               <a:rPr lang="LID4096" smtClean="0"/>
-              <a:t>02/12/2024</a:t>
+              <a:t>02/13/2024</a:t>
             </a:fld>
             <a:endParaRPr lang="LID4096"/>
           </a:p>
@@ -2948,7 +2949,7 @@
           <a:p>
             <a:fld id="{54E383A8-4E35-4FEC-85D5-4853630A56E9}" type="datetimeFigureOut">
               <a:rPr lang="LID4096" smtClean="0"/>
-              <a:t>02/12/2024</a:t>
+              <a:t>02/13/2024</a:t>
             </a:fld>
             <a:endParaRPr lang="LID4096"/>
           </a:p>
@@ -3388,6 +3389,13 @@
           <a:p>
             <a:r>
               <a:rPr lang="en-GB" dirty="0"/>
+              <a:t>Yet Another </a:t>
+            </a:r>
+            <a:br>
+              <a:rPr lang="en-GB" dirty="0"/>
+            </a:br>
+            <a:r>
+              <a:rPr lang="en-GB" dirty="0"/>
               <a:t>VU-meter</a:t>
             </a:r>
           </a:p>
@@ -3541,8 +3549,8 @@
         </p:nvSpPr>
         <p:spPr>
           <a:xfrm rot="19410285">
-            <a:off x="5025005" y="3665989"/>
-            <a:ext cx="737574" cy="369332"/>
+            <a:off x="4794912" y="3665989"/>
+            <a:ext cx="1197764" cy="369332"/>
           </a:xfrm>
           <a:prstGeom prst="rect">
             <a:avLst/>
@@ -3558,10 +3566,10 @@
             <a:r>
               <a:rPr lang="en-GB" dirty="0">
                 <a:solidFill>
-                  <a:srgbClr val="FF0000"/>
+                  <a:srgbClr val="FFC000"/>
                 </a:solidFill>
               </a:rPr>
-              <a:t>TODO</a:t>
+              <a:t>On going…</a:t>
             </a:r>
           </a:p>
         </p:txBody>
@@ -3852,6 +3860,170 @@
           <p:cNvPr id="2" name="Titre 1">
             <a:extLst>
               <a:ext uri="{FF2B5EF4-FFF2-40B4-BE49-F238E27FC236}">
+                <a16:creationId xmlns:a16="http://schemas.microsoft.com/office/drawing/2014/main" id="{9ED20E8D-EAEE-1BCF-434A-4DA0B2653CB2}"/>
+              </a:ext>
+            </a:extLst>
+          </p:cNvPr>
+          <p:cNvSpPr>
+            <a:spLocks noGrp="1"/>
+          </p:cNvSpPr>
+          <p:nvPr>
+            <p:ph type="title"/>
+          </p:nvPr>
+        </p:nvSpPr>
+        <p:spPr/>
+        <p:txBody>
+          <a:bodyPr/>
+          <a:lstStyle/>
+          <a:p>
+            <a:r>
+              <a:rPr lang="en-GB" dirty="0"/>
+              <a:t>Configuration</a:t>
+            </a:r>
+          </a:p>
+        </p:txBody>
+      </p:sp>
+      <p:sp>
+        <p:nvSpPr>
+          <p:cNvPr id="3" name="Espace réservé du contenu 2">
+            <a:extLst>
+              <a:ext uri="{FF2B5EF4-FFF2-40B4-BE49-F238E27FC236}">
+                <a16:creationId xmlns:a16="http://schemas.microsoft.com/office/drawing/2014/main" id="{CE7B7F40-0EB7-39AE-CD3C-3531D62D2D17}"/>
+              </a:ext>
+            </a:extLst>
+          </p:cNvPr>
+          <p:cNvSpPr>
+            <a:spLocks noGrp="1"/>
+          </p:cNvSpPr>
+          <p:nvPr>
+            <p:ph idx="1"/>
+          </p:nvPr>
+        </p:nvSpPr>
+        <p:spPr/>
+        <p:txBody>
+          <a:bodyPr/>
+          <a:lstStyle/>
+          <a:p>
+            <a:r>
+              <a:rPr lang="en-GB" dirty="0"/>
+              <a:t>Selected solution: </a:t>
+            </a:r>
+            <a:r>
+              <a:rPr lang="en-GB" dirty="0" err="1"/>
+              <a:t>snakeyaml</a:t>
+            </a:r>
+            <a:endParaRPr lang="en-GB" dirty="0"/>
+          </a:p>
+          <a:p>
+            <a:r>
+              <a:rPr lang="en-GB" dirty="0"/>
+              <a:t>Eclipse plugin :</a:t>
+            </a:r>
+          </a:p>
+          <a:p>
+            <a:pPr marL="0" indent="0">
+              <a:buNone/>
+            </a:pPr>
+            <a:r>
+              <a:rPr lang="en-GB" dirty="0">
+                <a:hlinkClick r:id="rId2"/>
+              </a:rPr>
+              <a:t>https://marketplace.eclipse.org/content/liclipsetext</a:t>
+            </a:r>
+            <a:endParaRPr lang="en-GB" dirty="0"/>
+          </a:p>
+          <a:p>
+            <a:pPr marL="0" indent="0">
+              <a:buNone/>
+            </a:pPr>
+            <a:r>
+              <a:rPr lang="en-GB" dirty="0"/>
+              <a:t>Note: </a:t>
+            </a:r>
+            <a:r>
+              <a:rPr lang="en-GB" dirty="0">
+                <a:hlinkClick r:id="rId3"/>
+              </a:rPr>
+              <a:t>https://github.com/de-jcup/update-site-eclipse-yaml-editor/tree/main</a:t>
+            </a:r>
+            <a:r>
+              <a:rPr lang="en-GB" dirty="0"/>
+              <a:t> is not working...</a:t>
+            </a:r>
+          </a:p>
+          <a:p>
+            <a:endParaRPr lang="en-GB" dirty="0"/>
+          </a:p>
+          <a:p>
+            <a:endParaRPr lang="en-GB" dirty="0"/>
+          </a:p>
+        </p:txBody>
+      </p:sp>
+      <p:pic>
+        <p:nvPicPr>
+          <p:cNvPr id="5" name="Image 4">
+            <a:extLst>
+              <a:ext uri="{FF2B5EF4-FFF2-40B4-BE49-F238E27FC236}">
+                <a16:creationId xmlns:a16="http://schemas.microsoft.com/office/drawing/2014/main" id="{764B4125-99D4-A06D-3505-1DF5138A7FCF}"/>
+              </a:ext>
+            </a:extLst>
+          </p:cNvPr>
+          <p:cNvPicPr>
+            <a:picLocks noChangeAspect="1"/>
+          </p:cNvPicPr>
+          <p:nvPr/>
+        </p:nvPicPr>
+        <p:blipFill>
+          <a:blip r:embed="rId4"/>
+          <a:stretch>
+            <a:fillRect/>
+          </a:stretch>
+        </p:blipFill>
+        <p:spPr>
+          <a:xfrm>
+            <a:off x="7290165" y="5394345"/>
+            <a:ext cx="3362325" cy="1658634"/>
+          </a:xfrm>
+          <a:prstGeom prst="rect">
+            <a:avLst/>
+          </a:prstGeom>
+        </p:spPr>
+      </p:pic>
+    </p:spTree>
+    <p:extLst>
+      <p:ext uri="{BB962C8B-B14F-4D97-AF65-F5344CB8AC3E}">
+        <p14:creationId xmlns:p14="http://schemas.microsoft.com/office/powerpoint/2010/main" val="3735636471"/>
+      </p:ext>
+    </p:extLst>
+  </p:cSld>
+  <p:clrMapOvr>
+    <a:masterClrMapping/>
+  </p:clrMapOvr>
+</p:sld>
+</file>
+
+<file path=ppt/slides/slide13.xml><?xml version="1.0" encoding="utf-8"?>
+<p:sld xmlns:a="http://schemas.openxmlformats.org/drawingml/2006/main" xmlns:r="http://schemas.openxmlformats.org/officeDocument/2006/relationships" xmlns:p="http://schemas.openxmlformats.org/presentationml/2006/main">
+  <p:cSld>
+    <p:spTree>
+      <p:nvGrpSpPr>
+        <p:cNvPr id="1" name=""/>
+        <p:cNvGrpSpPr/>
+        <p:nvPr/>
+      </p:nvGrpSpPr>
+      <p:grpSpPr>
+        <a:xfrm>
+          <a:off x="0" y="0"/>
+          <a:ext cx="0" cy="0"/>
+          <a:chOff x="0" y="0"/>
+          <a:chExt cx="0" cy="0"/>
+        </a:xfrm>
+      </p:grpSpPr>
+      <p:sp>
+        <p:nvSpPr>
+          <p:cNvPr id="2" name="Titre 1">
+            <a:extLst>
+              <a:ext uri="{FF2B5EF4-FFF2-40B4-BE49-F238E27FC236}">
                 <a16:creationId xmlns:a16="http://schemas.microsoft.com/office/drawing/2014/main" id="{4670362E-1FFE-AA2A-385D-F8315FBCEF68}"/>
               </a:ext>
             </a:extLst>
@@ -3917,7 +4089,7 @@
 </p:sld>
 </file>
 
-<file path=ppt/slides/slide13.xml><?xml version="1.0" encoding="utf-8"?>
+<file path=ppt/slides/slide14.xml><?xml version="1.0" encoding="utf-8"?>
 <p:sld xmlns:a="http://schemas.openxmlformats.org/drawingml/2006/main" xmlns:r="http://schemas.openxmlformats.org/officeDocument/2006/relationships" xmlns:p="http://schemas.openxmlformats.org/presentationml/2006/main">
   <p:cSld>
     <p:spTree>
@@ -4104,7 +4276,7 @@
 </p:sld>
 </file>
 
-<file path=ppt/slides/slide14.xml><?xml version="1.0" encoding="utf-8"?>
+<file path=ppt/slides/slide15.xml><?xml version="1.0" encoding="utf-8"?>
 <p:sld xmlns:a="http://schemas.openxmlformats.org/drawingml/2006/main" xmlns:r="http://schemas.openxmlformats.org/officeDocument/2006/relationships" xmlns:p="http://schemas.openxmlformats.org/presentationml/2006/main">
   <p:cSld>
     <p:spTree>
@@ -4850,7 +5022,7 @@
 </p:sld>
 </file>
 
-<file path=ppt/slides/slide15.xml><?xml version="1.0" encoding="utf-8"?>
+<file path=ppt/slides/slide16.xml><?xml version="1.0" encoding="utf-8"?>
 <p:sld xmlns:a="http://schemas.openxmlformats.org/drawingml/2006/main" xmlns:r="http://schemas.openxmlformats.org/officeDocument/2006/relationships" xmlns:p="http://schemas.openxmlformats.org/presentationml/2006/main">
   <p:cSld>
     <p:spTree>
@@ -5964,7 +6136,7 @@
 </p:sld>
 </file>
 
-<file path=ppt/slides/slide16.xml><?xml version="1.0" encoding="utf-8"?>
+<file path=ppt/slides/slide17.xml><?xml version="1.0" encoding="utf-8"?>
 <p:sld xmlns:a="http://schemas.openxmlformats.org/drawingml/2006/main" xmlns:r="http://schemas.openxmlformats.org/officeDocument/2006/relationships" xmlns:p="http://schemas.openxmlformats.org/presentationml/2006/main">
   <p:cSld>
     <p:spTree>
@@ -6909,7 +7081,7 @@
 </p:sld>
 </file>
 
-<file path=ppt/slides/slide17.xml><?xml version="1.0" encoding="utf-8"?>
+<file path=ppt/slides/slide18.xml><?xml version="1.0" encoding="utf-8"?>
 <p:sld xmlns:a="http://schemas.openxmlformats.org/drawingml/2006/main" xmlns:r="http://schemas.openxmlformats.org/officeDocument/2006/relationships" xmlns:p="http://schemas.openxmlformats.org/presentationml/2006/main">
   <p:cSld>
     <p:spTree>
@@ -8005,7 +8177,7 @@
 </p:sld>
 </file>
 
-<file path=ppt/slides/slide18.xml><?xml version="1.0" encoding="utf-8"?>
+<file path=ppt/slides/slide19.xml><?xml version="1.0" encoding="utf-8"?>
 <p:sld xmlns:a="http://schemas.openxmlformats.org/drawingml/2006/main" xmlns:r="http://schemas.openxmlformats.org/officeDocument/2006/relationships" xmlns:p="http://schemas.openxmlformats.org/presentationml/2006/main">
   <p:cSld>
     <p:spTree>
@@ -8141,137 +8313,6 @@
     <p:extLst>
       <p:ext uri="{BB962C8B-B14F-4D97-AF65-F5344CB8AC3E}">
         <p14:creationId xmlns:p14="http://schemas.microsoft.com/office/powerpoint/2010/main" val="1762366662"/>
-      </p:ext>
-    </p:extLst>
-  </p:cSld>
-  <p:clrMapOvr>
-    <a:masterClrMapping/>
-  </p:clrMapOvr>
-</p:sld>
-</file>
-
-<file path=ppt/slides/slide19.xml><?xml version="1.0" encoding="utf-8"?>
-<p:sld xmlns:a="http://schemas.openxmlformats.org/drawingml/2006/main" xmlns:r="http://schemas.openxmlformats.org/officeDocument/2006/relationships" xmlns:p="http://schemas.openxmlformats.org/presentationml/2006/main">
-  <p:cSld>
-    <p:spTree>
-      <p:nvGrpSpPr>
-        <p:cNvPr id="1" name=""/>
-        <p:cNvGrpSpPr/>
-        <p:nvPr/>
-      </p:nvGrpSpPr>
-      <p:grpSpPr>
-        <a:xfrm>
-          <a:off x="0" y="0"/>
-          <a:ext cx="0" cy="0"/>
-          <a:chOff x="0" y="0"/>
-          <a:chExt cx="0" cy="0"/>
-        </a:xfrm>
-      </p:grpSpPr>
-      <p:sp>
-        <p:nvSpPr>
-          <p:cNvPr id="2" name="Titre 1">
-            <a:extLst>
-              <a:ext uri="{FF2B5EF4-FFF2-40B4-BE49-F238E27FC236}">
-                <a16:creationId xmlns:a16="http://schemas.microsoft.com/office/drawing/2014/main" id="{5CABA1D9-3AE1-4B10-25F7-8379A4E72456}"/>
-              </a:ext>
-            </a:extLst>
-          </p:cNvPr>
-          <p:cNvSpPr>
-            <a:spLocks noGrp="1"/>
-          </p:cNvSpPr>
-          <p:nvPr>
-            <p:ph type="title"/>
-          </p:nvPr>
-        </p:nvSpPr>
-        <p:spPr/>
-        <p:txBody>
-          <a:bodyPr/>
-          <a:lstStyle/>
-          <a:p>
-            <a:r>
-              <a:rPr lang="en-GB" dirty="0"/>
-              <a:t>Step 5 – Mobile</a:t>
-            </a:r>
-          </a:p>
-        </p:txBody>
-      </p:sp>
-      <p:sp>
-        <p:nvSpPr>
-          <p:cNvPr id="3" name="Espace réservé du contenu 2">
-            <a:extLst>
-              <a:ext uri="{FF2B5EF4-FFF2-40B4-BE49-F238E27FC236}">
-                <a16:creationId xmlns:a16="http://schemas.microsoft.com/office/drawing/2014/main" id="{C025A62A-E994-CA58-30C0-B3581DBBDFA1}"/>
-              </a:ext>
-            </a:extLst>
-          </p:cNvPr>
-          <p:cNvSpPr>
-            <a:spLocks noGrp="1"/>
-          </p:cNvSpPr>
-          <p:nvPr>
-            <p:ph idx="1"/>
-          </p:nvPr>
-        </p:nvSpPr>
-        <p:spPr/>
-        <p:txBody>
-          <a:bodyPr/>
-          <a:lstStyle/>
-          <a:p>
-            <a:r>
-              <a:rPr lang="en-GB" dirty="0"/>
-              <a:t>Reverse client/server model (like X-windows)?</a:t>
-            </a:r>
-          </a:p>
-          <a:p>
-            <a:r>
-              <a:rPr lang="en-GB" dirty="0"/>
-              <a:t>Framework: ??</a:t>
-            </a:r>
-          </a:p>
-        </p:txBody>
-      </p:sp>
-      <p:sp>
-        <p:nvSpPr>
-          <p:cNvPr id="4" name="ZoneTexte 3">
-            <a:extLst>
-              <a:ext uri="{FF2B5EF4-FFF2-40B4-BE49-F238E27FC236}">
-                <a16:creationId xmlns:a16="http://schemas.microsoft.com/office/drawing/2014/main" id="{7E1C1182-C6C6-3507-A9E3-8B70D43CABB8}"/>
-              </a:ext>
-            </a:extLst>
-          </p:cNvPr>
-          <p:cNvSpPr txBox="1"/>
-          <p:nvPr/>
-        </p:nvSpPr>
-        <p:spPr>
-          <a:xfrm rot="19410285">
-            <a:off x="5025005" y="3665989"/>
-            <a:ext cx="737574" cy="369332"/>
-          </a:xfrm>
-          <a:prstGeom prst="rect">
-            <a:avLst/>
-          </a:prstGeom>
-          <a:noFill/>
-        </p:spPr>
-        <p:txBody>
-          <a:bodyPr wrap="none" rtlCol="0">
-            <a:spAutoFit/>
-          </a:bodyPr>
-          <a:lstStyle/>
-          <a:p>
-            <a:r>
-              <a:rPr lang="en-GB" dirty="0">
-                <a:solidFill>
-                  <a:srgbClr val="FF0000"/>
-                </a:solidFill>
-              </a:rPr>
-              <a:t>TODO</a:t>
-            </a:r>
-          </a:p>
-        </p:txBody>
-      </p:sp>
-    </p:spTree>
-    <p:extLst>
-      <p:ext uri="{BB962C8B-B14F-4D97-AF65-F5344CB8AC3E}">
-        <p14:creationId xmlns:p14="http://schemas.microsoft.com/office/powerpoint/2010/main" val="2577180211"/>
       </p:ext>
     </p:extLst>
   </p:cSld>
@@ -9182,6 +9223,137 @@
     <p:extLst>
       <p:ext uri="{BB962C8B-B14F-4D97-AF65-F5344CB8AC3E}">
         <p14:creationId xmlns:p14="http://schemas.microsoft.com/office/powerpoint/2010/main" val="1081699282"/>
+      </p:ext>
+    </p:extLst>
+  </p:cSld>
+  <p:clrMapOvr>
+    <a:masterClrMapping/>
+  </p:clrMapOvr>
+</p:sld>
+</file>
+
+<file path=ppt/slides/slide20.xml><?xml version="1.0" encoding="utf-8"?>
+<p:sld xmlns:a="http://schemas.openxmlformats.org/drawingml/2006/main" xmlns:r="http://schemas.openxmlformats.org/officeDocument/2006/relationships" xmlns:p="http://schemas.openxmlformats.org/presentationml/2006/main">
+  <p:cSld>
+    <p:spTree>
+      <p:nvGrpSpPr>
+        <p:cNvPr id="1" name=""/>
+        <p:cNvGrpSpPr/>
+        <p:nvPr/>
+      </p:nvGrpSpPr>
+      <p:grpSpPr>
+        <a:xfrm>
+          <a:off x="0" y="0"/>
+          <a:ext cx="0" cy="0"/>
+          <a:chOff x="0" y="0"/>
+          <a:chExt cx="0" cy="0"/>
+        </a:xfrm>
+      </p:grpSpPr>
+      <p:sp>
+        <p:nvSpPr>
+          <p:cNvPr id="2" name="Titre 1">
+            <a:extLst>
+              <a:ext uri="{FF2B5EF4-FFF2-40B4-BE49-F238E27FC236}">
+                <a16:creationId xmlns:a16="http://schemas.microsoft.com/office/drawing/2014/main" id="{5CABA1D9-3AE1-4B10-25F7-8379A4E72456}"/>
+              </a:ext>
+            </a:extLst>
+          </p:cNvPr>
+          <p:cNvSpPr>
+            <a:spLocks noGrp="1"/>
+          </p:cNvSpPr>
+          <p:nvPr>
+            <p:ph type="title"/>
+          </p:nvPr>
+        </p:nvSpPr>
+        <p:spPr/>
+        <p:txBody>
+          <a:bodyPr/>
+          <a:lstStyle/>
+          <a:p>
+            <a:r>
+              <a:rPr lang="en-GB" dirty="0"/>
+              <a:t>Step 5 – Mobile</a:t>
+            </a:r>
+          </a:p>
+        </p:txBody>
+      </p:sp>
+      <p:sp>
+        <p:nvSpPr>
+          <p:cNvPr id="3" name="Espace réservé du contenu 2">
+            <a:extLst>
+              <a:ext uri="{FF2B5EF4-FFF2-40B4-BE49-F238E27FC236}">
+                <a16:creationId xmlns:a16="http://schemas.microsoft.com/office/drawing/2014/main" id="{C025A62A-E994-CA58-30C0-B3581DBBDFA1}"/>
+              </a:ext>
+            </a:extLst>
+          </p:cNvPr>
+          <p:cNvSpPr>
+            <a:spLocks noGrp="1"/>
+          </p:cNvSpPr>
+          <p:nvPr>
+            <p:ph idx="1"/>
+          </p:nvPr>
+        </p:nvSpPr>
+        <p:spPr/>
+        <p:txBody>
+          <a:bodyPr/>
+          <a:lstStyle/>
+          <a:p>
+            <a:r>
+              <a:rPr lang="en-GB" dirty="0"/>
+              <a:t>Reverse client/server model (like X-windows)?</a:t>
+            </a:r>
+          </a:p>
+          <a:p>
+            <a:r>
+              <a:rPr lang="en-GB" dirty="0"/>
+              <a:t>Framework: ??</a:t>
+            </a:r>
+          </a:p>
+        </p:txBody>
+      </p:sp>
+      <p:sp>
+        <p:nvSpPr>
+          <p:cNvPr id="4" name="ZoneTexte 3">
+            <a:extLst>
+              <a:ext uri="{FF2B5EF4-FFF2-40B4-BE49-F238E27FC236}">
+                <a16:creationId xmlns:a16="http://schemas.microsoft.com/office/drawing/2014/main" id="{7E1C1182-C6C6-3507-A9E3-8B70D43CABB8}"/>
+              </a:ext>
+            </a:extLst>
+          </p:cNvPr>
+          <p:cNvSpPr txBox="1"/>
+          <p:nvPr/>
+        </p:nvSpPr>
+        <p:spPr>
+          <a:xfrm rot="19410285">
+            <a:off x="5025005" y="3665989"/>
+            <a:ext cx="737574" cy="369332"/>
+          </a:xfrm>
+          <a:prstGeom prst="rect">
+            <a:avLst/>
+          </a:prstGeom>
+          <a:noFill/>
+        </p:spPr>
+        <p:txBody>
+          <a:bodyPr wrap="none" rtlCol="0">
+            <a:spAutoFit/>
+          </a:bodyPr>
+          <a:lstStyle/>
+          <a:p>
+            <a:r>
+              <a:rPr lang="en-GB" dirty="0">
+                <a:solidFill>
+                  <a:srgbClr val="FF0000"/>
+                </a:solidFill>
+              </a:rPr>
+              <a:t>TODO</a:t>
+            </a:r>
+          </a:p>
+        </p:txBody>
+      </p:sp>
+    </p:spTree>
+    <p:extLst>
+      <p:ext uri="{BB962C8B-B14F-4D97-AF65-F5344CB8AC3E}">
+        <p14:creationId xmlns:p14="http://schemas.microsoft.com/office/powerpoint/2010/main" val="2577180211"/>
       </p:ext>
     </p:extLst>
   </p:cSld>

--- a/doc/Steps overview.pptx
+++ b/doc/Steps overview.pptx
@@ -5362,7 +5362,7 @@
         </p:nvSpPr>
         <p:spPr>
           <a:xfrm>
-            <a:off x="1754697" y="1167468"/>
+            <a:off x="1719862" y="5513046"/>
             <a:ext cx="829073" cy="307777"/>
           </a:xfrm>
           <a:prstGeom prst="rect">
@@ -6142,7 +6142,7 @@
         </p:nvSpPr>
         <p:spPr>
           <a:xfrm>
-            <a:off x="1803400" y="5359400"/>
+            <a:off x="1533434" y="1205412"/>
             <a:ext cx="617477" cy="369332"/>
           </a:xfrm>
           <a:prstGeom prst="rect">

--- a/doc/Steps overview.pptx
+++ b/doc/Steps overview.pptx
@@ -3658,98 +3658,105 @@
             <p:ph idx="1"/>
           </p:nvPr>
         </p:nvSpPr>
-        <p:spPr/>
-        <p:txBody>
-          <a:bodyPr/>
-          <a:lstStyle/>
-          <a:p>
-            <a:r>
-              <a:rPr lang="en-GB" dirty="0"/>
+        <p:spPr>
+          <a:xfrm>
+            <a:off x="820783" y="1425031"/>
+            <a:ext cx="10515600" cy="4351338"/>
+          </a:xfrm>
+        </p:spPr>
+        <p:txBody>
+          <a:bodyPr>
+            <a:normAutofit/>
+          </a:bodyPr>
+          <a:lstStyle/>
+          <a:p>
+            <a:r>
+              <a:rPr lang="en-GB" sz="1400" dirty="0"/>
               <a:t>Alternatives: Log4j, Log4j 2, </a:t>
             </a:r>
             <a:r>
-              <a:rPr lang="en-GB" dirty="0" err="1"/>
+              <a:rPr lang="en-GB" sz="1400" dirty="0" err="1"/>
               <a:t>Logback</a:t>
             </a:r>
             <a:r>
-              <a:rPr lang="en-GB" dirty="0"/>
+              <a:rPr lang="en-GB" sz="1400" dirty="0"/>
               <a:t>+ SL4J (</a:t>
             </a:r>
             <a:r>
-              <a:rPr lang="en-GB" sz="2000" dirty="0">
+              <a:rPr lang="en-GB" sz="1100" dirty="0">
                 <a:hlinkClick r:id="rId2"/>
               </a:rPr>
               <a:t>https://www.baeldung.com/java-logging-intro</a:t>
             </a:r>
             <a:r>
-              <a:rPr lang="en-GB" dirty="0"/>
+              <a:rPr lang="en-GB" sz="1400" dirty="0"/>
               <a:t>)</a:t>
             </a:r>
           </a:p>
           <a:p>
             <a:r>
-              <a:rPr lang="en-GB" dirty="0"/>
+              <a:rPr lang="en-GB" sz="1400" dirty="0"/>
               <a:t>Selection: SL4J+Logback because </a:t>
             </a:r>
             <a:r>
-              <a:rPr lang="en-US" dirty="0"/>
+              <a:rPr lang="en-US" sz="1400" dirty="0"/>
               <a:t>provides a common interface and abstraction for most of the Java logging frameworks.</a:t>
             </a:r>
             <a:br>
-              <a:rPr lang="en-US" dirty="0"/>
+              <a:rPr lang="en-US" sz="1400" dirty="0"/>
             </a:br>
             <a:r>
-              <a:rPr lang="en-US" dirty="0">
+              <a:rPr lang="en-US" sz="1400" dirty="0">
                 <a:hlinkClick r:id="rId3"/>
               </a:rPr>
               <a:t>https://www.baeldung.com/logback</a:t>
             </a:r>
             <a:br>
-              <a:rPr lang="en-US" dirty="0"/>
+              <a:rPr lang="en-US" sz="1400" dirty="0"/>
             </a:br>
-            <a:endParaRPr lang="en-US" dirty="0"/>
-          </a:p>
-          <a:p>
-            <a:r>
-              <a:rPr lang="en-US" dirty="0"/>
+            <a:endParaRPr lang="en-US" sz="1400" dirty="0"/>
+          </a:p>
+          <a:p>
+            <a:r>
+              <a:rPr lang="en-US" sz="1400" dirty="0"/>
               <a:t>Requires to convert to Maven project</a:t>
             </a:r>
           </a:p>
           <a:p>
             <a:r>
-              <a:rPr lang="en-US" dirty="0"/>
+              <a:rPr lang="en-US" sz="1400" dirty="0"/>
               <a:t>Specify compilation option in pom.xml:</a:t>
             </a:r>
           </a:p>
           <a:p>
             <a:r>
-              <a:rPr lang="en-US" dirty="0"/>
+              <a:rPr lang="en-US" sz="1400" dirty="0"/>
               <a:t>Configure SL4J/</a:t>
             </a:r>
             <a:r>
-              <a:rPr lang="en-US" dirty="0" err="1"/>
+              <a:rPr lang="en-US" sz="1400" dirty="0" err="1"/>
               <a:t>logback</a:t>
             </a:r>
             <a:r>
-              <a:rPr lang="en-US" dirty="0"/>
+              <a:rPr lang="en-US" sz="1400" dirty="0"/>
               <a:t>: </a:t>
             </a:r>
             <a:r>
-              <a:rPr lang="en-US" dirty="0">
+              <a:rPr lang="en-US" sz="1400" dirty="0">
                 <a:hlinkClick r:id="rId4"/>
               </a:rPr>
               <a:t>https://logback.qos.ch/setup.html</a:t>
             </a:r>
-            <a:endParaRPr lang="en-US" dirty="0"/>
+            <a:endParaRPr lang="en-US" sz="1400" dirty="0"/>
           </a:p>
           <a:p>
             <a:pPr marL="0" indent="0">
               <a:buNone/>
             </a:pPr>
-            <a:endParaRPr lang="en-US" dirty="0"/>
-          </a:p>
-          <a:p>
-            <a:endParaRPr lang="en-GB" dirty="0"/>
+            <a:endParaRPr lang="en-US" sz="1400" dirty="0"/>
+          </a:p>
+          <a:p>
+            <a:endParaRPr lang="en-GB" sz="1400" dirty="0"/>
           </a:p>
         </p:txBody>
       </p:sp>
@@ -3775,7 +3782,7 @@
         </p:blipFill>
         <p:spPr>
           <a:xfrm>
-            <a:off x="7688973" y="3587341"/>
+            <a:off x="6922854" y="2055103"/>
             <a:ext cx="3523961" cy="1782311"/>
           </a:xfrm>
           <a:prstGeom prst="rect">
@@ -3797,7 +3804,7 @@
         </p:nvSpPr>
         <p:spPr>
           <a:xfrm>
-            <a:off x="8896525" y="4524200"/>
+            <a:off x="8076860" y="2975487"/>
             <a:ext cx="2162175" cy="428625"/>
           </a:xfrm>
           <a:prstGeom prst="roundRect">
@@ -3835,6 +3842,36 @@
           </a:p>
         </p:txBody>
       </p:sp>
+      <p:pic>
+        <p:nvPicPr>
+          <p:cNvPr id="7" name="Image 6">
+            <a:extLst>
+              <a:ext uri="{FF2B5EF4-FFF2-40B4-BE49-F238E27FC236}">
+                <a16:creationId xmlns:a16="http://schemas.microsoft.com/office/drawing/2014/main" id="{1F3E4468-8977-C43E-2934-26BA60882F7F}"/>
+              </a:ext>
+            </a:extLst>
+          </p:cNvPr>
+          <p:cNvPicPr>
+            <a:picLocks noChangeAspect="1"/>
+          </p:cNvPicPr>
+          <p:nvPr/>
+        </p:nvPicPr>
+        <p:blipFill>
+          <a:blip r:embed="rId6"/>
+          <a:stretch>
+            <a:fillRect/>
+          </a:stretch>
+        </p:blipFill>
+        <p:spPr>
+          <a:xfrm>
+            <a:off x="1467166" y="3893577"/>
+            <a:ext cx="4281156" cy="1765818"/>
+          </a:xfrm>
+          <a:prstGeom prst="rect">
+            <a:avLst/>
+          </a:prstGeom>
+        </p:spPr>
+      </p:pic>
     </p:spTree>
     <p:extLst>
       <p:ext uri="{BB962C8B-B14F-4D97-AF65-F5344CB8AC3E}">

--- a/doc/Steps overview.pptx
+++ b/doc/Steps overview.pptx
@@ -32,9 +32,14 @@
     <p:sldId id="284" r:id="rId26"/>
     <p:sldId id="285" r:id="rId27"/>
     <p:sldId id="286" r:id="rId28"/>
-    <p:sldId id="262" r:id="rId29"/>
-    <p:sldId id="260" r:id="rId30"/>
-    <p:sldId id="278" r:id="rId31"/>
+    <p:sldId id="288" r:id="rId29"/>
+    <p:sldId id="291" r:id="rId30"/>
+    <p:sldId id="290" r:id="rId31"/>
+    <p:sldId id="292" r:id="rId32"/>
+    <p:sldId id="289" r:id="rId33"/>
+    <p:sldId id="262" r:id="rId34"/>
+    <p:sldId id="260" r:id="rId35"/>
+    <p:sldId id="278" r:id="rId36"/>
   </p:sldIdLst>
   <p:sldSz cx="12192000" cy="6858000"/>
   <p:notesSz cx="6858000" cy="9144000"/>
@@ -290,7 +295,7 @@
           <a:p>
             <a:fld id="{54E383A8-4E35-4FEC-85D5-4853630A56E9}" type="datetimeFigureOut">
               <a:rPr lang="LID4096" smtClean="0"/>
-              <a:t>02/14/2024</a:t>
+              <a:t>02/15/2024</a:t>
             </a:fld>
             <a:endParaRPr lang="LID4096"/>
           </a:p>
@@ -490,7 +495,7 @@
           <a:p>
             <a:fld id="{54E383A8-4E35-4FEC-85D5-4853630A56E9}" type="datetimeFigureOut">
               <a:rPr lang="LID4096" smtClean="0"/>
-              <a:t>02/14/2024</a:t>
+              <a:t>02/15/2024</a:t>
             </a:fld>
             <a:endParaRPr lang="LID4096"/>
           </a:p>
@@ -700,7 +705,7 @@
           <a:p>
             <a:fld id="{54E383A8-4E35-4FEC-85D5-4853630A56E9}" type="datetimeFigureOut">
               <a:rPr lang="LID4096" smtClean="0"/>
-              <a:t>02/14/2024</a:t>
+              <a:t>02/15/2024</a:t>
             </a:fld>
             <a:endParaRPr lang="LID4096"/>
           </a:p>
@@ -900,7 +905,7 @@
           <a:p>
             <a:fld id="{54E383A8-4E35-4FEC-85D5-4853630A56E9}" type="datetimeFigureOut">
               <a:rPr lang="LID4096" smtClean="0"/>
-              <a:t>02/14/2024</a:t>
+              <a:t>02/15/2024</a:t>
             </a:fld>
             <a:endParaRPr lang="LID4096"/>
           </a:p>
@@ -1176,7 +1181,7 @@
           <a:p>
             <a:fld id="{54E383A8-4E35-4FEC-85D5-4853630A56E9}" type="datetimeFigureOut">
               <a:rPr lang="LID4096" smtClean="0"/>
-              <a:t>02/14/2024</a:t>
+              <a:t>02/15/2024</a:t>
             </a:fld>
             <a:endParaRPr lang="LID4096"/>
           </a:p>
@@ -1444,7 +1449,7 @@
           <a:p>
             <a:fld id="{54E383A8-4E35-4FEC-85D5-4853630A56E9}" type="datetimeFigureOut">
               <a:rPr lang="LID4096" smtClean="0"/>
-              <a:t>02/14/2024</a:t>
+              <a:t>02/15/2024</a:t>
             </a:fld>
             <a:endParaRPr lang="LID4096"/>
           </a:p>
@@ -1859,7 +1864,7 @@
           <a:p>
             <a:fld id="{54E383A8-4E35-4FEC-85D5-4853630A56E9}" type="datetimeFigureOut">
               <a:rPr lang="LID4096" smtClean="0"/>
-              <a:t>02/14/2024</a:t>
+              <a:t>02/15/2024</a:t>
             </a:fld>
             <a:endParaRPr lang="LID4096"/>
           </a:p>
@@ -2001,7 +2006,7 @@
           <a:p>
             <a:fld id="{54E383A8-4E35-4FEC-85D5-4853630A56E9}" type="datetimeFigureOut">
               <a:rPr lang="LID4096" smtClean="0"/>
-              <a:t>02/14/2024</a:t>
+              <a:t>02/15/2024</a:t>
             </a:fld>
             <a:endParaRPr lang="LID4096"/>
           </a:p>
@@ -2114,7 +2119,7 @@
           <a:p>
             <a:fld id="{54E383A8-4E35-4FEC-85D5-4853630A56E9}" type="datetimeFigureOut">
               <a:rPr lang="LID4096" smtClean="0"/>
-              <a:t>02/14/2024</a:t>
+              <a:t>02/15/2024</a:t>
             </a:fld>
             <a:endParaRPr lang="LID4096"/>
           </a:p>
@@ -2427,7 +2432,7 @@
           <a:p>
             <a:fld id="{54E383A8-4E35-4FEC-85D5-4853630A56E9}" type="datetimeFigureOut">
               <a:rPr lang="LID4096" smtClean="0"/>
-              <a:t>02/14/2024</a:t>
+              <a:t>02/15/2024</a:t>
             </a:fld>
             <a:endParaRPr lang="LID4096"/>
           </a:p>
@@ -2716,7 +2721,7 @@
           <a:p>
             <a:fld id="{54E383A8-4E35-4FEC-85D5-4853630A56E9}" type="datetimeFigureOut">
               <a:rPr lang="LID4096" smtClean="0"/>
-              <a:t>02/14/2024</a:t>
+              <a:t>02/15/2024</a:t>
             </a:fld>
             <a:endParaRPr lang="LID4096"/>
           </a:p>
@@ -2959,7 +2964,7 @@
           <a:p>
             <a:fld id="{54E383A8-4E35-4FEC-85D5-4853630A56E9}" type="datetimeFigureOut">
               <a:rPr lang="LID4096" smtClean="0"/>
-              <a:t>02/14/2024</a:t>
+              <a:t>02/15/2024</a:t>
             </a:fld>
             <a:endParaRPr lang="LID4096"/>
           </a:p>
@@ -9387,72 +9392,6 @@
           </a:p>
         </p:txBody>
       </p:sp>
-      <p:pic>
-        <p:nvPicPr>
-          <p:cNvPr id="5" name="Image 4">
-            <a:extLst>
-              <a:ext uri="{FF2B5EF4-FFF2-40B4-BE49-F238E27FC236}">
-                <a16:creationId xmlns:a16="http://schemas.microsoft.com/office/drawing/2014/main" id="{568F9307-7053-5915-0E24-97A24F4C289B}"/>
-              </a:ext>
-            </a:extLst>
-          </p:cNvPr>
-          <p:cNvPicPr>
-            <a:picLocks noChangeAspect="1"/>
-          </p:cNvPicPr>
-          <p:nvPr/>
-        </p:nvPicPr>
-        <p:blipFill>
-          <a:blip r:embed="rId2"/>
-          <a:stretch>
-            <a:fillRect/>
-          </a:stretch>
-        </p:blipFill>
-        <p:spPr>
-          <a:xfrm>
-            <a:off x="10747079" y="1788245"/>
-            <a:ext cx="7943850" cy="3857625"/>
-          </a:xfrm>
-          <a:prstGeom prst="rect">
-            <a:avLst/>
-          </a:prstGeom>
-          <a:ln>
-            <a:solidFill>
-              <a:srgbClr val="FF0000"/>
-            </a:solidFill>
-            <a:prstDash val="dashDot"/>
-          </a:ln>
-        </p:spPr>
-      </p:pic>
-      <p:pic>
-        <p:nvPicPr>
-          <p:cNvPr id="4" name="Image 3">
-            <a:extLst>
-              <a:ext uri="{FF2B5EF4-FFF2-40B4-BE49-F238E27FC236}">
-                <a16:creationId xmlns:a16="http://schemas.microsoft.com/office/drawing/2014/main" id="{CE6014E4-F351-0035-3D2F-7AD9F9C652B9}"/>
-              </a:ext>
-            </a:extLst>
-          </p:cNvPr>
-          <p:cNvPicPr>
-            <a:picLocks noChangeAspect="1"/>
-          </p:cNvPicPr>
-          <p:nvPr/>
-        </p:nvPicPr>
-        <p:blipFill>
-          <a:blip r:embed="rId3"/>
-          <a:stretch>
-            <a:fillRect/>
-          </a:stretch>
-        </p:blipFill>
-        <p:spPr>
-          <a:xfrm>
-            <a:off x="8410822" y="-2037072"/>
-            <a:ext cx="7946778" cy="4074143"/>
-          </a:xfrm>
-          <a:prstGeom prst="rect">
-            <a:avLst/>
-          </a:prstGeom>
-        </p:spPr>
-      </p:pic>
       <p:cxnSp>
         <p:nvCxnSpPr>
           <p:cNvPr id="9" name="Connecteur droit 8">
@@ -14816,16 +14755,14 @@
         </p:blipFill>
         <p:spPr>
           <a:xfrm>
-            <a:off x="12677479" y="1407245"/>
+            <a:off x="10711946" y="1441428"/>
             <a:ext cx="7943850" cy="3857625"/>
           </a:xfrm>
           <a:prstGeom prst="rect">
             <a:avLst/>
           </a:prstGeom>
           <a:ln>
-            <a:solidFill>
-              <a:srgbClr val="FF0000"/>
-            </a:solidFill>
+            <a:noFill/>
             <a:prstDash val="dashDot"/>
           </a:ln>
         </p:spPr>
@@ -15322,7 +15259,7 @@
         </p:blipFill>
         <p:spPr>
           <a:xfrm>
-            <a:off x="12652622" y="1620528"/>
+            <a:off x="10567448" y="1406883"/>
             <a:ext cx="7946778" cy="4074143"/>
           </a:xfrm>
           <a:prstGeom prst="rect">
@@ -19333,7 +19270,7 @@
           </a:prstGeom>
           <a:ln>
             <a:solidFill>
-              <a:schemeClr val="bg1"/>
+              <a:srgbClr val="FF0000"/>
             </a:solidFill>
           </a:ln>
         </p:spPr>
@@ -20831,7 +20768,7 @@
           </a:prstGeom>
           <a:ln>
             <a:solidFill>
-              <a:schemeClr val="bg1"/>
+              <a:srgbClr val="FF0000"/>
             </a:solidFill>
           </a:ln>
         </p:spPr>
@@ -21102,13 +21039,7 @@
   <p:cSld>
     <p:spTree>
       <p:nvGrpSpPr>
-        <p:cNvPr id="1" name="">
-          <a:extLst>
-            <a:ext uri="{FF2B5EF4-FFF2-40B4-BE49-F238E27FC236}">
-              <a16:creationId xmlns:a16="http://schemas.microsoft.com/office/drawing/2014/main" id="{BD080549-0AF8-4969-FBFC-DA319D487BD6}"/>
-            </a:ext>
-          </a:extLst>
-        </p:cNvPr>
+        <p:cNvPr id="1" name=""/>
         <p:cNvGrpSpPr/>
         <p:nvPr/>
       </p:nvGrpSpPr>
@@ -21125,7 +21056,7 @@
           <p:cNvPr id="2" name="Titre 1">
             <a:extLst>
               <a:ext uri="{FF2B5EF4-FFF2-40B4-BE49-F238E27FC236}">
-                <a16:creationId xmlns:a16="http://schemas.microsoft.com/office/drawing/2014/main" id="{D60EA576-ED00-5388-5F99-9251025CC996}"/>
+                <a16:creationId xmlns:a16="http://schemas.microsoft.com/office/drawing/2014/main" id="{16053C39-63EA-C03E-D351-C69301FCB935}"/>
               </a:ext>
             </a:extLst>
           </p:cNvPr>
@@ -21143,15 +21074,7 @@
           <a:p>
             <a:r>
               <a:rPr lang="en-GB" dirty="0"/>
-              <a:t>Step 4 – C/S model (</a:t>
-            </a:r>
-            <a:r>
-              <a:rPr lang="en-GB" dirty="0" err="1"/>
-              <a:t>angular+Spring</a:t>
-            </a:r>
-            <a:r>
-              <a:rPr lang="en-GB" dirty="0"/>
-              <a:t>)</a:t>
+              <a:t>JavaFX</a:t>
             </a:r>
           </a:p>
         </p:txBody>
@@ -21161,7 +21084,7 @@
           <p:cNvPr id="3" name="Espace réservé du contenu 2">
             <a:extLst>
               <a:ext uri="{FF2B5EF4-FFF2-40B4-BE49-F238E27FC236}">
-                <a16:creationId xmlns:a16="http://schemas.microsoft.com/office/drawing/2014/main" id="{C282D129-760F-85C3-4F4E-75E9299D91E7}"/>
+                <a16:creationId xmlns:a16="http://schemas.microsoft.com/office/drawing/2014/main" id="{06788429-95CC-5135-CA5F-8654ED3F6EC0}"/>
               </a:ext>
             </a:extLst>
           </p:cNvPr>
@@ -21179,60 +21102,216 @@
           <a:p>
             <a:r>
               <a:rPr lang="en-GB" dirty="0"/>
-              <a:t>GUI Framework: Angular</a:t>
-            </a:r>
-          </a:p>
-          <a:p>
-            <a:r>
-              <a:rPr lang="en-GB" dirty="0"/>
-              <a:t>Server : swing</a:t>
-            </a:r>
-          </a:p>
-        </p:txBody>
-      </p:sp>
-      <p:sp>
-        <p:nvSpPr>
-          <p:cNvPr id="4" name="ZoneTexte 3">
-            <a:extLst>
-              <a:ext uri="{FF2B5EF4-FFF2-40B4-BE49-F238E27FC236}">
-                <a16:creationId xmlns:a16="http://schemas.microsoft.com/office/drawing/2014/main" id="{34204BC3-FC0F-F4A2-EF5A-B1A1C83549CF}"/>
-              </a:ext>
-            </a:extLst>
-          </p:cNvPr>
-          <p:cNvSpPr txBox="1"/>
-          <p:nvPr/>
-        </p:nvSpPr>
-        <p:spPr>
-          <a:xfrm rot="19410285">
-            <a:off x="5025005" y="3665989"/>
-            <a:ext cx="737574" cy="369332"/>
-          </a:xfrm>
-          <a:prstGeom prst="rect">
-            <a:avLst/>
-          </a:prstGeom>
-          <a:noFill/>
-        </p:spPr>
-        <p:txBody>
-          <a:bodyPr wrap="none" rtlCol="0">
-            <a:spAutoFit/>
-          </a:bodyPr>
-          <a:lstStyle/>
-          <a:p>
-            <a:r>
-              <a:rPr lang="en-GB" dirty="0">
+              <a:t>Integration with Eclipse: cf. </a:t>
+            </a:r>
+            <a:r>
+              <a:rPr lang="en-GB" sz="2000" dirty="0">
+                <a:hlinkClick r:id="rId2"/>
+              </a:rPr>
+              <a:t>https://www.youtube.com/watch?v=bk28ytggz7E</a:t>
+            </a:r>
+            <a:endParaRPr lang="en-GB" sz="2000" dirty="0"/>
+          </a:p>
+          <a:p>
+            <a:r>
+              <a:rPr lang="en-GB" sz="2000" dirty="0">
+                <a:hlinkClick r:id="rId3"/>
+              </a:rPr>
+              <a:t>https://www.youtube.com/watch?v=nz8P528uGjk</a:t>
+            </a:r>
+            <a:endParaRPr lang="en-GB" sz="2000" dirty="0"/>
+          </a:p>
+          <a:p>
+            <a:r>
+              <a:rPr lang="en-GB" sz="2000" dirty="0"/>
+              <a:t>Download SKD: https://openjfx.io/</a:t>
+            </a:r>
+          </a:p>
+          <a:p>
+            <a:r>
+              <a:rPr lang="en-GB" sz="2000" dirty="0"/>
+              <a:t>:</a:t>
+            </a:r>
+          </a:p>
+          <a:p>
+            <a:endParaRPr lang="en-GB" sz="2000" dirty="0"/>
+          </a:p>
+          <a:p>
+            <a:r>
+              <a:rPr lang="en-GB" sz="2000" dirty="0">
                 <a:solidFill>
                   <a:srgbClr val="FF0000"/>
                 </a:solidFill>
               </a:rPr>
-              <a:t>TODO</a:t>
-            </a:r>
-          </a:p>
-        </p:txBody>
-      </p:sp>
+              <a:t>!</a:t>
+            </a:r>
+            <a:r>
+              <a:rPr lang="en-GB" sz="2000" dirty="0"/>
+              <a:t> Delete module-info from generated project</a:t>
+            </a:r>
+          </a:p>
+          <a:p>
+            <a:endParaRPr lang="en-GB" sz="2000" dirty="0"/>
+          </a:p>
+          <a:p>
+            <a:endParaRPr lang="en-GB" dirty="0"/>
+          </a:p>
+        </p:txBody>
+      </p:sp>
+      <p:pic>
+        <p:nvPicPr>
+          <p:cNvPr id="5" name="Image 4">
+            <a:extLst>
+              <a:ext uri="{FF2B5EF4-FFF2-40B4-BE49-F238E27FC236}">
+                <a16:creationId xmlns:a16="http://schemas.microsoft.com/office/drawing/2014/main" id="{47E9FE68-DFE4-7E1E-1B65-24862B6A22C0}"/>
+              </a:ext>
+            </a:extLst>
+          </p:cNvPr>
+          <p:cNvPicPr>
+            <a:picLocks noChangeAspect="1"/>
+          </p:cNvPicPr>
+          <p:nvPr/>
+        </p:nvPicPr>
+        <p:blipFill>
+          <a:blip r:embed="rId4"/>
+          <a:stretch>
+            <a:fillRect/>
+          </a:stretch>
+        </p:blipFill>
+        <p:spPr>
+          <a:xfrm>
+            <a:off x="7579846" y="5851758"/>
+            <a:ext cx="5286375" cy="819150"/>
+          </a:xfrm>
+          <a:prstGeom prst="rect">
+            <a:avLst/>
+          </a:prstGeom>
+        </p:spPr>
+      </p:pic>
+      <p:pic>
+        <p:nvPicPr>
+          <p:cNvPr id="7" name="Image 6">
+            <a:extLst>
+              <a:ext uri="{FF2B5EF4-FFF2-40B4-BE49-F238E27FC236}">
+                <a16:creationId xmlns:a16="http://schemas.microsoft.com/office/drawing/2014/main" id="{2FF8E3FD-F2CA-A59F-0847-84C54720A9B4}"/>
+              </a:ext>
+            </a:extLst>
+          </p:cNvPr>
+          <p:cNvPicPr>
+            <a:picLocks noChangeAspect="1"/>
+          </p:cNvPicPr>
+          <p:nvPr/>
+        </p:nvPicPr>
+        <p:blipFill>
+          <a:blip r:embed="rId5"/>
+          <a:stretch>
+            <a:fillRect/>
+          </a:stretch>
+        </p:blipFill>
+        <p:spPr>
+          <a:xfrm>
+            <a:off x="8206817" y="3419738"/>
+            <a:ext cx="2895487" cy="1928812"/>
+          </a:xfrm>
+          <a:prstGeom prst="rect">
+            <a:avLst/>
+          </a:prstGeom>
+        </p:spPr>
+      </p:pic>
+      <p:pic>
+        <p:nvPicPr>
+          <p:cNvPr id="11" name="Image 10">
+            <a:extLst>
+              <a:ext uri="{FF2B5EF4-FFF2-40B4-BE49-F238E27FC236}">
+                <a16:creationId xmlns:a16="http://schemas.microsoft.com/office/drawing/2014/main" id="{1D4D81C3-3D8F-80E8-1A0C-F88BBDDD7D87}"/>
+              </a:ext>
+            </a:extLst>
+          </p:cNvPr>
+          <p:cNvPicPr>
+            <a:picLocks noChangeAspect="1"/>
+          </p:cNvPicPr>
+          <p:nvPr/>
+        </p:nvPicPr>
+        <p:blipFill>
+          <a:blip r:embed="rId6"/>
+          <a:stretch>
+            <a:fillRect/>
+          </a:stretch>
+        </p:blipFill>
+        <p:spPr>
+          <a:xfrm>
+            <a:off x="1272642" y="4419600"/>
+            <a:ext cx="2915511" cy="2162174"/>
+          </a:xfrm>
+          <a:prstGeom prst="rect">
+            <a:avLst/>
+          </a:prstGeom>
+        </p:spPr>
+      </p:pic>
+      <p:pic>
+        <p:nvPicPr>
+          <p:cNvPr id="13" name="Image 12">
+            <a:extLst>
+              <a:ext uri="{FF2B5EF4-FFF2-40B4-BE49-F238E27FC236}">
+                <a16:creationId xmlns:a16="http://schemas.microsoft.com/office/drawing/2014/main" id="{D895EE36-E180-0D7D-FE40-31D750A94992}"/>
+              </a:ext>
+            </a:extLst>
+          </p:cNvPr>
+          <p:cNvPicPr>
+            <a:picLocks noChangeAspect="1"/>
+          </p:cNvPicPr>
+          <p:nvPr/>
+        </p:nvPicPr>
+        <p:blipFill>
+          <a:blip r:embed="rId7"/>
+          <a:stretch>
+            <a:fillRect/>
+          </a:stretch>
+        </p:blipFill>
+        <p:spPr>
+          <a:xfrm>
+            <a:off x="3819525" y="5076919"/>
+            <a:ext cx="3448050" cy="1528668"/>
+          </a:xfrm>
+          <a:prstGeom prst="rect">
+            <a:avLst/>
+          </a:prstGeom>
+        </p:spPr>
+      </p:pic>
+      <p:pic>
+        <p:nvPicPr>
+          <p:cNvPr id="15" name="Image 14">
+            <a:extLst>
+              <a:ext uri="{FF2B5EF4-FFF2-40B4-BE49-F238E27FC236}">
+                <a16:creationId xmlns:a16="http://schemas.microsoft.com/office/drawing/2014/main" id="{342A10C5-EE03-84B7-A2C5-699CEFB20623}"/>
+              </a:ext>
+            </a:extLst>
+          </p:cNvPr>
+          <p:cNvPicPr>
+            <a:picLocks noChangeAspect="1"/>
+          </p:cNvPicPr>
+          <p:nvPr/>
+        </p:nvPicPr>
+        <p:blipFill>
+          <a:blip r:embed="rId8"/>
+          <a:stretch>
+            <a:fillRect/>
+          </a:stretch>
+        </p:blipFill>
+        <p:spPr>
+          <a:xfrm>
+            <a:off x="5922628" y="2658987"/>
+            <a:ext cx="2212989" cy="1702764"/>
+          </a:xfrm>
+          <a:prstGeom prst="rect">
+            <a:avLst/>
+          </a:prstGeom>
+        </p:spPr>
+      </p:pic>
     </p:spTree>
     <p:extLst>
       <p:ext uri="{BB962C8B-B14F-4D97-AF65-F5344CB8AC3E}">
-        <p14:creationId xmlns:p14="http://schemas.microsoft.com/office/powerpoint/2010/main" val="1762366662"/>
+        <p14:creationId xmlns:p14="http://schemas.microsoft.com/office/powerpoint/2010/main" val="1513246137"/>
       </p:ext>
     </p:extLst>
   </p:cSld>
@@ -21264,7 +21343,7 @@
           <p:cNvPr id="2" name="Titre 1">
             <a:extLst>
               <a:ext uri="{FF2B5EF4-FFF2-40B4-BE49-F238E27FC236}">
-                <a16:creationId xmlns:a16="http://schemas.microsoft.com/office/drawing/2014/main" id="{5CABA1D9-3AE1-4B10-25F7-8379A4E72456}"/>
+                <a16:creationId xmlns:a16="http://schemas.microsoft.com/office/drawing/2014/main" id="{70DBC2F8-62A7-8882-4E17-7BABF004C66D}"/>
               </a:ext>
             </a:extLst>
           </p:cNvPr>
@@ -21282,7 +21361,7 @@
           <a:p>
             <a:r>
               <a:rPr lang="en-GB" dirty="0"/>
-              <a:t>Step 5 – Mobile</a:t>
+              <a:t>Run configuration</a:t>
             </a:r>
           </a:p>
         </p:txBody>
@@ -21292,7 +21371,7 @@
           <p:cNvPr id="3" name="Espace réservé du contenu 2">
             <a:extLst>
               <a:ext uri="{FF2B5EF4-FFF2-40B4-BE49-F238E27FC236}">
-                <a16:creationId xmlns:a16="http://schemas.microsoft.com/office/drawing/2014/main" id="{C025A62A-E994-CA58-30C0-B3581DBBDFA1}"/>
+                <a16:creationId xmlns:a16="http://schemas.microsoft.com/office/drawing/2014/main" id="{D9345A12-3C8E-896A-E2B4-E656F9832A38}"/>
               </a:ext>
             </a:extLst>
           </p:cNvPr>
@@ -21308,62 +21387,74 @@
           <a:bodyPr/>
           <a:lstStyle/>
           <a:p>
-            <a:r>
-              <a:rPr lang="en-GB" dirty="0"/>
-              <a:t>Reverse client/server model (like X-windows)?</a:t>
-            </a:r>
-          </a:p>
-          <a:p>
-            <a:r>
-              <a:rPr lang="en-GB" dirty="0"/>
-              <a:t>Framework: ??</a:t>
-            </a:r>
-          </a:p>
-        </p:txBody>
-      </p:sp>
-      <p:sp>
-        <p:nvSpPr>
-          <p:cNvPr id="4" name="ZoneTexte 3">
-            <a:extLst>
-              <a:ext uri="{FF2B5EF4-FFF2-40B4-BE49-F238E27FC236}">
-                <a16:creationId xmlns:a16="http://schemas.microsoft.com/office/drawing/2014/main" id="{7E1C1182-C6C6-3507-A9E3-8B70D43CABB8}"/>
-              </a:ext>
-            </a:extLst>
-          </p:cNvPr>
-          <p:cNvSpPr txBox="1"/>
-          <p:nvPr/>
-        </p:nvSpPr>
-        <p:spPr>
-          <a:xfrm rot="19410285">
-            <a:off x="5025005" y="3665989"/>
-            <a:ext cx="737574" cy="369332"/>
+            <a:endParaRPr lang="en-GB" dirty="0"/>
+          </a:p>
+        </p:txBody>
+      </p:sp>
+      <p:pic>
+        <p:nvPicPr>
+          <p:cNvPr id="5" name="Image 4">
+            <a:extLst>
+              <a:ext uri="{FF2B5EF4-FFF2-40B4-BE49-F238E27FC236}">
+                <a16:creationId xmlns:a16="http://schemas.microsoft.com/office/drawing/2014/main" id="{9806F6AE-7266-FBE4-F860-67DF3FE378F4}"/>
+              </a:ext>
+            </a:extLst>
+          </p:cNvPr>
+          <p:cNvPicPr>
+            <a:picLocks noChangeAspect="1"/>
+          </p:cNvPicPr>
+          <p:nvPr/>
+        </p:nvPicPr>
+        <p:blipFill>
+          <a:blip r:embed="rId2"/>
+          <a:stretch>
+            <a:fillRect/>
+          </a:stretch>
+        </p:blipFill>
+        <p:spPr>
+          <a:xfrm>
+            <a:off x="1073791" y="1879572"/>
+            <a:ext cx="6042870" cy="2184563"/>
           </a:xfrm>
           <a:prstGeom prst="rect">
             <a:avLst/>
           </a:prstGeom>
-          <a:noFill/>
-        </p:spPr>
-        <p:txBody>
-          <a:bodyPr wrap="none" rtlCol="0">
-            <a:spAutoFit/>
-          </a:bodyPr>
-          <a:lstStyle/>
-          <a:p>
-            <a:r>
-              <a:rPr lang="en-GB" dirty="0">
-                <a:solidFill>
-                  <a:srgbClr val="FF0000"/>
-                </a:solidFill>
-              </a:rPr>
-              <a:t>TODO</a:t>
-            </a:r>
-          </a:p>
-        </p:txBody>
-      </p:sp>
+        </p:spPr>
+      </p:pic>
+      <p:pic>
+        <p:nvPicPr>
+          <p:cNvPr id="7" name="Image 6">
+            <a:extLst>
+              <a:ext uri="{FF2B5EF4-FFF2-40B4-BE49-F238E27FC236}">
+                <a16:creationId xmlns:a16="http://schemas.microsoft.com/office/drawing/2014/main" id="{C19B1849-2C43-AEC2-5EB3-6F71FD707833}"/>
+              </a:ext>
+            </a:extLst>
+          </p:cNvPr>
+          <p:cNvPicPr>
+            <a:picLocks noChangeAspect="1"/>
+          </p:cNvPicPr>
+          <p:nvPr/>
+        </p:nvPicPr>
+        <p:blipFill>
+          <a:blip r:embed="rId3"/>
+          <a:stretch>
+            <a:fillRect/>
+          </a:stretch>
+        </p:blipFill>
+        <p:spPr>
+          <a:xfrm>
+            <a:off x="7138000" y="1907971"/>
+            <a:ext cx="2868056" cy="2118744"/>
+          </a:xfrm>
+          <a:prstGeom prst="rect">
+            <a:avLst/>
+          </a:prstGeom>
+        </p:spPr>
+      </p:pic>
     </p:spTree>
     <p:extLst>
       <p:ext uri="{BB962C8B-B14F-4D97-AF65-F5344CB8AC3E}">
-        <p14:creationId xmlns:p14="http://schemas.microsoft.com/office/powerpoint/2010/main" val="2577180211"/>
+        <p14:creationId xmlns:p14="http://schemas.microsoft.com/office/powerpoint/2010/main" val="2948847707"/>
       </p:ext>
     </p:extLst>
   </p:cSld>
@@ -22569,6 +22660,709 @@
           <p:cNvPr id="2" name="Titre 1">
             <a:extLst>
               <a:ext uri="{FF2B5EF4-FFF2-40B4-BE49-F238E27FC236}">
+                <a16:creationId xmlns:a16="http://schemas.microsoft.com/office/drawing/2014/main" id="{7DDDD0F4-DB89-E51C-2E0F-9302CEFD5CCA}"/>
+              </a:ext>
+            </a:extLst>
+          </p:cNvPr>
+          <p:cNvSpPr>
+            <a:spLocks noGrp="1"/>
+          </p:cNvSpPr>
+          <p:nvPr>
+            <p:ph type="title"/>
+          </p:nvPr>
+        </p:nvSpPr>
+        <p:spPr/>
+        <p:txBody>
+          <a:bodyPr/>
+          <a:lstStyle/>
+          <a:p>
+            <a:r>
+              <a:rPr lang="en-GB" dirty="0"/>
+              <a:t>Screen design – Scene Builder</a:t>
+            </a:r>
+          </a:p>
+        </p:txBody>
+      </p:sp>
+      <p:sp>
+        <p:nvSpPr>
+          <p:cNvPr id="3" name="Espace réservé du contenu 2">
+            <a:extLst>
+              <a:ext uri="{FF2B5EF4-FFF2-40B4-BE49-F238E27FC236}">
+                <a16:creationId xmlns:a16="http://schemas.microsoft.com/office/drawing/2014/main" id="{C104AEB7-905B-C647-0C27-5C0163C55311}"/>
+              </a:ext>
+            </a:extLst>
+          </p:cNvPr>
+          <p:cNvSpPr>
+            <a:spLocks noGrp="1"/>
+          </p:cNvSpPr>
+          <p:nvPr>
+            <p:ph idx="1"/>
+          </p:nvPr>
+        </p:nvSpPr>
+        <p:spPr/>
+        <p:txBody>
+          <a:bodyPr/>
+          <a:lstStyle/>
+          <a:p>
+            <a:r>
+              <a:rPr lang="en-GB" dirty="0">
+                <a:hlinkClick r:id="rId2">
+                  <a:extLst>
+                    <a:ext uri="{A12FA001-AC4F-418D-AE19-62706E023703}">
+                      <ahyp:hlinkClr xmlns:ahyp="http://schemas.microsoft.com/office/drawing/2018/hyperlinkcolor" val="tx"/>
+                    </a:ext>
+                  </a:extLst>
+                </a:hlinkClick>
+              </a:rPr>
+              <a:t>Install:</a:t>
+            </a:r>
+          </a:p>
+          <a:p>
+            <a:pPr marL="457200" lvl="1" indent="0">
+              <a:buNone/>
+            </a:pPr>
+            <a:r>
+              <a:rPr lang="en-GB" dirty="0">
+                <a:solidFill>
+                  <a:srgbClr val="0563C1"/>
+                </a:solidFill>
+                <a:hlinkClick r:id="rId2">
+                  <a:extLst>
+                    <a:ext uri="{A12FA001-AC4F-418D-AE19-62706E023703}">
+                      <ahyp:hlinkClr xmlns:ahyp="http://schemas.microsoft.com/office/drawing/2018/hyperlinkcolor" val="tx"/>
+                    </a:ext>
+                  </a:extLst>
+                </a:hlinkClick>
+              </a:rPr>
+              <a:t>https://www.youtube.com/watch?v=cfGTJVVcWvE&amp;list=PLpFneQZCNR2ktqseX11XRBc5Kyzdg2fbo</a:t>
+            </a:r>
+            <a:endParaRPr lang="en-GB" dirty="0">
+              <a:solidFill>
+                <a:srgbClr val="0563C1"/>
+              </a:solidFill>
+            </a:endParaRPr>
+          </a:p>
+          <a:p>
+            <a:pPr marL="457200" lvl="1" indent="0">
+              <a:buNone/>
+            </a:pPr>
+            <a:endParaRPr lang="en-GB" dirty="0">
+              <a:solidFill>
+                <a:srgbClr val="0563C1"/>
+              </a:solidFill>
+            </a:endParaRPr>
+          </a:p>
+          <a:p>
+            <a:pPr marL="457200" lvl="1" indent="0">
+              <a:buNone/>
+            </a:pPr>
+            <a:endParaRPr lang="en-GB" dirty="0"/>
+          </a:p>
+          <a:p>
+            <a:r>
+              <a:rPr lang="en-GB" dirty="0">
+                <a:hlinkClick r:id="rId3">
+                  <a:extLst>
+                    <a:ext uri="{A12FA001-AC4F-418D-AE19-62706E023703}">
+                      <ahyp:hlinkClr xmlns:ahyp="http://schemas.microsoft.com/office/drawing/2018/hyperlinkcolor" val="tx"/>
+                    </a:ext>
+                  </a:extLst>
+                </a:hlinkClick>
+              </a:rPr>
+              <a:t>Use:</a:t>
+            </a:r>
+          </a:p>
+          <a:p>
+            <a:pPr marL="457200" lvl="1" indent="0">
+              <a:buNone/>
+            </a:pPr>
+            <a:r>
+              <a:rPr lang="en-GB" dirty="0">
+                <a:solidFill>
+                  <a:srgbClr val="0563C1"/>
+                </a:solidFill>
+                <a:hlinkClick r:id="rId3">
+                  <a:extLst>
+                    <a:ext uri="{A12FA001-AC4F-418D-AE19-62706E023703}">
+                      <ahyp:hlinkClr xmlns:ahyp="http://schemas.microsoft.com/office/drawing/2018/hyperlinkcolor" val="tx"/>
+                    </a:ext>
+                  </a:extLst>
+                </a:hlinkClick>
+              </a:rPr>
+              <a:t>https://www.youtube.com/watch?v=q5A-qW2eGKs&amp;list=PLpFneQZCNR2ktqseX11XRBc5Kyzdg2fbo&amp;index=2</a:t>
+            </a:r>
+            <a:endParaRPr lang="en-GB" dirty="0"/>
+          </a:p>
+          <a:p>
+            <a:endParaRPr lang="en-GB" dirty="0"/>
+          </a:p>
+        </p:txBody>
+      </p:sp>
+      <p:pic>
+        <p:nvPicPr>
+          <p:cNvPr id="7" name="Image 6">
+            <a:extLst>
+              <a:ext uri="{FF2B5EF4-FFF2-40B4-BE49-F238E27FC236}">
+                <a16:creationId xmlns:a16="http://schemas.microsoft.com/office/drawing/2014/main" id="{0CAF1986-560D-9DFA-8D7E-0256E81C6831}"/>
+              </a:ext>
+            </a:extLst>
+          </p:cNvPr>
+          <p:cNvPicPr>
+            <a:picLocks noChangeAspect="1"/>
+          </p:cNvPicPr>
+          <p:nvPr/>
+        </p:nvPicPr>
+        <p:blipFill>
+          <a:blip r:embed="rId4"/>
+          <a:stretch>
+            <a:fillRect/>
+          </a:stretch>
+        </p:blipFill>
+        <p:spPr>
+          <a:xfrm>
+            <a:off x="4162425" y="2741564"/>
+            <a:ext cx="6610350" cy="1375487"/>
+          </a:xfrm>
+          <a:prstGeom prst="rect">
+            <a:avLst/>
+          </a:prstGeom>
+        </p:spPr>
+      </p:pic>
+      <p:pic>
+        <p:nvPicPr>
+          <p:cNvPr id="1026" name="Picture 2">
+            <a:extLst>
+              <a:ext uri="{FF2B5EF4-FFF2-40B4-BE49-F238E27FC236}">
+                <a16:creationId xmlns:a16="http://schemas.microsoft.com/office/drawing/2014/main" id="{C663A71E-A9DA-462D-8531-105DD9851BF1}"/>
+              </a:ext>
+            </a:extLst>
+          </p:cNvPr>
+          <p:cNvPicPr>
+            <a:picLocks noChangeAspect="1" noChangeArrowheads="1"/>
+          </p:cNvPicPr>
+          <p:nvPr/>
+        </p:nvPicPr>
+        <p:blipFill>
+          <a:blip r:embed="rId5">
+            <a:extLst>
+              <a:ext uri="{28A0092B-C50C-407E-A947-70E740481C1C}">
+                <a14:useLocalDpi xmlns:a14="http://schemas.microsoft.com/office/drawing/2010/main" val="0"/>
+              </a:ext>
+            </a:extLst>
+          </a:blip>
+          <a:srcRect/>
+          <a:stretch>
+            <a:fillRect/>
+          </a:stretch>
+        </p:blipFill>
+        <p:spPr bwMode="auto">
+          <a:xfrm>
+            <a:off x="8047039" y="371475"/>
+            <a:ext cx="1281130" cy="1409700"/>
+          </a:xfrm>
+          <a:prstGeom prst="rect">
+            <a:avLst/>
+          </a:prstGeom>
+          <a:noFill/>
+          <a:extLst>
+            <a:ext uri="{909E8E84-426E-40DD-AFC4-6F175D3DCCD1}">
+              <a14:hiddenFill xmlns:a14="http://schemas.microsoft.com/office/drawing/2010/main">
+                <a:solidFill>
+                  <a:srgbClr val="FFFFFF"/>
+                </a:solidFill>
+              </a14:hiddenFill>
+            </a:ext>
+          </a:extLst>
+        </p:spPr>
+      </p:pic>
+    </p:spTree>
+    <p:extLst>
+      <p:ext uri="{BB962C8B-B14F-4D97-AF65-F5344CB8AC3E}">
+        <p14:creationId xmlns:p14="http://schemas.microsoft.com/office/powerpoint/2010/main" val="2118749072"/>
+      </p:ext>
+    </p:extLst>
+  </p:cSld>
+  <p:clrMapOvr>
+    <a:masterClrMapping/>
+  </p:clrMapOvr>
+</p:sld>
+</file>
+
+<file path=ppt/slides/slide31.xml><?xml version="1.0" encoding="utf-8"?>
+<p:sld xmlns:a="http://schemas.openxmlformats.org/drawingml/2006/main" xmlns:r="http://schemas.openxmlformats.org/officeDocument/2006/relationships" xmlns:p="http://schemas.openxmlformats.org/presentationml/2006/main">
+  <p:cSld>
+    <p:spTree>
+      <p:nvGrpSpPr>
+        <p:cNvPr id="1" name=""/>
+        <p:cNvGrpSpPr/>
+        <p:nvPr/>
+      </p:nvGrpSpPr>
+      <p:grpSpPr>
+        <a:xfrm>
+          <a:off x="0" y="0"/>
+          <a:ext cx="0" cy="0"/>
+          <a:chOff x="0" y="0"/>
+          <a:chExt cx="0" cy="0"/>
+        </a:xfrm>
+      </p:grpSpPr>
+      <p:sp>
+        <p:nvSpPr>
+          <p:cNvPr id="2" name="Titre 1">
+            <a:extLst>
+              <a:ext uri="{FF2B5EF4-FFF2-40B4-BE49-F238E27FC236}">
+                <a16:creationId xmlns:a16="http://schemas.microsoft.com/office/drawing/2014/main" id="{9DE23040-F7EF-8FA4-CFCF-C7D144873BBC}"/>
+              </a:ext>
+            </a:extLst>
+          </p:cNvPr>
+          <p:cNvSpPr>
+            <a:spLocks noGrp="1"/>
+          </p:cNvSpPr>
+          <p:nvPr>
+            <p:ph type="title"/>
+          </p:nvPr>
+        </p:nvSpPr>
+        <p:spPr/>
+        <p:txBody>
+          <a:bodyPr/>
+          <a:lstStyle/>
+          <a:p>
+            <a:r>
+              <a:rPr lang="en-GB" dirty="0"/>
+              <a:t>Release</a:t>
+            </a:r>
+          </a:p>
+        </p:txBody>
+      </p:sp>
+      <p:sp>
+        <p:nvSpPr>
+          <p:cNvPr id="3" name="Espace réservé du contenu 2">
+            <a:extLst>
+              <a:ext uri="{FF2B5EF4-FFF2-40B4-BE49-F238E27FC236}">
+                <a16:creationId xmlns:a16="http://schemas.microsoft.com/office/drawing/2014/main" id="{345D2DF2-7654-1069-3763-EDA318B88CD9}"/>
+              </a:ext>
+            </a:extLst>
+          </p:cNvPr>
+          <p:cNvSpPr>
+            <a:spLocks noGrp="1"/>
+          </p:cNvSpPr>
+          <p:nvPr>
+            <p:ph idx="1"/>
+          </p:nvPr>
+        </p:nvSpPr>
+        <p:spPr/>
+        <p:txBody>
+          <a:bodyPr/>
+          <a:lstStyle/>
+          <a:p>
+            <a:r>
+              <a:rPr lang="en-GB" dirty="0"/>
+              <a:t>Build, Release, Publish, install on another machine from </a:t>
+            </a:r>
+            <a:r>
+              <a:rPr lang="en-GB" dirty="0" err="1"/>
+              <a:t>github</a:t>
+            </a:r>
+            <a:endParaRPr lang="en-GB" dirty="0"/>
+          </a:p>
+        </p:txBody>
+      </p:sp>
+    </p:spTree>
+    <p:extLst>
+      <p:ext uri="{BB962C8B-B14F-4D97-AF65-F5344CB8AC3E}">
+        <p14:creationId xmlns:p14="http://schemas.microsoft.com/office/powerpoint/2010/main" val="118254220"/>
+      </p:ext>
+    </p:extLst>
+  </p:cSld>
+  <p:clrMapOvr>
+    <a:masterClrMapping/>
+  </p:clrMapOvr>
+</p:sld>
+</file>
+
+<file path=ppt/slides/slide32.xml><?xml version="1.0" encoding="utf-8"?>
+<p:sld xmlns:a="http://schemas.openxmlformats.org/drawingml/2006/main" xmlns:r="http://schemas.openxmlformats.org/officeDocument/2006/relationships" xmlns:p="http://schemas.openxmlformats.org/presentationml/2006/main">
+  <p:cSld>
+    <p:spTree>
+      <p:nvGrpSpPr>
+        <p:cNvPr id="1" name=""/>
+        <p:cNvGrpSpPr/>
+        <p:nvPr/>
+      </p:nvGrpSpPr>
+      <p:grpSpPr>
+        <a:xfrm>
+          <a:off x="0" y="0"/>
+          <a:ext cx="0" cy="0"/>
+          <a:chOff x="0" y="0"/>
+          <a:chExt cx="0" cy="0"/>
+        </a:xfrm>
+      </p:grpSpPr>
+      <p:sp>
+        <p:nvSpPr>
+          <p:cNvPr id="2" name="Titre 1">
+            <a:extLst>
+              <a:ext uri="{FF2B5EF4-FFF2-40B4-BE49-F238E27FC236}">
+                <a16:creationId xmlns:a16="http://schemas.microsoft.com/office/drawing/2014/main" id="{2653F1FD-0A88-3F85-5165-81D519D295B6}"/>
+              </a:ext>
+            </a:extLst>
+          </p:cNvPr>
+          <p:cNvSpPr>
+            <a:spLocks noGrp="1"/>
+          </p:cNvSpPr>
+          <p:nvPr>
+            <p:ph type="title"/>
+          </p:nvPr>
+        </p:nvSpPr>
+        <p:spPr/>
+        <p:txBody>
+          <a:bodyPr/>
+          <a:lstStyle/>
+          <a:p>
+            <a:r>
+              <a:rPr lang="en-GB" dirty="0"/>
+              <a:t>OSGi</a:t>
+            </a:r>
+          </a:p>
+        </p:txBody>
+      </p:sp>
+      <p:sp>
+        <p:nvSpPr>
+          <p:cNvPr id="3" name="Espace réservé du contenu 2">
+            <a:extLst>
+              <a:ext uri="{FF2B5EF4-FFF2-40B4-BE49-F238E27FC236}">
+                <a16:creationId xmlns:a16="http://schemas.microsoft.com/office/drawing/2014/main" id="{5F3E4689-2322-EF4A-493A-5D8AD60D431E}"/>
+              </a:ext>
+            </a:extLst>
+          </p:cNvPr>
+          <p:cNvSpPr>
+            <a:spLocks noGrp="1"/>
+          </p:cNvSpPr>
+          <p:nvPr>
+            <p:ph idx="1"/>
+          </p:nvPr>
+        </p:nvSpPr>
+        <p:spPr/>
+        <p:txBody>
+          <a:bodyPr/>
+          <a:lstStyle/>
+          <a:p>
+            <a:r>
+              <a:rPr lang="en-GB" dirty="0"/>
+              <a:t>To evaluate..</a:t>
+            </a:r>
+          </a:p>
+        </p:txBody>
+      </p:sp>
+    </p:spTree>
+    <p:extLst>
+      <p:ext uri="{BB962C8B-B14F-4D97-AF65-F5344CB8AC3E}">
+        <p14:creationId xmlns:p14="http://schemas.microsoft.com/office/powerpoint/2010/main" val="1235747462"/>
+      </p:ext>
+    </p:extLst>
+  </p:cSld>
+  <p:clrMapOvr>
+    <a:masterClrMapping/>
+  </p:clrMapOvr>
+</p:sld>
+</file>
+
+<file path=ppt/slides/slide33.xml><?xml version="1.0" encoding="utf-8"?>
+<p:sld xmlns:a="http://schemas.openxmlformats.org/drawingml/2006/main" xmlns:r="http://schemas.openxmlformats.org/officeDocument/2006/relationships" xmlns:p="http://schemas.openxmlformats.org/presentationml/2006/main">
+  <p:cSld>
+    <p:spTree>
+      <p:nvGrpSpPr>
+        <p:cNvPr id="1" name="">
+          <a:extLst>
+            <a:ext uri="{FF2B5EF4-FFF2-40B4-BE49-F238E27FC236}">
+              <a16:creationId xmlns:a16="http://schemas.microsoft.com/office/drawing/2014/main" id="{BD080549-0AF8-4969-FBFC-DA319D487BD6}"/>
+            </a:ext>
+          </a:extLst>
+        </p:cNvPr>
+        <p:cNvGrpSpPr/>
+        <p:nvPr/>
+      </p:nvGrpSpPr>
+      <p:grpSpPr>
+        <a:xfrm>
+          <a:off x="0" y="0"/>
+          <a:ext cx="0" cy="0"/>
+          <a:chOff x="0" y="0"/>
+          <a:chExt cx="0" cy="0"/>
+        </a:xfrm>
+      </p:grpSpPr>
+      <p:sp>
+        <p:nvSpPr>
+          <p:cNvPr id="2" name="Titre 1">
+            <a:extLst>
+              <a:ext uri="{FF2B5EF4-FFF2-40B4-BE49-F238E27FC236}">
+                <a16:creationId xmlns:a16="http://schemas.microsoft.com/office/drawing/2014/main" id="{D60EA576-ED00-5388-5F99-9251025CC996}"/>
+              </a:ext>
+            </a:extLst>
+          </p:cNvPr>
+          <p:cNvSpPr>
+            <a:spLocks noGrp="1"/>
+          </p:cNvSpPr>
+          <p:nvPr>
+            <p:ph type="title"/>
+          </p:nvPr>
+        </p:nvSpPr>
+        <p:spPr/>
+        <p:txBody>
+          <a:bodyPr/>
+          <a:lstStyle/>
+          <a:p>
+            <a:r>
+              <a:rPr lang="en-GB" dirty="0"/>
+              <a:t>Step 4 – C/S model (</a:t>
+            </a:r>
+            <a:r>
+              <a:rPr lang="en-GB" dirty="0" err="1"/>
+              <a:t>angular+Spring</a:t>
+            </a:r>
+            <a:r>
+              <a:rPr lang="en-GB" dirty="0"/>
+              <a:t>)</a:t>
+            </a:r>
+          </a:p>
+        </p:txBody>
+      </p:sp>
+      <p:sp>
+        <p:nvSpPr>
+          <p:cNvPr id="3" name="Espace réservé du contenu 2">
+            <a:extLst>
+              <a:ext uri="{FF2B5EF4-FFF2-40B4-BE49-F238E27FC236}">
+                <a16:creationId xmlns:a16="http://schemas.microsoft.com/office/drawing/2014/main" id="{C282D129-760F-85C3-4F4E-75E9299D91E7}"/>
+              </a:ext>
+            </a:extLst>
+          </p:cNvPr>
+          <p:cNvSpPr>
+            <a:spLocks noGrp="1"/>
+          </p:cNvSpPr>
+          <p:nvPr>
+            <p:ph idx="1"/>
+          </p:nvPr>
+        </p:nvSpPr>
+        <p:spPr/>
+        <p:txBody>
+          <a:bodyPr/>
+          <a:lstStyle/>
+          <a:p>
+            <a:r>
+              <a:rPr lang="en-GB" dirty="0"/>
+              <a:t>GUI Framework: Angular</a:t>
+            </a:r>
+          </a:p>
+          <a:p>
+            <a:r>
+              <a:rPr lang="en-GB" dirty="0"/>
+              <a:t>Server : swing</a:t>
+            </a:r>
+          </a:p>
+        </p:txBody>
+      </p:sp>
+      <p:sp>
+        <p:nvSpPr>
+          <p:cNvPr id="4" name="ZoneTexte 3">
+            <a:extLst>
+              <a:ext uri="{FF2B5EF4-FFF2-40B4-BE49-F238E27FC236}">
+                <a16:creationId xmlns:a16="http://schemas.microsoft.com/office/drawing/2014/main" id="{34204BC3-FC0F-F4A2-EF5A-B1A1C83549CF}"/>
+              </a:ext>
+            </a:extLst>
+          </p:cNvPr>
+          <p:cNvSpPr txBox="1"/>
+          <p:nvPr/>
+        </p:nvSpPr>
+        <p:spPr>
+          <a:xfrm rot="19410285">
+            <a:off x="5025005" y="3665989"/>
+            <a:ext cx="737574" cy="369332"/>
+          </a:xfrm>
+          <a:prstGeom prst="rect">
+            <a:avLst/>
+          </a:prstGeom>
+          <a:noFill/>
+        </p:spPr>
+        <p:txBody>
+          <a:bodyPr wrap="none" rtlCol="0">
+            <a:spAutoFit/>
+          </a:bodyPr>
+          <a:lstStyle/>
+          <a:p>
+            <a:r>
+              <a:rPr lang="en-GB" dirty="0">
+                <a:solidFill>
+                  <a:srgbClr val="FF0000"/>
+                </a:solidFill>
+              </a:rPr>
+              <a:t>TODO</a:t>
+            </a:r>
+          </a:p>
+        </p:txBody>
+      </p:sp>
+    </p:spTree>
+    <p:extLst>
+      <p:ext uri="{BB962C8B-B14F-4D97-AF65-F5344CB8AC3E}">
+        <p14:creationId xmlns:p14="http://schemas.microsoft.com/office/powerpoint/2010/main" val="1762366662"/>
+      </p:ext>
+    </p:extLst>
+  </p:cSld>
+  <p:clrMapOvr>
+    <a:masterClrMapping/>
+  </p:clrMapOvr>
+</p:sld>
+</file>
+
+<file path=ppt/slides/slide34.xml><?xml version="1.0" encoding="utf-8"?>
+<p:sld xmlns:a="http://schemas.openxmlformats.org/drawingml/2006/main" xmlns:r="http://schemas.openxmlformats.org/officeDocument/2006/relationships" xmlns:p="http://schemas.openxmlformats.org/presentationml/2006/main">
+  <p:cSld>
+    <p:spTree>
+      <p:nvGrpSpPr>
+        <p:cNvPr id="1" name=""/>
+        <p:cNvGrpSpPr/>
+        <p:nvPr/>
+      </p:nvGrpSpPr>
+      <p:grpSpPr>
+        <a:xfrm>
+          <a:off x="0" y="0"/>
+          <a:ext cx="0" cy="0"/>
+          <a:chOff x="0" y="0"/>
+          <a:chExt cx="0" cy="0"/>
+        </a:xfrm>
+      </p:grpSpPr>
+      <p:sp>
+        <p:nvSpPr>
+          <p:cNvPr id="2" name="Titre 1">
+            <a:extLst>
+              <a:ext uri="{FF2B5EF4-FFF2-40B4-BE49-F238E27FC236}">
+                <a16:creationId xmlns:a16="http://schemas.microsoft.com/office/drawing/2014/main" id="{5CABA1D9-3AE1-4B10-25F7-8379A4E72456}"/>
+              </a:ext>
+            </a:extLst>
+          </p:cNvPr>
+          <p:cNvSpPr>
+            <a:spLocks noGrp="1"/>
+          </p:cNvSpPr>
+          <p:nvPr>
+            <p:ph type="title"/>
+          </p:nvPr>
+        </p:nvSpPr>
+        <p:spPr/>
+        <p:txBody>
+          <a:bodyPr/>
+          <a:lstStyle/>
+          <a:p>
+            <a:r>
+              <a:rPr lang="en-GB" dirty="0"/>
+              <a:t>Step 5 – Mobile</a:t>
+            </a:r>
+          </a:p>
+        </p:txBody>
+      </p:sp>
+      <p:sp>
+        <p:nvSpPr>
+          <p:cNvPr id="3" name="Espace réservé du contenu 2">
+            <a:extLst>
+              <a:ext uri="{FF2B5EF4-FFF2-40B4-BE49-F238E27FC236}">
+                <a16:creationId xmlns:a16="http://schemas.microsoft.com/office/drawing/2014/main" id="{C025A62A-E994-CA58-30C0-B3581DBBDFA1}"/>
+              </a:ext>
+            </a:extLst>
+          </p:cNvPr>
+          <p:cNvSpPr>
+            <a:spLocks noGrp="1"/>
+          </p:cNvSpPr>
+          <p:nvPr>
+            <p:ph idx="1"/>
+          </p:nvPr>
+        </p:nvSpPr>
+        <p:spPr/>
+        <p:txBody>
+          <a:bodyPr/>
+          <a:lstStyle/>
+          <a:p>
+            <a:r>
+              <a:rPr lang="en-GB" dirty="0"/>
+              <a:t>Reverse client/server model (like X-windows)?</a:t>
+            </a:r>
+          </a:p>
+          <a:p>
+            <a:r>
+              <a:rPr lang="en-GB" dirty="0"/>
+              <a:t>Framework: ??</a:t>
+            </a:r>
+          </a:p>
+        </p:txBody>
+      </p:sp>
+      <p:sp>
+        <p:nvSpPr>
+          <p:cNvPr id="4" name="ZoneTexte 3">
+            <a:extLst>
+              <a:ext uri="{FF2B5EF4-FFF2-40B4-BE49-F238E27FC236}">
+                <a16:creationId xmlns:a16="http://schemas.microsoft.com/office/drawing/2014/main" id="{7E1C1182-C6C6-3507-A9E3-8B70D43CABB8}"/>
+              </a:ext>
+            </a:extLst>
+          </p:cNvPr>
+          <p:cNvSpPr txBox="1"/>
+          <p:nvPr/>
+        </p:nvSpPr>
+        <p:spPr>
+          <a:xfrm rot="19410285">
+            <a:off x="5025005" y="3665989"/>
+            <a:ext cx="737574" cy="369332"/>
+          </a:xfrm>
+          <a:prstGeom prst="rect">
+            <a:avLst/>
+          </a:prstGeom>
+          <a:noFill/>
+        </p:spPr>
+        <p:txBody>
+          <a:bodyPr wrap="none" rtlCol="0">
+            <a:spAutoFit/>
+          </a:bodyPr>
+          <a:lstStyle/>
+          <a:p>
+            <a:r>
+              <a:rPr lang="en-GB" dirty="0">
+                <a:solidFill>
+                  <a:srgbClr val="FF0000"/>
+                </a:solidFill>
+              </a:rPr>
+              <a:t>TODO</a:t>
+            </a:r>
+          </a:p>
+        </p:txBody>
+      </p:sp>
+    </p:spTree>
+    <p:extLst>
+      <p:ext uri="{BB962C8B-B14F-4D97-AF65-F5344CB8AC3E}">
+        <p14:creationId xmlns:p14="http://schemas.microsoft.com/office/powerpoint/2010/main" val="2577180211"/>
+      </p:ext>
+    </p:extLst>
+  </p:cSld>
+  <p:clrMapOvr>
+    <a:masterClrMapping/>
+  </p:clrMapOvr>
+</p:sld>
+</file>
+
+<file path=ppt/slides/slide35.xml><?xml version="1.0" encoding="utf-8"?>
+<p:sld xmlns:a="http://schemas.openxmlformats.org/drawingml/2006/main" xmlns:r="http://schemas.openxmlformats.org/officeDocument/2006/relationships" xmlns:p="http://schemas.openxmlformats.org/presentationml/2006/main">
+  <p:cSld>
+    <p:spTree>
+      <p:nvGrpSpPr>
+        <p:cNvPr id="1" name=""/>
+        <p:cNvGrpSpPr/>
+        <p:nvPr/>
+      </p:nvGrpSpPr>
+      <p:grpSpPr>
+        <a:xfrm>
+          <a:off x="0" y="0"/>
+          <a:ext cx="0" cy="0"/>
+          <a:chOff x="0" y="0"/>
+          <a:chExt cx="0" cy="0"/>
+        </a:xfrm>
+      </p:grpSpPr>
+      <p:sp>
+        <p:nvSpPr>
+          <p:cNvPr id="2" name="Titre 1">
+            <a:extLst>
+              <a:ext uri="{FF2B5EF4-FFF2-40B4-BE49-F238E27FC236}">
                 <a16:creationId xmlns:a16="http://schemas.microsoft.com/office/drawing/2014/main" id="{C72D59AB-3121-0F34-DE2F-B0D497368B1B}"/>
               </a:ext>
             </a:extLst>

--- a/doc/Steps overview.pptx
+++ b/doc/Steps overview.pptx
@@ -23,23 +23,26 @@
     <p:sldId id="274" r:id="rId17"/>
     <p:sldId id="276" r:id="rId18"/>
     <p:sldId id="275" r:id="rId19"/>
-    <p:sldId id="287" r:id="rId20"/>
-    <p:sldId id="279" r:id="rId21"/>
-    <p:sldId id="280" r:id="rId22"/>
-    <p:sldId id="281" r:id="rId23"/>
-    <p:sldId id="282" r:id="rId24"/>
-    <p:sldId id="283" r:id="rId25"/>
-    <p:sldId id="284" r:id="rId26"/>
-    <p:sldId id="285" r:id="rId27"/>
-    <p:sldId id="286" r:id="rId28"/>
-    <p:sldId id="288" r:id="rId29"/>
-    <p:sldId id="291" r:id="rId30"/>
-    <p:sldId id="290" r:id="rId31"/>
-    <p:sldId id="292" r:id="rId32"/>
-    <p:sldId id="289" r:id="rId33"/>
-    <p:sldId id="262" r:id="rId34"/>
-    <p:sldId id="260" r:id="rId35"/>
-    <p:sldId id="278" r:id="rId36"/>
+    <p:sldId id="295" r:id="rId20"/>
+    <p:sldId id="294" r:id="rId21"/>
+    <p:sldId id="287" r:id="rId22"/>
+    <p:sldId id="279" r:id="rId23"/>
+    <p:sldId id="280" r:id="rId24"/>
+    <p:sldId id="281" r:id="rId25"/>
+    <p:sldId id="282" r:id="rId26"/>
+    <p:sldId id="283" r:id="rId27"/>
+    <p:sldId id="284" r:id="rId28"/>
+    <p:sldId id="285" r:id="rId29"/>
+    <p:sldId id="286" r:id="rId30"/>
+    <p:sldId id="288" r:id="rId31"/>
+    <p:sldId id="291" r:id="rId32"/>
+    <p:sldId id="290" r:id="rId33"/>
+    <p:sldId id="293" r:id="rId34"/>
+    <p:sldId id="292" r:id="rId35"/>
+    <p:sldId id="289" r:id="rId36"/>
+    <p:sldId id="262" r:id="rId37"/>
+    <p:sldId id="260" r:id="rId38"/>
+    <p:sldId id="278" r:id="rId39"/>
   </p:sldIdLst>
   <p:sldSz cx="12192000" cy="6858000"/>
   <p:notesSz cx="6858000" cy="9144000"/>
@@ -295,7 +298,7 @@
           <a:p>
             <a:fld id="{54E383A8-4E35-4FEC-85D5-4853630A56E9}" type="datetimeFigureOut">
               <a:rPr lang="LID4096" smtClean="0"/>
-              <a:t>02/15/2024</a:t>
+              <a:t>02/16/2024</a:t>
             </a:fld>
             <a:endParaRPr lang="LID4096"/>
           </a:p>
@@ -495,7 +498,7 @@
           <a:p>
             <a:fld id="{54E383A8-4E35-4FEC-85D5-4853630A56E9}" type="datetimeFigureOut">
               <a:rPr lang="LID4096" smtClean="0"/>
-              <a:t>02/15/2024</a:t>
+              <a:t>02/16/2024</a:t>
             </a:fld>
             <a:endParaRPr lang="LID4096"/>
           </a:p>
@@ -705,7 +708,7 @@
           <a:p>
             <a:fld id="{54E383A8-4E35-4FEC-85D5-4853630A56E9}" type="datetimeFigureOut">
               <a:rPr lang="LID4096" smtClean="0"/>
-              <a:t>02/15/2024</a:t>
+              <a:t>02/16/2024</a:t>
             </a:fld>
             <a:endParaRPr lang="LID4096"/>
           </a:p>
@@ -905,7 +908,7 @@
           <a:p>
             <a:fld id="{54E383A8-4E35-4FEC-85D5-4853630A56E9}" type="datetimeFigureOut">
               <a:rPr lang="LID4096" smtClean="0"/>
-              <a:t>02/15/2024</a:t>
+              <a:t>02/16/2024</a:t>
             </a:fld>
             <a:endParaRPr lang="LID4096"/>
           </a:p>
@@ -1181,7 +1184,7 @@
           <a:p>
             <a:fld id="{54E383A8-4E35-4FEC-85D5-4853630A56E9}" type="datetimeFigureOut">
               <a:rPr lang="LID4096" smtClean="0"/>
-              <a:t>02/15/2024</a:t>
+              <a:t>02/16/2024</a:t>
             </a:fld>
             <a:endParaRPr lang="LID4096"/>
           </a:p>
@@ -1449,7 +1452,7 @@
           <a:p>
             <a:fld id="{54E383A8-4E35-4FEC-85D5-4853630A56E9}" type="datetimeFigureOut">
               <a:rPr lang="LID4096" smtClean="0"/>
-              <a:t>02/15/2024</a:t>
+              <a:t>02/16/2024</a:t>
             </a:fld>
             <a:endParaRPr lang="LID4096"/>
           </a:p>
@@ -1864,7 +1867,7 @@
           <a:p>
             <a:fld id="{54E383A8-4E35-4FEC-85D5-4853630A56E9}" type="datetimeFigureOut">
               <a:rPr lang="LID4096" smtClean="0"/>
-              <a:t>02/15/2024</a:t>
+              <a:t>02/16/2024</a:t>
             </a:fld>
             <a:endParaRPr lang="LID4096"/>
           </a:p>
@@ -2006,7 +2009,7 @@
           <a:p>
             <a:fld id="{54E383A8-4E35-4FEC-85D5-4853630A56E9}" type="datetimeFigureOut">
               <a:rPr lang="LID4096" smtClean="0"/>
-              <a:t>02/15/2024</a:t>
+              <a:t>02/16/2024</a:t>
             </a:fld>
             <a:endParaRPr lang="LID4096"/>
           </a:p>
@@ -2119,7 +2122,7 @@
           <a:p>
             <a:fld id="{54E383A8-4E35-4FEC-85D5-4853630A56E9}" type="datetimeFigureOut">
               <a:rPr lang="LID4096" smtClean="0"/>
-              <a:t>02/15/2024</a:t>
+              <a:t>02/16/2024</a:t>
             </a:fld>
             <a:endParaRPr lang="LID4096"/>
           </a:p>
@@ -2432,7 +2435,7 @@
           <a:p>
             <a:fld id="{54E383A8-4E35-4FEC-85D5-4853630A56E9}" type="datetimeFigureOut">
               <a:rPr lang="LID4096" smtClean="0"/>
-              <a:t>02/15/2024</a:t>
+              <a:t>02/16/2024</a:t>
             </a:fld>
             <a:endParaRPr lang="LID4096"/>
           </a:p>
@@ -2721,7 +2724,7 @@
           <a:p>
             <a:fld id="{54E383A8-4E35-4FEC-85D5-4853630A56E9}" type="datetimeFigureOut">
               <a:rPr lang="LID4096" smtClean="0"/>
-              <a:t>02/15/2024</a:t>
+              <a:t>02/16/2024</a:t>
             </a:fld>
             <a:endParaRPr lang="LID4096"/>
           </a:p>
@@ -2964,7 +2967,7 @@
           <a:p>
             <a:fld id="{54E383A8-4E35-4FEC-85D5-4853630A56E9}" type="datetimeFigureOut">
               <a:rPr lang="LID4096" smtClean="0"/>
-              <a:t>02/15/2024</a:t>
+              <a:t>02/16/2024</a:t>
             </a:fld>
             <a:endParaRPr lang="LID4096"/>
           </a:p>
@@ -8291,10 +8294,3008 @@
       </p:grpSpPr>
       <p:sp>
         <p:nvSpPr>
-          <p:cNvPr id="2" name="Titre 1">
-            <a:extLst>
-              <a:ext uri="{FF2B5EF4-FFF2-40B4-BE49-F238E27FC236}">
-                <a16:creationId xmlns:a16="http://schemas.microsoft.com/office/drawing/2014/main" id="{2462A22C-BF88-8F98-F5BA-9CC103CC4899}"/>
+          <p:cNvPr id="4" name="ZoneTexte 3">
+            <a:extLst>
+              <a:ext uri="{FF2B5EF4-FFF2-40B4-BE49-F238E27FC236}">
+                <a16:creationId xmlns:a16="http://schemas.microsoft.com/office/drawing/2014/main" id="{6050E9BD-2A42-BF48-70E6-80E99E9C12EF}"/>
+              </a:ext>
+            </a:extLst>
+          </p:cNvPr>
+          <p:cNvSpPr txBox="1"/>
+          <p:nvPr/>
+        </p:nvSpPr>
+        <p:spPr>
+          <a:xfrm>
+            <a:off x="828675" y="1857375"/>
+            <a:ext cx="7524749" cy="4601260"/>
+          </a:xfrm>
+          <a:prstGeom prst="rect">
+            <a:avLst/>
+          </a:prstGeom>
+          <a:solidFill>
+            <a:schemeClr val="tx1"/>
+          </a:solidFill>
+        </p:spPr>
+        <p:txBody>
+          <a:bodyPr wrap="square" rtlCol="0">
+            <a:spAutoFit/>
+          </a:bodyPr>
+          <a:lstStyle/>
+          <a:p>
+            <a:pPr marL="0" marR="0">
+              <a:spcBef>
+                <a:spcPts val="0"/>
+              </a:spcBef>
+              <a:spcAft>
+                <a:spcPts val="0"/>
+              </a:spcAft>
+            </a:pPr>
+            <a:r>
+              <a:rPr lang="en-US" sz="1000" dirty="0">
+                <a:solidFill>
+                  <a:srgbClr val="808080"/>
+                </a:solidFill>
+                <a:effectLst/>
+                <a:latin typeface="Consolas" panose="020B0609020204030204" pitchFamily="49" charset="0"/>
+              </a:rPr>
+              <a:t>// Calculate the intersection point of two line segments</a:t>
+            </a:r>
+            <a:endParaRPr lang="en-US" sz="1000" dirty="0">
+              <a:solidFill>
+                <a:srgbClr val="D9E8F7"/>
+              </a:solidFill>
+              <a:effectLst/>
+              <a:latin typeface="Consolas" panose="020B0609020204030204" pitchFamily="49" charset="0"/>
+            </a:endParaRPr>
+          </a:p>
+          <a:p>
+            <a:pPr marL="0" marR="0">
+              <a:spcBef>
+                <a:spcPts val="0"/>
+              </a:spcBef>
+              <a:spcAft>
+                <a:spcPts val="0"/>
+              </a:spcAft>
+            </a:pPr>
+            <a:r>
+              <a:rPr lang="en-US" sz="1000" dirty="0">
+                <a:solidFill>
+                  <a:srgbClr val="CC6C1D"/>
+                </a:solidFill>
+                <a:effectLst/>
+                <a:latin typeface="Consolas" panose="020B0609020204030204" pitchFamily="49" charset="0"/>
+              </a:rPr>
+              <a:t>public</a:t>
+            </a:r>
+            <a:r>
+              <a:rPr lang="en-US" sz="1000" dirty="0">
+                <a:solidFill>
+                  <a:srgbClr val="D9E8F7"/>
+                </a:solidFill>
+                <a:effectLst/>
+                <a:latin typeface="Consolas" panose="020B0609020204030204" pitchFamily="49" charset="0"/>
+              </a:rPr>
+              <a:t> </a:t>
+            </a:r>
+            <a:r>
+              <a:rPr lang="en-US" sz="1000" dirty="0">
+                <a:solidFill>
+                  <a:srgbClr val="CC6C1D"/>
+                </a:solidFill>
+                <a:effectLst/>
+                <a:latin typeface="Consolas" panose="020B0609020204030204" pitchFamily="49" charset="0"/>
+              </a:rPr>
+              <a:t>static</a:t>
+            </a:r>
+            <a:r>
+              <a:rPr lang="en-US" sz="1000" dirty="0">
+                <a:solidFill>
+                  <a:srgbClr val="D9E8F7"/>
+                </a:solidFill>
+                <a:effectLst/>
+                <a:latin typeface="Consolas" panose="020B0609020204030204" pitchFamily="49" charset="0"/>
+              </a:rPr>
+              <a:t> </a:t>
+            </a:r>
+            <a:r>
+              <a:rPr lang="en-US" sz="1000" dirty="0">
+                <a:solidFill>
+                  <a:srgbClr val="CC6C1D"/>
+                </a:solidFill>
+                <a:effectLst/>
+                <a:latin typeface="Consolas" panose="020B0609020204030204" pitchFamily="49" charset="0"/>
+              </a:rPr>
+              <a:t>double</a:t>
+            </a:r>
+            <a:r>
+              <a:rPr lang="en-US" sz="1000" dirty="0">
+                <a:solidFill>
+                  <a:srgbClr val="F9FAF4"/>
+                </a:solidFill>
+                <a:effectLst/>
+                <a:latin typeface="Consolas" panose="020B0609020204030204" pitchFamily="49" charset="0"/>
+              </a:rPr>
+              <a:t>[]</a:t>
+            </a:r>
+            <a:r>
+              <a:rPr lang="en-US" sz="1000" dirty="0">
+                <a:solidFill>
+                  <a:srgbClr val="D9E8F7"/>
+                </a:solidFill>
+                <a:effectLst/>
+                <a:latin typeface="Consolas" panose="020B0609020204030204" pitchFamily="49" charset="0"/>
+              </a:rPr>
+              <a:t> </a:t>
+            </a:r>
+            <a:r>
+              <a:rPr lang="en-US" sz="1000" dirty="0" err="1">
+                <a:solidFill>
+                  <a:srgbClr val="D9E8F7"/>
+                </a:solidFill>
+                <a:effectLst/>
+                <a:latin typeface="Consolas" panose="020B0609020204030204" pitchFamily="49" charset="0"/>
+              </a:rPr>
+              <a:t>calculateIntersection</a:t>
+            </a:r>
+            <a:r>
+              <a:rPr lang="en-US" sz="1000" dirty="0">
+                <a:solidFill>
+                  <a:srgbClr val="F9FAF4"/>
+                </a:solidFill>
+                <a:effectLst/>
+                <a:latin typeface="Consolas" panose="020B0609020204030204" pitchFamily="49" charset="0"/>
+              </a:rPr>
+              <a:t>(</a:t>
+            </a:r>
+            <a:r>
+              <a:rPr lang="en-US" sz="1000" dirty="0">
+                <a:solidFill>
+                  <a:srgbClr val="CC6C1D"/>
+                </a:solidFill>
+                <a:effectLst/>
+                <a:latin typeface="Consolas" panose="020B0609020204030204" pitchFamily="49" charset="0"/>
+              </a:rPr>
+              <a:t>double</a:t>
+            </a:r>
+            <a:r>
+              <a:rPr lang="en-US" sz="1000" dirty="0">
+                <a:solidFill>
+                  <a:srgbClr val="D9E8F7"/>
+                </a:solidFill>
+                <a:effectLst/>
+                <a:latin typeface="Consolas" panose="020B0609020204030204" pitchFamily="49" charset="0"/>
+              </a:rPr>
+              <a:t> x1</a:t>
+            </a:r>
+            <a:r>
+              <a:rPr lang="en-US" sz="1000" dirty="0">
+                <a:solidFill>
+                  <a:srgbClr val="E6E6FA"/>
+                </a:solidFill>
+                <a:effectLst/>
+                <a:latin typeface="Consolas" panose="020B0609020204030204" pitchFamily="49" charset="0"/>
+              </a:rPr>
+              <a:t>,</a:t>
+            </a:r>
+            <a:r>
+              <a:rPr lang="en-US" sz="1000" dirty="0">
+                <a:solidFill>
+                  <a:srgbClr val="D9E8F7"/>
+                </a:solidFill>
+                <a:effectLst/>
+                <a:latin typeface="Consolas" panose="020B0609020204030204" pitchFamily="49" charset="0"/>
+              </a:rPr>
+              <a:t> </a:t>
+            </a:r>
+            <a:r>
+              <a:rPr lang="en-US" sz="1000" dirty="0">
+                <a:solidFill>
+                  <a:srgbClr val="CC6C1D"/>
+                </a:solidFill>
+                <a:effectLst/>
+                <a:latin typeface="Consolas" panose="020B0609020204030204" pitchFamily="49" charset="0"/>
+              </a:rPr>
+              <a:t>double</a:t>
+            </a:r>
+            <a:r>
+              <a:rPr lang="en-US" sz="1000" dirty="0">
+                <a:solidFill>
+                  <a:srgbClr val="D9E8F7"/>
+                </a:solidFill>
+                <a:effectLst/>
+                <a:latin typeface="Consolas" panose="020B0609020204030204" pitchFamily="49" charset="0"/>
+              </a:rPr>
+              <a:t> y1</a:t>
+            </a:r>
+            <a:r>
+              <a:rPr lang="en-US" sz="1000" dirty="0">
+                <a:solidFill>
+                  <a:srgbClr val="E6E6FA"/>
+                </a:solidFill>
+                <a:effectLst/>
+                <a:latin typeface="Consolas" panose="020B0609020204030204" pitchFamily="49" charset="0"/>
+              </a:rPr>
+              <a:t>,</a:t>
+            </a:r>
+            <a:r>
+              <a:rPr lang="en-US" sz="1000" dirty="0">
+                <a:solidFill>
+                  <a:srgbClr val="D9E8F7"/>
+                </a:solidFill>
+                <a:effectLst/>
+                <a:latin typeface="Consolas" panose="020B0609020204030204" pitchFamily="49" charset="0"/>
+              </a:rPr>
+              <a:t> </a:t>
+            </a:r>
+            <a:r>
+              <a:rPr lang="en-US" sz="1000" dirty="0">
+                <a:solidFill>
+                  <a:srgbClr val="CC6C1D"/>
+                </a:solidFill>
+                <a:effectLst/>
+                <a:latin typeface="Consolas" panose="020B0609020204030204" pitchFamily="49" charset="0"/>
+              </a:rPr>
+              <a:t>double</a:t>
+            </a:r>
+            <a:r>
+              <a:rPr lang="en-US" sz="1000" dirty="0">
+                <a:solidFill>
+                  <a:srgbClr val="D9E8F7"/>
+                </a:solidFill>
+                <a:effectLst/>
+                <a:latin typeface="Consolas" panose="020B0609020204030204" pitchFamily="49" charset="0"/>
+              </a:rPr>
+              <a:t> x2</a:t>
+            </a:r>
+            <a:r>
+              <a:rPr lang="en-US" sz="1000" dirty="0">
+                <a:solidFill>
+                  <a:srgbClr val="E6E6FA"/>
+                </a:solidFill>
+                <a:effectLst/>
+                <a:latin typeface="Consolas" panose="020B0609020204030204" pitchFamily="49" charset="0"/>
+              </a:rPr>
+              <a:t>,</a:t>
+            </a:r>
+            <a:r>
+              <a:rPr lang="en-US" sz="1000" dirty="0">
+                <a:solidFill>
+                  <a:srgbClr val="D9E8F7"/>
+                </a:solidFill>
+                <a:effectLst/>
+                <a:latin typeface="Consolas" panose="020B0609020204030204" pitchFamily="49" charset="0"/>
+              </a:rPr>
+              <a:t> </a:t>
+            </a:r>
+            <a:r>
+              <a:rPr lang="en-US" sz="1000" dirty="0">
+                <a:solidFill>
+                  <a:srgbClr val="CC6C1D"/>
+                </a:solidFill>
+                <a:effectLst/>
+                <a:latin typeface="Consolas" panose="020B0609020204030204" pitchFamily="49" charset="0"/>
+              </a:rPr>
+              <a:t>double</a:t>
+            </a:r>
+            <a:r>
+              <a:rPr lang="en-US" sz="1000" dirty="0">
+                <a:solidFill>
+                  <a:srgbClr val="D9E8F7"/>
+                </a:solidFill>
+                <a:effectLst/>
+                <a:latin typeface="Consolas" panose="020B0609020204030204" pitchFamily="49" charset="0"/>
+              </a:rPr>
+              <a:t> y2</a:t>
+            </a:r>
+            <a:r>
+              <a:rPr lang="en-US" sz="1000" dirty="0">
+                <a:solidFill>
+                  <a:srgbClr val="E6E6FA"/>
+                </a:solidFill>
+                <a:effectLst/>
+                <a:latin typeface="Consolas" panose="020B0609020204030204" pitchFamily="49" charset="0"/>
+              </a:rPr>
+              <a:t>,</a:t>
+            </a:r>
+            <a:endParaRPr lang="en-US" sz="1000" dirty="0">
+              <a:solidFill>
+                <a:srgbClr val="AAAAAA"/>
+              </a:solidFill>
+              <a:effectLst/>
+              <a:latin typeface="Consolas" panose="020B0609020204030204" pitchFamily="49" charset="0"/>
+            </a:endParaRPr>
+          </a:p>
+          <a:p>
+            <a:pPr marL="0" marR="0">
+              <a:spcBef>
+                <a:spcPts val="0"/>
+              </a:spcBef>
+              <a:spcAft>
+                <a:spcPts val="0"/>
+              </a:spcAft>
+            </a:pPr>
+            <a:r>
+              <a:rPr lang="en-US" sz="1000" dirty="0">
+                <a:solidFill>
+                  <a:srgbClr val="CC6C1D"/>
+                </a:solidFill>
+                <a:effectLst/>
+                <a:latin typeface="Consolas" panose="020B0609020204030204" pitchFamily="49" charset="0"/>
+              </a:rPr>
+              <a:t>double</a:t>
+            </a:r>
+            <a:r>
+              <a:rPr lang="en-US" sz="1000" dirty="0">
+                <a:solidFill>
+                  <a:srgbClr val="D9E8F7"/>
+                </a:solidFill>
+                <a:effectLst/>
+                <a:latin typeface="Consolas" panose="020B0609020204030204" pitchFamily="49" charset="0"/>
+              </a:rPr>
+              <a:t> x3</a:t>
+            </a:r>
+            <a:r>
+              <a:rPr lang="en-US" sz="1000" dirty="0">
+                <a:solidFill>
+                  <a:srgbClr val="E6E6FA"/>
+                </a:solidFill>
+                <a:effectLst/>
+                <a:latin typeface="Consolas" panose="020B0609020204030204" pitchFamily="49" charset="0"/>
+              </a:rPr>
+              <a:t>,</a:t>
+            </a:r>
+            <a:r>
+              <a:rPr lang="en-US" sz="1000" dirty="0">
+                <a:solidFill>
+                  <a:srgbClr val="D9E8F7"/>
+                </a:solidFill>
+                <a:effectLst/>
+                <a:latin typeface="Consolas" panose="020B0609020204030204" pitchFamily="49" charset="0"/>
+              </a:rPr>
+              <a:t> </a:t>
+            </a:r>
+            <a:r>
+              <a:rPr lang="en-US" sz="1000" dirty="0">
+                <a:solidFill>
+                  <a:srgbClr val="CC6C1D"/>
+                </a:solidFill>
+                <a:effectLst/>
+                <a:latin typeface="Consolas" panose="020B0609020204030204" pitchFamily="49" charset="0"/>
+              </a:rPr>
+              <a:t>double</a:t>
+            </a:r>
+            <a:r>
+              <a:rPr lang="en-US" sz="1000" dirty="0">
+                <a:solidFill>
+                  <a:srgbClr val="D9E8F7"/>
+                </a:solidFill>
+                <a:effectLst/>
+                <a:latin typeface="Consolas" panose="020B0609020204030204" pitchFamily="49" charset="0"/>
+              </a:rPr>
+              <a:t> y3</a:t>
+            </a:r>
+            <a:r>
+              <a:rPr lang="en-US" sz="1000" dirty="0">
+                <a:solidFill>
+                  <a:srgbClr val="E6E6FA"/>
+                </a:solidFill>
+                <a:effectLst/>
+                <a:latin typeface="Consolas" panose="020B0609020204030204" pitchFamily="49" charset="0"/>
+              </a:rPr>
+              <a:t>,</a:t>
+            </a:r>
+            <a:r>
+              <a:rPr lang="en-US" sz="1000" dirty="0">
+                <a:solidFill>
+                  <a:srgbClr val="D9E8F7"/>
+                </a:solidFill>
+                <a:effectLst/>
+                <a:latin typeface="Consolas" panose="020B0609020204030204" pitchFamily="49" charset="0"/>
+              </a:rPr>
+              <a:t> </a:t>
+            </a:r>
+            <a:r>
+              <a:rPr lang="en-US" sz="1000" dirty="0">
+                <a:solidFill>
+                  <a:srgbClr val="CC6C1D"/>
+                </a:solidFill>
+                <a:effectLst/>
+                <a:latin typeface="Consolas" panose="020B0609020204030204" pitchFamily="49" charset="0"/>
+              </a:rPr>
+              <a:t>double</a:t>
+            </a:r>
+            <a:r>
+              <a:rPr lang="en-US" sz="1000" dirty="0">
+                <a:solidFill>
+                  <a:srgbClr val="D9E8F7"/>
+                </a:solidFill>
+                <a:effectLst/>
+                <a:latin typeface="Consolas" panose="020B0609020204030204" pitchFamily="49" charset="0"/>
+              </a:rPr>
+              <a:t> x4</a:t>
+            </a:r>
+            <a:r>
+              <a:rPr lang="en-US" sz="1000" dirty="0">
+                <a:solidFill>
+                  <a:srgbClr val="E6E6FA"/>
+                </a:solidFill>
+                <a:effectLst/>
+                <a:latin typeface="Consolas" panose="020B0609020204030204" pitchFamily="49" charset="0"/>
+              </a:rPr>
+              <a:t>,</a:t>
+            </a:r>
+            <a:r>
+              <a:rPr lang="en-US" sz="1000" dirty="0">
+                <a:solidFill>
+                  <a:srgbClr val="D9E8F7"/>
+                </a:solidFill>
+                <a:effectLst/>
+                <a:latin typeface="Consolas" panose="020B0609020204030204" pitchFamily="49" charset="0"/>
+              </a:rPr>
+              <a:t> </a:t>
+            </a:r>
+            <a:r>
+              <a:rPr lang="en-US" sz="1000" dirty="0">
+                <a:solidFill>
+                  <a:srgbClr val="CC6C1D"/>
+                </a:solidFill>
+                <a:effectLst/>
+                <a:latin typeface="Consolas" panose="020B0609020204030204" pitchFamily="49" charset="0"/>
+              </a:rPr>
+              <a:t>double</a:t>
+            </a:r>
+            <a:r>
+              <a:rPr lang="en-US" sz="1000" dirty="0">
+                <a:solidFill>
+                  <a:srgbClr val="D9E8F7"/>
+                </a:solidFill>
+                <a:effectLst/>
+                <a:latin typeface="Consolas" panose="020B0609020204030204" pitchFamily="49" charset="0"/>
+              </a:rPr>
+              <a:t> y4</a:t>
+            </a:r>
+            <a:r>
+              <a:rPr lang="en-US" sz="1000" dirty="0">
+                <a:solidFill>
+                  <a:srgbClr val="F9FAF4"/>
+                </a:solidFill>
+                <a:effectLst/>
+                <a:latin typeface="Consolas" panose="020B0609020204030204" pitchFamily="49" charset="0"/>
+              </a:rPr>
+              <a:t>)</a:t>
+            </a:r>
+            <a:r>
+              <a:rPr lang="en-US" sz="1000" dirty="0">
+                <a:solidFill>
+                  <a:srgbClr val="D9E8F7"/>
+                </a:solidFill>
+                <a:effectLst/>
+                <a:latin typeface="Consolas" panose="020B0609020204030204" pitchFamily="49" charset="0"/>
+              </a:rPr>
+              <a:t> </a:t>
+            </a:r>
+            <a:r>
+              <a:rPr lang="en-US" sz="1000" dirty="0">
+                <a:solidFill>
+                  <a:srgbClr val="F9FAF4"/>
+                </a:solidFill>
+                <a:effectLst/>
+                <a:latin typeface="Consolas" panose="020B0609020204030204" pitchFamily="49" charset="0"/>
+              </a:rPr>
+              <a:t>{</a:t>
+            </a:r>
+            <a:endParaRPr lang="en-US" sz="1000" dirty="0">
+              <a:solidFill>
+                <a:srgbClr val="AAAAAA"/>
+              </a:solidFill>
+              <a:effectLst/>
+              <a:latin typeface="Consolas" panose="020B0609020204030204" pitchFamily="49" charset="0"/>
+            </a:endParaRPr>
+          </a:p>
+          <a:p>
+            <a:pPr marL="0" marR="0">
+              <a:spcBef>
+                <a:spcPts val="0"/>
+              </a:spcBef>
+              <a:spcAft>
+                <a:spcPts val="0"/>
+              </a:spcAft>
+            </a:pPr>
+            <a:r>
+              <a:rPr lang="en-US" sz="1000" dirty="0">
+                <a:solidFill>
+                  <a:srgbClr val="CC6C1D"/>
+                </a:solidFill>
+                <a:effectLst/>
+                <a:latin typeface="Consolas" panose="020B0609020204030204" pitchFamily="49" charset="0"/>
+              </a:rPr>
+              <a:t>double</a:t>
+            </a:r>
+            <a:r>
+              <a:rPr lang="en-US" sz="1000" dirty="0">
+                <a:solidFill>
+                  <a:srgbClr val="F9FAF4"/>
+                </a:solidFill>
+                <a:effectLst/>
+                <a:latin typeface="Consolas" panose="020B0609020204030204" pitchFamily="49" charset="0"/>
+              </a:rPr>
+              <a:t>[]</a:t>
+            </a:r>
+            <a:r>
+              <a:rPr lang="en-US" sz="1000" dirty="0">
+                <a:solidFill>
+                  <a:srgbClr val="D9E8F7"/>
+                </a:solidFill>
+                <a:effectLst/>
+                <a:latin typeface="Consolas" panose="020B0609020204030204" pitchFamily="49" charset="0"/>
+              </a:rPr>
+              <a:t> intersection </a:t>
+            </a:r>
+            <a:r>
+              <a:rPr lang="en-US" sz="1000" dirty="0">
+                <a:solidFill>
+                  <a:srgbClr val="E6E6FA"/>
+                </a:solidFill>
+                <a:effectLst/>
+                <a:latin typeface="Consolas" panose="020B0609020204030204" pitchFamily="49" charset="0"/>
+              </a:rPr>
+              <a:t>=</a:t>
+            </a:r>
+            <a:r>
+              <a:rPr lang="en-US" sz="1000" dirty="0">
+                <a:solidFill>
+                  <a:srgbClr val="D9E8F7"/>
+                </a:solidFill>
+                <a:effectLst/>
+                <a:latin typeface="Consolas" panose="020B0609020204030204" pitchFamily="49" charset="0"/>
+              </a:rPr>
+              <a:t> </a:t>
+            </a:r>
+            <a:r>
+              <a:rPr lang="en-US" sz="1000" dirty="0">
+                <a:solidFill>
+                  <a:srgbClr val="CC6C1D"/>
+                </a:solidFill>
+                <a:effectLst/>
+                <a:latin typeface="Consolas" panose="020B0609020204030204" pitchFamily="49" charset="0"/>
+              </a:rPr>
+              <a:t>new</a:t>
+            </a:r>
+            <a:r>
+              <a:rPr lang="en-US" sz="1000" dirty="0">
+                <a:solidFill>
+                  <a:srgbClr val="D9E8F7"/>
+                </a:solidFill>
+                <a:effectLst/>
+                <a:latin typeface="Consolas" panose="020B0609020204030204" pitchFamily="49" charset="0"/>
+              </a:rPr>
+              <a:t> </a:t>
+            </a:r>
+            <a:r>
+              <a:rPr lang="en-US" sz="1000" dirty="0">
+                <a:solidFill>
+                  <a:srgbClr val="CC6C1D"/>
+                </a:solidFill>
+                <a:effectLst/>
+                <a:latin typeface="Consolas" panose="020B0609020204030204" pitchFamily="49" charset="0"/>
+              </a:rPr>
+              <a:t>double</a:t>
+            </a:r>
+            <a:r>
+              <a:rPr lang="en-US" sz="1000" dirty="0">
+                <a:solidFill>
+                  <a:srgbClr val="F9FAF4"/>
+                </a:solidFill>
+                <a:effectLst/>
+                <a:latin typeface="Consolas" panose="020B0609020204030204" pitchFamily="49" charset="0"/>
+              </a:rPr>
+              <a:t>[</a:t>
+            </a:r>
+            <a:r>
+              <a:rPr lang="en-US" sz="1000" dirty="0">
+                <a:solidFill>
+                  <a:srgbClr val="D9E8F7"/>
+                </a:solidFill>
+                <a:effectLst/>
+                <a:latin typeface="Consolas" panose="020B0609020204030204" pitchFamily="49" charset="0"/>
+              </a:rPr>
+              <a:t>2</a:t>
+            </a:r>
+            <a:r>
+              <a:rPr lang="en-US" sz="1000" dirty="0">
+                <a:solidFill>
+                  <a:srgbClr val="F9FAF4"/>
+                </a:solidFill>
+                <a:effectLst/>
+                <a:latin typeface="Consolas" panose="020B0609020204030204" pitchFamily="49" charset="0"/>
+              </a:rPr>
+              <a:t>]</a:t>
+            </a:r>
+            <a:r>
+              <a:rPr lang="en-US" sz="1000" dirty="0">
+                <a:solidFill>
+                  <a:srgbClr val="E6E6FA"/>
+                </a:solidFill>
+                <a:effectLst/>
+                <a:latin typeface="Consolas" panose="020B0609020204030204" pitchFamily="49" charset="0"/>
+              </a:rPr>
+              <a:t>;</a:t>
+            </a:r>
+            <a:endParaRPr lang="en-US" sz="1000" dirty="0">
+              <a:solidFill>
+                <a:srgbClr val="AAAAAA"/>
+              </a:solidFill>
+              <a:effectLst/>
+              <a:latin typeface="Consolas" panose="020B0609020204030204" pitchFamily="49" charset="0"/>
+            </a:endParaRPr>
+          </a:p>
+          <a:p>
+            <a:pPr marL="0" marR="0">
+              <a:spcBef>
+                <a:spcPts val="0"/>
+              </a:spcBef>
+              <a:spcAft>
+                <a:spcPts val="0"/>
+              </a:spcAft>
+            </a:pPr>
+            <a:br>
+              <a:rPr lang="en-US" sz="1000" dirty="0">
+                <a:solidFill>
+                  <a:srgbClr val="AAAAAA"/>
+                </a:solidFill>
+                <a:effectLst/>
+                <a:latin typeface="Consolas" panose="020B0609020204030204" pitchFamily="49" charset="0"/>
+              </a:rPr>
+            </a:br>
+            <a:endParaRPr lang="en-US" sz="1000" dirty="0">
+              <a:solidFill>
+                <a:srgbClr val="AAAAAA"/>
+              </a:solidFill>
+              <a:effectLst/>
+              <a:latin typeface="Consolas" panose="020B0609020204030204" pitchFamily="49" charset="0"/>
+            </a:endParaRPr>
+          </a:p>
+          <a:p>
+            <a:pPr marL="0" marR="0">
+              <a:spcBef>
+                <a:spcPts val="0"/>
+              </a:spcBef>
+              <a:spcAft>
+                <a:spcPts val="0"/>
+              </a:spcAft>
+            </a:pPr>
+            <a:r>
+              <a:rPr lang="en-US" sz="1000" dirty="0">
+                <a:solidFill>
+                  <a:srgbClr val="CC6C1D"/>
+                </a:solidFill>
+                <a:effectLst/>
+                <a:latin typeface="Consolas" panose="020B0609020204030204" pitchFamily="49" charset="0"/>
+              </a:rPr>
+              <a:t>double</a:t>
+            </a:r>
+            <a:r>
+              <a:rPr lang="en-US" sz="1000" dirty="0">
+                <a:solidFill>
+                  <a:srgbClr val="D9E8F7"/>
+                </a:solidFill>
+                <a:effectLst/>
+                <a:latin typeface="Consolas" panose="020B0609020204030204" pitchFamily="49" charset="0"/>
+              </a:rPr>
+              <a:t> denominator </a:t>
+            </a:r>
+            <a:r>
+              <a:rPr lang="en-US" sz="1000" dirty="0">
+                <a:solidFill>
+                  <a:srgbClr val="E6E6FA"/>
+                </a:solidFill>
+                <a:effectLst/>
+                <a:latin typeface="Consolas" panose="020B0609020204030204" pitchFamily="49" charset="0"/>
+              </a:rPr>
+              <a:t>=</a:t>
+            </a:r>
+            <a:r>
+              <a:rPr lang="en-US" sz="1000" dirty="0">
+                <a:solidFill>
+                  <a:srgbClr val="D9E8F7"/>
+                </a:solidFill>
+                <a:effectLst/>
+                <a:latin typeface="Consolas" panose="020B0609020204030204" pitchFamily="49" charset="0"/>
+              </a:rPr>
+              <a:t> </a:t>
+            </a:r>
+            <a:r>
+              <a:rPr lang="en-US" sz="1000" dirty="0">
+                <a:solidFill>
+                  <a:srgbClr val="F9FAF4"/>
+                </a:solidFill>
+                <a:effectLst/>
+                <a:latin typeface="Consolas" panose="020B0609020204030204" pitchFamily="49" charset="0"/>
+              </a:rPr>
+              <a:t>(</a:t>
+            </a:r>
+            <a:r>
+              <a:rPr lang="en-US" sz="1000" dirty="0">
+                <a:solidFill>
+                  <a:srgbClr val="D9E8F7"/>
+                </a:solidFill>
+                <a:effectLst/>
+                <a:latin typeface="Consolas" panose="020B0609020204030204" pitchFamily="49" charset="0"/>
+              </a:rPr>
+              <a:t>x1 </a:t>
+            </a:r>
+            <a:r>
+              <a:rPr lang="en-US" sz="1000" dirty="0">
+                <a:solidFill>
+                  <a:srgbClr val="E6E6FA"/>
+                </a:solidFill>
+                <a:effectLst/>
+                <a:latin typeface="Consolas" panose="020B0609020204030204" pitchFamily="49" charset="0"/>
+              </a:rPr>
+              <a:t>-</a:t>
+            </a:r>
+            <a:r>
+              <a:rPr lang="en-US" sz="1000" dirty="0">
+                <a:solidFill>
+                  <a:srgbClr val="D9E8F7"/>
+                </a:solidFill>
+                <a:effectLst/>
+                <a:latin typeface="Consolas" panose="020B0609020204030204" pitchFamily="49" charset="0"/>
+              </a:rPr>
+              <a:t> x2</a:t>
+            </a:r>
+            <a:r>
+              <a:rPr lang="en-US" sz="1000" dirty="0">
+                <a:solidFill>
+                  <a:srgbClr val="F9FAF4"/>
+                </a:solidFill>
+                <a:effectLst/>
+                <a:latin typeface="Consolas" panose="020B0609020204030204" pitchFamily="49" charset="0"/>
+              </a:rPr>
+              <a:t>)</a:t>
+            </a:r>
+            <a:r>
+              <a:rPr lang="en-US" sz="1000" dirty="0">
+                <a:solidFill>
+                  <a:srgbClr val="D9E8F7"/>
+                </a:solidFill>
+                <a:effectLst/>
+                <a:latin typeface="Consolas" panose="020B0609020204030204" pitchFamily="49" charset="0"/>
+              </a:rPr>
+              <a:t> </a:t>
+            </a:r>
+            <a:r>
+              <a:rPr lang="en-US" sz="1000" dirty="0">
+                <a:solidFill>
+                  <a:srgbClr val="E6E6FA"/>
+                </a:solidFill>
+                <a:effectLst/>
+                <a:latin typeface="Consolas" panose="020B0609020204030204" pitchFamily="49" charset="0"/>
+              </a:rPr>
+              <a:t>*</a:t>
+            </a:r>
+            <a:r>
+              <a:rPr lang="en-US" sz="1000" dirty="0">
+                <a:solidFill>
+                  <a:srgbClr val="D9E8F7"/>
+                </a:solidFill>
+                <a:effectLst/>
+                <a:latin typeface="Consolas" panose="020B0609020204030204" pitchFamily="49" charset="0"/>
+              </a:rPr>
+              <a:t> </a:t>
+            </a:r>
+            <a:r>
+              <a:rPr lang="en-US" sz="1000" dirty="0">
+                <a:solidFill>
+                  <a:srgbClr val="F9FAF4"/>
+                </a:solidFill>
+                <a:effectLst/>
+                <a:latin typeface="Consolas" panose="020B0609020204030204" pitchFamily="49" charset="0"/>
+              </a:rPr>
+              <a:t>(</a:t>
+            </a:r>
+            <a:r>
+              <a:rPr lang="en-US" sz="1000" dirty="0">
+                <a:solidFill>
+                  <a:srgbClr val="D9E8F7"/>
+                </a:solidFill>
+                <a:effectLst/>
+                <a:latin typeface="Consolas" panose="020B0609020204030204" pitchFamily="49" charset="0"/>
+              </a:rPr>
+              <a:t>y3 </a:t>
+            </a:r>
+            <a:r>
+              <a:rPr lang="en-US" sz="1000" dirty="0">
+                <a:solidFill>
+                  <a:srgbClr val="E6E6FA"/>
+                </a:solidFill>
+                <a:effectLst/>
+                <a:latin typeface="Consolas" panose="020B0609020204030204" pitchFamily="49" charset="0"/>
+              </a:rPr>
+              <a:t>-</a:t>
+            </a:r>
+            <a:r>
+              <a:rPr lang="en-US" sz="1000" dirty="0">
+                <a:solidFill>
+                  <a:srgbClr val="D9E8F7"/>
+                </a:solidFill>
+                <a:effectLst/>
+                <a:latin typeface="Consolas" panose="020B0609020204030204" pitchFamily="49" charset="0"/>
+              </a:rPr>
+              <a:t> y4</a:t>
+            </a:r>
+            <a:r>
+              <a:rPr lang="en-US" sz="1000" dirty="0">
+                <a:solidFill>
+                  <a:srgbClr val="F9FAF4"/>
+                </a:solidFill>
+                <a:effectLst/>
+                <a:latin typeface="Consolas" panose="020B0609020204030204" pitchFamily="49" charset="0"/>
+              </a:rPr>
+              <a:t>)</a:t>
+            </a:r>
+            <a:r>
+              <a:rPr lang="en-US" sz="1000" dirty="0">
+                <a:solidFill>
+                  <a:srgbClr val="D9E8F7"/>
+                </a:solidFill>
+                <a:effectLst/>
+                <a:latin typeface="Consolas" panose="020B0609020204030204" pitchFamily="49" charset="0"/>
+              </a:rPr>
+              <a:t> </a:t>
+            </a:r>
+            <a:r>
+              <a:rPr lang="en-US" sz="1000" dirty="0">
+                <a:solidFill>
+                  <a:srgbClr val="E6E6FA"/>
+                </a:solidFill>
+                <a:effectLst/>
+                <a:latin typeface="Consolas" panose="020B0609020204030204" pitchFamily="49" charset="0"/>
+              </a:rPr>
+              <a:t>-</a:t>
+            </a:r>
+            <a:r>
+              <a:rPr lang="en-US" sz="1000" dirty="0">
+                <a:solidFill>
+                  <a:srgbClr val="D9E8F7"/>
+                </a:solidFill>
+                <a:effectLst/>
+                <a:latin typeface="Consolas" panose="020B0609020204030204" pitchFamily="49" charset="0"/>
+              </a:rPr>
+              <a:t> </a:t>
+            </a:r>
+            <a:r>
+              <a:rPr lang="en-US" sz="1000" dirty="0">
+                <a:solidFill>
+                  <a:srgbClr val="F9FAF4"/>
+                </a:solidFill>
+                <a:effectLst/>
+                <a:latin typeface="Consolas" panose="020B0609020204030204" pitchFamily="49" charset="0"/>
+              </a:rPr>
+              <a:t>(</a:t>
+            </a:r>
+            <a:r>
+              <a:rPr lang="en-US" sz="1000" dirty="0">
+                <a:solidFill>
+                  <a:srgbClr val="D9E8F7"/>
+                </a:solidFill>
+                <a:effectLst/>
+                <a:latin typeface="Consolas" panose="020B0609020204030204" pitchFamily="49" charset="0"/>
+              </a:rPr>
+              <a:t>y1 </a:t>
+            </a:r>
+            <a:r>
+              <a:rPr lang="en-US" sz="1000" dirty="0">
+                <a:solidFill>
+                  <a:srgbClr val="E6E6FA"/>
+                </a:solidFill>
+                <a:effectLst/>
+                <a:latin typeface="Consolas" panose="020B0609020204030204" pitchFamily="49" charset="0"/>
+              </a:rPr>
+              <a:t>-</a:t>
+            </a:r>
+            <a:r>
+              <a:rPr lang="en-US" sz="1000" dirty="0">
+                <a:solidFill>
+                  <a:srgbClr val="D9E8F7"/>
+                </a:solidFill>
+                <a:effectLst/>
+                <a:latin typeface="Consolas" panose="020B0609020204030204" pitchFamily="49" charset="0"/>
+              </a:rPr>
+              <a:t> y2</a:t>
+            </a:r>
+            <a:r>
+              <a:rPr lang="en-US" sz="1000" dirty="0">
+                <a:solidFill>
+                  <a:srgbClr val="F9FAF4"/>
+                </a:solidFill>
+                <a:effectLst/>
+                <a:latin typeface="Consolas" panose="020B0609020204030204" pitchFamily="49" charset="0"/>
+              </a:rPr>
+              <a:t>)</a:t>
+            </a:r>
+            <a:r>
+              <a:rPr lang="en-US" sz="1000" dirty="0">
+                <a:solidFill>
+                  <a:srgbClr val="D9E8F7"/>
+                </a:solidFill>
+                <a:effectLst/>
+                <a:latin typeface="Consolas" panose="020B0609020204030204" pitchFamily="49" charset="0"/>
+              </a:rPr>
+              <a:t> </a:t>
+            </a:r>
+            <a:r>
+              <a:rPr lang="en-US" sz="1000" dirty="0">
+                <a:solidFill>
+                  <a:srgbClr val="E6E6FA"/>
+                </a:solidFill>
+                <a:effectLst/>
+                <a:latin typeface="Consolas" panose="020B0609020204030204" pitchFamily="49" charset="0"/>
+              </a:rPr>
+              <a:t>*</a:t>
+            </a:r>
+            <a:r>
+              <a:rPr lang="en-US" sz="1000" dirty="0">
+                <a:solidFill>
+                  <a:srgbClr val="D9E8F7"/>
+                </a:solidFill>
+                <a:effectLst/>
+                <a:latin typeface="Consolas" panose="020B0609020204030204" pitchFamily="49" charset="0"/>
+              </a:rPr>
+              <a:t> </a:t>
+            </a:r>
+            <a:r>
+              <a:rPr lang="en-US" sz="1000" dirty="0">
+                <a:solidFill>
+                  <a:srgbClr val="F9FAF4"/>
+                </a:solidFill>
+                <a:effectLst/>
+                <a:latin typeface="Consolas" panose="020B0609020204030204" pitchFamily="49" charset="0"/>
+              </a:rPr>
+              <a:t>(</a:t>
+            </a:r>
+            <a:r>
+              <a:rPr lang="en-US" sz="1000" dirty="0">
+                <a:solidFill>
+                  <a:srgbClr val="D9E8F7"/>
+                </a:solidFill>
+                <a:effectLst/>
+                <a:latin typeface="Consolas" panose="020B0609020204030204" pitchFamily="49" charset="0"/>
+              </a:rPr>
+              <a:t>x3 </a:t>
+            </a:r>
+            <a:r>
+              <a:rPr lang="en-US" sz="1000" dirty="0">
+                <a:solidFill>
+                  <a:srgbClr val="E6E6FA"/>
+                </a:solidFill>
+                <a:effectLst/>
+                <a:latin typeface="Consolas" panose="020B0609020204030204" pitchFamily="49" charset="0"/>
+              </a:rPr>
+              <a:t>-</a:t>
+            </a:r>
+            <a:r>
+              <a:rPr lang="en-US" sz="1000" dirty="0">
+                <a:solidFill>
+                  <a:srgbClr val="D9E8F7"/>
+                </a:solidFill>
+                <a:effectLst/>
+                <a:latin typeface="Consolas" panose="020B0609020204030204" pitchFamily="49" charset="0"/>
+              </a:rPr>
+              <a:t> x4</a:t>
+            </a:r>
+            <a:r>
+              <a:rPr lang="en-US" sz="1000" dirty="0">
+                <a:solidFill>
+                  <a:srgbClr val="F9FAF4"/>
+                </a:solidFill>
+                <a:effectLst/>
+                <a:latin typeface="Consolas" panose="020B0609020204030204" pitchFamily="49" charset="0"/>
+              </a:rPr>
+              <a:t>)</a:t>
+            </a:r>
+            <a:r>
+              <a:rPr lang="en-US" sz="1000" dirty="0">
+                <a:solidFill>
+                  <a:srgbClr val="E6E6FA"/>
+                </a:solidFill>
+                <a:effectLst/>
+                <a:latin typeface="Consolas" panose="020B0609020204030204" pitchFamily="49" charset="0"/>
+              </a:rPr>
+              <a:t>;</a:t>
+            </a:r>
+            <a:endParaRPr lang="en-US" sz="1000" dirty="0">
+              <a:solidFill>
+                <a:srgbClr val="AAAAAA"/>
+              </a:solidFill>
+              <a:effectLst/>
+              <a:latin typeface="Consolas" panose="020B0609020204030204" pitchFamily="49" charset="0"/>
+            </a:endParaRPr>
+          </a:p>
+          <a:p>
+            <a:pPr marL="0" marR="0">
+              <a:spcBef>
+                <a:spcPts val="0"/>
+              </a:spcBef>
+              <a:spcAft>
+                <a:spcPts val="0"/>
+              </a:spcAft>
+            </a:pPr>
+            <a:br>
+              <a:rPr lang="en-US" sz="1000" dirty="0">
+                <a:solidFill>
+                  <a:srgbClr val="AAAAAA"/>
+                </a:solidFill>
+                <a:effectLst/>
+                <a:latin typeface="Consolas" panose="020B0609020204030204" pitchFamily="49" charset="0"/>
+              </a:rPr>
+            </a:br>
+            <a:endParaRPr lang="en-US" sz="1000" dirty="0">
+              <a:solidFill>
+                <a:srgbClr val="AAAAAA"/>
+              </a:solidFill>
+              <a:effectLst/>
+              <a:latin typeface="Consolas" panose="020B0609020204030204" pitchFamily="49" charset="0"/>
+            </a:endParaRPr>
+          </a:p>
+          <a:p>
+            <a:pPr marL="0" marR="0">
+              <a:spcBef>
+                <a:spcPts val="0"/>
+              </a:spcBef>
+              <a:spcAft>
+                <a:spcPts val="0"/>
+              </a:spcAft>
+            </a:pPr>
+            <a:r>
+              <a:rPr lang="en-US" sz="1000" dirty="0">
+                <a:solidFill>
+                  <a:srgbClr val="808080"/>
+                </a:solidFill>
+                <a:effectLst/>
+                <a:latin typeface="Consolas" panose="020B0609020204030204" pitchFamily="49" charset="0"/>
+              </a:rPr>
+              <a:t>// Check if the lines are parallel (denominator is zero)</a:t>
+            </a:r>
+            <a:endParaRPr lang="en-US" sz="1000" dirty="0">
+              <a:solidFill>
+                <a:srgbClr val="AAAAAA"/>
+              </a:solidFill>
+              <a:effectLst/>
+              <a:latin typeface="Consolas" panose="020B0609020204030204" pitchFamily="49" charset="0"/>
+            </a:endParaRPr>
+          </a:p>
+          <a:p>
+            <a:pPr marL="0" marR="0">
+              <a:spcBef>
+                <a:spcPts val="0"/>
+              </a:spcBef>
+              <a:spcAft>
+                <a:spcPts val="0"/>
+              </a:spcAft>
+            </a:pPr>
+            <a:r>
+              <a:rPr lang="en-US" sz="1000" dirty="0">
+                <a:solidFill>
+                  <a:srgbClr val="CC6C1D"/>
+                </a:solidFill>
+                <a:effectLst/>
+                <a:latin typeface="Consolas" panose="020B0609020204030204" pitchFamily="49" charset="0"/>
+              </a:rPr>
+              <a:t>if</a:t>
+            </a:r>
+            <a:r>
+              <a:rPr lang="en-US" sz="1000" dirty="0">
+                <a:solidFill>
+                  <a:srgbClr val="D9E8F7"/>
+                </a:solidFill>
+                <a:effectLst/>
+                <a:latin typeface="Consolas" panose="020B0609020204030204" pitchFamily="49" charset="0"/>
+              </a:rPr>
+              <a:t> </a:t>
+            </a:r>
+            <a:r>
+              <a:rPr lang="en-US" sz="1000" dirty="0">
+                <a:solidFill>
+                  <a:srgbClr val="F9FAF4"/>
+                </a:solidFill>
+                <a:effectLst/>
+                <a:latin typeface="Consolas" panose="020B0609020204030204" pitchFamily="49" charset="0"/>
+              </a:rPr>
+              <a:t>(</a:t>
+            </a:r>
+            <a:r>
+              <a:rPr lang="en-US" sz="1000" dirty="0">
+                <a:solidFill>
+                  <a:srgbClr val="D9E8F7"/>
+                </a:solidFill>
+                <a:effectLst/>
+                <a:latin typeface="Consolas" panose="020B0609020204030204" pitchFamily="49" charset="0"/>
+              </a:rPr>
+              <a:t>denominator </a:t>
+            </a:r>
+            <a:r>
+              <a:rPr lang="en-US" sz="1000" dirty="0">
+                <a:solidFill>
+                  <a:srgbClr val="E6E6FA"/>
+                </a:solidFill>
+                <a:effectLst/>
+                <a:latin typeface="Consolas" panose="020B0609020204030204" pitchFamily="49" charset="0"/>
+              </a:rPr>
+              <a:t>==</a:t>
+            </a:r>
+            <a:r>
+              <a:rPr lang="en-US" sz="1000" dirty="0">
+                <a:solidFill>
+                  <a:srgbClr val="D9E8F7"/>
+                </a:solidFill>
+                <a:effectLst/>
+                <a:latin typeface="Consolas" panose="020B0609020204030204" pitchFamily="49" charset="0"/>
+              </a:rPr>
+              <a:t> 0</a:t>
+            </a:r>
+            <a:r>
+              <a:rPr lang="en-US" sz="1000" dirty="0">
+                <a:solidFill>
+                  <a:srgbClr val="F9FAF4"/>
+                </a:solidFill>
+                <a:effectLst/>
+                <a:latin typeface="Consolas" panose="020B0609020204030204" pitchFamily="49" charset="0"/>
+              </a:rPr>
+              <a:t>)</a:t>
+            </a:r>
+            <a:r>
+              <a:rPr lang="en-US" sz="1000" dirty="0">
+                <a:solidFill>
+                  <a:srgbClr val="D9E8F7"/>
+                </a:solidFill>
+                <a:effectLst/>
+                <a:latin typeface="Consolas" panose="020B0609020204030204" pitchFamily="49" charset="0"/>
+              </a:rPr>
+              <a:t> </a:t>
+            </a:r>
+            <a:r>
+              <a:rPr lang="en-US" sz="1000" dirty="0">
+                <a:solidFill>
+                  <a:srgbClr val="F9FAF4"/>
+                </a:solidFill>
+                <a:effectLst/>
+                <a:latin typeface="Consolas" panose="020B0609020204030204" pitchFamily="49" charset="0"/>
+              </a:rPr>
+              <a:t>{</a:t>
+            </a:r>
+            <a:endParaRPr lang="en-US" sz="1000" dirty="0">
+              <a:solidFill>
+                <a:srgbClr val="AAAAAA"/>
+              </a:solidFill>
+              <a:effectLst/>
+              <a:latin typeface="Consolas" panose="020B0609020204030204" pitchFamily="49" charset="0"/>
+            </a:endParaRPr>
+          </a:p>
+          <a:p>
+            <a:pPr marL="0" marR="0">
+              <a:spcBef>
+                <a:spcPts val="0"/>
+              </a:spcBef>
+              <a:spcAft>
+                <a:spcPts val="0"/>
+              </a:spcAft>
+            </a:pPr>
+            <a:r>
+              <a:rPr lang="en-US" sz="1000" dirty="0">
+                <a:solidFill>
+                  <a:srgbClr val="CC6C1D"/>
+                </a:solidFill>
+                <a:effectLst/>
+                <a:latin typeface="Consolas" panose="020B0609020204030204" pitchFamily="49" charset="0"/>
+              </a:rPr>
+              <a:t>return</a:t>
+            </a:r>
+            <a:r>
+              <a:rPr lang="en-US" sz="1000" dirty="0">
+                <a:solidFill>
+                  <a:srgbClr val="D9E8F7"/>
+                </a:solidFill>
+                <a:effectLst/>
+                <a:latin typeface="Consolas" panose="020B0609020204030204" pitchFamily="49" charset="0"/>
+              </a:rPr>
+              <a:t> </a:t>
+            </a:r>
+            <a:r>
+              <a:rPr lang="en-US" sz="1000" dirty="0">
+                <a:solidFill>
+                  <a:srgbClr val="CC6C1D"/>
+                </a:solidFill>
+                <a:effectLst/>
+                <a:latin typeface="Consolas" panose="020B0609020204030204" pitchFamily="49" charset="0"/>
+              </a:rPr>
+              <a:t>null</a:t>
+            </a:r>
+            <a:r>
+              <a:rPr lang="en-US" sz="1000" dirty="0">
+                <a:solidFill>
+                  <a:srgbClr val="E6E6FA"/>
+                </a:solidFill>
+                <a:effectLst/>
+                <a:latin typeface="Consolas" panose="020B0609020204030204" pitchFamily="49" charset="0"/>
+              </a:rPr>
+              <a:t>;</a:t>
+            </a:r>
+            <a:r>
+              <a:rPr lang="en-US" sz="1000" dirty="0">
+                <a:solidFill>
+                  <a:srgbClr val="D9E8F7"/>
+                </a:solidFill>
+                <a:effectLst/>
+                <a:latin typeface="Consolas" panose="020B0609020204030204" pitchFamily="49" charset="0"/>
+              </a:rPr>
+              <a:t> </a:t>
+            </a:r>
+            <a:r>
+              <a:rPr lang="en-US" sz="1000" dirty="0">
+                <a:solidFill>
+                  <a:srgbClr val="808080"/>
+                </a:solidFill>
+                <a:effectLst/>
+                <a:latin typeface="Consolas" panose="020B0609020204030204" pitchFamily="49" charset="0"/>
+              </a:rPr>
+              <a:t>// No intersection</a:t>
+            </a:r>
+            <a:endParaRPr lang="en-US" sz="1000" dirty="0">
+              <a:solidFill>
+                <a:srgbClr val="AAAAAA"/>
+              </a:solidFill>
+              <a:effectLst/>
+              <a:latin typeface="Consolas" panose="020B0609020204030204" pitchFamily="49" charset="0"/>
+            </a:endParaRPr>
+          </a:p>
+          <a:p>
+            <a:pPr marL="0" marR="0">
+              <a:spcBef>
+                <a:spcPts val="0"/>
+              </a:spcBef>
+              <a:spcAft>
+                <a:spcPts val="0"/>
+              </a:spcAft>
+            </a:pPr>
+            <a:r>
+              <a:rPr lang="en-US" sz="1000" dirty="0">
+                <a:solidFill>
+                  <a:srgbClr val="F9FAF4"/>
+                </a:solidFill>
+                <a:effectLst/>
+                <a:latin typeface="Consolas" panose="020B0609020204030204" pitchFamily="49" charset="0"/>
+              </a:rPr>
+              <a:t>}</a:t>
+            </a:r>
+            <a:endParaRPr lang="en-US" sz="1000" dirty="0">
+              <a:solidFill>
+                <a:srgbClr val="AAAAAA"/>
+              </a:solidFill>
+              <a:effectLst/>
+              <a:latin typeface="Consolas" panose="020B0609020204030204" pitchFamily="49" charset="0"/>
+            </a:endParaRPr>
+          </a:p>
+          <a:p>
+            <a:pPr marL="0" marR="0">
+              <a:spcBef>
+                <a:spcPts val="0"/>
+              </a:spcBef>
+              <a:spcAft>
+                <a:spcPts val="0"/>
+              </a:spcAft>
+            </a:pPr>
+            <a:br>
+              <a:rPr lang="en-US" sz="1000" dirty="0">
+                <a:solidFill>
+                  <a:srgbClr val="AAAAAA"/>
+                </a:solidFill>
+                <a:effectLst/>
+                <a:latin typeface="Consolas" panose="020B0609020204030204" pitchFamily="49" charset="0"/>
+              </a:rPr>
+            </a:br>
+            <a:endParaRPr lang="en-US" sz="1000" dirty="0">
+              <a:solidFill>
+                <a:srgbClr val="AAAAAA"/>
+              </a:solidFill>
+              <a:effectLst/>
+              <a:latin typeface="Consolas" panose="020B0609020204030204" pitchFamily="49" charset="0"/>
+            </a:endParaRPr>
+          </a:p>
+          <a:p>
+            <a:pPr marL="0" marR="0">
+              <a:spcBef>
+                <a:spcPts val="0"/>
+              </a:spcBef>
+              <a:spcAft>
+                <a:spcPts val="0"/>
+              </a:spcAft>
+            </a:pPr>
+            <a:r>
+              <a:rPr lang="en-US" sz="1000" dirty="0">
+                <a:solidFill>
+                  <a:srgbClr val="CC6C1D"/>
+                </a:solidFill>
+                <a:effectLst/>
+                <a:latin typeface="Consolas" panose="020B0609020204030204" pitchFamily="49" charset="0"/>
+              </a:rPr>
+              <a:t>double</a:t>
+            </a:r>
+            <a:r>
+              <a:rPr lang="en-US" sz="1000" dirty="0">
+                <a:solidFill>
+                  <a:srgbClr val="D9E8F7"/>
+                </a:solidFill>
+                <a:effectLst/>
+                <a:latin typeface="Consolas" panose="020B0609020204030204" pitchFamily="49" charset="0"/>
+              </a:rPr>
+              <a:t> t </a:t>
+            </a:r>
+            <a:r>
+              <a:rPr lang="en-US" sz="1000" dirty="0">
+                <a:solidFill>
+                  <a:srgbClr val="E6E6FA"/>
+                </a:solidFill>
+                <a:effectLst/>
+                <a:latin typeface="Consolas" panose="020B0609020204030204" pitchFamily="49" charset="0"/>
+              </a:rPr>
+              <a:t>=</a:t>
+            </a:r>
+            <a:r>
+              <a:rPr lang="en-US" sz="1000" dirty="0">
+                <a:solidFill>
+                  <a:srgbClr val="D9E8F7"/>
+                </a:solidFill>
+                <a:effectLst/>
+                <a:latin typeface="Consolas" panose="020B0609020204030204" pitchFamily="49" charset="0"/>
+              </a:rPr>
+              <a:t> </a:t>
+            </a:r>
+            <a:r>
+              <a:rPr lang="en-US" sz="1000" dirty="0">
+                <a:solidFill>
+                  <a:srgbClr val="F9FAF4"/>
+                </a:solidFill>
+                <a:effectLst/>
+                <a:latin typeface="Consolas" panose="020B0609020204030204" pitchFamily="49" charset="0"/>
+              </a:rPr>
+              <a:t>((</a:t>
+            </a:r>
+            <a:r>
+              <a:rPr lang="en-US" sz="1000" dirty="0">
+                <a:solidFill>
+                  <a:srgbClr val="D9E8F7"/>
+                </a:solidFill>
+                <a:effectLst/>
+                <a:latin typeface="Consolas" panose="020B0609020204030204" pitchFamily="49" charset="0"/>
+              </a:rPr>
+              <a:t>x1 </a:t>
+            </a:r>
+            <a:r>
+              <a:rPr lang="en-US" sz="1000" dirty="0">
+                <a:solidFill>
+                  <a:srgbClr val="E6E6FA"/>
+                </a:solidFill>
+                <a:effectLst/>
+                <a:latin typeface="Consolas" panose="020B0609020204030204" pitchFamily="49" charset="0"/>
+              </a:rPr>
+              <a:t>-</a:t>
+            </a:r>
+            <a:r>
+              <a:rPr lang="en-US" sz="1000" dirty="0">
+                <a:solidFill>
+                  <a:srgbClr val="D9E8F7"/>
+                </a:solidFill>
+                <a:effectLst/>
+                <a:latin typeface="Consolas" panose="020B0609020204030204" pitchFamily="49" charset="0"/>
+              </a:rPr>
+              <a:t> x3</a:t>
+            </a:r>
+            <a:r>
+              <a:rPr lang="en-US" sz="1000" dirty="0">
+                <a:solidFill>
+                  <a:srgbClr val="F9FAF4"/>
+                </a:solidFill>
+                <a:effectLst/>
+                <a:latin typeface="Consolas" panose="020B0609020204030204" pitchFamily="49" charset="0"/>
+              </a:rPr>
+              <a:t>)</a:t>
+            </a:r>
+            <a:r>
+              <a:rPr lang="en-US" sz="1000" dirty="0">
+                <a:solidFill>
+                  <a:srgbClr val="D9E8F7"/>
+                </a:solidFill>
+                <a:effectLst/>
+                <a:latin typeface="Consolas" panose="020B0609020204030204" pitchFamily="49" charset="0"/>
+              </a:rPr>
+              <a:t> </a:t>
+            </a:r>
+            <a:r>
+              <a:rPr lang="en-US" sz="1000" dirty="0">
+                <a:solidFill>
+                  <a:srgbClr val="E6E6FA"/>
+                </a:solidFill>
+                <a:effectLst/>
+                <a:latin typeface="Consolas" panose="020B0609020204030204" pitchFamily="49" charset="0"/>
+              </a:rPr>
+              <a:t>*</a:t>
+            </a:r>
+            <a:r>
+              <a:rPr lang="en-US" sz="1000" dirty="0">
+                <a:solidFill>
+                  <a:srgbClr val="D9E8F7"/>
+                </a:solidFill>
+                <a:effectLst/>
+                <a:latin typeface="Consolas" panose="020B0609020204030204" pitchFamily="49" charset="0"/>
+              </a:rPr>
+              <a:t> </a:t>
+            </a:r>
+            <a:r>
+              <a:rPr lang="en-US" sz="1000" dirty="0">
+                <a:solidFill>
+                  <a:srgbClr val="F9FAF4"/>
+                </a:solidFill>
+                <a:effectLst/>
+                <a:latin typeface="Consolas" panose="020B0609020204030204" pitchFamily="49" charset="0"/>
+              </a:rPr>
+              <a:t>(</a:t>
+            </a:r>
+            <a:r>
+              <a:rPr lang="en-US" sz="1000" dirty="0">
+                <a:solidFill>
+                  <a:srgbClr val="D9E8F7"/>
+                </a:solidFill>
+                <a:effectLst/>
+                <a:latin typeface="Consolas" panose="020B0609020204030204" pitchFamily="49" charset="0"/>
+              </a:rPr>
+              <a:t>y3 </a:t>
+            </a:r>
+            <a:r>
+              <a:rPr lang="en-US" sz="1000" dirty="0">
+                <a:solidFill>
+                  <a:srgbClr val="E6E6FA"/>
+                </a:solidFill>
+                <a:effectLst/>
+                <a:latin typeface="Consolas" panose="020B0609020204030204" pitchFamily="49" charset="0"/>
+              </a:rPr>
+              <a:t>-</a:t>
+            </a:r>
+            <a:r>
+              <a:rPr lang="en-US" sz="1000" dirty="0">
+                <a:solidFill>
+                  <a:srgbClr val="D9E8F7"/>
+                </a:solidFill>
+                <a:effectLst/>
+                <a:latin typeface="Consolas" panose="020B0609020204030204" pitchFamily="49" charset="0"/>
+              </a:rPr>
+              <a:t> y4</a:t>
+            </a:r>
+            <a:r>
+              <a:rPr lang="en-US" sz="1000" dirty="0">
+                <a:solidFill>
+                  <a:srgbClr val="F9FAF4"/>
+                </a:solidFill>
+                <a:effectLst/>
+                <a:latin typeface="Consolas" panose="020B0609020204030204" pitchFamily="49" charset="0"/>
+              </a:rPr>
+              <a:t>)</a:t>
+            </a:r>
+            <a:r>
+              <a:rPr lang="en-US" sz="1000" dirty="0">
+                <a:solidFill>
+                  <a:srgbClr val="D9E8F7"/>
+                </a:solidFill>
+                <a:effectLst/>
+                <a:latin typeface="Consolas" panose="020B0609020204030204" pitchFamily="49" charset="0"/>
+              </a:rPr>
+              <a:t> </a:t>
+            </a:r>
+            <a:r>
+              <a:rPr lang="en-US" sz="1000" dirty="0">
+                <a:solidFill>
+                  <a:srgbClr val="E6E6FA"/>
+                </a:solidFill>
+                <a:effectLst/>
+                <a:latin typeface="Consolas" panose="020B0609020204030204" pitchFamily="49" charset="0"/>
+              </a:rPr>
+              <a:t>-</a:t>
+            </a:r>
+            <a:r>
+              <a:rPr lang="en-US" sz="1000" dirty="0">
+                <a:solidFill>
+                  <a:srgbClr val="D9E8F7"/>
+                </a:solidFill>
+                <a:effectLst/>
+                <a:latin typeface="Consolas" panose="020B0609020204030204" pitchFamily="49" charset="0"/>
+              </a:rPr>
+              <a:t> </a:t>
+            </a:r>
+            <a:r>
+              <a:rPr lang="en-US" sz="1000" dirty="0">
+                <a:solidFill>
+                  <a:srgbClr val="F9FAF4"/>
+                </a:solidFill>
+                <a:effectLst/>
+                <a:latin typeface="Consolas" panose="020B0609020204030204" pitchFamily="49" charset="0"/>
+              </a:rPr>
+              <a:t>(</a:t>
+            </a:r>
+            <a:r>
+              <a:rPr lang="en-US" sz="1000" dirty="0">
+                <a:solidFill>
+                  <a:srgbClr val="D9E8F7"/>
+                </a:solidFill>
+                <a:effectLst/>
+                <a:latin typeface="Consolas" panose="020B0609020204030204" pitchFamily="49" charset="0"/>
+              </a:rPr>
+              <a:t>y1 </a:t>
+            </a:r>
+            <a:r>
+              <a:rPr lang="en-US" sz="1000" dirty="0">
+                <a:solidFill>
+                  <a:srgbClr val="E6E6FA"/>
+                </a:solidFill>
+                <a:effectLst/>
+                <a:latin typeface="Consolas" panose="020B0609020204030204" pitchFamily="49" charset="0"/>
+              </a:rPr>
+              <a:t>-</a:t>
+            </a:r>
+            <a:r>
+              <a:rPr lang="en-US" sz="1000" dirty="0">
+                <a:solidFill>
+                  <a:srgbClr val="D9E8F7"/>
+                </a:solidFill>
+                <a:effectLst/>
+                <a:latin typeface="Consolas" panose="020B0609020204030204" pitchFamily="49" charset="0"/>
+              </a:rPr>
+              <a:t> y3</a:t>
+            </a:r>
+            <a:r>
+              <a:rPr lang="en-US" sz="1000" dirty="0">
+                <a:solidFill>
+                  <a:srgbClr val="F9FAF4"/>
+                </a:solidFill>
+                <a:effectLst/>
+                <a:latin typeface="Consolas" panose="020B0609020204030204" pitchFamily="49" charset="0"/>
+              </a:rPr>
+              <a:t>)</a:t>
+            </a:r>
+            <a:r>
+              <a:rPr lang="en-US" sz="1000" dirty="0">
+                <a:solidFill>
+                  <a:srgbClr val="D9E8F7"/>
+                </a:solidFill>
+                <a:effectLst/>
+                <a:latin typeface="Consolas" panose="020B0609020204030204" pitchFamily="49" charset="0"/>
+              </a:rPr>
+              <a:t> </a:t>
+            </a:r>
+            <a:r>
+              <a:rPr lang="en-US" sz="1000" dirty="0">
+                <a:solidFill>
+                  <a:srgbClr val="E6E6FA"/>
+                </a:solidFill>
+                <a:effectLst/>
+                <a:latin typeface="Consolas" panose="020B0609020204030204" pitchFamily="49" charset="0"/>
+              </a:rPr>
+              <a:t>*</a:t>
+            </a:r>
+            <a:r>
+              <a:rPr lang="en-US" sz="1000" dirty="0">
+                <a:solidFill>
+                  <a:srgbClr val="D9E8F7"/>
+                </a:solidFill>
+                <a:effectLst/>
+                <a:latin typeface="Consolas" panose="020B0609020204030204" pitchFamily="49" charset="0"/>
+              </a:rPr>
+              <a:t> </a:t>
+            </a:r>
+            <a:r>
+              <a:rPr lang="en-US" sz="1000" dirty="0">
+                <a:solidFill>
+                  <a:srgbClr val="F9FAF4"/>
+                </a:solidFill>
+                <a:effectLst/>
+                <a:latin typeface="Consolas" panose="020B0609020204030204" pitchFamily="49" charset="0"/>
+              </a:rPr>
+              <a:t>(</a:t>
+            </a:r>
+            <a:r>
+              <a:rPr lang="en-US" sz="1000" dirty="0">
+                <a:solidFill>
+                  <a:srgbClr val="D9E8F7"/>
+                </a:solidFill>
+                <a:effectLst/>
+                <a:latin typeface="Consolas" panose="020B0609020204030204" pitchFamily="49" charset="0"/>
+              </a:rPr>
+              <a:t>x3 </a:t>
+            </a:r>
+            <a:r>
+              <a:rPr lang="en-US" sz="1000" dirty="0">
+                <a:solidFill>
+                  <a:srgbClr val="E6E6FA"/>
+                </a:solidFill>
+                <a:effectLst/>
+                <a:latin typeface="Consolas" panose="020B0609020204030204" pitchFamily="49" charset="0"/>
+              </a:rPr>
+              <a:t>-</a:t>
+            </a:r>
+            <a:r>
+              <a:rPr lang="en-US" sz="1000" dirty="0">
+                <a:solidFill>
+                  <a:srgbClr val="D9E8F7"/>
+                </a:solidFill>
+                <a:effectLst/>
+                <a:latin typeface="Consolas" panose="020B0609020204030204" pitchFamily="49" charset="0"/>
+              </a:rPr>
+              <a:t> x4</a:t>
+            </a:r>
+            <a:r>
+              <a:rPr lang="en-US" sz="1000" dirty="0">
+                <a:solidFill>
+                  <a:srgbClr val="F9FAF4"/>
+                </a:solidFill>
+                <a:effectLst/>
+                <a:latin typeface="Consolas" panose="020B0609020204030204" pitchFamily="49" charset="0"/>
+              </a:rPr>
+              <a:t>))</a:t>
+            </a:r>
+            <a:r>
+              <a:rPr lang="en-US" sz="1000" dirty="0">
+                <a:solidFill>
+                  <a:srgbClr val="D9E8F7"/>
+                </a:solidFill>
+                <a:effectLst/>
+                <a:latin typeface="Consolas" panose="020B0609020204030204" pitchFamily="49" charset="0"/>
+              </a:rPr>
+              <a:t> </a:t>
+            </a:r>
+            <a:r>
+              <a:rPr lang="en-US" sz="1000" dirty="0">
+                <a:solidFill>
+                  <a:srgbClr val="E6E6FA"/>
+                </a:solidFill>
+                <a:effectLst/>
+                <a:latin typeface="Consolas" panose="020B0609020204030204" pitchFamily="49" charset="0"/>
+              </a:rPr>
+              <a:t>/</a:t>
+            </a:r>
+            <a:r>
+              <a:rPr lang="en-US" sz="1000" dirty="0">
+                <a:solidFill>
+                  <a:srgbClr val="D9E8F7"/>
+                </a:solidFill>
+                <a:effectLst/>
+                <a:latin typeface="Consolas" panose="020B0609020204030204" pitchFamily="49" charset="0"/>
+              </a:rPr>
+              <a:t> denominator</a:t>
+            </a:r>
+            <a:r>
+              <a:rPr lang="en-US" sz="1000" dirty="0">
+                <a:solidFill>
+                  <a:srgbClr val="E6E6FA"/>
+                </a:solidFill>
+                <a:effectLst/>
+                <a:latin typeface="Consolas" panose="020B0609020204030204" pitchFamily="49" charset="0"/>
+              </a:rPr>
+              <a:t>;</a:t>
+            </a:r>
+            <a:endParaRPr lang="en-US" sz="1000" dirty="0">
+              <a:solidFill>
+                <a:srgbClr val="AAAAAA"/>
+              </a:solidFill>
+              <a:effectLst/>
+              <a:latin typeface="Consolas" panose="020B0609020204030204" pitchFamily="49" charset="0"/>
+            </a:endParaRPr>
+          </a:p>
+          <a:p>
+            <a:pPr marL="0" marR="0">
+              <a:spcBef>
+                <a:spcPts val="0"/>
+              </a:spcBef>
+              <a:spcAft>
+                <a:spcPts val="0"/>
+              </a:spcAft>
+            </a:pPr>
+            <a:r>
+              <a:rPr lang="en-US" sz="1000" dirty="0">
+                <a:solidFill>
+                  <a:srgbClr val="CC6C1D"/>
+                </a:solidFill>
+                <a:effectLst/>
+                <a:latin typeface="Consolas" panose="020B0609020204030204" pitchFamily="49" charset="0"/>
+              </a:rPr>
+              <a:t>double</a:t>
+            </a:r>
+            <a:r>
+              <a:rPr lang="en-US" sz="1000" dirty="0">
+                <a:solidFill>
+                  <a:srgbClr val="D9E8F7"/>
+                </a:solidFill>
+                <a:effectLst/>
+                <a:latin typeface="Consolas" panose="020B0609020204030204" pitchFamily="49" charset="0"/>
+              </a:rPr>
+              <a:t> u </a:t>
+            </a:r>
+            <a:r>
+              <a:rPr lang="en-US" sz="1000" dirty="0">
+                <a:solidFill>
+                  <a:srgbClr val="E6E6FA"/>
+                </a:solidFill>
+                <a:effectLst/>
+                <a:latin typeface="Consolas" panose="020B0609020204030204" pitchFamily="49" charset="0"/>
+              </a:rPr>
+              <a:t>=</a:t>
+            </a:r>
+            <a:r>
+              <a:rPr lang="en-US" sz="1000" dirty="0">
+                <a:solidFill>
+                  <a:srgbClr val="D9E8F7"/>
+                </a:solidFill>
+                <a:effectLst/>
+                <a:latin typeface="Consolas" panose="020B0609020204030204" pitchFamily="49" charset="0"/>
+              </a:rPr>
+              <a:t> </a:t>
+            </a:r>
+            <a:r>
+              <a:rPr lang="en-US" sz="1000" dirty="0">
+                <a:solidFill>
+                  <a:srgbClr val="E6E6FA"/>
+                </a:solidFill>
+                <a:effectLst/>
+                <a:latin typeface="Consolas" panose="020B0609020204030204" pitchFamily="49" charset="0"/>
+              </a:rPr>
+              <a:t>-</a:t>
+            </a:r>
+            <a:r>
+              <a:rPr lang="en-US" sz="1000" dirty="0">
+                <a:solidFill>
+                  <a:srgbClr val="F9FAF4"/>
+                </a:solidFill>
+                <a:effectLst/>
+                <a:latin typeface="Consolas" panose="020B0609020204030204" pitchFamily="49" charset="0"/>
+              </a:rPr>
+              <a:t>((</a:t>
+            </a:r>
+            <a:r>
+              <a:rPr lang="en-US" sz="1000" dirty="0">
+                <a:solidFill>
+                  <a:srgbClr val="D9E8F7"/>
+                </a:solidFill>
+                <a:effectLst/>
+                <a:latin typeface="Consolas" panose="020B0609020204030204" pitchFamily="49" charset="0"/>
+              </a:rPr>
+              <a:t>x1 </a:t>
+            </a:r>
+            <a:r>
+              <a:rPr lang="en-US" sz="1000" dirty="0">
+                <a:solidFill>
+                  <a:srgbClr val="E6E6FA"/>
+                </a:solidFill>
+                <a:effectLst/>
+                <a:latin typeface="Consolas" panose="020B0609020204030204" pitchFamily="49" charset="0"/>
+              </a:rPr>
+              <a:t>-</a:t>
+            </a:r>
+            <a:r>
+              <a:rPr lang="en-US" sz="1000" dirty="0">
+                <a:solidFill>
+                  <a:srgbClr val="D9E8F7"/>
+                </a:solidFill>
+                <a:effectLst/>
+                <a:latin typeface="Consolas" panose="020B0609020204030204" pitchFamily="49" charset="0"/>
+              </a:rPr>
+              <a:t> x2</a:t>
+            </a:r>
+            <a:r>
+              <a:rPr lang="en-US" sz="1000" dirty="0">
+                <a:solidFill>
+                  <a:srgbClr val="F9FAF4"/>
+                </a:solidFill>
+                <a:effectLst/>
+                <a:latin typeface="Consolas" panose="020B0609020204030204" pitchFamily="49" charset="0"/>
+              </a:rPr>
+              <a:t>)</a:t>
+            </a:r>
+            <a:r>
+              <a:rPr lang="en-US" sz="1000" dirty="0">
+                <a:solidFill>
+                  <a:srgbClr val="D9E8F7"/>
+                </a:solidFill>
+                <a:effectLst/>
+                <a:latin typeface="Consolas" panose="020B0609020204030204" pitchFamily="49" charset="0"/>
+              </a:rPr>
+              <a:t> </a:t>
+            </a:r>
+            <a:r>
+              <a:rPr lang="en-US" sz="1000" dirty="0">
+                <a:solidFill>
+                  <a:srgbClr val="E6E6FA"/>
+                </a:solidFill>
+                <a:effectLst/>
+                <a:latin typeface="Consolas" panose="020B0609020204030204" pitchFamily="49" charset="0"/>
+              </a:rPr>
+              <a:t>*</a:t>
+            </a:r>
+            <a:r>
+              <a:rPr lang="en-US" sz="1000" dirty="0">
+                <a:solidFill>
+                  <a:srgbClr val="D9E8F7"/>
+                </a:solidFill>
+                <a:effectLst/>
+                <a:latin typeface="Consolas" panose="020B0609020204030204" pitchFamily="49" charset="0"/>
+              </a:rPr>
+              <a:t> </a:t>
+            </a:r>
+            <a:r>
+              <a:rPr lang="en-US" sz="1000" dirty="0">
+                <a:solidFill>
+                  <a:srgbClr val="F9FAF4"/>
+                </a:solidFill>
+                <a:effectLst/>
+                <a:latin typeface="Consolas" panose="020B0609020204030204" pitchFamily="49" charset="0"/>
+              </a:rPr>
+              <a:t>(</a:t>
+            </a:r>
+            <a:r>
+              <a:rPr lang="en-US" sz="1000" dirty="0">
+                <a:solidFill>
+                  <a:srgbClr val="D9E8F7"/>
+                </a:solidFill>
+                <a:effectLst/>
+                <a:latin typeface="Consolas" panose="020B0609020204030204" pitchFamily="49" charset="0"/>
+              </a:rPr>
+              <a:t>y1 </a:t>
+            </a:r>
+            <a:r>
+              <a:rPr lang="en-US" sz="1000" dirty="0">
+                <a:solidFill>
+                  <a:srgbClr val="E6E6FA"/>
+                </a:solidFill>
+                <a:effectLst/>
+                <a:latin typeface="Consolas" panose="020B0609020204030204" pitchFamily="49" charset="0"/>
+              </a:rPr>
+              <a:t>-</a:t>
+            </a:r>
+            <a:r>
+              <a:rPr lang="en-US" sz="1000" dirty="0">
+                <a:solidFill>
+                  <a:srgbClr val="D9E8F7"/>
+                </a:solidFill>
+                <a:effectLst/>
+                <a:latin typeface="Consolas" panose="020B0609020204030204" pitchFamily="49" charset="0"/>
+              </a:rPr>
+              <a:t> y3</a:t>
+            </a:r>
+            <a:r>
+              <a:rPr lang="en-US" sz="1000" dirty="0">
+                <a:solidFill>
+                  <a:srgbClr val="F9FAF4"/>
+                </a:solidFill>
+                <a:effectLst/>
+                <a:latin typeface="Consolas" panose="020B0609020204030204" pitchFamily="49" charset="0"/>
+              </a:rPr>
+              <a:t>)</a:t>
+            </a:r>
+            <a:r>
+              <a:rPr lang="en-US" sz="1000" dirty="0">
+                <a:solidFill>
+                  <a:srgbClr val="D9E8F7"/>
+                </a:solidFill>
+                <a:effectLst/>
+                <a:latin typeface="Consolas" panose="020B0609020204030204" pitchFamily="49" charset="0"/>
+              </a:rPr>
+              <a:t> </a:t>
+            </a:r>
+            <a:r>
+              <a:rPr lang="en-US" sz="1000" dirty="0">
+                <a:solidFill>
+                  <a:srgbClr val="E6E6FA"/>
+                </a:solidFill>
+                <a:effectLst/>
+                <a:latin typeface="Consolas" panose="020B0609020204030204" pitchFamily="49" charset="0"/>
+              </a:rPr>
+              <a:t>-</a:t>
+            </a:r>
+            <a:r>
+              <a:rPr lang="en-US" sz="1000" dirty="0">
+                <a:solidFill>
+                  <a:srgbClr val="D9E8F7"/>
+                </a:solidFill>
+                <a:effectLst/>
+                <a:latin typeface="Consolas" panose="020B0609020204030204" pitchFamily="49" charset="0"/>
+              </a:rPr>
+              <a:t> </a:t>
+            </a:r>
+            <a:r>
+              <a:rPr lang="en-US" sz="1000" dirty="0">
+                <a:solidFill>
+                  <a:srgbClr val="F9FAF4"/>
+                </a:solidFill>
+                <a:effectLst/>
+                <a:latin typeface="Consolas" panose="020B0609020204030204" pitchFamily="49" charset="0"/>
+              </a:rPr>
+              <a:t>(</a:t>
+            </a:r>
+            <a:r>
+              <a:rPr lang="en-US" sz="1000" dirty="0">
+                <a:solidFill>
+                  <a:srgbClr val="D9E8F7"/>
+                </a:solidFill>
+                <a:effectLst/>
+                <a:latin typeface="Consolas" panose="020B0609020204030204" pitchFamily="49" charset="0"/>
+              </a:rPr>
+              <a:t>y1 </a:t>
+            </a:r>
+            <a:r>
+              <a:rPr lang="en-US" sz="1000" dirty="0">
+                <a:solidFill>
+                  <a:srgbClr val="E6E6FA"/>
+                </a:solidFill>
+                <a:effectLst/>
+                <a:latin typeface="Consolas" panose="020B0609020204030204" pitchFamily="49" charset="0"/>
+              </a:rPr>
+              <a:t>-</a:t>
+            </a:r>
+            <a:r>
+              <a:rPr lang="en-US" sz="1000" dirty="0">
+                <a:solidFill>
+                  <a:srgbClr val="D9E8F7"/>
+                </a:solidFill>
+                <a:effectLst/>
+                <a:latin typeface="Consolas" panose="020B0609020204030204" pitchFamily="49" charset="0"/>
+              </a:rPr>
+              <a:t> y2</a:t>
+            </a:r>
+            <a:r>
+              <a:rPr lang="en-US" sz="1000" dirty="0">
+                <a:solidFill>
+                  <a:srgbClr val="F9FAF4"/>
+                </a:solidFill>
+                <a:effectLst/>
+                <a:latin typeface="Consolas" panose="020B0609020204030204" pitchFamily="49" charset="0"/>
+              </a:rPr>
+              <a:t>)</a:t>
+            </a:r>
+            <a:r>
+              <a:rPr lang="en-US" sz="1000" dirty="0">
+                <a:solidFill>
+                  <a:srgbClr val="D9E8F7"/>
+                </a:solidFill>
+                <a:effectLst/>
+                <a:latin typeface="Consolas" panose="020B0609020204030204" pitchFamily="49" charset="0"/>
+              </a:rPr>
+              <a:t> </a:t>
+            </a:r>
+            <a:r>
+              <a:rPr lang="en-US" sz="1000" dirty="0">
+                <a:solidFill>
+                  <a:srgbClr val="E6E6FA"/>
+                </a:solidFill>
+                <a:effectLst/>
+                <a:latin typeface="Consolas" panose="020B0609020204030204" pitchFamily="49" charset="0"/>
+              </a:rPr>
+              <a:t>*</a:t>
+            </a:r>
+            <a:r>
+              <a:rPr lang="en-US" sz="1000" dirty="0">
+                <a:solidFill>
+                  <a:srgbClr val="D9E8F7"/>
+                </a:solidFill>
+                <a:effectLst/>
+                <a:latin typeface="Consolas" panose="020B0609020204030204" pitchFamily="49" charset="0"/>
+              </a:rPr>
+              <a:t> </a:t>
+            </a:r>
+            <a:r>
+              <a:rPr lang="en-US" sz="1000" dirty="0">
+                <a:solidFill>
+                  <a:srgbClr val="F9FAF4"/>
+                </a:solidFill>
+                <a:effectLst/>
+                <a:latin typeface="Consolas" panose="020B0609020204030204" pitchFamily="49" charset="0"/>
+              </a:rPr>
+              <a:t>(</a:t>
+            </a:r>
+            <a:r>
+              <a:rPr lang="en-US" sz="1000" dirty="0">
+                <a:solidFill>
+                  <a:srgbClr val="D9E8F7"/>
+                </a:solidFill>
+                <a:effectLst/>
+                <a:latin typeface="Consolas" panose="020B0609020204030204" pitchFamily="49" charset="0"/>
+              </a:rPr>
+              <a:t>x1 </a:t>
+            </a:r>
+            <a:r>
+              <a:rPr lang="en-US" sz="1000" dirty="0">
+                <a:solidFill>
+                  <a:srgbClr val="E6E6FA"/>
+                </a:solidFill>
+                <a:effectLst/>
+                <a:latin typeface="Consolas" panose="020B0609020204030204" pitchFamily="49" charset="0"/>
+              </a:rPr>
+              <a:t>-</a:t>
+            </a:r>
+            <a:r>
+              <a:rPr lang="en-US" sz="1000" dirty="0">
+                <a:solidFill>
+                  <a:srgbClr val="D9E8F7"/>
+                </a:solidFill>
+                <a:effectLst/>
+                <a:latin typeface="Consolas" panose="020B0609020204030204" pitchFamily="49" charset="0"/>
+              </a:rPr>
+              <a:t> x3</a:t>
+            </a:r>
+            <a:r>
+              <a:rPr lang="en-US" sz="1000" dirty="0">
+                <a:solidFill>
+                  <a:srgbClr val="F9FAF4"/>
+                </a:solidFill>
+                <a:effectLst/>
+                <a:latin typeface="Consolas" panose="020B0609020204030204" pitchFamily="49" charset="0"/>
+              </a:rPr>
+              <a:t>))</a:t>
+            </a:r>
+            <a:r>
+              <a:rPr lang="en-US" sz="1000" dirty="0">
+                <a:solidFill>
+                  <a:srgbClr val="D9E8F7"/>
+                </a:solidFill>
+                <a:effectLst/>
+                <a:latin typeface="Consolas" panose="020B0609020204030204" pitchFamily="49" charset="0"/>
+              </a:rPr>
+              <a:t> </a:t>
+            </a:r>
+            <a:r>
+              <a:rPr lang="en-US" sz="1000" dirty="0">
+                <a:solidFill>
+                  <a:srgbClr val="E6E6FA"/>
+                </a:solidFill>
+                <a:effectLst/>
+                <a:latin typeface="Consolas" panose="020B0609020204030204" pitchFamily="49" charset="0"/>
+              </a:rPr>
+              <a:t>/</a:t>
+            </a:r>
+            <a:r>
+              <a:rPr lang="en-US" sz="1000" dirty="0">
+                <a:solidFill>
+                  <a:srgbClr val="D9E8F7"/>
+                </a:solidFill>
+                <a:effectLst/>
+                <a:latin typeface="Consolas" panose="020B0609020204030204" pitchFamily="49" charset="0"/>
+              </a:rPr>
+              <a:t> denominator</a:t>
+            </a:r>
+            <a:r>
+              <a:rPr lang="en-US" sz="1000" dirty="0">
+                <a:solidFill>
+                  <a:srgbClr val="E6E6FA"/>
+                </a:solidFill>
+                <a:effectLst/>
+                <a:latin typeface="Consolas" panose="020B0609020204030204" pitchFamily="49" charset="0"/>
+              </a:rPr>
+              <a:t>;</a:t>
+            </a:r>
+            <a:endParaRPr lang="en-US" sz="1000" dirty="0">
+              <a:solidFill>
+                <a:srgbClr val="AAAAAA"/>
+              </a:solidFill>
+              <a:effectLst/>
+              <a:latin typeface="Consolas" panose="020B0609020204030204" pitchFamily="49" charset="0"/>
+            </a:endParaRPr>
+          </a:p>
+          <a:p>
+            <a:pPr marL="0" marR="0">
+              <a:spcBef>
+                <a:spcPts val="0"/>
+              </a:spcBef>
+              <a:spcAft>
+                <a:spcPts val="0"/>
+              </a:spcAft>
+            </a:pPr>
+            <a:br>
+              <a:rPr lang="en-US" sz="1000" dirty="0">
+                <a:solidFill>
+                  <a:srgbClr val="AAAAAA"/>
+                </a:solidFill>
+                <a:effectLst/>
+                <a:latin typeface="Consolas" panose="020B0609020204030204" pitchFamily="49" charset="0"/>
+              </a:rPr>
+            </a:br>
+            <a:endParaRPr lang="en-US" sz="1000" dirty="0">
+              <a:solidFill>
+                <a:srgbClr val="AAAAAA"/>
+              </a:solidFill>
+              <a:effectLst/>
+              <a:latin typeface="Consolas" panose="020B0609020204030204" pitchFamily="49" charset="0"/>
+            </a:endParaRPr>
+          </a:p>
+          <a:p>
+            <a:pPr marL="0" marR="0">
+              <a:spcBef>
+                <a:spcPts val="0"/>
+              </a:spcBef>
+              <a:spcAft>
+                <a:spcPts val="0"/>
+              </a:spcAft>
+            </a:pPr>
+            <a:r>
+              <a:rPr lang="en-US" sz="1000" dirty="0">
+                <a:solidFill>
+                  <a:srgbClr val="808080"/>
+                </a:solidFill>
+                <a:effectLst/>
+                <a:latin typeface="Consolas" panose="020B0609020204030204" pitchFamily="49" charset="0"/>
+              </a:rPr>
+              <a:t>// Check if the intersection point is within the line segments</a:t>
+            </a:r>
+            <a:endParaRPr lang="en-US" sz="1000" dirty="0">
+              <a:solidFill>
+                <a:srgbClr val="AAAAAA"/>
+              </a:solidFill>
+              <a:effectLst/>
+              <a:latin typeface="Consolas" panose="020B0609020204030204" pitchFamily="49" charset="0"/>
+            </a:endParaRPr>
+          </a:p>
+          <a:p>
+            <a:pPr marL="0" marR="0">
+              <a:spcBef>
+                <a:spcPts val="0"/>
+              </a:spcBef>
+              <a:spcAft>
+                <a:spcPts val="0"/>
+              </a:spcAft>
+            </a:pPr>
+            <a:r>
+              <a:rPr lang="en-US" sz="1000" dirty="0">
+                <a:solidFill>
+                  <a:srgbClr val="CC6C1D"/>
+                </a:solidFill>
+                <a:effectLst/>
+                <a:latin typeface="Consolas" panose="020B0609020204030204" pitchFamily="49" charset="0"/>
+              </a:rPr>
+              <a:t>if</a:t>
+            </a:r>
+            <a:r>
+              <a:rPr lang="en-US" sz="1000" dirty="0">
+                <a:solidFill>
+                  <a:srgbClr val="D9E8F7"/>
+                </a:solidFill>
+                <a:effectLst/>
+                <a:latin typeface="Consolas" panose="020B0609020204030204" pitchFamily="49" charset="0"/>
+              </a:rPr>
+              <a:t> </a:t>
+            </a:r>
+            <a:r>
+              <a:rPr lang="en-US" sz="1000" dirty="0">
+                <a:solidFill>
+                  <a:srgbClr val="F9FAF4"/>
+                </a:solidFill>
+                <a:effectLst/>
+                <a:latin typeface="Consolas" panose="020B0609020204030204" pitchFamily="49" charset="0"/>
+              </a:rPr>
+              <a:t>(</a:t>
+            </a:r>
+            <a:r>
+              <a:rPr lang="en-US" sz="1000" dirty="0">
+                <a:solidFill>
+                  <a:srgbClr val="D9E8F7"/>
+                </a:solidFill>
+                <a:effectLst/>
+                <a:latin typeface="Consolas" panose="020B0609020204030204" pitchFamily="49" charset="0"/>
+              </a:rPr>
+              <a:t>t </a:t>
+            </a:r>
+            <a:r>
+              <a:rPr lang="en-US" sz="1000" dirty="0">
+                <a:solidFill>
+                  <a:srgbClr val="E6E6FA"/>
+                </a:solidFill>
+                <a:effectLst/>
+                <a:latin typeface="Consolas" panose="020B0609020204030204" pitchFamily="49" charset="0"/>
+              </a:rPr>
+              <a:t>&gt;=</a:t>
+            </a:r>
+            <a:r>
+              <a:rPr lang="en-US" sz="1000" dirty="0">
+                <a:solidFill>
+                  <a:srgbClr val="D9E8F7"/>
+                </a:solidFill>
+                <a:effectLst/>
+                <a:latin typeface="Consolas" panose="020B0609020204030204" pitchFamily="49" charset="0"/>
+              </a:rPr>
+              <a:t> 0 </a:t>
+            </a:r>
+            <a:r>
+              <a:rPr lang="en-US" sz="1000" dirty="0">
+                <a:solidFill>
+                  <a:srgbClr val="E6E6FA"/>
+                </a:solidFill>
+                <a:effectLst/>
+                <a:latin typeface="Consolas" panose="020B0609020204030204" pitchFamily="49" charset="0"/>
+              </a:rPr>
+              <a:t>&amp;&amp;</a:t>
+            </a:r>
+            <a:r>
+              <a:rPr lang="en-US" sz="1000" dirty="0">
+                <a:solidFill>
+                  <a:srgbClr val="D9E8F7"/>
+                </a:solidFill>
+                <a:effectLst/>
+                <a:latin typeface="Consolas" panose="020B0609020204030204" pitchFamily="49" charset="0"/>
+              </a:rPr>
+              <a:t> t </a:t>
+            </a:r>
+            <a:r>
+              <a:rPr lang="en-US" sz="1000" dirty="0">
+                <a:solidFill>
+                  <a:srgbClr val="E6E6FA"/>
+                </a:solidFill>
+                <a:effectLst/>
+                <a:latin typeface="Consolas" panose="020B0609020204030204" pitchFamily="49" charset="0"/>
+              </a:rPr>
+              <a:t>&lt;=</a:t>
+            </a:r>
+            <a:r>
+              <a:rPr lang="en-US" sz="1000" dirty="0">
+                <a:solidFill>
+                  <a:srgbClr val="D9E8F7"/>
+                </a:solidFill>
+                <a:effectLst/>
+                <a:latin typeface="Consolas" panose="020B0609020204030204" pitchFamily="49" charset="0"/>
+              </a:rPr>
+              <a:t> 1 </a:t>
+            </a:r>
+            <a:r>
+              <a:rPr lang="en-US" sz="1000" dirty="0">
+                <a:solidFill>
+                  <a:srgbClr val="E6E6FA"/>
+                </a:solidFill>
+                <a:effectLst/>
+                <a:latin typeface="Consolas" panose="020B0609020204030204" pitchFamily="49" charset="0"/>
+              </a:rPr>
+              <a:t>&amp;&amp;</a:t>
+            </a:r>
+            <a:r>
+              <a:rPr lang="en-US" sz="1000" dirty="0">
+                <a:solidFill>
+                  <a:srgbClr val="D9E8F7"/>
+                </a:solidFill>
+                <a:effectLst/>
+                <a:latin typeface="Consolas" panose="020B0609020204030204" pitchFamily="49" charset="0"/>
+              </a:rPr>
+              <a:t> u </a:t>
+            </a:r>
+            <a:r>
+              <a:rPr lang="en-US" sz="1000" dirty="0">
+                <a:solidFill>
+                  <a:srgbClr val="E6E6FA"/>
+                </a:solidFill>
+                <a:effectLst/>
+                <a:latin typeface="Consolas" panose="020B0609020204030204" pitchFamily="49" charset="0"/>
+              </a:rPr>
+              <a:t>&gt;=</a:t>
+            </a:r>
+            <a:r>
+              <a:rPr lang="en-US" sz="1000" dirty="0">
+                <a:solidFill>
+                  <a:srgbClr val="D9E8F7"/>
+                </a:solidFill>
+                <a:effectLst/>
+                <a:latin typeface="Consolas" panose="020B0609020204030204" pitchFamily="49" charset="0"/>
+              </a:rPr>
+              <a:t> 0 </a:t>
+            </a:r>
+            <a:r>
+              <a:rPr lang="en-US" sz="1000" dirty="0">
+                <a:solidFill>
+                  <a:srgbClr val="E6E6FA"/>
+                </a:solidFill>
+                <a:effectLst/>
+                <a:latin typeface="Consolas" panose="020B0609020204030204" pitchFamily="49" charset="0"/>
+              </a:rPr>
+              <a:t>&amp;&amp;</a:t>
+            </a:r>
+            <a:r>
+              <a:rPr lang="en-US" sz="1000" dirty="0">
+                <a:solidFill>
+                  <a:srgbClr val="D9E8F7"/>
+                </a:solidFill>
+                <a:effectLst/>
+                <a:latin typeface="Consolas" panose="020B0609020204030204" pitchFamily="49" charset="0"/>
+              </a:rPr>
+              <a:t> u </a:t>
+            </a:r>
+            <a:r>
+              <a:rPr lang="en-US" sz="1000" dirty="0">
+                <a:solidFill>
+                  <a:srgbClr val="E6E6FA"/>
+                </a:solidFill>
+                <a:effectLst/>
+                <a:latin typeface="Consolas" panose="020B0609020204030204" pitchFamily="49" charset="0"/>
+              </a:rPr>
+              <a:t>&lt;=</a:t>
+            </a:r>
+            <a:r>
+              <a:rPr lang="en-US" sz="1000" dirty="0">
+                <a:solidFill>
+                  <a:srgbClr val="D9E8F7"/>
+                </a:solidFill>
+                <a:effectLst/>
+                <a:latin typeface="Consolas" panose="020B0609020204030204" pitchFamily="49" charset="0"/>
+              </a:rPr>
+              <a:t> 1</a:t>
+            </a:r>
+            <a:r>
+              <a:rPr lang="en-US" sz="1000" dirty="0">
+                <a:solidFill>
+                  <a:srgbClr val="F9FAF4"/>
+                </a:solidFill>
+                <a:effectLst/>
+                <a:latin typeface="Consolas" panose="020B0609020204030204" pitchFamily="49" charset="0"/>
+              </a:rPr>
+              <a:t>)</a:t>
+            </a:r>
+            <a:r>
+              <a:rPr lang="en-US" sz="1000" dirty="0">
+                <a:solidFill>
+                  <a:srgbClr val="D9E8F7"/>
+                </a:solidFill>
+                <a:effectLst/>
+                <a:latin typeface="Consolas" panose="020B0609020204030204" pitchFamily="49" charset="0"/>
+              </a:rPr>
+              <a:t> </a:t>
+            </a:r>
+            <a:r>
+              <a:rPr lang="en-US" sz="1000" dirty="0">
+                <a:solidFill>
+                  <a:srgbClr val="F9FAF4"/>
+                </a:solidFill>
+                <a:effectLst/>
+                <a:latin typeface="Consolas" panose="020B0609020204030204" pitchFamily="49" charset="0"/>
+              </a:rPr>
+              <a:t>{</a:t>
+            </a:r>
+            <a:endParaRPr lang="en-US" sz="1000" dirty="0">
+              <a:solidFill>
+                <a:srgbClr val="AAAAAA"/>
+              </a:solidFill>
+              <a:effectLst/>
+              <a:latin typeface="Consolas" panose="020B0609020204030204" pitchFamily="49" charset="0"/>
+            </a:endParaRPr>
+          </a:p>
+          <a:p>
+            <a:pPr marL="0" marR="0">
+              <a:spcBef>
+                <a:spcPts val="0"/>
+              </a:spcBef>
+              <a:spcAft>
+                <a:spcPts val="0"/>
+              </a:spcAft>
+            </a:pPr>
+            <a:r>
+              <a:rPr lang="en-US" sz="1000" dirty="0">
+                <a:solidFill>
+                  <a:srgbClr val="D9E8F7"/>
+                </a:solidFill>
+                <a:effectLst/>
+                <a:latin typeface="Consolas" panose="020B0609020204030204" pitchFamily="49" charset="0"/>
+              </a:rPr>
+              <a:t>intersection</a:t>
+            </a:r>
+            <a:r>
+              <a:rPr lang="en-US" sz="1000" dirty="0">
+                <a:solidFill>
+                  <a:srgbClr val="F9FAF4"/>
+                </a:solidFill>
+                <a:effectLst/>
+                <a:latin typeface="Consolas" panose="020B0609020204030204" pitchFamily="49" charset="0"/>
+              </a:rPr>
+              <a:t>[</a:t>
+            </a:r>
+            <a:r>
+              <a:rPr lang="en-US" sz="1000" dirty="0">
+                <a:solidFill>
+                  <a:srgbClr val="D9E8F7"/>
+                </a:solidFill>
+                <a:effectLst/>
+                <a:latin typeface="Consolas" panose="020B0609020204030204" pitchFamily="49" charset="0"/>
+              </a:rPr>
+              <a:t>0</a:t>
+            </a:r>
+            <a:r>
+              <a:rPr lang="en-US" sz="1000" dirty="0">
+                <a:solidFill>
+                  <a:srgbClr val="F9FAF4"/>
+                </a:solidFill>
+                <a:effectLst/>
+                <a:latin typeface="Consolas" panose="020B0609020204030204" pitchFamily="49" charset="0"/>
+              </a:rPr>
+              <a:t>]</a:t>
+            </a:r>
+            <a:r>
+              <a:rPr lang="en-US" sz="1000" dirty="0">
+                <a:solidFill>
+                  <a:srgbClr val="D9E8F7"/>
+                </a:solidFill>
+                <a:effectLst/>
+                <a:latin typeface="Consolas" panose="020B0609020204030204" pitchFamily="49" charset="0"/>
+              </a:rPr>
+              <a:t> </a:t>
+            </a:r>
+            <a:r>
+              <a:rPr lang="en-US" sz="1000" dirty="0">
+                <a:solidFill>
+                  <a:srgbClr val="E6E6FA"/>
+                </a:solidFill>
+                <a:effectLst/>
+                <a:latin typeface="Consolas" panose="020B0609020204030204" pitchFamily="49" charset="0"/>
+              </a:rPr>
+              <a:t>=</a:t>
+            </a:r>
+            <a:r>
+              <a:rPr lang="en-US" sz="1000" dirty="0">
+                <a:solidFill>
+                  <a:srgbClr val="D9E8F7"/>
+                </a:solidFill>
+                <a:effectLst/>
+                <a:latin typeface="Consolas" panose="020B0609020204030204" pitchFamily="49" charset="0"/>
+              </a:rPr>
+              <a:t> x1 </a:t>
+            </a:r>
+            <a:r>
+              <a:rPr lang="en-US" sz="1000" dirty="0">
+                <a:solidFill>
+                  <a:srgbClr val="E6E6FA"/>
+                </a:solidFill>
+                <a:effectLst/>
+                <a:latin typeface="Consolas" panose="020B0609020204030204" pitchFamily="49" charset="0"/>
+              </a:rPr>
+              <a:t>+</a:t>
+            </a:r>
+            <a:r>
+              <a:rPr lang="en-US" sz="1000" dirty="0">
+                <a:solidFill>
+                  <a:srgbClr val="D9E8F7"/>
+                </a:solidFill>
+                <a:effectLst/>
+                <a:latin typeface="Consolas" panose="020B0609020204030204" pitchFamily="49" charset="0"/>
+              </a:rPr>
+              <a:t> t </a:t>
+            </a:r>
+            <a:r>
+              <a:rPr lang="en-US" sz="1000" dirty="0">
+                <a:solidFill>
+                  <a:srgbClr val="E6E6FA"/>
+                </a:solidFill>
+                <a:effectLst/>
+                <a:latin typeface="Consolas" panose="020B0609020204030204" pitchFamily="49" charset="0"/>
+              </a:rPr>
+              <a:t>*</a:t>
+            </a:r>
+            <a:r>
+              <a:rPr lang="en-US" sz="1000" dirty="0">
+                <a:solidFill>
+                  <a:srgbClr val="D9E8F7"/>
+                </a:solidFill>
+                <a:effectLst/>
+                <a:latin typeface="Consolas" panose="020B0609020204030204" pitchFamily="49" charset="0"/>
+              </a:rPr>
+              <a:t> </a:t>
+            </a:r>
+            <a:r>
+              <a:rPr lang="en-US" sz="1000" dirty="0">
+                <a:solidFill>
+                  <a:srgbClr val="F9FAF4"/>
+                </a:solidFill>
+                <a:effectLst/>
+                <a:latin typeface="Consolas" panose="020B0609020204030204" pitchFamily="49" charset="0"/>
+              </a:rPr>
+              <a:t>(</a:t>
+            </a:r>
+            <a:r>
+              <a:rPr lang="en-US" sz="1000" dirty="0">
+                <a:solidFill>
+                  <a:srgbClr val="D9E8F7"/>
+                </a:solidFill>
+                <a:effectLst/>
+                <a:latin typeface="Consolas" panose="020B0609020204030204" pitchFamily="49" charset="0"/>
+              </a:rPr>
+              <a:t>x2 </a:t>
+            </a:r>
+            <a:r>
+              <a:rPr lang="en-US" sz="1000" dirty="0">
+                <a:solidFill>
+                  <a:srgbClr val="E6E6FA"/>
+                </a:solidFill>
+                <a:effectLst/>
+                <a:latin typeface="Consolas" panose="020B0609020204030204" pitchFamily="49" charset="0"/>
+              </a:rPr>
+              <a:t>-</a:t>
+            </a:r>
+            <a:r>
+              <a:rPr lang="en-US" sz="1000" dirty="0">
+                <a:solidFill>
+                  <a:srgbClr val="D9E8F7"/>
+                </a:solidFill>
+                <a:effectLst/>
+                <a:latin typeface="Consolas" panose="020B0609020204030204" pitchFamily="49" charset="0"/>
+              </a:rPr>
+              <a:t> x1</a:t>
+            </a:r>
+            <a:r>
+              <a:rPr lang="en-US" sz="1000" dirty="0">
+                <a:solidFill>
+                  <a:srgbClr val="F9FAF4"/>
+                </a:solidFill>
+                <a:effectLst/>
+                <a:latin typeface="Consolas" panose="020B0609020204030204" pitchFamily="49" charset="0"/>
+              </a:rPr>
+              <a:t>)</a:t>
+            </a:r>
+            <a:r>
+              <a:rPr lang="en-US" sz="1000" dirty="0">
+                <a:solidFill>
+                  <a:srgbClr val="E6E6FA"/>
+                </a:solidFill>
+                <a:effectLst/>
+                <a:latin typeface="Consolas" panose="020B0609020204030204" pitchFamily="49" charset="0"/>
+              </a:rPr>
+              <a:t>;</a:t>
+            </a:r>
+            <a:endParaRPr lang="en-US" sz="1000" dirty="0">
+              <a:solidFill>
+                <a:srgbClr val="AAAAAA"/>
+              </a:solidFill>
+              <a:effectLst/>
+              <a:latin typeface="Consolas" panose="020B0609020204030204" pitchFamily="49" charset="0"/>
+            </a:endParaRPr>
+          </a:p>
+          <a:p>
+            <a:pPr marL="0" marR="0">
+              <a:spcBef>
+                <a:spcPts val="0"/>
+              </a:spcBef>
+              <a:spcAft>
+                <a:spcPts val="0"/>
+              </a:spcAft>
+            </a:pPr>
+            <a:r>
+              <a:rPr lang="en-US" sz="1000" dirty="0">
+                <a:solidFill>
+                  <a:srgbClr val="D9E8F7"/>
+                </a:solidFill>
+                <a:effectLst/>
+                <a:latin typeface="Consolas" panose="020B0609020204030204" pitchFamily="49" charset="0"/>
+              </a:rPr>
+              <a:t>intersection</a:t>
+            </a:r>
+            <a:r>
+              <a:rPr lang="en-US" sz="1000" dirty="0">
+                <a:solidFill>
+                  <a:srgbClr val="F9FAF4"/>
+                </a:solidFill>
+                <a:effectLst/>
+                <a:latin typeface="Consolas" panose="020B0609020204030204" pitchFamily="49" charset="0"/>
+              </a:rPr>
+              <a:t>[</a:t>
+            </a:r>
+            <a:r>
+              <a:rPr lang="en-US" sz="1000" dirty="0">
+                <a:solidFill>
+                  <a:srgbClr val="D9E8F7"/>
+                </a:solidFill>
+                <a:effectLst/>
+                <a:latin typeface="Consolas" panose="020B0609020204030204" pitchFamily="49" charset="0"/>
+              </a:rPr>
+              <a:t>1</a:t>
+            </a:r>
+            <a:r>
+              <a:rPr lang="en-US" sz="1000" dirty="0">
+                <a:solidFill>
+                  <a:srgbClr val="F9FAF4"/>
+                </a:solidFill>
+                <a:effectLst/>
+                <a:latin typeface="Consolas" panose="020B0609020204030204" pitchFamily="49" charset="0"/>
+              </a:rPr>
+              <a:t>]</a:t>
+            </a:r>
+            <a:r>
+              <a:rPr lang="en-US" sz="1000" dirty="0">
+                <a:solidFill>
+                  <a:srgbClr val="D9E8F7"/>
+                </a:solidFill>
+                <a:effectLst/>
+                <a:latin typeface="Consolas" panose="020B0609020204030204" pitchFamily="49" charset="0"/>
+              </a:rPr>
+              <a:t> </a:t>
+            </a:r>
+            <a:r>
+              <a:rPr lang="en-US" sz="1000" dirty="0">
+                <a:solidFill>
+                  <a:srgbClr val="E6E6FA"/>
+                </a:solidFill>
+                <a:effectLst/>
+                <a:latin typeface="Consolas" panose="020B0609020204030204" pitchFamily="49" charset="0"/>
+              </a:rPr>
+              <a:t>=</a:t>
+            </a:r>
+            <a:r>
+              <a:rPr lang="en-US" sz="1000" dirty="0">
+                <a:solidFill>
+                  <a:srgbClr val="D9E8F7"/>
+                </a:solidFill>
+                <a:effectLst/>
+                <a:latin typeface="Consolas" panose="020B0609020204030204" pitchFamily="49" charset="0"/>
+              </a:rPr>
+              <a:t> y1 </a:t>
+            </a:r>
+            <a:r>
+              <a:rPr lang="en-US" sz="1000" dirty="0">
+                <a:solidFill>
+                  <a:srgbClr val="E6E6FA"/>
+                </a:solidFill>
+                <a:effectLst/>
+                <a:latin typeface="Consolas" panose="020B0609020204030204" pitchFamily="49" charset="0"/>
+              </a:rPr>
+              <a:t>+</a:t>
+            </a:r>
+            <a:r>
+              <a:rPr lang="en-US" sz="1000" dirty="0">
+                <a:solidFill>
+                  <a:srgbClr val="D9E8F7"/>
+                </a:solidFill>
+                <a:effectLst/>
+                <a:latin typeface="Consolas" panose="020B0609020204030204" pitchFamily="49" charset="0"/>
+              </a:rPr>
+              <a:t> t </a:t>
+            </a:r>
+            <a:r>
+              <a:rPr lang="en-US" sz="1000" dirty="0">
+                <a:solidFill>
+                  <a:srgbClr val="E6E6FA"/>
+                </a:solidFill>
+                <a:effectLst/>
+                <a:latin typeface="Consolas" panose="020B0609020204030204" pitchFamily="49" charset="0"/>
+              </a:rPr>
+              <a:t>*</a:t>
+            </a:r>
+            <a:r>
+              <a:rPr lang="en-US" sz="1000" dirty="0">
+                <a:solidFill>
+                  <a:srgbClr val="D9E8F7"/>
+                </a:solidFill>
+                <a:effectLst/>
+                <a:latin typeface="Consolas" panose="020B0609020204030204" pitchFamily="49" charset="0"/>
+              </a:rPr>
+              <a:t> </a:t>
+            </a:r>
+            <a:r>
+              <a:rPr lang="en-US" sz="1000" dirty="0">
+                <a:solidFill>
+                  <a:srgbClr val="F9FAF4"/>
+                </a:solidFill>
+                <a:effectLst/>
+                <a:latin typeface="Consolas" panose="020B0609020204030204" pitchFamily="49" charset="0"/>
+              </a:rPr>
+              <a:t>(</a:t>
+            </a:r>
+            <a:r>
+              <a:rPr lang="en-US" sz="1000" dirty="0">
+                <a:solidFill>
+                  <a:srgbClr val="D9E8F7"/>
+                </a:solidFill>
+                <a:effectLst/>
+                <a:latin typeface="Consolas" panose="020B0609020204030204" pitchFamily="49" charset="0"/>
+              </a:rPr>
+              <a:t>y2 </a:t>
+            </a:r>
+            <a:r>
+              <a:rPr lang="en-US" sz="1000" dirty="0">
+                <a:solidFill>
+                  <a:srgbClr val="E6E6FA"/>
+                </a:solidFill>
+                <a:effectLst/>
+                <a:latin typeface="Consolas" panose="020B0609020204030204" pitchFamily="49" charset="0"/>
+              </a:rPr>
+              <a:t>-</a:t>
+            </a:r>
+            <a:r>
+              <a:rPr lang="en-US" sz="1000" dirty="0">
+                <a:solidFill>
+                  <a:srgbClr val="D9E8F7"/>
+                </a:solidFill>
+                <a:effectLst/>
+                <a:latin typeface="Consolas" panose="020B0609020204030204" pitchFamily="49" charset="0"/>
+              </a:rPr>
+              <a:t> y1</a:t>
+            </a:r>
+            <a:r>
+              <a:rPr lang="en-US" sz="1000" dirty="0">
+                <a:solidFill>
+                  <a:srgbClr val="F9FAF4"/>
+                </a:solidFill>
+                <a:effectLst/>
+                <a:latin typeface="Consolas" panose="020B0609020204030204" pitchFamily="49" charset="0"/>
+              </a:rPr>
+              <a:t>)</a:t>
+            </a:r>
+            <a:r>
+              <a:rPr lang="en-US" sz="1000" dirty="0">
+                <a:solidFill>
+                  <a:srgbClr val="E6E6FA"/>
+                </a:solidFill>
+                <a:effectLst/>
+                <a:latin typeface="Consolas" panose="020B0609020204030204" pitchFamily="49" charset="0"/>
+              </a:rPr>
+              <a:t>;</a:t>
+            </a:r>
+            <a:endParaRPr lang="en-US" sz="1000" dirty="0">
+              <a:solidFill>
+                <a:srgbClr val="AAAAAA"/>
+              </a:solidFill>
+              <a:effectLst/>
+              <a:latin typeface="Consolas" panose="020B0609020204030204" pitchFamily="49" charset="0"/>
+            </a:endParaRPr>
+          </a:p>
+          <a:p>
+            <a:pPr marL="0" marR="0">
+              <a:spcBef>
+                <a:spcPts val="0"/>
+              </a:spcBef>
+              <a:spcAft>
+                <a:spcPts val="0"/>
+              </a:spcAft>
+            </a:pPr>
+            <a:r>
+              <a:rPr lang="en-US" sz="1000" dirty="0">
+                <a:solidFill>
+                  <a:srgbClr val="CC6C1D"/>
+                </a:solidFill>
+                <a:effectLst/>
+                <a:latin typeface="Consolas" panose="020B0609020204030204" pitchFamily="49" charset="0"/>
+              </a:rPr>
+              <a:t>return</a:t>
+            </a:r>
+            <a:r>
+              <a:rPr lang="en-US" sz="1000" dirty="0">
+                <a:solidFill>
+                  <a:srgbClr val="D9E8F7"/>
+                </a:solidFill>
+                <a:effectLst/>
+                <a:latin typeface="Consolas" panose="020B0609020204030204" pitchFamily="49" charset="0"/>
+              </a:rPr>
+              <a:t> intersection</a:t>
+            </a:r>
+            <a:r>
+              <a:rPr lang="en-US" sz="1000" dirty="0">
+                <a:solidFill>
+                  <a:srgbClr val="E6E6FA"/>
+                </a:solidFill>
+                <a:effectLst/>
+                <a:latin typeface="Consolas" panose="020B0609020204030204" pitchFamily="49" charset="0"/>
+              </a:rPr>
+              <a:t>;</a:t>
+            </a:r>
+            <a:endParaRPr lang="en-US" sz="1000" dirty="0">
+              <a:solidFill>
+                <a:srgbClr val="AAAAAA"/>
+              </a:solidFill>
+              <a:effectLst/>
+              <a:latin typeface="Consolas" panose="020B0609020204030204" pitchFamily="49" charset="0"/>
+            </a:endParaRPr>
+          </a:p>
+          <a:p>
+            <a:pPr marL="0" marR="0">
+              <a:spcBef>
+                <a:spcPts val="0"/>
+              </a:spcBef>
+              <a:spcAft>
+                <a:spcPts val="0"/>
+              </a:spcAft>
+            </a:pPr>
+            <a:r>
+              <a:rPr lang="en-US" sz="1000" dirty="0">
+                <a:solidFill>
+                  <a:srgbClr val="F9FAF4"/>
+                </a:solidFill>
+                <a:effectLst/>
+                <a:latin typeface="Consolas" panose="020B0609020204030204" pitchFamily="49" charset="0"/>
+              </a:rPr>
+              <a:t>}</a:t>
+            </a:r>
+            <a:r>
+              <a:rPr lang="en-US" sz="1000" dirty="0">
+                <a:solidFill>
+                  <a:srgbClr val="D9E8F7"/>
+                </a:solidFill>
+                <a:effectLst/>
+                <a:latin typeface="Consolas" panose="020B0609020204030204" pitchFamily="49" charset="0"/>
+              </a:rPr>
+              <a:t> </a:t>
+            </a:r>
+            <a:r>
+              <a:rPr lang="en-US" sz="1000" dirty="0">
+                <a:solidFill>
+                  <a:srgbClr val="CC6C1D"/>
+                </a:solidFill>
+                <a:effectLst/>
+                <a:latin typeface="Consolas" panose="020B0609020204030204" pitchFamily="49" charset="0"/>
+              </a:rPr>
+              <a:t>else</a:t>
+            </a:r>
+            <a:r>
+              <a:rPr lang="en-US" sz="1000" dirty="0">
+                <a:solidFill>
+                  <a:srgbClr val="D9E8F7"/>
+                </a:solidFill>
+                <a:effectLst/>
+                <a:latin typeface="Consolas" panose="020B0609020204030204" pitchFamily="49" charset="0"/>
+              </a:rPr>
+              <a:t> </a:t>
+            </a:r>
+            <a:r>
+              <a:rPr lang="en-US" sz="1000" dirty="0">
+                <a:solidFill>
+                  <a:srgbClr val="F9FAF4"/>
+                </a:solidFill>
+                <a:effectLst/>
+                <a:latin typeface="Consolas" panose="020B0609020204030204" pitchFamily="49" charset="0"/>
+              </a:rPr>
+              <a:t>{</a:t>
+            </a:r>
+            <a:endParaRPr lang="en-US" sz="1000" dirty="0">
+              <a:solidFill>
+                <a:srgbClr val="AAAAAA"/>
+              </a:solidFill>
+              <a:effectLst/>
+              <a:latin typeface="Consolas" panose="020B0609020204030204" pitchFamily="49" charset="0"/>
+            </a:endParaRPr>
+          </a:p>
+          <a:p>
+            <a:pPr marL="0" marR="0">
+              <a:spcBef>
+                <a:spcPts val="0"/>
+              </a:spcBef>
+              <a:spcAft>
+                <a:spcPts val="0"/>
+              </a:spcAft>
+            </a:pPr>
+            <a:r>
+              <a:rPr lang="en-US" sz="1000" dirty="0">
+                <a:solidFill>
+                  <a:srgbClr val="CC6C1D"/>
+                </a:solidFill>
+                <a:effectLst/>
+                <a:latin typeface="Consolas" panose="020B0609020204030204" pitchFamily="49" charset="0"/>
+              </a:rPr>
+              <a:t>return</a:t>
+            </a:r>
+            <a:r>
+              <a:rPr lang="en-US" sz="1000" dirty="0">
+                <a:solidFill>
+                  <a:srgbClr val="D9E8F7"/>
+                </a:solidFill>
+                <a:effectLst/>
+                <a:latin typeface="Consolas" panose="020B0609020204030204" pitchFamily="49" charset="0"/>
+              </a:rPr>
+              <a:t> </a:t>
+            </a:r>
+            <a:r>
+              <a:rPr lang="en-US" sz="1000" dirty="0">
+                <a:solidFill>
+                  <a:srgbClr val="CC6C1D"/>
+                </a:solidFill>
+                <a:effectLst/>
+                <a:latin typeface="Consolas" panose="020B0609020204030204" pitchFamily="49" charset="0"/>
+              </a:rPr>
+              <a:t>null</a:t>
+            </a:r>
+            <a:r>
+              <a:rPr lang="en-US" sz="1000" dirty="0">
+                <a:solidFill>
+                  <a:srgbClr val="E6E6FA"/>
+                </a:solidFill>
+                <a:effectLst/>
+                <a:latin typeface="Consolas" panose="020B0609020204030204" pitchFamily="49" charset="0"/>
+              </a:rPr>
+              <a:t>;</a:t>
+            </a:r>
+            <a:r>
+              <a:rPr lang="en-US" sz="1000" dirty="0">
+                <a:solidFill>
+                  <a:srgbClr val="D9E8F7"/>
+                </a:solidFill>
+                <a:effectLst/>
+                <a:latin typeface="Consolas" panose="020B0609020204030204" pitchFamily="49" charset="0"/>
+              </a:rPr>
+              <a:t> </a:t>
+            </a:r>
+            <a:r>
+              <a:rPr lang="en-US" sz="1000" dirty="0">
+                <a:solidFill>
+                  <a:srgbClr val="808080"/>
+                </a:solidFill>
+                <a:effectLst/>
+                <a:latin typeface="Consolas" panose="020B0609020204030204" pitchFamily="49" charset="0"/>
+              </a:rPr>
+              <a:t>// Intersection is outside the line segments</a:t>
+            </a:r>
+            <a:endParaRPr lang="en-US" sz="1000" dirty="0">
+              <a:solidFill>
+                <a:srgbClr val="AAAAAA"/>
+              </a:solidFill>
+              <a:effectLst/>
+              <a:latin typeface="Consolas" panose="020B0609020204030204" pitchFamily="49" charset="0"/>
+            </a:endParaRPr>
+          </a:p>
+          <a:p>
+            <a:pPr marL="0" marR="0">
+              <a:spcBef>
+                <a:spcPts val="0"/>
+              </a:spcBef>
+              <a:spcAft>
+                <a:spcPts val="0"/>
+              </a:spcAft>
+            </a:pPr>
+            <a:r>
+              <a:rPr lang="en-US" sz="1000" dirty="0">
+                <a:solidFill>
+                  <a:srgbClr val="F9FAF4"/>
+                </a:solidFill>
+                <a:effectLst/>
+                <a:latin typeface="Consolas" panose="020B0609020204030204" pitchFamily="49" charset="0"/>
+              </a:rPr>
+              <a:t>}</a:t>
+            </a:r>
+            <a:endParaRPr lang="en-US" sz="1000" dirty="0">
+              <a:solidFill>
+                <a:srgbClr val="AAAAAA"/>
+              </a:solidFill>
+              <a:effectLst/>
+              <a:latin typeface="Consolas" panose="020B0609020204030204" pitchFamily="49" charset="0"/>
+            </a:endParaRPr>
+          </a:p>
+          <a:p>
+            <a:pPr marL="0" marR="0">
+              <a:spcBef>
+                <a:spcPts val="0"/>
+              </a:spcBef>
+              <a:spcAft>
+                <a:spcPts val="0"/>
+              </a:spcAft>
+            </a:pPr>
+            <a:r>
+              <a:rPr lang="en-US" sz="1000" dirty="0">
+                <a:solidFill>
+                  <a:srgbClr val="F9FAF4"/>
+                </a:solidFill>
+                <a:effectLst/>
+                <a:latin typeface="Consolas" panose="020B0609020204030204" pitchFamily="49" charset="0"/>
+              </a:rPr>
+              <a:t>}</a:t>
+            </a:r>
+            <a:endParaRPr lang="en-US" sz="1000" dirty="0">
+              <a:solidFill>
+                <a:srgbClr val="AAAAAA"/>
+              </a:solidFill>
+              <a:effectLst/>
+              <a:latin typeface="Consolas" panose="020B0609020204030204" pitchFamily="49" charset="0"/>
+            </a:endParaRPr>
+          </a:p>
+          <a:p>
+            <a:endParaRPr lang="en-GB" sz="200" dirty="0"/>
+          </a:p>
+        </p:txBody>
+      </p:sp>
+      <p:sp>
+        <p:nvSpPr>
+          <p:cNvPr id="5" name="Titre 4">
+            <a:extLst>
+              <a:ext uri="{FF2B5EF4-FFF2-40B4-BE49-F238E27FC236}">
+                <a16:creationId xmlns:a16="http://schemas.microsoft.com/office/drawing/2014/main" id="{B1CAC3B8-9487-5E69-EDBB-DA839A927FDE}"/>
               </a:ext>
             </a:extLst>
           </p:cNvPr>
@@ -8302,7 +11303,7 @@
             <a:spLocks noGrp="1"/>
           </p:cNvSpPr>
           <p:nvPr>
-            <p:ph type="ctrTitle"/>
+            <p:ph type="title"/>
           </p:nvPr>
         </p:nvSpPr>
         <p:spPr/>
@@ -8311,33 +11312,136 @@
           <a:lstStyle/>
           <a:p>
             <a:r>
-              <a:rPr lang="en-GB" dirty="0"/>
-              <a:t>Background design</a:t>
-            </a:r>
-          </a:p>
-        </p:txBody>
-      </p:sp>
-      <p:sp>
-        <p:nvSpPr>
-          <p:cNvPr id="3" name="Sous-titre 2">
-            <a:extLst>
-              <a:ext uri="{FF2B5EF4-FFF2-40B4-BE49-F238E27FC236}">
-                <a16:creationId xmlns:a16="http://schemas.microsoft.com/office/drawing/2014/main" id="{73306BEB-D201-F3A3-8C2C-C6A29E925C38}"/>
-              </a:ext>
-            </a:extLst>
-          </p:cNvPr>
-          <p:cNvSpPr>
-            <a:spLocks noGrp="1"/>
-          </p:cNvSpPr>
-          <p:nvPr>
-            <p:ph type="subTitle" idx="1"/>
-          </p:nvPr>
-        </p:nvSpPr>
-        <p:spPr/>
-        <p:txBody>
-          <a:bodyPr/>
-          <a:lstStyle/>
-          <a:p>
+              <a:rPr lang="fr-BE" dirty="0"/>
+              <a:t>Intersection of 2 segments</a:t>
+            </a:r>
+            <a:endParaRPr lang="en-GB" dirty="0"/>
+          </a:p>
+        </p:txBody>
+      </p:sp>
+      <p:cxnSp>
+        <p:nvCxnSpPr>
+          <p:cNvPr id="7" name="Connecteur droit 6">
+            <a:extLst>
+              <a:ext uri="{FF2B5EF4-FFF2-40B4-BE49-F238E27FC236}">
+                <a16:creationId xmlns:a16="http://schemas.microsoft.com/office/drawing/2014/main" id="{5C8F2D37-33B0-B9D2-9C5A-7CF050FC4F7B}"/>
+              </a:ext>
+            </a:extLst>
+          </p:cNvPr>
+          <p:cNvCxnSpPr/>
+          <p:nvPr/>
+        </p:nvCxnSpPr>
+        <p:spPr>
+          <a:xfrm>
+            <a:off x="8877300" y="2019300"/>
+            <a:ext cx="2447925" cy="0"/>
+          </a:xfrm>
+          <a:prstGeom prst="line">
+            <a:avLst/>
+          </a:prstGeom>
+          <a:ln>
+            <a:headEnd type="none"/>
+            <a:tailEnd type="arrow"/>
+          </a:ln>
+        </p:spPr>
+        <p:style>
+          <a:lnRef idx="1">
+            <a:schemeClr val="accent1"/>
+          </a:lnRef>
+          <a:fillRef idx="0">
+            <a:schemeClr val="accent1"/>
+          </a:fillRef>
+          <a:effectRef idx="0">
+            <a:schemeClr val="accent1"/>
+          </a:effectRef>
+          <a:fontRef idx="minor">
+            <a:schemeClr val="tx1"/>
+          </a:fontRef>
+        </p:style>
+      </p:cxnSp>
+      <p:cxnSp>
+        <p:nvCxnSpPr>
+          <p:cNvPr id="8" name="Connecteur droit 7">
+            <a:extLst>
+              <a:ext uri="{FF2B5EF4-FFF2-40B4-BE49-F238E27FC236}">
+                <a16:creationId xmlns:a16="http://schemas.microsoft.com/office/drawing/2014/main" id="{618C82EF-D61E-8330-9371-27206D39E9AD}"/>
+              </a:ext>
+            </a:extLst>
+          </p:cNvPr>
+          <p:cNvCxnSpPr>
+            <a:cxnSpLocks/>
+          </p:cNvCxnSpPr>
+          <p:nvPr/>
+        </p:nvCxnSpPr>
+        <p:spPr>
+          <a:xfrm flipV="1">
+            <a:off x="9582150" y="1066800"/>
+            <a:ext cx="904875" cy="1657350"/>
+          </a:xfrm>
+          <a:prstGeom prst="line">
+            <a:avLst/>
+          </a:prstGeom>
+          <a:ln>
+            <a:tailEnd type="arrow"/>
+          </a:ln>
+        </p:spPr>
+        <p:style>
+          <a:lnRef idx="1">
+            <a:schemeClr val="accent1"/>
+          </a:lnRef>
+          <a:fillRef idx="0">
+            <a:schemeClr val="accent1"/>
+          </a:fillRef>
+          <a:effectRef idx="0">
+            <a:schemeClr val="accent1"/>
+          </a:effectRef>
+          <a:fontRef idx="minor">
+            <a:schemeClr val="tx1"/>
+          </a:fontRef>
+        </p:style>
+      </p:cxnSp>
+      <p:sp>
+        <p:nvSpPr>
+          <p:cNvPr id="13" name="Ellipse 12">
+            <a:extLst>
+              <a:ext uri="{FF2B5EF4-FFF2-40B4-BE49-F238E27FC236}">
+                <a16:creationId xmlns:a16="http://schemas.microsoft.com/office/drawing/2014/main" id="{F8AD9E40-E166-F738-CA25-4DC68FEEB88F}"/>
+              </a:ext>
+            </a:extLst>
+          </p:cNvPr>
+          <p:cNvSpPr/>
+          <p:nvPr/>
+        </p:nvSpPr>
+        <p:spPr>
+          <a:xfrm>
+            <a:off x="9896475" y="1962150"/>
+            <a:ext cx="152400" cy="133350"/>
+          </a:xfrm>
+          <a:prstGeom prst="ellipse">
+            <a:avLst/>
+          </a:prstGeom>
+        </p:spPr>
+        <p:style>
+          <a:lnRef idx="2">
+            <a:schemeClr val="accent1">
+              <a:shade val="15000"/>
+            </a:schemeClr>
+          </a:lnRef>
+          <a:fillRef idx="1">
+            <a:schemeClr val="accent1"/>
+          </a:fillRef>
+          <a:effectRef idx="0">
+            <a:schemeClr val="accent1"/>
+          </a:effectRef>
+          <a:fontRef idx="minor">
+            <a:schemeClr val="lt1"/>
+          </a:fontRef>
+        </p:style>
+        <p:txBody>
+          <a:bodyPr rtlCol="0" anchor="ctr"/>
+          <a:lstStyle/>
+          <a:p>
+            <a:pPr algn="ctr"/>
             <a:endParaRPr lang="en-GB"/>
           </a:p>
         </p:txBody>
@@ -8345,7 +11449,7 @@
     </p:spTree>
     <p:extLst>
       <p:ext uri="{BB962C8B-B14F-4D97-AF65-F5344CB8AC3E}">
-        <p14:creationId xmlns:p14="http://schemas.microsoft.com/office/powerpoint/2010/main" val="2116911144"/>
+        <p14:creationId xmlns:p14="http://schemas.microsoft.com/office/powerpoint/2010/main" val="1246909062"/>
       </p:ext>
     </p:extLst>
   </p:cSld>
@@ -9273,6 +12377,2240 @@
         <p:cNvPr id="1" name="">
           <a:extLst>
             <a:ext uri="{FF2B5EF4-FFF2-40B4-BE49-F238E27FC236}">
+              <a16:creationId xmlns:a16="http://schemas.microsoft.com/office/drawing/2014/main" id="{3EB9DD38-A5AA-F433-78D2-E956AC7AE6D5}"/>
+            </a:ext>
+          </a:extLst>
+        </p:cNvPr>
+        <p:cNvGrpSpPr/>
+        <p:nvPr/>
+      </p:nvGrpSpPr>
+      <p:grpSpPr>
+        <a:xfrm>
+          <a:off x="0" y="0"/>
+          <a:ext cx="0" cy="0"/>
+          <a:chOff x="0" y="0"/>
+          <a:chExt cx="0" cy="0"/>
+        </a:xfrm>
+      </p:grpSpPr>
+      <p:sp>
+        <p:nvSpPr>
+          <p:cNvPr id="2" name="Titre 1">
+            <a:extLst>
+              <a:ext uri="{FF2B5EF4-FFF2-40B4-BE49-F238E27FC236}">
+                <a16:creationId xmlns:a16="http://schemas.microsoft.com/office/drawing/2014/main" id="{9285D9E3-BED1-0289-B0F3-7BCFF780FC84}"/>
+              </a:ext>
+            </a:extLst>
+          </p:cNvPr>
+          <p:cNvSpPr>
+            <a:spLocks noGrp="1"/>
+          </p:cNvSpPr>
+          <p:nvPr>
+            <p:ph type="title" idx="4294967295"/>
+          </p:nvPr>
+        </p:nvSpPr>
+        <p:spPr>
+          <a:xfrm>
+            <a:off x="0" y="365125"/>
+            <a:ext cx="10515600" cy="1325563"/>
+          </a:xfrm>
+        </p:spPr>
+        <p:txBody>
+          <a:bodyPr/>
+          <a:lstStyle/>
+          <a:p>
+            <a:r>
+              <a:rPr lang="en-GB" dirty="0"/>
+              <a:t>Graphical representation – drawing needle </a:t>
+            </a:r>
+          </a:p>
+        </p:txBody>
+      </p:sp>
+      <p:sp>
+        <p:nvSpPr>
+          <p:cNvPr id="3" name="Rectangle 2">
+            <a:extLst>
+              <a:ext uri="{FF2B5EF4-FFF2-40B4-BE49-F238E27FC236}">
+                <a16:creationId xmlns:a16="http://schemas.microsoft.com/office/drawing/2014/main" id="{2FD38A0F-2762-9285-973D-6B4EB013B49C}"/>
+              </a:ext>
+            </a:extLst>
+          </p:cNvPr>
+          <p:cNvSpPr/>
+          <p:nvPr/>
+        </p:nvSpPr>
+        <p:spPr>
+          <a:xfrm>
+            <a:off x="1493240" y="1778467"/>
+            <a:ext cx="4219663" cy="3145872"/>
+          </a:xfrm>
+          <a:prstGeom prst="rect">
+            <a:avLst/>
+          </a:prstGeom>
+          <a:noFill/>
+          <a:ln>
+            <a:solidFill>
+              <a:schemeClr val="accent1"/>
+            </a:solidFill>
+          </a:ln>
+        </p:spPr>
+        <p:style>
+          <a:lnRef idx="2">
+            <a:schemeClr val="accent1">
+              <a:shade val="15000"/>
+            </a:schemeClr>
+          </a:lnRef>
+          <a:fillRef idx="1">
+            <a:schemeClr val="accent1"/>
+          </a:fillRef>
+          <a:effectRef idx="0">
+            <a:schemeClr val="accent1"/>
+          </a:effectRef>
+          <a:fontRef idx="minor">
+            <a:schemeClr val="lt1"/>
+          </a:fontRef>
+        </p:style>
+        <p:txBody>
+          <a:bodyPr rtlCol="0" anchor="ctr"/>
+          <a:lstStyle/>
+          <a:p>
+            <a:pPr algn="ctr"/>
+            <a:endParaRPr lang="en-GB"/>
+          </a:p>
+        </p:txBody>
+      </p:sp>
+      <p:sp>
+        <p:nvSpPr>
+          <p:cNvPr id="4" name="ZoneTexte 3">
+            <a:extLst>
+              <a:ext uri="{FF2B5EF4-FFF2-40B4-BE49-F238E27FC236}">
+                <a16:creationId xmlns:a16="http://schemas.microsoft.com/office/drawing/2014/main" id="{367D2D1F-45FB-7483-58E6-A225F89E31BD}"/>
+              </a:ext>
+            </a:extLst>
+          </p:cNvPr>
+          <p:cNvSpPr txBox="1"/>
+          <p:nvPr/>
+        </p:nvSpPr>
+        <p:spPr>
+          <a:xfrm>
+            <a:off x="1474452" y="4846652"/>
+            <a:ext cx="755015" cy="369332"/>
+          </a:xfrm>
+          <a:prstGeom prst="rect">
+            <a:avLst/>
+          </a:prstGeom>
+          <a:noFill/>
+        </p:spPr>
+        <p:txBody>
+          <a:bodyPr wrap="none" rtlCol="0">
+            <a:spAutoFit/>
+          </a:bodyPr>
+          <a:lstStyle/>
+          <a:p>
+            <a:r>
+              <a:rPr lang="en-GB" dirty="0">
+                <a:solidFill>
+                  <a:srgbClr val="0070C0"/>
+                </a:solidFill>
+              </a:rPr>
+              <a:t>image</a:t>
+            </a:r>
+          </a:p>
+        </p:txBody>
+      </p:sp>
+      <p:sp>
+        <p:nvSpPr>
+          <p:cNvPr id="5" name="Rectangle 4">
+            <a:extLst>
+              <a:ext uri="{FF2B5EF4-FFF2-40B4-BE49-F238E27FC236}">
+                <a16:creationId xmlns:a16="http://schemas.microsoft.com/office/drawing/2014/main" id="{F591754D-4C3C-DF0F-CB22-69439407716C}"/>
+              </a:ext>
+            </a:extLst>
+          </p:cNvPr>
+          <p:cNvSpPr/>
+          <p:nvPr/>
+        </p:nvSpPr>
+        <p:spPr>
+          <a:xfrm>
+            <a:off x="1493240" y="1778466"/>
+            <a:ext cx="3615655" cy="847288"/>
+          </a:xfrm>
+          <a:prstGeom prst="rect">
+            <a:avLst/>
+          </a:prstGeom>
+          <a:noFill/>
+          <a:ln>
+            <a:solidFill>
+              <a:srgbClr val="00B050"/>
+            </a:solidFill>
+          </a:ln>
+        </p:spPr>
+        <p:style>
+          <a:lnRef idx="2">
+            <a:schemeClr val="accent1">
+              <a:shade val="15000"/>
+            </a:schemeClr>
+          </a:lnRef>
+          <a:fillRef idx="1">
+            <a:schemeClr val="accent1"/>
+          </a:fillRef>
+          <a:effectRef idx="0">
+            <a:schemeClr val="accent1"/>
+          </a:effectRef>
+          <a:fontRef idx="minor">
+            <a:schemeClr val="lt1"/>
+          </a:fontRef>
+        </p:style>
+        <p:txBody>
+          <a:bodyPr rtlCol="0" anchor="ctr"/>
+          <a:lstStyle/>
+          <a:p>
+            <a:pPr algn="ctr"/>
+            <a:endParaRPr lang="en-GB"/>
+          </a:p>
+        </p:txBody>
+      </p:sp>
+      <p:sp>
+        <p:nvSpPr>
+          <p:cNvPr id="7" name="ZoneTexte 6">
+            <a:extLst>
+              <a:ext uri="{FF2B5EF4-FFF2-40B4-BE49-F238E27FC236}">
+                <a16:creationId xmlns:a16="http://schemas.microsoft.com/office/drawing/2014/main" id="{C562D70E-515C-F42D-AF57-AD062497FA2E}"/>
+              </a:ext>
+            </a:extLst>
+          </p:cNvPr>
+          <p:cNvSpPr txBox="1"/>
+          <p:nvPr/>
+        </p:nvSpPr>
+        <p:spPr>
+          <a:xfrm>
+            <a:off x="1465451" y="2575944"/>
+            <a:ext cx="1143518" cy="369332"/>
+          </a:xfrm>
+          <a:prstGeom prst="rect">
+            <a:avLst/>
+          </a:prstGeom>
+          <a:noFill/>
+        </p:spPr>
+        <p:txBody>
+          <a:bodyPr wrap="none" rtlCol="0">
+            <a:spAutoFit/>
+          </a:bodyPr>
+          <a:lstStyle/>
+          <a:p>
+            <a:r>
+              <a:rPr lang="en-GB" dirty="0">
+                <a:solidFill>
+                  <a:srgbClr val="00B050"/>
+                </a:solidFill>
+              </a:rPr>
+              <a:t>Draw area</a:t>
+            </a:r>
+          </a:p>
+        </p:txBody>
+      </p:sp>
+      <p:grpSp>
+        <p:nvGrpSpPr>
+          <p:cNvPr id="13" name="Groupe 12">
+            <a:extLst>
+              <a:ext uri="{FF2B5EF4-FFF2-40B4-BE49-F238E27FC236}">
+                <a16:creationId xmlns:a16="http://schemas.microsoft.com/office/drawing/2014/main" id="{0586236A-C1EB-9DCC-F1C0-6F7E49C46A0F}"/>
+              </a:ext>
+            </a:extLst>
+          </p:cNvPr>
+          <p:cNvGrpSpPr/>
+          <p:nvPr/>
+        </p:nvGrpSpPr>
+        <p:grpSpPr>
+          <a:xfrm>
+            <a:off x="3361604" y="5616998"/>
+            <a:ext cx="253068" cy="251670"/>
+            <a:chOff x="3361604" y="5616998"/>
+            <a:chExt cx="253068" cy="251670"/>
+          </a:xfrm>
+        </p:grpSpPr>
+        <p:cxnSp>
+          <p:nvCxnSpPr>
+            <p:cNvPr id="10" name="Connecteur droit 9">
+              <a:extLst>
+                <a:ext uri="{FF2B5EF4-FFF2-40B4-BE49-F238E27FC236}">
+                  <a16:creationId xmlns:a16="http://schemas.microsoft.com/office/drawing/2014/main" id="{36099BE2-0001-92D8-30E8-BF80953ED1E2}"/>
+                </a:ext>
+              </a:extLst>
+            </p:cNvPr>
+            <p:cNvCxnSpPr/>
+            <p:nvPr/>
+          </p:nvCxnSpPr>
+          <p:spPr>
+            <a:xfrm>
+              <a:off x="3489820" y="5616998"/>
+              <a:ext cx="0" cy="251670"/>
+            </a:xfrm>
+            <a:prstGeom prst="line">
+              <a:avLst/>
+            </a:prstGeom>
+          </p:spPr>
+          <p:style>
+            <a:lnRef idx="1">
+              <a:schemeClr val="accent1"/>
+            </a:lnRef>
+            <a:fillRef idx="0">
+              <a:schemeClr val="accent1"/>
+            </a:fillRef>
+            <a:effectRef idx="0">
+              <a:schemeClr val="accent1"/>
+            </a:effectRef>
+            <a:fontRef idx="minor">
+              <a:schemeClr val="tx1"/>
+            </a:fontRef>
+          </p:style>
+        </p:cxnSp>
+        <p:cxnSp>
+          <p:nvCxnSpPr>
+            <p:cNvPr id="11" name="Connecteur droit 10">
+              <a:extLst>
+                <a:ext uri="{FF2B5EF4-FFF2-40B4-BE49-F238E27FC236}">
+                  <a16:creationId xmlns:a16="http://schemas.microsoft.com/office/drawing/2014/main" id="{5C536542-8ED4-F54F-6419-5C3F75582A9C}"/>
+                </a:ext>
+              </a:extLst>
+            </p:cNvPr>
+            <p:cNvCxnSpPr>
+              <a:cxnSpLocks/>
+            </p:cNvCxnSpPr>
+            <p:nvPr/>
+          </p:nvCxnSpPr>
+          <p:spPr>
+            <a:xfrm>
+              <a:off x="3361604" y="5738225"/>
+              <a:ext cx="253068" cy="0"/>
+            </a:xfrm>
+            <a:prstGeom prst="line">
+              <a:avLst/>
+            </a:prstGeom>
+          </p:spPr>
+          <p:style>
+            <a:lnRef idx="1">
+              <a:schemeClr val="accent1"/>
+            </a:lnRef>
+            <a:fillRef idx="0">
+              <a:schemeClr val="accent1"/>
+            </a:fillRef>
+            <a:effectRef idx="0">
+              <a:schemeClr val="accent1"/>
+            </a:effectRef>
+            <a:fontRef idx="minor">
+              <a:schemeClr val="tx1"/>
+            </a:fontRef>
+          </p:style>
+        </p:cxnSp>
+      </p:grpSp>
+      <p:sp>
+        <p:nvSpPr>
+          <p:cNvPr id="16" name="Arc 15">
+            <a:extLst>
+              <a:ext uri="{FF2B5EF4-FFF2-40B4-BE49-F238E27FC236}">
+                <a16:creationId xmlns:a16="http://schemas.microsoft.com/office/drawing/2014/main" id="{B94C1BED-C7B5-4ECE-52BE-54F63540918E}"/>
+              </a:ext>
+            </a:extLst>
+          </p:cNvPr>
+          <p:cNvSpPr/>
+          <p:nvPr/>
+        </p:nvSpPr>
+        <p:spPr>
+          <a:xfrm>
+            <a:off x="1771650" y="2952750"/>
+            <a:ext cx="3810000" cy="4591050"/>
+          </a:xfrm>
+          <a:prstGeom prst="arc">
+            <a:avLst>
+              <a:gd name="adj1" fmla="val 13498927"/>
+              <a:gd name="adj2" fmla="val 18928888"/>
+            </a:avLst>
+          </a:prstGeom>
+          <a:ln w="6350">
+            <a:solidFill>
+              <a:srgbClr val="FF0000"/>
+            </a:solidFill>
+            <a:prstDash val="dash"/>
+            <a:headEnd type="none" w="med" len="med"/>
+            <a:tailEnd type="arrow" w="med" len="med"/>
+          </a:ln>
+        </p:spPr>
+        <p:style>
+          <a:lnRef idx="1">
+            <a:schemeClr val="accent1"/>
+          </a:lnRef>
+          <a:fillRef idx="0">
+            <a:schemeClr val="accent1"/>
+          </a:fillRef>
+          <a:effectRef idx="0">
+            <a:schemeClr val="accent1"/>
+          </a:effectRef>
+          <a:fontRef idx="minor">
+            <a:schemeClr val="tx1"/>
+          </a:fontRef>
+        </p:style>
+        <p:txBody>
+          <a:bodyPr rtlCol="0" anchor="ctr"/>
+          <a:lstStyle/>
+          <a:p>
+            <a:pPr algn="ctr"/>
+            <a:endParaRPr lang="en-GB"/>
+          </a:p>
+        </p:txBody>
+      </p:sp>
+      <p:cxnSp>
+        <p:nvCxnSpPr>
+          <p:cNvPr id="19" name="Connecteur droit 18">
+            <a:extLst>
+              <a:ext uri="{FF2B5EF4-FFF2-40B4-BE49-F238E27FC236}">
+                <a16:creationId xmlns:a16="http://schemas.microsoft.com/office/drawing/2014/main" id="{3705DC3D-43FF-ED99-86EB-C5A2B7089D65}"/>
+              </a:ext>
+            </a:extLst>
+          </p:cNvPr>
+          <p:cNvCxnSpPr>
+            <a:cxnSpLocks/>
+          </p:cNvCxnSpPr>
+          <p:nvPr/>
+        </p:nvCxnSpPr>
+        <p:spPr>
+          <a:xfrm flipV="1">
+            <a:off x="3486150" y="3422650"/>
+            <a:ext cx="1231900" cy="2324100"/>
+          </a:xfrm>
+          <a:prstGeom prst="line">
+            <a:avLst/>
+          </a:prstGeom>
+          <a:ln>
+            <a:solidFill>
+              <a:srgbClr val="0070C0"/>
+            </a:solidFill>
+            <a:prstDash val="dash"/>
+          </a:ln>
+        </p:spPr>
+        <p:style>
+          <a:lnRef idx="1">
+            <a:schemeClr val="accent1"/>
+          </a:lnRef>
+          <a:fillRef idx="0">
+            <a:schemeClr val="accent1"/>
+          </a:fillRef>
+          <a:effectRef idx="0">
+            <a:schemeClr val="accent1"/>
+          </a:effectRef>
+          <a:fontRef idx="minor">
+            <a:schemeClr val="tx1"/>
+          </a:fontRef>
+        </p:style>
+      </p:cxnSp>
+      <p:cxnSp>
+        <p:nvCxnSpPr>
+          <p:cNvPr id="23" name="Connecteur droit 22">
+            <a:extLst>
+              <a:ext uri="{FF2B5EF4-FFF2-40B4-BE49-F238E27FC236}">
+                <a16:creationId xmlns:a16="http://schemas.microsoft.com/office/drawing/2014/main" id="{5A5354C4-83E7-8429-9A65-15E84C298CCE}"/>
+              </a:ext>
+            </a:extLst>
+          </p:cNvPr>
+          <p:cNvCxnSpPr>
+            <a:cxnSpLocks/>
+          </p:cNvCxnSpPr>
+          <p:nvPr/>
+        </p:nvCxnSpPr>
+        <p:spPr>
+          <a:xfrm flipV="1">
+            <a:off x="3924300" y="3352800"/>
+            <a:ext cx="838200" cy="1568450"/>
+          </a:xfrm>
+          <a:prstGeom prst="line">
+            <a:avLst/>
+          </a:prstGeom>
+          <a:ln w="38100">
+            <a:solidFill>
+              <a:srgbClr val="0070C0"/>
+            </a:solidFill>
+          </a:ln>
+        </p:spPr>
+        <p:style>
+          <a:lnRef idx="1">
+            <a:schemeClr val="accent1"/>
+          </a:lnRef>
+          <a:fillRef idx="0">
+            <a:schemeClr val="accent1"/>
+          </a:fillRef>
+          <a:effectRef idx="0">
+            <a:schemeClr val="accent1"/>
+          </a:effectRef>
+          <a:fontRef idx="minor">
+            <a:schemeClr val="tx1"/>
+          </a:fontRef>
+        </p:style>
+      </p:cxnSp>
+      <p:sp>
+        <p:nvSpPr>
+          <p:cNvPr id="27" name="ZoneTexte 26">
+            <a:extLst>
+              <a:ext uri="{FF2B5EF4-FFF2-40B4-BE49-F238E27FC236}">
+                <a16:creationId xmlns:a16="http://schemas.microsoft.com/office/drawing/2014/main" id="{5BD0EB1A-10D7-9F3C-CC93-8214A64F064F}"/>
+              </a:ext>
+            </a:extLst>
+          </p:cNvPr>
+          <p:cNvSpPr txBox="1"/>
+          <p:nvPr/>
+        </p:nvSpPr>
+        <p:spPr>
+          <a:xfrm>
+            <a:off x="1947863" y="3589337"/>
+            <a:ext cx="301686" cy="369332"/>
+          </a:xfrm>
+          <a:prstGeom prst="rect">
+            <a:avLst/>
+          </a:prstGeom>
+          <a:noFill/>
+        </p:spPr>
+        <p:txBody>
+          <a:bodyPr wrap="none" rtlCol="0">
+            <a:spAutoFit/>
+          </a:bodyPr>
+          <a:lstStyle/>
+          <a:p>
+            <a:r>
+              <a:rPr lang="en-GB" dirty="0">
+                <a:solidFill>
+                  <a:srgbClr val="FF0000"/>
+                </a:solidFill>
+              </a:rPr>
+              <a:t>0</a:t>
+            </a:r>
+          </a:p>
+        </p:txBody>
+      </p:sp>
+      <p:sp>
+        <p:nvSpPr>
+          <p:cNvPr id="28" name="ZoneTexte 27">
+            <a:extLst>
+              <a:ext uri="{FF2B5EF4-FFF2-40B4-BE49-F238E27FC236}">
+                <a16:creationId xmlns:a16="http://schemas.microsoft.com/office/drawing/2014/main" id="{ACD1EC99-BD55-8F44-A0A6-FF243872EBA0}"/>
+              </a:ext>
+            </a:extLst>
+          </p:cNvPr>
+          <p:cNvSpPr txBox="1"/>
+          <p:nvPr/>
+        </p:nvSpPr>
+        <p:spPr>
+          <a:xfrm>
+            <a:off x="5124450" y="3565525"/>
+            <a:ext cx="576889" cy="369332"/>
+          </a:xfrm>
+          <a:prstGeom prst="rect">
+            <a:avLst/>
+          </a:prstGeom>
+          <a:noFill/>
+        </p:spPr>
+        <p:txBody>
+          <a:bodyPr wrap="none" rtlCol="0">
+            <a:spAutoFit/>
+          </a:bodyPr>
+          <a:lstStyle/>
+          <a:p>
+            <a:r>
+              <a:rPr lang="en-GB" dirty="0">
+                <a:solidFill>
+                  <a:srgbClr val="FF0000"/>
+                </a:solidFill>
+              </a:rPr>
+              <a:t>max</a:t>
+            </a:r>
+          </a:p>
+        </p:txBody>
+      </p:sp>
+      <p:cxnSp>
+        <p:nvCxnSpPr>
+          <p:cNvPr id="30" name="Connecteur droit 29">
+            <a:extLst>
+              <a:ext uri="{FF2B5EF4-FFF2-40B4-BE49-F238E27FC236}">
+                <a16:creationId xmlns:a16="http://schemas.microsoft.com/office/drawing/2014/main" id="{068B306B-F923-43F0-FD40-1BC7803E3B39}"/>
+              </a:ext>
+            </a:extLst>
+          </p:cNvPr>
+          <p:cNvCxnSpPr>
+            <a:cxnSpLocks/>
+          </p:cNvCxnSpPr>
+          <p:nvPr/>
+        </p:nvCxnSpPr>
+        <p:spPr>
+          <a:xfrm flipV="1">
+            <a:off x="3432175" y="2114550"/>
+            <a:ext cx="314325" cy="511175"/>
+          </a:xfrm>
+          <a:prstGeom prst="line">
+            <a:avLst/>
+          </a:prstGeom>
+          <a:ln w="38100">
+            <a:solidFill>
+              <a:srgbClr val="00B050"/>
+            </a:solidFill>
+          </a:ln>
+        </p:spPr>
+        <p:style>
+          <a:lnRef idx="1">
+            <a:schemeClr val="accent1"/>
+          </a:lnRef>
+          <a:fillRef idx="0">
+            <a:schemeClr val="accent1"/>
+          </a:fillRef>
+          <a:effectRef idx="0">
+            <a:schemeClr val="accent1"/>
+          </a:effectRef>
+          <a:fontRef idx="minor">
+            <a:schemeClr val="tx1"/>
+          </a:fontRef>
+        </p:style>
+      </p:cxnSp>
+      <p:sp>
+        <p:nvSpPr>
+          <p:cNvPr id="35" name="ZoneTexte 34">
+            <a:extLst>
+              <a:ext uri="{FF2B5EF4-FFF2-40B4-BE49-F238E27FC236}">
+                <a16:creationId xmlns:a16="http://schemas.microsoft.com/office/drawing/2014/main" id="{00329573-849D-5A5B-0ABE-0F8ADF4D62E5}"/>
+              </a:ext>
+            </a:extLst>
+          </p:cNvPr>
+          <p:cNvSpPr txBox="1"/>
+          <p:nvPr/>
+        </p:nvSpPr>
+        <p:spPr>
+          <a:xfrm>
+            <a:off x="1168400" y="1454150"/>
+            <a:ext cx="617477" cy="369332"/>
+          </a:xfrm>
+          <a:prstGeom prst="rect">
+            <a:avLst/>
+          </a:prstGeom>
+          <a:noFill/>
+        </p:spPr>
+        <p:txBody>
+          <a:bodyPr wrap="none" rtlCol="0">
+            <a:spAutoFit/>
+          </a:bodyPr>
+          <a:lstStyle/>
+          <a:p>
+            <a:r>
+              <a:rPr lang="en-GB" dirty="0"/>
+              <a:t>(0,0)</a:t>
+            </a:r>
+          </a:p>
+        </p:txBody>
+      </p:sp>
+      <p:sp>
+        <p:nvSpPr>
+          <p:cNvPr id="36" name="ZoneTexte 35">
+            <a:extLst>
+              <a:ext uri="{FF2B5EF4-FFF2-40B4-BE49-F238E27FC236}">
+                <a16:creationId xmlns:a16="http://schemas.microsoft.com/office/drawing/2014/main" id="{B3A548CE-A8B1-C902-244A-56ED5BCE80E1}"/>
+              </a:ext>
+            </a:extLst>
+          </p:cNvPr>
+          <p:cNvSpPr txBox="1"/>
+          <p:nvPr/>
+        </p:nvSpPr>
+        <p:spPr>
+          <a:xfrm>
+            <a:off x="5029200" y="5010150"/>
+            <a:ext cx="1579278" cy="276999"/>
+          </a:xfrm>
+          <a:prstGeom prst="rect">
+            <a:avLst/>
+          </a:prstGeom>
+          <a:noFill/>
+        </p:spPr>
+        <p:txBody>
+          <a:bodyPr wrap="none" rtlCol="0">
+            <a:spAutoFit/>
+          </a:bodyPr>
+          <a:lstStyle/>
+          <a:p>
+            <a:r>
+              <a:rPr lang="en-GB" sz="1200" dirty="0">
+                <a:solidFill>
+                  <a:schemeClr val="accent1"/>
+                </a:solidFill>
+                <a:latin typeface="Courier New" panose="02070309020205020404" pitchFamily="49" charset="0"/>
+                <a:cs typeface="Courier New" panose="02070309020205020404" pitchFamily="49" charset="0"/>
+              </a:rPr>
+              <a:t>(width, height)</a:t>
+            </a:r>
+          </a:p>
+        </p:txBody>
+      </p:sp>
+      <p:sp>
+        <p:nvSpPr>
+          <p:cNvPr id="37" name="ZoneTexte 36">
+            <a:extLst>
+              <a:ext uri="{FF2B5EF4-FFF2-40B4-BE49-F238E27FC236}">
+                <a16:creationId xmlns:a16="http://schemas.microsoft.com/office/drawing/2014/main" id="{94850449-C80E-0904-BF36-9F6D47758D71}"/>
+              </a:ext>
+            </a:extLst>
+          </p:cNvPr>
+          <p:cNvSpPr txBox="1"/>
+          <p:nvPr/>
+        </p:nvSpPr>
+        <p:spPr>
+          <a:xfrm>
+            <a:off x="4314825" y="2609850"/>
+            <a:ext cx="1765227" cy="276999"/>
+          </a:xfrm>
+          <a:prstGeom prst="rect">
+            <a:avLst/>
+          </a:prstGeom>
+          <a:noFill/>
+        </p:spPr>
+        <p:txBody>
+          <a:bodyPr wrap="none" rtlCol="0">
+            <a:spAutoFit/>
+          </a:bodyPr>
+          <a:lstStyle/>
+          <a:p>
+            <a:r>
+              <a:rPr lang="en-GB" sz="1200" dirty="0">
+                <a:solidFill>
+                  <a:srgbClr val="01A797"/>
+                </a:solidFill>
+                <a:latin typeface="Courier New" panose="02070309020205020404" pitchFamily="49" charset="0"/>
+                <a:cs typeface="Courier New" panose="02070309020205020404" pitchFamily="49" charset="0"/>
+              </a:rPr>
+              <a:t>(</a:t>
+            </a:r>
+            <a:r>
+              <a:rPr lang="en-GB" sz="1200" dirty="0" err="1">
+                <a:solidFill>
+                  <a:srgbClr val="01A797"/>
+                </a:solidFill>
+                <a:latin typeface="Courier New" panose="02070309020205020404" pitchFamily="49" charset="0"/>
+                <a:cs typeface="Courier New" panose="02070309020205020404" pitchFamily="49" charset="0"/>
+              </a:rPr>
+              <a:t>dWidth</a:t>
+            </a:r>
+            <a:r>
+              <a:rPr lang="en-GB" sz="1200" dirty="0">
+                <a:solidFill>
+                  <a:srgbClr val="01A797"/>
+                </a:solidFill>
+                <a:latin typeface="Courier New" panose="02070309020205020404" pitchFamily="49" charset="0"/>
+                <a:cs typeface="Courier New" panose="02070309020205020404" pitchFamily="49" charset="0"/>
+              </a:rPr>
+              <a:t>, </a:t>
+            </a:r>
+            <a:r>
+              <a:rPr lang="en-GB" sz="1200" dirty="0" err="1">
+                <a:solidFill>
+                  <a:srgbClr val="01A797"/>
+                </a:solidFill>
+                <a:latin typeface="Courier New" panose="02070309020205020404" pitchFamily="49" charset="0"/>
+                <a:cs typeface="Courier New" panose="02070309020205020404" pitchFamily="49" charset="0"/>
+              </a:rPr>
+              <a:t>dHeight</a:t>
+            </a:r>
+            <a:r>
+              <a:rPr lang="en-GB" sz="1200" dirty="0">
+                <a:solidFill>
+                  <a:srgbClr val="01A797"/>
+                </a:solidFill>
+                <a:latin typeface="Courier New" panose="02070309020205020404" pitchFamily="49" charset="0"/>
+                <a:cs typeface="Courier New" panose="02070309020205020404" pitchFamily="49" charset="0"/>
+              </a:rPr>
+              <a:t>)</a:t>
+            </a:r>
+          </a:p>
+        </p:txBody>
+      </p:sp>
+      <p:sp>
+        <p:nvSpPr>
+          <p:cNvPr id="38" name="ZoneTexte 37">
+            <a:extLst>
+              <a:ext uri="{FF2B5EF4-FFF2-40B4-BE49-F238E27FC236}">
+                <a16:creationId xmlns:a16="http://schemas.microsoft.com/office/drawing/2014/main" id="{BC394079-D9B5-5622-4892-35A25CAE0F69}"/>
+              </a:ext>
+            </a:extLst>
+          </p:cNvPr>
+          <p:cNvSpPr txBox="1"/>
+          <p:nvPr/>
+        </p:nvSpPr>
+        <p:spPr>
+          <a:xfrm>
+            <a:off x="4438650" y="3076575"/>
+            <a:ext cx="742511" cy="276999"/>
+          </a:xfrm>
+          <a:prstGeom prst="rect">
+            <a:avLst/>
+          </a:prstGeom>
+          <a:noFill/>
+        </p:spPr>
+        <p:txBody>
+          <a:bodyPr wrap="none" rtlCol="0">
+            <a:spAutoFit/>
+          </a:bodyPr>
+          <a:lstStyle/>
+          <a:p>
+            <a:r>
+              <a:rPr lang="en-GB" sz="1200" dirty="0">
+                <a:solidFill>
+                  <a:schemeClr val="accent1"/>
+                </a:solidFill>
+                <a:latin typeface="Courier New" panose="02070309020205020404" pitchFamily="49" charset="0"/>
+                <a:cs typeface="Courier New" panose="02070309020205020404" pitchFamily="49" charset="0"/>
+              </a:rPr>
+              <a:t>(X, Y)</a:t>
+            </a:r>
+          </a:p>
+        </p:txBody>
+      </p:sp>
+      <p:sp>
+        <p:nvSpPr>
+          <p:cNvPr id="40" name="ZoneTexte 39">
+            <a:extLst>
+              <a:ext uri="{FF2B5EF4-FFF2-40B4-BE49-F238E27FC236}">
+                <a16:creationId xmlns:a16="http://schemas.microsoft.com/office/drawing/2014/main" id="{741E8387-A24A-A474-3851-54B8313115DA}"/>
+              </a:ext>
+            </a:extLst>
+          </p:cNvPr>
+          <p:cNvSpPr txBox="1"/>
+          <p:nvPr/>
+        </p:nvSpPr>
+        <p:spPr>
+          <a:xfrm>
+            <a:off x="3457575" y="1819275"/>
+            <a:ext cx="928459" cy="276999"/>
+          </a:xfrm>
+          <a:prstGeom prst="rect">
+            <a:avLst/>
+          </a:prstGeom>
+          <a:noFill/>
+        </p:spPr>
+        <p:txBody>
+          <a:bodyPr wrap="none" rtlCol="0">
+            <a:spAutoFit/>
+          </a:bodyPr>
+          <a:lstStyle/>
+          <a:p>
+            <a:r>
+              <a:rPr lang="en-GB" sz="1200" dirty="0">
+                <a:solidFill>
+                  <a:srgbClr val="01A797"/>
+                </a:solidFill>
+                <a:latin typeface="Courier New" panose="02070309020205020404" pitchFamily="49" charset="0"/>
+                <a:cs typeface="Courier New" panose="02070309020205020404" pitchFamily="49" charset="0"/>
+              </a:rPr>
+              <a:t>(</a:t>
+            </a:r>
+            <a:r>
+              <a:rPr lang="en-GB" sz="1200" dirty="0" err="1">
+                <a:solidFill>
+                  <a:srgbClr val="01A797"/>
+                </a:solidFill>
+                <a:latin typeface="Courier New" panose="02070309020205020404" pitchFamily="49" charset="0"/>
+                <a:cs typeface="Courier New" panose="02070309020205020404" pitchFamily="49" charset="0"/>
+              </a:rPr>
+              <a:t>dX</a:t>
+            </a:r>
+            <a:r>
+              <a:rPr lang="en-GB" sz="1200" dirty="0">
+                <a:solidFill>
+                  <a:srgbClr val="01A797"/>
+                </a:solidFill>
+                <a:latin typeface="Courier New" panose="02070309020205020404" pitchFamily="49" charset="0"/>
+                <a:cs typeface="Courier New" panose="02070309020205020404" pitchFamily="49" charset="0"/>
+              </a:rPr>
+              <a:t>, </a:t>
+            </a:r>
+            <a:r>
+              <a:rPr lang="en-GB" sz="1200" dirty="0" err="1">
+                <a:solidFill>
+                  <a:srgbClr val="01A797"/>
+                </a:solidFill>
+                <a:latin typeface="Courier New" panose="02070309020205020404" pitchFamily="49" charset="0"/>
+                <a:cs typeface="Courier New" panose="02070309020205020404" pitchFamily="49" charset="0"/>
+              </a:rPr>
+              <a:t>dY</a:t>
+            </a:r>
+            <a:r>
+              <a:rPr lang="en-GB" sz="1200" dirty="0">
+                <a:solidFill>
+                  <a:srgbClr val="01A797"/>
+                </a:solidFill>
+                <a:latin typeface="Courier New" panose="02070309020205020404" pitchFamily="49" charset="0"/>
+                <a:cs typeface="Courier New" panose="02070309020205020404" pitchFamily="49" charset="0"/>
+              </a:rPr>
+              <a:t>)</a:t>
+            </a:r>
+          </a:p>
+        </p:txBody>
+      </p:sp>
+      <p:cxnSp>
+        <p:nvCxnSpPr>
+          <p:cNvPr id="45" name="Connecteur droit 44">
+            <a:extLst>
+              <a:ext uri="{FF2B5EF4-FFF2-40B4-BE49-F238E27FC236}">
+                <a16:creationId xmlns:a16="http://schemas.microsoft.com/office/drawing/2014/main" id="{7F1D16D6-9B6E-7860-AAB9-AB51491E9003}"/>
+              </a:ext>
+            </a:extLst>
+          </p:cNvPr>
+          <p:cNvCxnSpPr>
+            <a:cxnSpLocks/>
+          </p:cNvCxnSpPr>
+          <p:nvPr/>
+        </p:nvCxnSpPr>
+        <p:spPr>
+          <a:xfrm>
+            <a:off x="2209800" y="3790950"/>
+            <a:ext cx="1281113" cy="1947863"/>
+          </a:xfrm>
+          <a:prstGeom prst="line">
+            <a:avLst/>
+          </a:prstGeom>
+          <a:ln w="6350">
+            <a:solidFill>
+              <a:srgbClr val="FF0000"/>
+            </a:solidFill>
+            <a:prstDash val="dash"/>
+            <a:headEnd type="none" w="med" len="med"/>
+            <a:tailEnd type="none" w="med" len="med"/>
+          </a:ln>
+        </p:spPr>
+        <p:style>
+          <a:lnRef idx="1">
+            <a:schemeClr val="accent1"/>
+          </a:lnRef>
+          <a:fillRef idx="0">
+            <a:schemeClr val="accent1"/>
+          </a:fillRef>
+          <a:effectRef idx="0">
+            <a:schemeClr val="accent1"/>
+          </a:effectRef>
+          <a:fontRef idx="minor">
+            <a:schemeClr val="tx1"/>
+          </a:fontRef>
+        </p:style>
+      </p:cxnSp>
+      <p:cxnSp>
+        <p:nvCxnSpPr>
+          <p:cNvPr id="54" name="Connecteur droit 53">
+            <a:extLst>
+              <a:ext uri="{FF2B5EF4-FFF2-40B4-BE49-F238E27FC236}">
+                <a16:creationId xmlns:a16="http://schemas.microsoft.com/office/drawing/2014/main" id="{0B5294AE-AD89-075E-DAC1-4A77CF13EDE2}"/>
+              </a:ext>
+            </a:extLst>
+          </p:cNvPr>
+          <p:cNvCxnSpPr>
+            <a:cxnSpLocks/>
+          </p:cNvCxnSpPr>
+          <p:nvPr/>
+        </p:nvCxnSpPr>
+        <p:spPr>
+          <a:xfrm flipH="1">
+            <a:off x="3489325" y="3797300"/>
+            <a:ext cx="1666395" cy="1946275"/>
+          </a:xfrm>
+          <a:prstGeom prst="line">
+            <a:avLst/>
+          </a:prstGeom>
+          <a:ln w="6350">
+            <a:solidFill>
+              <a:srgbClr val="FF0000"/>
+            </a:solidFill>
+            <a:prstDash val="dash"/>
+            <a:headEnd type="none" w="med" len="med"/>
+            <a:tailEnd type="none" w="med" len="med"/>
+          </a:ln>
+        </p:spPr>
+        <p:style>
+          <a:lnRef idx="1">
+            <a:schemeClr val="accent1"/>
+          </a:lnRef>
+          <a:fillRef idx="0">
+            <a:schemeClr val="accent1"/>
+          </a:fillRef>
+          <a:effectRef idx="0">
+            <a:schemeClr val="accent1"/>
+          </a:effectRef>
+          <a:fontRef idx="minor">
+            <a:schemeClr val="tx1"/>
+          </a:fontRef>
+        </p:style>
+      </p:cxnSp>
+      <p:sp>
+        <p:nvSpPr>
+          <p:cNvPr id="60" name="Arc 59">
+            <a:extLst>
+              <a:ext uri="{FF2B5EF4-FFF2-40B4-BE49-F238E27FC236}">
+                <a16:creationId xmlns:a16="http://schemas.microsoft.com/office/drawing/2014/main" id="{ECF45B75-63EF-7399-3074-F81C956A5D8E}"/>
+              </a:ext>
+            </a:extLst>
+          </p:cNvPr>
+          <p:cNvSpPr/>
+          <p:nvPr/>
+        </p:nvSpPr>
+        <p:spPr>
+          <a:xfrm>
+            <a:off x="2351314" y="3817257"/>
+            <a:ext cx="2612572" cy="3240314"/>
+          </a:xfrm>
+          <a:prstGeom prst="arc">
+            <a:avLst>
+              <a:gd name="adj1" fmla="val 13498927"/>
+              <a:gd name="adj2" fmla="val 17818849"/>
+            </a:avLst>
+          </a:prstGeom>
+          <a:ln w="6350">
+            <a:solidFill>
+              <a:schemeClr val="accent1"/>
+            </a:solidFill>
+            <a:prstDash val="dash"/>
+            <a:headEnd type="none" w="med" len="med"/>
+            <a:tailEnd type="arrow" w="med" len="med"/>
+          </a:ln>
+        </p:spPr>
+        <p:style>
+          <a:lnRef idx="1">
+            <a:schemeClr val="accent1"/>
+          </a:lnRef>
+          <a:fillRef idx="0">
+            <a:schemeClr val="accent1"/>
+          </a:fillRef>
+          <a:effectRef idx="0">
+            <a:schemeClr val="accent1"/>
+          </a:effectRef>
+          <a:fontRef idx="minor">
+            <a:schemeClr val="tx1"/>
+          </a:fontRef>
+        </p:style>
+        <p:txBody>
+          <a:bodyPr rtlCol="0" anchor="ctr"/>
+          <a:lstStyle/>
+          <a:p>
+            <a:pPr algn="ctr"/>
+            <a:endParaRPr lang="en-GB"/>
+          </a:p>
+        </p:txBody>
+      </p:sp>
+      <p:sp>
+        <p:nvSpPr>
+          <p:cNvPr id="61" name="ZoneTexte 60">
+            <a:extLst>
+              <a:ext uri="{FF2B5EF4-FFF2-40B4-BE49-F238E27FC236}">
+                <a16:creationId xmlns:a16="http://schemas.microsoft.com/office/drawing/2014/main" id="{4DEB0B04-C83C-FA72-B48B-E3C214A81570}"/>
+              </a:ext>
+            </a:extLst>
+          </p:cNvPr>
+          <p:cNvSpPr txBox="1"/>
+          <p:nvPr/>
+        </p:nvSpPr>
+        <p:spPr>
+          <a:xfrm>
+            <a:off x="3228975" y="5895975"/>
+            <a:ext cx="928459" cy="276999"/>
+          </a:xfrm>
+          <a:prstGeom prst="rect">
+            <a:avLst/>
+          </a:prstGeom>
+          <a:noFill/>
+        </p:spPr>
+        <p:txBody>
+          <a:bodyPr wrap="none" rtlCol="0">
+            <a:spAutoFit/>
+          </a:bodyPr>
+          <a:lstStyle/>
+          <a:p>
+            <a:r>
+              <a:rPr lang="en-GB" sz="1200" dirty="0">
+                <a:solidFill>
+                  <a:schemeClr val="accent1"/>
+                </a:solidFill>
+                <a:latin typeface="Courier New" panose="02070309020205020404" pitchFamily="49" charset="0"/>
+                <a:cs typeface="Courier New" panose="02070309020205020404" pitchFamily="49" charset="0"/>
+              </a:rPr>
+              <a:t>(x</a:t>
+            </a:r>
+            <a:r>
+              <a:rPr lang="fr-BE" sz="1200" dirty="0">
+                <a:solidFill>
+                  <a:schemeClr val="accent1"/>
+                </a:solidFill>
+                <a:latin typeface="Courier New" panose="02070309020205020404" pitchFamily="49" charset="0"/>
+                <a:cs typeface="Courier New" panose="02070309020205020404" pitchFamily="49" charset="0"/>
+              </a:rPr>
+              <a:t>C</a:t>
+            </a:r>
+            <a:r>
+              <a:rPr lang="en-GB" sz="1200" dirty="0">
+                <a:solidFill>
+                  <a:schemeClr val="accent1"/>
+                </a:solidFill>
+                <a:latin typeface="Courier New" panose="02070309020205020404" pitchFamily="49" charset="0"/>
+                <a:cs typeface="Courier New" panose="02070309020205020404" pitchFamily="49" charset="0"/>
+              </a:rPr>
+              <a:t>, </a:t>
+            </a:r>
+            <a:r>
+              <a:rPr lang="en-GB" sz="1200" dirty="0" err="1">
+                <a:solidFill>
+                  <a:schemeClr val="accent1"/>
+                </a:solidFill>
+                <a:latin typeface="Courier New" panose="02070309020205020404" pitchFamily="49" charset="0"/>
+                <a:cs typeface="Courier New" panose="02070309020205020404" pitchFamily="49" charset="0"/>
+              </a:rPr>
+              <a:t>yC</a:t>
+            </a:r>
+            <a:r>
+              <a:rPr lang="en-GB" sz="1200" dirty="0">
+                <a:solidFill>
+                  <a:schemeClr val="accent1"/>
+                </a:solidFill>
+                <a:latin typeface="Courier New" panose="02070309020205020404" pitchFamily="49" charset="0"/>
+                <a:cs typeface="Courier New" panose="02070309020205020404" pitchFamily="49" charset="0"/>
+              </a:rPr>
+              <a:t>)</a:t>
+            </a:r>
+          </a:p>
+        </p:txBody>
+      </p:sp>
+      <p:sp>
+        <p:nvSpPr>
+          <p:cNvPr id="62" name="ZoneTexte 61">
+            <a:extLst>
+              <a:ext uri="{FF2B5EF4-FFF2-40B4-BE49-F238E27FC236}">
+                <a16:creationId xmlns:a16="http://schemas.microsoft.com/office/drawing/2014/main" id="{AF03AC71-6DBE-CE20-EB7F-1DA25658DBB4}"/>
+              </a:ext>
+            </a:extLst>
+          </p:cNvPr>
+          <p:cNvSpPr txBox="1"/>
+          <p:nvPr/>
+        </p:nvSpPr>
+        <p:spPr>
+          <a:xfrm>
+            <a:off x="3429000" y="3514725"/>
+            <a:ext cx="316112" cy="369332"/>
+          </a:xfrm>
+          <a:prstGeom prst="rect">
+            <a:avLst/>
+          </a:prstGeom>
+          <a:noFill/>
+        </p:spPr>
+        <p:txBody>
+          <a:bodyPr wrap="none" rtlCol="0">
+            <a:spAutoFit/>
+          </a:bodyPr>
+          <a:lstStyle/>
+          <a:p>
+            <a:r>
+              <a:rPr lang="el-GR" dirty="0">
+                <a:solidFill>
+                  <a:srgbClr val="0070C0"/>
+                </a:solidFill>
+              </a:rPr>
+              <a:t>α</a:t>
+            </a:r>
+            <a:endParaRPr lang="en-GB" dirty="0">
+              <a:solidFill>
+                <a:srgbClr val="0070C0"/>
+              </a:solidFill>
+            </a:endParaRPr>
+          </a:p>
+        </p:txBody>
+      </p:sp>
+      <p:sp>
+        <p:nvSpPr>
+          <p:cNvPr id="63" name="ZoneTexte 62">
+            <a:extLst>
+              <a:ext uri="{FF2B5EF4-FFF2-40B4-BE49-F238E27FC236}">
+                <a16:creationId xmlns:a16="http://schemas.microsoft.com/office/drawing/2014/main" id="{826C9217-3410-15D7-514E-1A4BFC4C8C62}"/>
+              </a:ext>
+            </a:extLst>
+          </p:cNvPr>
+          <p:cNvSpPr txBox="1"/>
+          <p:nvPr/>
+        </p:nvSpPr>
+        <p:spPr>
+          <a:xfrm>
+            <a:off x="3486150" y="2876550"/>
+            <a:ext cx="311304" cy="369332"/>
+          </a:xfrm>
+          <a:prstGeom prst="rect">
+            <a:avLst/>
+          </a:prstGeom>
+          <a:noFill/>
+        </p:spPr>
+        <p:txBody>
+          <a:bodyPr wrap="none" rtlCol="0">
+            <a:spAutoFit/>
+          </a:bodyPr>
+          <a:lstStyle/>
+          <a:p>
+            <a:r>
+              <a:rPr lang="el-GR" dirty="0">
+                <a:solidFill>
+                  <a:srgbClr val="FF0000"/>
+                </a:solidFill>
+              </a:rPr>
+              <a:t>μ</a:t>
+            </a:r>
+            <a:endParaRPr lang="en-GB" dirty="0">
+              <a:solidFill>
+                <a:srgbClr val="FF0000"/>
+              </a:solidFill>
+            </a:endParaRPr>
+          </a:p>
+        </p:txBody>
+      </p:sp>
+      <p:sp>
+        <p:nvSpPr>
+          <p:cNvPr id="64" name="ZoneTexte 63">
+            <a:extLst>
+              <a:ext uri="{FF2B5EF4-FFF2-40B4-BE49-F238E27FC236}">
+                <a16:creationId xmlns:a16="http://schemas.microsoft.com/office/drawing/2014/main" id="{32EE8335-4C23-2E2F-87FE-27F7498D171B}"/>
+              </a:ext>
+            </a:extLst>
+          </p:cNvPr>
+          <p:cNvSpPr txBox="1"/>
+          <p:nvPr/>
+        </p:nvSpPr>
+        <p:spPr>
+          <a:xfrm>
+            <a:off x="6048375" y="1971675"/>
+            <a:ext cx="5581650" cy="2862322"/>
+          </a:xfrm>
+          <a:prstGeom prst="rect">
+            <a:avLst/>
+          </a:prstGeom>
+          <a:noFill/>
+        </p:spPr>
+        <p:txBody>
+          <a:bodyPr wrap="square" rtlCol="0">
+            <a:spAutoFit/>
+          </a:bodyPr>
+          <a:lstStyle/>
+          <a:p>
+            <a:pPr marL="171450" indent="-171450">
+              <a:buFont typeface="Arial" panose="020B0604020202020204" pitchFamily="34" charset="0"/>
+              <a:buChar char="•"/>
+            </a:pPr>
+            <a:r>
+              <a:rPr lang="fr-BE" sz="1200" dirty="0" err="1">
+                <a:solidFill>
+                  <a:srgbClr val="FF0000"/>
+                </a:solidFill>
+              </a:rPr>
+              <a:t>maxAmplitude</a:t>
+            </a:r>
+            <a:r>
+              <a:rPr lang="fr-BE" sz="1200" dirty="0">
+                <a:solidFill>
+                  <a:srgbClr val="FF0000"/>
+                </a:solidFill>
+              </a:rPr>
+              <a:t> = 2</a:t>
+            </a:r>
+            <a:r>
+              <a:rPr lang="fr-BE" sz="1200" baseline="30000" dirty="0">
+                <a:solidFill>
+                  <a:srgbClr val="FF0000"/>
+                </a:solidFill>
+              </a:rPr>
+              <a:t>bitPerFrame-1</a:t>
+            </a:r>
+          </a:p>
+          <a:p>
+            <a:pPr marL="171450" indent="-171450">
+              <a:buFont typeface="Arial" panose="020B0604020202020204" pitchFamily="34" charset="0"/>
+              <a:buChar char="•"/>
+            </a:pPr>
+            <a:endParaRPr lang="fr-BE" sz="1200" dirty="0">
+              <a:solidFill>
+                <a:srgbClr val="FF0000"/>
+              </a:solidFill>
+            </a:endParaRPr>
+          </a:p>
+          <a:p>
+            <a:pPr marL="171450" indent="-171450">
+              <a:buFont typeface="Arial" panose="020B0604020202020204" pitchFamily="34" charset="0"/>
+              <a:buChar char="•"/>
+            </a:pPr>
+            <a:r>
+              <a:rPr lang="el-GR" sz="1200" dirty="0">
+                <a:solidFill>
+                  <a:srgbClr val="FF0000"/>
+                </a:solidFill>
+              </a:rPr>
+              <a:t>μ</a:t>
+            </a:r>
+            <a:r>
+              <a:rPr lang="fr-BE" sz="1200" dirty="0">
+                <a:solidFill>
+                  <a:srgbClr val="FF0000"/>
+                </a:solidFill>
+              </a:rPr>
+              <a:t>  = (</a:t>
+            </a:r>
+            <a:r>
+              <a:rPr lang="en-GB" sz="1200" dirty="0" err="1">
+                <a:solidFill>
+                  <a:srgbClr val="FF0000"/>
+                </a:solidFill>
+                <a:latin typeface="Courier New" panose="02070309020205020404" pitchFamily="49" charset="0"/>
+                <a:cs typeface="Courier New" panose="02070309020205020404" pitchFamily="49" charset="0"/>
+              </a:rPr>
+              <a:t>maxAngle-minAngle</a:t>
+            </a:r>
+            <a:r>
+              <a:rPr lang="en-GB" sz="1200" dirty="0">
+                <a:solidFill>
+                  <a:srgbClr val="FF0000"/>
+                </a:solidFill>
+                <a:latin typeface="Courier New" panose="02070309020205020404" pitchFamily="49" charset="0"/>
+                <a:cs typeface="Courier New" panose="02070309020205020404" pitchFamily="49" charset="0"/>
+              </a:rPr>
+              <a:t>)</a:t>
+            </a:r>
+          </a:p>
+          <a:p>
+            <a:pPr marL="171450" indent="-171450">
+              <a:buFont typeface="Arial" panose="020B0604020202020204" pitchFamily="34" charset="0"/>
+              <a:buChar char="•"/>
+            </a:pPr>
+            <a:r>
+              <a:rPr lang="el-GR" sz="1200" dirty="0">
+                <a:solidFill>
+                  <a:srgbClr val="0070C0"/>
+                </a:solidFill>
+              </a:rPr>
+              <a:t>α</a:t>
+            </a:r>
+            <a:r>
+              <a:rPr lang="fr-BE" sz="1200" dirty="0">
+                <a:solidFill>
+                  <a:srgbClr val="0070C0"/>
+                </a:solidFill>
+              </a:rPr>
+              <a:t> = amplitude * </a:t>
+            </a:r>
+            <a:r>
+              <a:rPr lang="el-GR" sz="1200" dirty="0">
+                <a:solidFill>
+                  <a:srgbClr val="FF0000"/>
+                </a:solidFill>
+              </a:rPr>
+              <a:t>μ</a:t>
+            </a:r>
+            <a:r>
+              <a:rPr lang="fr-BE" sz="1200" dirty="0">
+                <a:solidFill>
+                  <a:srgbClr val="FF0000"/>
+                </a:solidFill>
+              </a:rPr>
+              <a:t> / </a:t>
+            </a:r>
+            <a:r>
+              <a:rPr lang="fr-BE" sz="1200" dirty="0" err="1">
+                <a:solidFill>
+                  <a:srgbClr val="FF0000"/>
+                </a:solidFill>
+              </a:rPr>
+              <a:t>maxAmplitude</a:t>
+            </a:r>
+            <a:endParaRPr lang="fr-BE" sz="1200" dirty="0">
+              <a:solidFill>
+                <a:srgbClr val="FF0000"/>
+              </a:solidFill>
+            </a:endParaRPr>
+          </a:p>
+          <a:p>
+            <a:pPr marL="171450" indent="-171450">
+              <a:buFont typeface="Arial" panose="020B0604020202020204" pitchFamily="34" charset="0"/>
+              <a:buChar char="•"/>
+            </a:pPr>
+            <a:endParaRPr lang="fr-BE" sz="1200" dirty="0">
+              <a:solidFill>
+                <a:srgbClr val="FF0000"/>
+              </a:solidFill>
+            </a:endParaRPr>
+          </a:p>
+          <a:p>
+            <a:pPr marL="171450" indent="-171450">
+              <a:buFont typeface="Arial" panose="020B0604020202020204" pitchFamily="34" charset="0"/>
+              <a:buChar char="•"/>
+            </a:pPr>
+            <a:r>
+              <a:rPr lang="fr-BE" sz="1200" dirty="0">
+                <a:solidFill>
+                  <a:srgbClr val="0070C0"/>
+                </a:solidFill>
+              </a:rPr>
+              <a:t>X = </a:t>
+            </a:r>
+            <a:r>
+              <a:rPr lang="fr-BE" sz="1200" dirty="0" err="1">
+                <a:solidFill>
+                  <a:srgbClr val="0070C0"/>
+                </a:solidFill>
+              </a:rPr>
+              <a:t>xC</a:t>
+            </a:r>
+            <a:r>
+              <a:rPr lang="fr-BE" sz="1200" dirty="0">
+                <a:solidFill>
+                  <a:srgbClr val="0070C0"/>
+                </a:solidFill>
+              </a:rPr>
+              <a:t> + cos(</a:t>
+            </a:r>
+            <a:r>
+              <a:rPr lang="el-GR" sz="1200" dirty="0">
+                <a:solidFill>
+                  <a:srgbClr val="0070C0"/>
+                </a:solidFill>
+              </a:rPr>
+              <a:t>α</a:t>
+            </a:r>
+            <a:r>
+              <a:rPr lang="fr-BE" sz="1200" dirty="0">
+                <a:solidFill>
+                  <a:srgbClr val="0070C0"/>
+                </a:solidFill>
+              </a:rPr>
+              <a:t>) * </a:t>
+            </a:r>
+            <a:r>
+              <a:rPr lang="en-GB" sz="1200" dirty="0" err="1">
+                <a:solidFill>
+                  <a:srgbClr val="FF0000"/>
+                </a:solidFill>
+                <a:latin typeface="Courier New" panose="02070309020205020404" pitchFamily="49" charset="0"/>
+                <a:cs typeface="Courier New" panose="02070309020205020404" pitchFamily="49" charset="0"/>
+              </a:rPr>
+              <a:t>needleLength</a:t>
+            </a:r>
+            <a:endParaRPr lang="en-GB" sz="1200" dirty="0">
+              <a:solidFill>
+                <a:srgbClr val="FF0000"/>
+              </a:solidFill>
+              <a:latin typeface="Courier New" panose="02070309020205020404" pitchFamily="49" charset="0"/>
+              <a:cs typeface="Courier New" panose="02070309020205020404" pitchFamily="49" charset="0"/>
+            </a:endParaRPr>
+          </a:p>
+          <a:p>
+            <a:pPr marL="171450" indent="-171450">
+              <a:buFont typeface="Arial" panose="020B0604020202020204" pitchFamily="34" charset="0"/>
+              <a:buChar char="•"/>
+            </a:pPr>
+            <a:r>
+              <a:rPr lang="fr-BE" sz="1200" dirty="0">
+                <a:solidFill>
+                  <a:srgbClr val="0070C0"/>
+                </a:solidFill>
+              </a:rPr>
+              <a:t>Y = </a:t>
+            </a:r>
+            <a:r>
+              <a:rPr lang="fr-BE" sz="1200" dirty="0" err="1">
+                <a:solidFill>
+                  <a:srgbClr val="0070C0"/>
+                </a:solidFill>
+              </a:rPr>
+              <a:t>yC</a:t>
+            </a:r>
+            <a:r>
+              <a:rPr lang="fr-BE" sz="1200" dirty="0">
+                <a:solidFill>
+                  <a:srgbClr val="0070C0"/>
+                </a:solidFill>
+              </a:rPr>
+              <a:t> + sin(</a:t>
+            </a:r>
+            <a:r>
+              <a:rPr lang="el-GR" sz="1200" dirty="0">
+                <a:solidFill>
+                  <a:srgbClr val="0070C0"/>
+                </a:solidFill>
+              </a:rPr>
+              <a:t>α</a:t>
+            </a:r>
+            <a:r>
+              <a:rPr lang="fr-BE" sz="1200" dirty="0">
+                <a:solidFill>
+                  <a:srgbClr val="0070C0"/>
+                </a:solidFill>
+              </a:rPr>
+              <a:t>) * </a:t>
+            </a:r>
+            <a:r>
+              <a:rPr lang="en-GB" sz="1200" dirty="0" err="1">
+                <a:solidFill>
+                  <a:srgbClr val="FF0000"/>
+                </a:solidFill>
+                <a:latin typeface="Courier New" panose="02070309020205020404" pitchFamily="49" charset="0"/>
+                <a:cs typeface="Courier New" panose="02070309020205020404" pitchFamily="49" charset="0"/>
+              </a:rPr>
+              <a:t>needleLength</a:t>
+            </a:r>
+            <a:endParaRPr lang="en-GB" sz="1200" dirty="0">
+              <a:solidFill>
+                <a:srgbClr val="FF0000"/>
+              </a:solidFill>
+              <a:latin typeface="Courier New" panose="02070309020205020404" pitchFamily="49" charset="0"/>
+              <a:cs typeface="Courier New" panose="02070309020205020404" pitchFamily="49" charset="0"/>
+            </a:endParaRPr>
+          </a:p>
+          <a:p>
+            <a:pPr marL="171450" indent="-171450">
+              <a:buFont typeface="Arial" panose="020B0604020202020204" pitchFamily="34" charset="0"/>
+              <a:buChar char="•"/>
+            </a:pPr>
+            <a:endParaRPr lang="en-GB" sz="1200" dirty="0">
+              <a:solidFill>
+                <a:srgbClr val="FF0000"/>
+              </a:solidFill>
+              <a:latin typeface="Courier New" panose="02070309020205020404" pitchFamily="49" charset="0"/>
+              <a:cs typeface="Courier New" panose="02070309020205020404" pitchFamily="49" charset="0"/>
+            </a:endParaRPr>
+          </a:p>
+          <a:p>
+            <a:pPr marL="171450" indent="-171450">
+              <a:buFont typeface="Arial" panose="020B0604020202020204" pitchFamily="34" charset="0"/>
+              <a:buChar char="•"/>
+            </a:pPr>
+            <a:r>
+              <a:rPr lang="fr-BE" sz="1200" dirty="0">
+                <a:solidFill>
+                  <a:srgbClr val="0070C0"/>
+                </a:solidFill>
+                <a:latin typeface="Courier New" panose="02070309020205020404" pitchFamily="49" charset="0"/>
+                <a:cs typeface="Courier New" panose="02070309020205020404" pitchFamily="49" charset="0"/>
+              </a:rPr>
+              <a:t>(</a:t>
+            </a:r>
+            <a:r>
+              <a:rPr lang="fr-BE" sz="1200" dirty="0" err="1">
+                <a:solidFill>
+                  <a:srgbClr val="0070C0"/>
+                </a:solidFill>
+                <a:latin typeface="Courier New" panose="02070309020205020404" pitchFamily="49" charset="0"/>
+                <a:cs typeface="Courier New" panose="02070309020205020404" pitchFamily="49" charset="0"/>
+              </a:rPr>
+              <a:t>xI</a:t>
+            </a:r>
+            <a:r>
+              <a:rPr lang="fr-BE" sz="1200" dirty="0">
+                <a:solidFill>
+                  <a:srgbClr val="0070C0"/>
+                </a:solidFill>
+                <a:latin typeface="Courier New" panose="02070309020205020404" pitchFamily="49" charset="0"/>
+                <a:cs typeface="Courier New" panose="02070309020205020404" pitchFamily="49" charset="0"/>
+              </a:rPr>
+              <a:t>, YI) </a:t>
+            </a:r>
+            <a:r>
+              <a:rPr lang="fr-BE" sz="1200" dirty="0">
+                <a:solidFill>
+                  <a:srgbClr val="0070C0"/>
+                </a:solidFill>
+              </a:rPr>
+              <a:t>= </a:t>
+            </a:r>
+            <a:r>
+              <a:rPr lang="en-US" sz="1100" dirty="0" err="1">
+                <a:effectLst/>
+                <a:latin typeface="Consolas" panose="020B0609020204030204" pitchFamily="49" charset="0"/>
+              </a:rPr>
+              <a:t>calculateIntersection</a:t>
+            </a:r>
+            <a:r>
+              <a:rPr lang="en-US" sz="1100" dirty="0">
+                <a:effectLst/>
+                <a:latin typeface="Consolas" panose="020B0609020204030204" pitchFamily="49" charset="0"/>
+              </a:rPr>
+              <a:t>(0,0, </a:t>
+            </a:r>
+            <a:r>
+              <a:rPr lang="en-US" sz="1100" dirty="0" err="1">
+                <a:effectLst/>
+                <a:latin typeface="Consolas" panose="020B0609020204030204" pitchFamily="49" charset="0"/>
+              </a:rPr>
+              <a:t>width,height</a:t>
+            </a:r>
+            <a:r>
+              <a:rPr lang="en-US" sz="1100" dirty="0">
+                <a:effectLst/>
+                <a:latin typeface="Consolas" panose="020B0609020204030204" pitchFamily="49" charset="0"/>
+              </a:rPr>
+              <a:t>, </a:t>
+            </a:r>
+            <a:r>
+              <a:rPr lang="en-US" sz="1100" dirty="0" err="1">
+                <a:effectLst/>
+                <a:latin typeface="Consolas" panose="020B0609020204030204" pitchFamily="49" charset="0"/>
+              </a:rPr>
+              <a:t>xC,yC</a:t>
+            </a:r>
+            <a:r>
+              <a:rPr lang="en-US" sz="1100" dirty="0">
+                <a:latin typeface="Consolas" panose="020B0609020204030204" pitchFamily="49" charset="0"/>
+              </a:rPr>
+              <a:t>, X,Y)</a:t>
+            </a:r>
+          </a:p>
+          <a:p>
+            <a:pPr lvl="1"/>
+            <a:r>
+              <a:rPr lang="en-US" sz="1100" dirty="0">
+                <a:latin typeface="Consolas" panose="020B0609020204030204" pitchFamily="49" charset="0"/>
+              </a:rPr>
+              <a:t>… if null </a:t>
+            </a:r>
+            <a:r>
+              <a:rPr lang="en-US" sz="1100" dirty="0">
+                <a:latin typeface="Consolas" panose="020B0609020204030204" pitchFamily="49" charset="0"/>
+                <a:sym typeface="Wingdings" panose="05000000000000000000" pitchFamily="2" charset="2"/>
+              </a:rPr>
+              <a:t> (</a:t>
+            </a:r>
+            <a:r>
+              <a:rPr lang="en-US" sz="1100" dirty="0" err="1">
+                <a:latin typeface="Consolas" panose="020B0609020204030204" pitchFamily="49" charset="0"/>
+                <a:sym typeface="Wingdings" panose="05000000000000000000" pitchFamily="2" charset="2"/>
+              </a:rPr>
+              <a:t>xC</a:t>
+            </a:r>
+            <a:r>
+              <a:rPr lang="en-US" sz="1100" dirty="0">
+                <a:latin typeface="Consolas" panose="020B0609020204030204" pitchFamily="49" charset="0"/>
+                <a:sym typeface="Wingdings" panose="05000000000000000000" pitchFamily="2" charset="2"/>
+              </a:rPr>
+              <a:t>, </a:t>
+            </a:r>
+            <a:r>
+              <a:rPr lang="en-US" sz="1100" dirty="0" err="1">
+                <a:latin typeface="Consolas" panose="020B0609020204030204" pitchFamily="49" charset="0"/>
+                <a:sym typeface="Wingdings" panose="05000000000000000000" pitchFamily="2" charset="2"/>
+              </a:rPr>
+              <a:t>yC</a:t>
+            </a:r>
+            <a:r>
+              <a:rPr lang="en-US" sz="1100" dirty="0">
+                <a:latin typeface="Consolas" panose="020B0609020204030204" pitchFamily="49" charset="0"/>
+                <a:sym typeface="Wingdings" panose="05000000000000000000" pitchFamily="2" charset="2"/>
+              </a:rPr>
+              <a:t>)</a:t>
+            </a:r>
+            <a:endParaRPr lang="en-GB" sz="1100" dirty="0">
+              <a:latin typeface="Consolas" panose="020B0609020204030204" pitchFamily="49" charset="0"/>
+            </a:endParaRPr>
+          </a:p>
+          <a:p>
+            <a:pPr marL="171450" indent="-171450">
+              <a:buFont typeface="Arial" panose="020B0604020202020204" pitchFamily="34" charset="0"/>
+              <a:buChar char="•"/>
+            </a:pPr>
+            <a:endParaRPr lang="en-GB" sz="1200" dirty="0">
+              <a:solidFill>
+                <a:srgbClr val="FF0000"/>
+              </a:solidFill>
+              <a:latin typeface="Courier New" panose="02070309020205020404" pitchFamily="49" charset="0"/>
+              <a:cs typeface="Courier New" panose="02070309020205020404" pitchFamily="49" charset="0"/>
+            </a:endParaRPr>
+          </a:p>
+          <a:p>
+            <a:pPr marL="171450" indent="-171450">
+              <a:buFont typeface="Arial" panose="020B0604020202020204" pitchFamily="34" charset="0"/>
+              <a:buChar char="•"/>
+            </a:pPr>
+            <a:r>
+              <a:rPr lang="en-GB" sz="1200" dirty="0">
+                <a:solidFill>
+                  <a:srgbClr val="01A797"/>
+                </a:solidFill>
+                <a:latin typeface="Courier New" panose="02070309020205020404" pitchFamily="49" charset="0"/>
+                <a:cs typeface="Courier New" panose="02070309020205020404" pitchFamily="49" charset="0"/>
+              </a:rPr>
+              <a:t>(</a:t>
+            </a:r>
+            <a:r>
+              <a:rPr lang="en-GB" sz="1200" dirty="0" err="1">
+                <a:solidFill>
+                  <a:srgbClr val="01A797"/>
+                </a:solidFill>
+                <a:latin typeface="Courier New" panose="02070309020205020404" pitchFamily="49" charset="0"/>
+                <a:cs typeface="Courier New" panose="02070309020205020404" pitchFamily="49" charset="0"/>
+              </a:rPr>
+              <a:t>dX</a:t>
+            </a:r>
+            <a:r>
+              <a:rPr lang="en-GB" sz="1200" dirty="0">
+                <a:solidFill>
+                  <a:srgbClr val="01A797"/>
+                </a:solidFill>
+                <a:latin typeface="Courier New" panose="02070309020205020404" pitchFamily="49" charset="0"/>
+                <a:cs typeface="Courier New" panose="02070309020205020404" pitchFamily="49" charset="0"/>
+              </a:rPr>
+              <a:t>, </a:t>
+            </a:r>
+            <a:r>
+              <a:rPr lang="en-GB" sz="1200" dirty="0" err="1">
+                <a:solidFill>
+                  <a:srgbClr val="01A797"/>
+                </a:solidFill>
+                <a:latin typeface="Courier New" panose="02070309020205020404" pitchFamily="49" charset="0"/>
+                <a:cs typeface="Courier New" panose="02070309020205020404" pitchFamily="49" charset="0"/>
+              </a:rPr>
+              <a:t>dY</a:t>
+            </a:r>
+            <a:r>
+              <a:rPr lang="en-GB" sz="1200" dirty="0">
+                <a:solidFill>
+                  <a:srgbClr val="01A797"/>
+                </a:solidFill>
+                <a:latin typeface="Courier New" panose="02070309020205020404" pitchFamily="49" charset="0"/>
+                <a:cs typeface="Courier New" panose="02070309020205020404" pitchFamily="49" charset="0"/>
+              </a:rPr>
+              <a:t>) = ( X * </a:t>
+            </a:r>
+            <a:r>
+              <a:rPr lang="en-GB" sz="1200" dirty="0" err="1">
+                <a:solidFill>
+                  <a:srgbClr val="01A797"/>
+                </a:solidFill>
+                <a:latin typeface="Courier New" panose="02070309020205020404" pitchFamily="49" charset="0"/>
+                <a:cs typeface="Courier New" panose="02070309020205020404" pitchFamily="49" charset="0"/>
+              </a:rPr>
+              <a:t>dWidth</a:t>
+            </a:r>
+            <a:r>
+              <a:rPr lang="en-GB" sz="1200" dirty="0">
+                <a:solidFill>
+                  <a:srgbClr val="01A797"/>
+                </a:solidFill>
+                <a:latin typeface="Courier New" panose="02070309020205020404" pitchFamily="49" charset="0"/>
+                <a:cs typeface="Courier New" panose="02070309020205020404" pitchFamily="49" charset="0"/>
+              </a:rPr>
+              <a:t>/width, Y * </a:t>
+            </a:r>
+            <a:r>
+              <a:rPr lang="en-GB" sz="1200" dirty="0" err="1">
+                <a:solidFill>
+                  <a:srgbClr val="01A797"/>
+                </a:solidFill>
+                <a:latin typeface="Courier New" panose="02070309020205020404" pitchFamily="49" charset="0"/>
+                <a:cs typeface="Courier New" panose="02070309020205020404" pitchFamily="49" charset="0"/>
+              </a:rPr>
+              <a:t>dHeight</a:t>
+            </a:r>
+            <a:r>
+              <a:rPr lang="en-GB" sz="1200" dirty="0">
+                <a:solidFill>
+                  <a:srgbClr val="01A797"/>
+                </a:solidFill>
+                <a:latin typeface="Courier New" panose="02070309020205020404" pitchFamily="49" charset="0"/>
+                <a:cs typeface="Courier New" panose="02070309020205020404" pitchFamily="49" charset="0"/>
+              </a:rPr>
+              <a:t>/height)</a:t>
+            </a:r>
+          </a:p>
+          <a:p>
+            <a:pPr marL="171450" indent="-171450">
+              <a:buFont typeface="Arial" panose="020B0604020202020204" pitchFamily="34" charset="0"/>
+              <a:buChar char="•"/>
+            </a:pPr>
+            <a:endParaRPr lang="en-GB" sz="1200" dirty="0">
+              <a:solidFill>
+                <a:srgbClr val="FF0000"/>
+              </a:solidFill>
+            </a:endParaRPr>
+          </a:p>
+          <a:p>
+            <a:pPr marL="171450" indent="-171450">
+              <a:buFont typeface="Arial" panose="020B0604020202020204" pitchFamily="34" charset="0"/>
+              <a:buChar char="•"/>
+            </a:pPr>
+            <a:endParaRPr lang="en-GB" sz="1200" dirty="0">
+              <a:solidFill>
+                <a:srgbClr val="FF0000"/>
+              </a:solidFill>
+              <a:latin typeface="Courier New" panose="02070309020205020404" pitchFamily="49" charset="0"/>
+              <a:cs typeface="Courier New" panose="02070309020205020404" pitchFamily="49" charset="0"/>
+            </a:endParaRPr>
+          </a:p>
+          <a:p>
+            <a:pPr marL="171450" indent="-171450">
+              <a:buFont typeface="Arial" panose="020B0604020202020204" pitchFamily="34" charset="0"/>
+              <a:buChar char="•"/>
+            </a:pPr>
+            <a:endParaRPr lang="en-GB" sz="1200" dirty="0">
+              <a:solidFill>
+                <a:srgbClr val="FF0000"/>
+              </a:solidFill>
+            </a:endParaRPr>
+          </a:p>
+        </p:txBody>
+      </p:sp>
+      <p:sp>
+        <p:nvSpPr>
+          <p:cNvPr id="65" name="Ellipse 64">
+            <a:extLst>
+              <a:ext uri="{FF2B5EF4-FFF2-40B4-BE49-F238E27FC236}">
+                <a16:creationId xmlns:a16="http://schemas.microsoft.com/office/drawing/2014/main" id="{E836658B-A85C-73CC-3958-1CCBD2B1F67A}"/>
+              </a:ext>
+            </a:extLst>
+          </p:cNvPr>
+          <p:cNvSpPr/>
+          <p:nvPr/>
+        </p:nvSpPr>
+        <p:spPr>
+          <a:xfrm>
+            <a:off x="3838575" y="4857750"/>
+            <a:ext cx="152400" cy="133350"/>
+          </a:xfrm>
+          <a:prstGeom prst="ellipse">
+            <a:avLst/>
+          </a:prstGeom>
+        </p:spPr>
+        <p:style>
+          <a:lnRef idx="2">
+            <a:schemeClr val="accent1">
+              <a:shade val="15000"/>
+            </a:schemeClr>
+          </a:lnRef>
+          <a:fillRef idx="1">
+            <a:schemeClr val="accent1"/>
+          </a:fillRef>
+          <a:effectRef idx="0">
+            <a:schemeClr val="accent1"/>
+          </a:effectRef>
+          <a:fontRef idx="minor">
+            <a:schemeClr val="lt1"/>
+          </a:fontRef>
+        </p:style>
+        <p:txBody>
+          <a:bodyPr rtlCol="0" anchor="ctr"/>
+          <a:lstStyle/>
+          <a:p>
+            <a:pPr algn="ctr"/>
+            <a:endParaRPr lang="en-GB"/>
+          </a:p>
+        </p:txBody>
+      </p:sp>
+      <p:sp>
+        <p:nvSpPr>
+          <p:cNvPr id="66" name="ZoneTexte 65">
+            <a:extLst>
+              <a:ext uri="{FF2B5EF4-FFF2-40B4-BE49-F238E27FC236}">
+                <a16:creationId xmlns:a16="http://schemas.microsoft.com/office/drawing/2014/main" id="{D77C4357-6F6E-02CE-F27A-3C1F5A30D5DA}"/>
+              </a:ext>
+            </a:extLst>
+          </p:cNvPr>
+          <p:cNvSpPr txBox="1"/>
+          <p:nvPr/>
+        </p:nvSpPr>
+        <p:spPr>
+          <a:xfrm>
+            <a:off x="3105150" y="4581525"/>
+            <a:ext cx="928459" cy="276999"/>
+          </a:xfrm>
+          <a:prstGeom prst="rect">
+            <a:avLst/>
+          </a:prstGeom>
+          <a:noFill/>
+        </p:spPr>
+        <p:txBody>
+          <a:bodyPr wrap="none" rtlCol="0">
+            <a:spAutoFit/>
+          </a:bodyPr>
+          <a:lstStyle/>
+          <a:p>
+            <a:r>
+              <a:rPr lang="en-GB" sz="1200" dirty="0">
+                <a:solidFill>
+                  <a:schemeClr val="accent1"/>
+                </a:solidFill>
+                <a:latin typeface="Courier New" panose="02070309020205020404" pitchFamily="49" charset="0"/>
+                <a:cs typeface="Courier New" panose="02070309020205020404" pitchFamily="49" charset="0"/>
+              </a:rPr>
+              <a:t>(</a:t>
+            </a:r>
+            <a:r>
+              <a:rPr lang="en-GB" sz="1200" dirty="0" err="1">
+                <a:solidFill>
+                  <a:schemeClr val="accent1"/>
+                </a:solidFill>
+                <a:latin typeface="Courier New" panose="02070309020205020404" pitchFamily="49" charset="0"/>
+                <a:cs typeface="Courier New" panose="02070309020205020404" pitchFamily="49" charset="0"/>
+              </a:rPr>
+              <a:t>xI</a:t>
+            </a:r>
+            <a:r>
+              <a:rPr lang="en-GB" sz="1200" dirty="0">
+                <a:solidFill>
+                  <a:schemeClr val="accent1"/>
+                </a:solidFill>
+                <a:latin typeface="Courier New" panose="02070309020205020404" pitchFamily="49" charset="0"/>
+                <a:cs typeface="Courier New" panose="02070309020205020404" pitchFamily="49" charset="0"/>
+              </a:rPr>
+              <a:t>, </a:t>
+            </a:r>
+            <a:r>
+              <a:rPr lang="en-GB" sz="1200" dirty="0" err="1">
+                <a:solidFill>
+                  <a:schemeClr val="accent1"/>
+                </a:solidFill>
+                <a:latin typeface="Courier New" panose="02070309020205020404" pitchFamily="49" charset="0"/>
+                <a:cs typeface="Courier New" panose="02070309020205020404" pitchFamily="49" charset="0"/>
+              </a:rPr>
+              <a:t>yI</a:t>
+            </a:r>
+            <a:r>
+              <a:rPr lang="en-GB" sz="1200" dirty="0">
+                <a:solidFill>
+                  <a:schemeClr val="accent1"/>
+                </a:solidFill>
+                <a:latin typeface="Courier New" panose="02070309020205020404" pitchFamily="49" charset="0"/>
+                <a:cs typeface="Courier New" panose="02070309020205020404" pitchFamily="49" charset="0"/>
+              </a:rPr>
+              <a:t>)</a:t>
+            </a:r>
+          </a:p>
+        </p:txBody>
+      </p:sp>
+      <p:sp>
+        <p:nvSpPr>
+          <p:cNvPr id="67" name="Ellipse 66">
+            <a:extLst>
+              <a:ext uri="{FF2B5EF4-FFF2-40B4-BE49-F238E27FC236}">
+                <a16:creationId xmlns:a16="http://schemas.microsoft.com/office/drawing/2014/main" id="{55ACD0F5-729D-A4B6-AED7-902E3D7894D0}"/>
+              </a:ext>
+            </a:extLst>
+          </p:cNvPr>
+          <p:cNvSpPr/>
+          <p:nvPr/>
+        </p:nvSpPr>
+        <p:spPr>
+          <a:xfrm>
+            <a:off x="4667250" y="3295650"/>
+            <a:ext cx="152400" cy="133350"/>
+          </a:xfrm>
+          <a:prstGeom prst="ellipse">
+            <a:avLst/>
+          </a:prstGeom>
+        </p:spPr>
+        <p:style>
+          <a:lnRef idx="2">
+            <a:schemeClr val="accent1">
+              <a:shade val="15000"/>
+            </a:schemeClr>
+          </a:lnRef>
+          <a:fillRef idx="1">
+            <a:schemeClr val="accent1"/>
+          </a:fillRef>
+          <a:effectRef idx="0">
+            <a:schemeClr val="accent1"/>
+          </a:effectRef>
+          <a:fontRef idx="minor">
+            <a:schemeClr val="lt1"/>
+          </a:fontRef>
+        </p:style>
+        <p:txBody>
+          <a:bodyPr rtlCol="0" anchor="ctr"/>
+          <a:lstStyle/>
+          <a:p>
+            <a:pPr algn="ctr"/>
+            <a:endParaRPr lang="en-GB"/>
+          </a:p>
+        </p:txBody>
+      </p:sp>
+      <p:sp>
+        <p:nvSpPr>
+          <p:cNvPr id="68" name="Ellipse 67">
+            <a:extLst>
+              <a:ext uri="{FF2B5EF4-FFF2-40B4-BE49-F238E27FC236}">
+                <a16:creationId xmlns:a16="http://schemas.microsoft.com/office/drawing/2014/main" id="{2CB27B14-01E6-AADC-9567-84C8B9FA5BB9}"/>
+              </a:ext>
+            </a:extLst>
+          </p:cNvPr>
+          <p:cNvSpPr/>
+          <p:nvPr/>
+        </p:nvSpPr>
+        <p:spPr>
+          <a:xfrm>
+            <a:off x="3657600" y="2076450"/>
+            <a:ext cx="152400" cy="133350"/>
+          </a:xfrm>
+          <a:prstGeom prst="ellipse">
+            <a:avLst/>
+          </a:prstGeom>
+          <a:solidFill>
+            <a:srgbClr val="00B050"/>
+          </a:solidFill>
+          <a:ln>
+            <a:noFill/>
+          </a:ln>
+        </p:spPr>
+        <p:style>
+          <a:lnRef idx="2">
+            <a:schemeClr val="accent1">
+              <a:shade val="15000"/>
+            </a:schemeClr>
+          </a:lnRef>
+          <a:fillRef idx="1">
+            <a:schemeClr val="accent1"/>
+          </a:fillRef>
+          <a:effectRef idx="0">
+            <a:schemeClr val="accent1"/>
+          </a:effectRef>
+          <a:fontRef idx="minor">
+            <a:schemeClr val="lt1"/>
+          </a:fontRef>
+        </p:style>
+        <p:txBody>
+          <a:bodyPr rtlCol="0" anchor="ctr"/>
+          <a:lstStyle/>
+          <a:p>
+            <a:pPr algn="ctr"/>
+            <a:endParaRPr lang="en-GB"/>
+          </a:p>
+        </p:txBody>
+      </p:sp>
+      <p:sp>
+        <p:nvSpPr>
+          <p:cNvPr id="69" name="Ellipse 68">
+            <a:extLst>
+              <a:ext uri="{FF2B5EF4-FFF2-40B4-BE49-F238E27FC236}">
+                <a16:creationId xmlns:a16="http://schemas.microsoft.com/office/drawing/2014/main" id="{EC3F7375-4950-6DD9-EFE4-9C5AA5917F12}"/>
+              </a:ext>
+            </a:extLst>
+          </p:cNvPr>
+          <p:cNvSpPr/>
+          <p:nvPr/>
+        </p:nvSpPr>
+        <p:spPr>
+          <a:xfrm>
+            <a:off x="3352800" y="2552700"/>
+            <a:ext cx="152400" cy="133350"/>
+          </a:xfrm>
+          <a:prstGeom prst="ellipse">
+            <a:avLst/>
+          </a:prstGeom>
+          <a:solidFill>
+            <a:srgbClr val="00B050"/>
+          </a:solidFill>
+          <a:ln>
+            <a:noFill/>
+          </a:ln>
+        </p:spPr>
+        <p:style>
+          <a:lnRef idx="2">
+            <a:schemeClr val="accent1">
+              <a:shade val="15000"/>
+            </a:schemeClr>
+          </a:lnRef>
+          <a:fillRef idx="1">
+            <a:schemeClr val="accent1"/>
+          </a:fillRef>
+          <a:effectRef idx="0">
+            <a:schemeClr val="accent1"/>
+          </a:effectRef>
+          <a:fontRef idx="minor">
+            <a:schemeClr val="lt1"/>
+          </a:fontRef>
+        </p:style>
+        <p:txBody>
+          <a:bodyPr rtlCol="0" anchor="ctr"/>
+          <a:lstStyle/>
+          <a:p>
+            <a:pPr algn="ctr"/>
+            <a:endParaRPr lang="en-GB"/>
+          </a:p>
+        </p:txBody>
+      </p:sp>
+      <p:sp>
+        <p:nvSpPr>
+          <p:cNvPr id="70" name="ZoneTexte 69">
+            <a:extLst>
+              <a:ext uri="{FF2B5EF4-FFF2-40B4-BE49-F238E27FC236}">
+                <a16:creationId xmlns:a16="http://schemas.microsoft.com/office/drawing/2014/main" id="{A5C8D019-491C-E1E4-2EBC-CA52F99FF74D}"/>
+              </a:ext>
+            </a:extLst>
+          </p:cNvPr>
+          <p:cNvSpPr txBox="1"/>
+          <p:nvPr/>
+        </p:nvSpPr>
+        <p:spPr>
+          <a:xfrm>
+            <a:off x="2857500" y="2657475"/>
+            <a:ext cx="1114408" cy="276999"/>
+          </a:xfrm>
+          <a:prstGeom prst="rect">
+            <a:avLst/>
+          </a:prstGeom>
+          <a:noFill/>
+        </p:spPr>
+        <p:txBody>
+          <a:bodyPr wrap="none" rtlCol="0">
+            <a:spAutoFit/>
+          </a:bodyPr>
+          <a:lstStyle/>
+          <a:p>
+            <a:r>
+              <a:rPr lang="en-GB" sz="1200" dirty="0">
+                <a:solidFill>
+                  <a:srgbClr val="01A797"/>
+                </a:solidFill>
+                <a:latin typeface="Courier New" panose="02070309020205020404" pitchFamily="49" charset="0"/>
+                <a:cs typeface="Courier New" panose="02070309020205020404" pitchFamily="49" charset="0"/>
+              </a:rPr>
+              <a:t>(</a:t>
+            </a:r>
+            <a:r>
+              <a:rPr lang="en-GB" sz="1200" dirty="0" err="1">
+                <a:solidFill>
+                  <a:srgbClr val="01A797"/>
+                </a:solidFill>
+                <a:latin typeface="Courier New" panose="02070309020205020404" pitchFamily="49" charset="0"/>
+                <a:cs typeface="Courier New" panose="02070309020205020404" pitchFamily="49" charset="0"/>
+              </a:rPr>
+              <a:t>dXi</a:t>
+            </a:r>
+            <a:r>
+              <a:rPr lang="en-GB" sz="1200" dirty="0">
+                <a:solidFill>
+                  <a:srgbClr val="01A797"/>
+                </a:solidFill>
+                <a:latin typeface="Courier New" panose="02070309020205020404" pitchFamily="49" charset="0"/>
+                <a:cs typeface="Courier New" panose="02070309020205020404" pitchFamily="49" charset="0"/>
+              </a:rPr>
+              <a:t>, </a:t>
+            </a:r>
+            <a:r>
+              <a:rPr lang="en-GB" sz="1200" dirty="0" err="1">
+                <a:solidFill>
+                  <a:srgbClr val="01A797"/>
+                </a:solidFill>
+                <a:latin typeface="Courier New" panose="02070309020205020404" pitchFamily="49" charset="0"/>
+                <a:cs typeface="Courier New" panose="02070309020205020404" pitchFamily="49" charset="0"/>
+              </a:rPr>
+              <a:t>dYi</a:t>
+            </a:r>
+            <a:r>
+              <a:rPr lang="en-GB" sz="1200" dirty="0">
+                <a:solidFill>
+                  <a:srgbClr val="01A797"/>
+                </a:solidFill>
+                <a:latin typeface="Courier New" panose="02070309020205020404" pitchFamily="49" charset="0"/>
+                <a:cs typeface="Courier New" panose="02070309020205020404" pitchFamily="49" charset="0"/>
+              </a:rPr>
+              <a:t>)</a:t>
+            </a:r>
+          </a:p>
+        </p:txBody>
+      </p:sp>
+    </p:spTree>
+    <p:extLst>
+      <p:ext uri="{BB962C8B-B14F-4D97-AF65-F5344CB8AC3E}">
+        <p14:creationId xmlns:p14="http://schemas.microsoft.com/office/powerpoint/2010/main" val="4166301078"/>
+      </p:ext>
+    </p:extLst>
+  </p:cSld>
+  <p:clrMapOvr>
+    <a:masterClrMapping/>
+  </p:clrMapOvr>
+</p:sld>
+</file>
+
+<file path=ppt/slides/slide21.xml><?xml version="1.0" encoding="utf-8"?>
+<p:sld xmlns:a="http://schemas.openxmlformats.org/drawingml/2006/main" xmlns:r="http://schemas.openxmlformats.org/officeDocument/2006/relationships" xmlns:p="http://schemas.openxmlformats.org/presentationml/2006/main">
+  <p:cSld>
+    <p:spTree>
+      <p:nvGrpSpPr>
+        <p:cNvPr id="1" name=""/>
+        <p:cNvGrpSpPr/>
+        <p:nvPr/>
+      </p:nvGrpSpPr>
+      <p:grpSpPr>
+        <a:xfrm>
+          <a:off x="0" y="0"/>
+          <a:ext cx="0" cy="0"/>
+          <a:chOff x="0" y="0"/>
+          <a:chExt cx="0" cy="0"/>
+        </a:xfrm>
+      </p:grpSpPr>
+      <p:sp>
+        <p:nvSpPr>
+          <p:cNvPr id="2" name="Titre 1">
+            <a:extLst>
+              <a:ext uri="{FF2B5EF4-FFF2-40B4-BE49-F238E27FC236}">
+                <a16:creationId xmlns:a16="http://schemas.microsoft.com/office/drawing/2014/main" id="{2462A22C-BF88-8F98-F5BA-9CC103CC4899}"/>
+              </a:ext>
+            </a:extLst>
+          </p:cNvPr>
+          <p:cNvSpPr>
+            <a:spLocks noGrp="1"/>
+          </p:cNvSpPr>
+          <p:nvPr>
+            <p:ph type="ctrTitle"/>
+          </p:nvPr>
+        </p:nvSpPr>
+        <p:spPr/>
+        <p:txBody>
+          <a:bodyPr/>
+          <a:lstStyle/>
+          <a:p>
+            <a:r>
+              <a:rPr lang="en-GB" dirty="0"/>
+              <a:t>Background design</a:t>
+            </a:r>
+          </a:p>
+        </p:txBody>
+      </p:sp>
+      <p:sp>
+        <p:nvSpPr>
+          <p:cNvPr id="3" name="Sous-titre 2">
+            <a:extLst>
+              <a:ext uri="{FF2B5EF4-FFF2-40B4-BE49-F238E27FC236}">
+                <a16:creationId xmlns:a16="http://schemas.microsoft.com/office/drawing/2014/main" id="{73306BEB-D201-F3A3-8C2C-C6A29E925C38}"/>
+              </a:ext>
+            </a:extLst>
+          </p:cNvPr>
+          <p:cNvSpPr>
+            <a:spLocks noGrp="1"/>
+          </p:cNvSpPr>
+          <p:nvPr>
+            <p:ph type="subTitle" idx="1"/>
+          </p:nvPr>
+        </p:nvSpPr>
+        <p:spPr/>
+        <p:txBody>
+          <a:bodyPr/>
+          <a:lstStyle/>
+          <a:p>
+            <a:endParaRPr lang="en-GB"/>
+          </a:p>
+        </p:txBody>
+      </p:sp>
+    </p:spTree>
+    <p:extLst>
+      <p:ext uri="{BB962C8B-B14F-4D97-AF65-F5344CB8AC3E}">
+        <p14:creationId xmlns:p14="http://schemas.microsoft.com/office/powerpoint/2010/main" val="2116911144"/>
+      </p:ext>
+    </p:extLst>
+  </p:cSld>
+  <p:clrMapOvr>
+    <a:masterClrMapping/>
+  </p:clrMapOvr>
+</p:sld>
+</file>
+
+<file path=ppt/slides/slide22.xml><?xml version="1.0" encoding="utf-8"?>
+<p:sld xmlns:a="http://schemas.openxmlformats.org/drawingml/2006/main" xmlns:r="http://schemas.openxmlformats.org/officeDocument/2006/relationships" xmlns:p="http://schemas.openxmlformats.org/presentationml/2006/main">
+  <p:cSld>
+    <p:spTree>
+      <p:nvGrpSpPr>
+        <p:cNvPr id="1" name="">
+          <a:extLst>
+            <a:ext uri="{FF2B5EF4-FFF2-40B4-BE49-F238E27FC236}">
               <a16:creationId xmlns:a16="http://schemas.microsoft.com/office/drawing/2014/main" id="{80F34A11-441A-0B64-01DB-9D3403DFE889}"/>
             </a:ext>
           </a:extLst>
@@ -10648,7 +15986,7 @@
 </p:sld>
 </file>
 
-<file path=ppt/slides/slide21.xml><?xml version="1.0" encoding="utf-8"?>
+<file path=ppt/slides/slide23.xml><?xml version="1.0" encoding="utf-8"?>
 <p:sld xmlns:a="http://schemas.openxmlformats.org/drawingml/2006/main" xmlns:r="http://schemas.openxmlformats.org/officeDocument/2006/relationships" xmlns:p="http://schemas.openxmlformats.org/presentationml/2006/main">
   <p:cSld>
     <p:spTree>
@@ -11835,7 +17173,7 @@
 </p:sld>
 </file>
 
-<file path=ppt/slides/slide22.xml><?xml version="1.0" encoding="utf-8"?>
+<file path=ppt/slides/slide24.xml><?xml version="1.0" encoding="utf-8"?>
 <p:sld xmlns:a="http://schemas.openxmlformats.org/drawingml/2006/main" xmlns:r="http://schemas.openxmlformats.org/officeDocument/2006/relationships" xmlns:p="http://schemas.openxmlformats.org/presentationml/2006/main">
   <p:cSld>
     <p:spTree>
@@ -13559,7 +18897,7 @@
 </p:sld>
 </file>
 
-<file path=ppt/slides/slide23.xml><?xml version="1.0" encoding="utf-8"?>
+<file path=ppt/slides/slide25.xml><?xml version="1.0" encoding="utf-8"?>
 <p:sld xmlns:a="http://schemas.openxmlformats.org/drawingml/2006/main" xmlns:r="http://schemas.openxmlformats.org/officeDocument/2006/relationships" xmlns:p="http://schemas.openxmlformats.org/presentationml/2006/main">
   <p:cSld>
     <p:spTree>
@@ -14980,7 +20318,7 @@
 </p:sld>
 </file>
 
-<file path=ppt/slides/slide24.xml><?xml version="1.0" encoding="utf-8"?>
+<file path=ppt/slides/slide26.xml><?xml version="1.0" encoding="utf-8"?>
 <p:sld xmlns:a="http://schemas.openxmlformats.org/drawingml/2006/main" xmlns:r="http://schemas.openxmlformats.org/officeDocument/2006/relationships" xmlns:p="http://schemas.openxmlformats.org/presentationml/2006/main">
   <p:cSld>
     <p:spTree>
@@ -16473,7 +21811,7 @@
 </p:sld>
 </file>
 
-<file path=ppt/slides/slide25.xml><?xml version="1.0" encoding="utf-8"?>
+<file path=ppt/slides/slide27.xml><?xml version="1.0" encoding="utf-8"?>
 <p:sld xmlns:a="http://schemas.openxmlformats.org/drawingml/2006/main" xmlns:r="http://schemas.openxmlformats.org/officeDocument/2006/relationships" xmlns:p="http://schemas.openxmlformats.org/presentationml/2006/main">
   <p:cSld>
     <p:spTree>
@@ -17983,7 +23321,7 @@
 </p:sld>
 </file>
 
-<file path=ppt/slides/slide26.xml><?xml version="1.0" encoding="utf-8"?>
+<file path=ppt/slides/slide28.xml><?xml version="1.0" encoding="utf-8"?>
 <p:sld xmlns:a="http://schemas.openxmlformats.org/drawingml/2006/main" xmlns:r="http://schemas.openxmlformats.org/officeDocument/2006/relationships" xmlns:p="http://schemas.openxmlformats.org/presentationml/2006/main">
   <p:cSld>
     <p:spTree>
@@ -18028,19 +23366,19 @@
           </a:prstGeom>
           <a:gradFill flip="none" rotWithShape="1">
             <a:gsLst>
-              <a:gs pos="31000">
+              <a:gs pos="65000">
                 <a:schemeClr val="tx1"/>
               </a:gs>
               <a:gs pos="98000">
-                <a:schemeClr val="bg2">
-                  <a:lumMod val="25000"/>
+                <a:schemeClr val="bg1">
+                  <a:lumMod val="50000"/>
                 </a:schemeClr>
               </a:gs>
             </a:gsLst>
             <a:path path="circle">
-              <a:fillToRect l="100000" t="100000"/>
+              <a:fillToRect l="100000" b="100000"/>
             </a:path>
-            <a:tileRect r="-100000" b="-100000"/>
+            <a:tileRect t="-100000" r="-100000"/>
           </a:gradFill>
           <a:ln w="76200">
             <a:solidFill>
@@ -19532,7 +24870,7 @@
 </p:sld>
 </file>
 
-<file path=ppt/slides/slide27.xml><?xml version="1.0" encoding="utf-8"?>
+<file path=ppt/slides/slide29.xml><?xml version="1.0" encoding="utf-8"?>
 <p:sld xmlns:a="http://schemas.openxmlformats.org/drawingml/2006/main" xmlns:r="http://schemas.openxmlformats.org/officeDocument/2006/relationships" xmlns:p="http://schemas.openxmlformats.org/presentationml/2006/main">
   <p:cSld>
     <p:spTree>
@@ -21025,436 +26363,6 @@
     <p:extLst>
       <p:ext uri="{BB962C8B-B14F-4D97-AF65-F5344CB8AC3E}">
         <p14:creationId xmlns:p14="http://schemas.microsoft.com/office/powerpoint/2010/main" val="2621771022"/>
-      </p:ext>
-    </p:extLst>
-  </p:cSld>
-  <p:clrMapOvr>
-    <a:masterClrMapping/>
-  </p:clrMapOvr>
-</p:sld>
-</file>
-
-<file path=ppt/slides/slide28.xml><?xml version="1.0" encoding="utf-8"?>
-<p:sld xmlns:a="http://schemas.openxmlformats.org/drawingml/2006/main" xmlns:r="http://schemas.openxmlformats.org/officeDocument/2006/relationships" xmlns:p="http://schemas.openxmlformats.org/presentationml/2006/main">
-  <p:cSld>
-    <p:spTree>
-      <p:nvGrpSpPr>
-        <p:cNvPr id="1" name=""/>
-        <p:cNvGrpSpPr/>
-        <p:nvPr/>
-      </p:nvGrpSpPr>
-      <p:grpSpPr>
-        <a:xfrm>
-          <a:off x="0" y="0"/>
-          <a:ext cx="0" cy="0"/>
-          <a:chOff x="0" y="0"/>
-          <a:chExt cx="0" cy="0"/>
-        </a:xfrm>
-      </p:grpSpPr>
-      <p:sp>
-        <p:nvSpPr>
-          <p:cNvPr id="2" name="Titre 1">
-            <a:extLst>
-              <a:ext uri="{FF2B5EF4-FFF2-40B4-BE49-F238E27FC236}">
-                <a16:creationId xmlns:a16="http://schemas.microsoft.com/office/drawing/2014/main" id="{16053C39-63EA-C03E-D351-C69301FCB935}"/>
-              </a:ext>
-            </a:extLst>
-          </p:cNvPr>
-          <p:cNvSpPr>
-            <a:spLocks noGrp="1"/>
-          </p:cNvSpPr>
-          <p:nvPr>
-            <p:ph type="title"/>
-          </p:nvPr>
-        </p:nvSpPr>
-        <p:spPr/>
-        <p:txBody>
-          <a:bodyPr/>
-          <a:lstStyle/>
-          <a:p>
-            <a:r>
-              <a:rPr lang="en-GB" dirty="0"/>
-              <a:t>JavaFX</a:t>
-            </a:r>
-          </a:p>
-        </p:txBody>
-      </p:sp>
-      <p:sp>
-        <p:nvSpPr>
-          <p:cNvPr id="3" name="Espace réservé du contenu 2">
-            <a:extLst>
-              <a:ext uri="{FF2B5EF4-FFF2-40B4-BE49-F238E27FC236}">
-                <a16:creationId xmlns:a16="http://schemas.microsoft.com/office/drawing/2014/main" id="{06788429-95CC-5135-CA5F-8654ED3F6EC0}"/>
-              </a:ext>
-            </a:extLst>
-          </p:cNvPr>
-          <p:cNvSpPr>
-            <a:spLocks noGrp="1"/>
-          </p:cNvSpPr>
-          <p:nvPr>
-            <p:ph idx="1"/>
-          </p:nvPr>
-        </p:nvSpPr>
-        <p:spPr/>
-        <p:txBody>
-          <a:bodyPr/>
-          <a:lstStyle/>
-          <a:p>
-            <a:r>
-              <a:rPr lang="en-GB" dirty="0"/>
-              <a:t>Integration with Eclipse: cf. </a:t>
-            </a:r>
-            <a:r>
-              <a:rPr lang="en-GB" sz="2000" dirty="0">
-                <a:hlinkClick r:id="rId2"/>
-              </a:rPr>
-              <a:t>https://www.youtube.com/watch?v=bk28ytggz7E</a:t>
-            </a:r>
-            <a:endParaRPr lang="en-GB" sz="2000" dirty="0"/>
-          </a:p>
-          <a:p>
-            <a:r>
-              <a:rPr lang="en-GB" sz="2000" dirty="0">
-                <a:hlinkClick r:id="rId3"/>
-              </a:rPr>
-              <a:t>https://www.youtube.com/watch?v=nz8P528uGjk</a:t>
-            </a:r>
-            <a:endParaRPr lang="en-GB" sz="2000" dirty="0"/>
-          </a:p>
-          <a:p>
-            <a:r>
-              <a:rPr lang="en-GB" sz="2000" dirty="0"/>
-              <a:t>Download SKD: https://openjfx.io/</a:t>
-            </a:r>
-          </a:p>
-          <a:p>
-            <a:r>
-              <a:rPr lang="en-GB" sz="2000" dirty="0"/>
-              <a:t>:</a:t>
-            </a:r>
-          </a:p>
-          <a:p>
-            <a:endParaRPr lang="en-GB" sz="2000" dirty="0"/>
-          </a:p>
-          <a:p>
-            <a:r>
-              <a:rPr lang="en-GB" sz="2000" dirty="0">
-                <a:solidFill>
-                  <a:srgbClr val="FF0000"/>
-                </a:solidFill>
-              </a:rPr>
-              <a:t>!</a:t>
-            </a:r>
-            <a:r>
-              <a:rPr lang="en-GB" sz="2000" dirty="0"/>
-              <a:t> Delete module-info from generated project</a:t>
-            </a:r>
-          </a:p>
-          <a:p>
-            <a:endParaRPr lang="en-GB" sz="2000" dirty="0"/>
-          </a:p>
-          <a:p>
-            <a:endParaRPr lang="en-GB" dirty="0"/>
-          </a:p>
-        </p:txBody>
-      </p:sp>
-      <p:pic>
-        <p:nvPicPr>
-          <p:cNvPr id="5" name="Image 4">
-            <a:extLst>
-              <a:ext uri="{FF2B5EF4-FFF2-40B4-BE49-F238E27FC236}">
-                <a16:creationId xmlns:a16="http://schemas.microsoft.com/office/drawing/2014/main" id="{47E9FE68-DFE4-7E1E-1B65-24862B6A22C0}"/>
-              </a:ext>
-            </a:extLst>
-          </p:cNvPr>
-          <p:cNvPicPr>
-            <a:picLocks noChangeAspect="1"/>
-          </p:cNvPicPr>
-          <p:nvPr/>
-        </p:nvPicPr>
-        <p:blipFill>
-          <a:blip r:embed="rId4"/>
-          <a:stretch>
-            <a:fillRect/>
-          </a:stretch>
-        </p:blipFill>
-        <p:spPr>
-          <a:xfrm>
-            <a:off x="7579846" y="5851758"/>
-            <a:ext cx="5286375" cy="819150"/>
-          </a:xfrm>
-          <a:prstGeom prst="rect">
-            <a:avLst/>
-          </a:prstGeom>
-        </p:spPr>
-      </p:pic>
-      <p:pic>
-        <p:nvPicPr>
-          <p:cNvPr id="7" name="Image 6">
-            <a:extLst>
-              <a:ext uri="{FF2B5EF4-FFF2-40B4-BE49-F238E27FC236}">
-                <a16:creationId xmlns:a16="http://schemas.microsoft.com/office/drawing/2014/main" id="{2FF8E3FD-F2CA-A59F-0847-84C54720A9B4}"/>
-              </a:ext>
-            </a:extLst>
-          </p:cNvPr>
-          <p:cNvPicPr>
-            <a:picLocks noChangeAspect="1"/>
-          </p:cNvPicPr>
-          <p:nvPr/>
-        </p:nvPicPr>
-        <p:blipFill>
-          <a:blip r:embed="rId5"/>
-          <a:stretch>
-            <a:fillRect/>
-          </a:stretch>
-        </p:blipFill>
-        <p:spPr>
-          <a:xfrm>
-            <a:off x="8206817" y="3419738"/>
-            <a:ext cx="2895487" cy="1928812"/>
-          </a:xfrm>
-          <a:prstGeom prst="rect">
-            <a:avLst/>
-          </a:prstGeom>
-        </p:spPr>
-      </p:pic>
-      <p:pic>
-        <p:nvPicPr>
-          <p:cNvPr id="11" name="Image 10">
-            <a:extLst>
-              <a:ext uri="{FF2B5EF4-FFF2-40B4-BE49-F238E27FC236}">
-                <a16:creationId xmlns:a16="http://schemas.microsoft.com/office/drawing/2014/main" id="{1D4D81C3-3D8F-80E8-1A0C-F88BBDDD7D87}"/>
-              </a:ext>
-            </a:extLst>
-          </p:cNvPr>
-          <p:cNvPicPr>
-            <a:picLocks noChangeAspect="1"/>
-          </p:cNvPicPr>
-          <p:nvPr/>
-        </p:nvPicPr>
-        <p:blipFill>
-          <a:blip r:embed="rId6"/>
-          <a:stretch>
-            <a:fillRect/>
-          </a:stretch>
-        </p:blipFill>
-        <p:spPr>
-          <a:xfrm>
-            <a:off x="1272642" y="4419600"/>
-            <a:ext cx="2915511" cy="2162174"/>
-          </a:xfrm>
-          <a:prstGeom prst="rect">
-            <a:avLst/>
-          </a:prstGeom>
-        </p:spPr>
-      </p:pic>
-      <p:pic>
-        <p:nvPicPr>
-          <p:cNvPr id="13" name="Image 12">
-            <a:extLst>
-              <a:ext uri="{FF2B5EF4-FFF2-40B4-BE49-F238E27FC236}">
-                <a16:creationId xmlns:a16="http://schemas.microsoft.com/office/drawing/2014/main" id="{D895EE36-E180-0D7D-FE40-31D750A94992}"/>
-              </a:ext>
-            </a:extLst>
-          </p:cNvPr>
-          <p:cNvPicPr>
-            <a:picLocks noChangeAspect="1"/>
-          </p:cNvPicPr>
-          <p:nvPr/>
-        </p:nvPicPr>
-        <p:blipFill>
-          <a:blip r:embed="rId7"/>
-          <a:stretch>
-            <a:fillRect/>
-          </a:stretch>
-        </p:blipFill>
-        <p:spPr>
-          <a:xfrm>
-            <a:off x="3819525" y="5076919"/>
-            <a:ext cx="3448050" cy="1528668"/>
-          </a:xfrm>
-          <a:prstGeom prst="rect">
-            <a:avLst/>
-          </a:prstGeom>
-        </p:spPr>
-      </p:pic>
-      <p:pic>
-        <p:nvPicPr>
-          <p:cNvPr id="15" name="Image 14">
-            <a:extLst>
-              <a:ext uri="{FF2B5EF4-FFF2-40B4-BE49-F238E27FC236}">
-                <a16:creationId xmlns:a16="http://schemas.microsoft.com/office/drawing/2014/main" id="{342A10C5-EE03-84B7-A2C5-699CEFB20623}"/>
-              </a:ext>
-            </a:extLst>
-          </p:cNvPr>
-          <p:cNvPicPr>
-            <a:picLocks noChangeAspect="1"/>
-          </p:cNvPicPr>
-          <p:nvPr/>
-        </p:nvPicPr>
-        <p:blipFill>
-          <a:blip r:embed="rId8"/>
-          <a:stretch>
-            <a:fillRect/>
-          </a:stretch>
-        </p:blipFill>
-        <p:spPr>
-          <a:xfrm>
-            <a:off x="5922628" y="2658987"/>
-            <a:ext cx="2212989" cy="1702764"/>
-          </a:xfrm>
-          <a:prstGeom prst="rect">
-            <a:avLst/>
-          </a:prstGeom>
-        </p:spPr>
-      </p:pic>
-    </p:spTree>
-    <p:extLst>
-      <p:ext uri="{BB962C8B-B14F-4D97-AF65-F5344CB8AC3E}">
-        <p14:creationId xmlns:p14="http://schemas.microsoft.com/office/powerpoint/2010/main" val="1513246137"/>
-      </p:ext>
-    </p:extLst>
-  </p:cSld>
-  <p:clrMapOvr>
-    <a:masterClrMapping/>
-  </p:clrMapOvr>
-</p:sld>
-</file>
-
-<file path=ppt/slides/slide29.xml><?xml version="1.0" encoding="utf-8"?>
-<p:sld xmlns:a="http://schemas.openxmlformats.org/drawingml/2006/main" xmlns:r="http://schemas.openxmlformats.org/officeDocument/2006/relationships" xmlns:p="http://schemas.openxmlformats.org/presentationml/2006/main">
-  <p:cSld>
-    <p:spTree>
-      <p:nvGrpSpPr>
-        <p:cNvPr id="1" name=""/>
-        <p:cNvGrpSpPr/>
-        <p:nvPr/>
-      </p:nvGrpSpPr>
-      <p:grpSpPr>
-        <a:xfrm>
-          <a:off x="0" y="0"/>
-          <a:ext cx="0" cy="0"/>
-          <a:chOff x="0" y="0"/>
-          <a:chExt cx="0" cy="0"/>
-        </a:xfrm>
-      </p:grpSpPr>
-      <p:sp>
-        <p:nvSpPr>
-          <p:cNvPr id="2" name="Titre 1">
-            <a:extLst>
-              <a:ext uri="{FF2B5EF4-FFF2-40B4-BE49-F238E27FC236}">
-                <a16:creationId xmlns:a16="http://schemas.microsoft.com/office/drawing/2014/main" id="{70DBC2F8-62A7-8882-4E17-7BABF004C66D}"/>
-              </a:ext>
-            </a:extLst>
-          </p:cNvPr>
-          <p:cNvSpPr>
-            <a:spLocks noGrp="1"/>
-          </p:cNvSpPr>
-          <p:nvPr>
-            <p:ph type="title"/>
-          </p:nvPr>
-        </p:nvSpPr>
-        <p:spPr/>
-        <p:txBody>
-          <a:bodyPr/>
-          <a:lstStyle/>
-          <a:p>
-            <a:r>
-              <a:rPr lang="en-GB" dirty="0"/>
-              <a:t>Run configuration</a:t>
-            </a:r>
-          </a:p>
-        </p:txBody>
-      </p:sp>
-      <p:sp>
-        <p:nvSpPr>
-          <p:cNvPr id="3" name="Espace réservé du contenu 2">
-            <a:extLst>
-              <a:ext uri="{FF2B5EF4-FFF2-40B4-BE49-F238E27FC236}">
-                <a16:creationId xmlns:a16="http://schemas.microsoft.com/office/drawing/2014/main" id="{D9345A12-3C8E-896A-E2B4-E656F9832A38}"/>
-              </a:ext>
-            </a:extLst>
-          </p:cNvPr>
-          <p:cNvSpPr>
-            <a:spLocks noGrp="1"/>
-          </p:cNvSpPr>
-          <p:nvPr>
-            <p:ph idx="1"/>
-          </p:nvPr>
-        </p:nvSpPr>
-        <p:spPr/>
-        <p:txBody>
-          <a:bodyPr/>
-          <a:lstStyle/>
-          <a:p>
-            <a:endParaRPr lang="en-GB" dirty="0"/>
-          </a:p>
-        </p:txBody>
-      </p:sp>
-      <p:pic>
-        <p:nvPicPr>
-          <p:cNvPr id="5" name="Image 4">
-            <a:extLst>
-              <a:ext uri="{FF2B5EF4-FFF2-40B4-BE49-F238E27FC236}">
-                <a16:creationId xmlns:a16="http://schemas.microsoft.com/office/drawing/2014/main" id="{9806F6AE-7266-FBE4-F860-67DF3FE378F4}"/>
-              </a:ext>
-            </a:extLst>
-          </p:cNvPr>
-          <p:cNvPicPr>
-            <a:picLocks noChangeAspect="1"/>
-          </p:cNvPicPr>
-          <p:nvPr/>
-        </p:nvPicPr>
-        <p:blipFill>
-          <a:blip r:embed="rId2"/>
-          <a:stretch>
-            <a:fillRect/>
-          </a:stretch>
-        </p:blipFill>
-        <p:spPr>
-          <a:xfrm>
-            <a:off x="1073791" y="1879572"/>
-            <a:ext cx="6042870" cy="2184563"/>
-          </a:xfrm>
-          <a:prstGeom prst="rect">
-            <a:avLst/>
-          </a:prstGeom>
-        </p:spPr>
-      </p:pic>
-      <p:pic>
-        <p:nvPicPr>
-          <p:cNvPr id="7" name="Image 6">
-            <a:extLst>
-              <a:ext uri="{FF2B5EF4-FFF2-40B4-BE49-F238E27FC236}">
-                <a16:creationId xmlns:a16="http://schemas.microsoft.com/office/drawing/2014/main" id="{C19B1849-2C43-AEC2-5EB3-6F71FD707833}"/>
-              </a:ext>
-            </a:extLst>
-          </p:cNvPr>
-          <p:cNvPicPr>
-            <a:picLocks noChangeAspect="1"/>
-          </p:cNvPicPr>
-          <p:nvPr/>
-        </p:nvPicPr>
-        <p:blipFill>
-          <a:blip r:embed="rId3"/>
-          <a:stretch>
-            <a:fillRect/>
-          </a:stretch>
-        </p:blipFill>
-        <p:spPr>
-          <a:xfrm>
-            <a:off x="7138000" y="1907971"/>
-            <a:ext cx="2868056" cy="2118744"/>
-          </a:xfrm>
-          <a:prstGeom prst="rect">
-            <a:avLst/>
-          </a:prstGeom>
-        </p:spPr>
-      </p:pic>
-    </p:spTree>
-    <p:extLst>
-      <p:ext uri="{BB962C8B-B14F-4D97-AF65-F5344CB8AC3E}">
-        <p14:creationId xmlns:p14="http://schemas.microsoft.com/office/powerpoint/2010/main" val="2948847707"/>
       </p:ext>
     </p:extLst>
   </p:cSld>
@@ -22660,7 +27568,7 @@
           <p:cNvPr id="2" name="Titre 1">
             <a:extLst>
               <a:ext uri="{FF2B5EF4-FFF2-40B4-BE49-F238E27FC236}">
-                <a16:creationId xmlns:a16="http://schemas.microsoft.com/office/drawing/2014/main" id="{7DDDD0F4-DB89-E51C-2E0F-9302CEFD5CCA}"/>
+                <a16:creationId xmlns:a16="http://schemas.microsoft.com/office/drawing/2014/main" id="{16053C39-63EA-C03E-D351-C69301FCB935}"/>
               </a:ext>
             </a:extLst>
           </p:cNvPr>
@@ -22678,7 +27586,7 @@
           <a:p>
             <a:r>
               <a:rPr lang="en-GB" dirty="0"/>
-              <a:t>Screen design – Scene Builder</a:t>
+              <a:t>JavaFX</a:t>
             </a:r>
           </a:p>
         </p:txBody>
@@ -22688,7 +27596,7 @@
           <p:cNvPr id="3" name="Espace réservé du contenu 2">
             <a:extLst>
               <a:ext uri="{FF2B5EF4-FFF2-40B4-BE49-F238E27FC236}">
-                <a16:creationId xmlns:a16="http://schemas.microsoft.com/office/drawing/2014/main" id="{C104AEB7-905B-C647-0C27-5C0163C55311}"/>
+                <a16:creationId xmlns:a16="http://schemas.microsoft.com/office/drawing/2014/main" id="{06788429-95CC-5135-CA5F-8654ED3F6EC0}"/>
               </a:ext>
             </a:extLst>
           </p:cNvPr>
@@ -22705,93 +27613,57 @@
           <a:lstStyle/>
           <a:p>
             <a:r>
-              <a:rPr lang="en-GB" dirty="0">
-                <a:hlinkClick r:id="rId2">
-                  <a:extLst>
-                    <a:ext uri="{A12FA001-AC4F-418D-AE19-62706E023703}">
-                      <ahyp:hlinkClr xmlns:ahyp="http://schemas.microsoft.com/office/drawing/2018/hyperlinkcolor" val="tx"/>
-                    </a:ext>
-                  </a:extLst>
-                </a:hlinkClick>
-              </a:rPr>
-              <a:t>Install:</a:t>
-            </a:r>
-          </a:p>
-          <a:p>
-            <a:pPr marL="457200" lvl="1" indent="0">
-              <a:buNone/>
-            </a:pPr>
-            <a:r>
-              <a:rPr lang="en-GB" dirty="0">
-                <a:solidFill>
-                  <a:srgbClr val="0563C1"/>
-                </a:solidFill>
-                <a:hlinkClick r:id="rId2">
-                  <a:extLst>
-                    <a:ext uri="{A12FA001-AC4F-418D-AE19-62706E023703}">
-                      <ahyp:hlinkClr xmlns:ahyp="http://schemas.microsoft.com/office/drawing/2018/hyperlinkcolor" val="tx"/>
-                    </a:ext>
-                  </a:extLst>
-                </a:hlinkClick>
-              </a:rPr>
-              <a:t>https://www.youtube.com/watch?v=cfGTJVVcWvE&amp;list=PLpFneQZCNR2ktqseX11XRBc5Kyzdg2fbo</a:t>
-            </a:r>
-            <a:endParaRPr lang="en-GB" dirty="0">
-              <a:solidFill>
-                <a:srgbClr val="0563C1"/>
-              </a:solidFill>
-            </a:endParaRPr>
-          </a:p>
-          <a:p>
-            <a:pPr marL="457200" lvl="1" indent="0">
-              <a:buNone/>
-            </a:pPr>
-            <a:endParaRPr lang="en-GB" dirty="0">
-              <a:solidFill>
-                <a:srgbClr val="0563C1"/>
-              </a:solidFill>
-            </a:endParaRPr>
-          </a:p>
-          <a:p>
-            <a:pPr marL="457200" lvl="1" indent="0">
-              <a:buNone/>
-            </a:pPr>
-            <a:endParaRPr lang="en-GB" dirty="0"/>
-          </a:p>
-          <a:p>
-            <a:r>
-              <a:rPr lang="en-GB" dirty="0">
-                <a:hlinkClick r:id="rId3">
-                  <a:extLst>
-                    <a:ext uri="{A12FA001-AC4F-418D-AE19-62706E023703}">
-                      <ahyp:hlinkClr xmlns:ahyp="http://schemas.microsoft.com/office/drawing/2018/hyperlinkcolor" val="tx"/>
-                    </a:ext>
-                  </a:extLst>
-                </a:hlinkClick>
-              </a:rPr>
-              <a:t>Use:</a:t>
-            </a:r>
-          </a:p>
-          <a:p>
-            <a:pPr marL="457200" lvl="1" indent="0">
-              <a:buNone/>
-            </a:pPr>
-            <a:r>
-              <a:rPr lang="en-GB" dirty="0">
-                <a:solidFill>
-                  <a:srgbClr val="0563C1"/>
-                </a:solidFill>
-                <a:hlinkClick r:id="rId3">
-                  <a:extLst>
-                    <a:ext uri="{A12FA001-AC4F-418D-AE19-62706E023703}">
-                      <ahyp:hlinkClr xmlns:ahyp="http://schemas.microsoft.com/office/drawing/2018/hyperlinkcolor" val="tx"/>
-                    </a:ext>
-                  </a:extLst>
-                </a:hlinkClick>
-              </a:rPr>
-              <a:t>https://www.youtube.com/watch?v=q5A-qW2eGKs&amp;list=PLpFneQZCNR2ktqseX11XRBc5Kyzdg2fbo&amp;index=2</a:t>
-            </a:r>
-            <a:endParaRPr lang="en-GB" dirty="0"/>
+              <a:rPr lang="en-GB" dirty="0"/>
+              <a:t>Integration with Eclipse: cf. </a:t>
+            </a:r>
+            <a:r>
+              <a:rPr lang="en-GB" sz="2000" dirty="0">
+                <a:hlinkClick r:id="rId2"/>
+              </a:rPr>
+              <a:t>https://www.youtube.com/watch?v=bk28ytggz7E</a:t>
+            </a:r>
+            <a:endParaRPr lang="en-GB" sz="2000" dirty="0"/>
+          </a:p>
+          <a:p>
+            <a:r>
+              <a:rPr lang="en-GB" sz="2000" dirty="0">
+                <a:hlinkClick r:id="rId3"/>
+              </a:rPr>
+              <a:t>https://www.youtube.com/watch?v=nz8P528uGjk</a:t>
+            </a:r>
+            <a:endParaRPr lang="en-GB" sz="2000" dirty="0"/>
+          </a:p>
+          <a:p>
+            <a:r>
+              <a:rPr lang="en-GB" sz="2000" dirty="0"/>
+              <a:t>Download SKD: https://openjfx.io/</a:t>
+            </a:r>
+          </a:p>
+          <a:p>
+            <a:r>
+              <a:rPr lang="en-GB" sz="2000" dirty="0"/>
+              <a:t>:</a:t>
+            </a:r>
+          </a:p>
+          <a:p>
+            <a:endParaRPr lang="en-GB" sz="2000" dirty="0"/>
+          </a:p>
+          <a:p>
+            <a:r>
+              <a:rPr lang="en-GB" sz="2000" dirty="0">
+                <a:solidFill>
+                  <a:srgbClr val="FF0000"/>
+                </a:solidFill>
+              </a:rPr>
+              <a:t>!</a:t>
+            </a:r>
+            <a:r>
+              <a:rPr lang="en-GB" sz="2000" dirty="0"/>
+              <a:t> Delete module-info from generated project</a:t>
+            </a:r>
+          </a:p>
+          <a:p>
+            <a:endParaRPr lang="en-GB" sz="2000" dirty="0"/>
           </a:p>
           <a:p>
             <a:endParaRPr lang="en-GB" dirty="0"/>
@@ -22800,10 +27672,10 @@
       </p:sp>
       <p:pic>
         <p:nvPicPr>
-          <p:cNvPr id="7" name="Image 6">
-            <a:extLst>
-              <a:ext uri="{FF2B5EF4-FFF2-40B4-BE49-F238E27FC236}">
-                <a16:creationId xmlns:a16="http://schemas.microsoft.com/office/drawing/2014/main" id="{0CAF1986-560D-9DFA-8D7E-0256E81C6831}"/>
+          <p:cNvPr id="5" name="Image 4">
+            <a:extLst>
+              <a:ext uri="{FF2B5EF4-FFF2-40B4-BE49-F238E27FC236}">
+                <a16:creationId xmlns:a16="http://schemas.microsoft.com/office/drawing/2014/main" id="{47E9FE68-DFE4-7E1E-1B65-24862B6A22C0}"/>
               </a:ext>
             </a:extLst>
           </p:cNvPr>
@@ -22820,8 +27692,8 @@
         </p:blipFill>
         <p:spPr>
           <a:xfrm>
-            <a:off x="4162425" y="2741564"/>
-            <a:ext cx="6610350" cy="1375487"/>
+            <a:off x="7579846" y="5851758"/>
+            <a:ext cx="5286375" cy="819150"/>
           </a:xfrm>
           <a:prstGeom prst="rect">
             <a:avLst/>
@@ -22830,55 +27702,128 @@
       </p:pic>
       <p:pic>
         <p:nvPicPr>
-          <p:cNvPr id="1026" name="Picture 2">
-            <a:extLst>
-              <a:ext uri="{FF2B5EF4-FFF2-40B4-BE49-F238E27FC236}">
-                <a16:creationId xmlns:a16="http://schemas.microsoft.com/office/drawing/2014/main" id="{C663A71E-A9DA-462D-8531-105DD9851BF1}"/>
+          <p:cNvPr id="7" name="Image 6">
+            <a:extLst>
+              <a:ext uri="{FF2B5EF4-FFF2-40B4-BE49-F238E27FC236}">
+                <a16:creationId xmlns:a16="http://schemas.microsoft.com/office/drawing/2014/main" id="{2FF8E3FD-F2CA-A59F-0847-84C54720A9B4}"/>
               </a:ext>
             </a:extLst>
           </p:cNvPr>
           <p:cNvPicPr>
-            <a:picLocks noChangeAspect="1" noChangeArrowheads="1"/>
+            <a:picLocks noChangeAspect="1"/>
           </p:cNvPicPr>
           <p:nvPr/>
         </p:nvPicPr>
         <p:blipFill>
-          <a:blip r:embed="rId5">
-            <a:extLst>
-              <a:ext uri="{28A0092B-C50C-407E-A947-70E740481C1C}">
-                <a14:useLocalDpi xmlns:a14="http://schemas.microsoft.com/office/drawing/2010/main" val="0"/>
-              </a:ext>
-            </a:extLst>
-          </a:blip>
-          <a:srcRect/>
+          <a:blip r:embed="rId5"/>
           <a:stretch>
             <a:fillRect/>
           </a:stretch>
         </p:blipFill>
-        <p:spPr bwMode="auto">
+        <p:spPr>
           <a:xfrm>
-            <a:off x="8047039" y="371475"/>
-            <a:ext cx="1281130" cy="1409700"/>
+            <a:off x="8206817" y="3419738"/>
+            <a:ext cx="2895487" cy="1928812"/>
           </a:xfrm>
           <a:prstGeom prst="rect">
             <a:avLst/>
           </a:prstGeom>
-          <a:noFill/>
-          <a:extLst>
-            <a:ext uri="{909E8E84-426E-40DD-AFC4-6F175D3DCCD1}">
-              <a14:hiddenFill xmlns:a14="http://schemas.microsoft.com/office/drawing/2010/main">
-                <a:solidFill>
-                  <a:srgbClr val="FFFFFF"/>
-                </a:solidFill>
-              </a14:hiddenFill>
-            </a:ext>
-          </a:extLst>
+        </p:spPr>
+      </p:pic>
+      <p:pic>
+        <p:nvPicPr>
+          <p:cNvPr id="11" name="Image 10">
+            <a:extLst>
+              <a:ext uri="{FF2B5EF4-FFF2-40B4-BE49-F238E27FC236}">
+                <a16:creationId xmlns:a16="http://schemas.microsoft.com/office/drawing/2014/main" id="{1D4D81C3-3D8F-80E8-1A0C-F88BBDDD7D87}"/>
+              </a:ext>
+            </a:extLst>
+          </p:cNvPr>
+          <p:cNvPicPr>
+            <a:picLocks noChangeAspect="1"/>
+          </p:cNvPicPr>
+          <p:nvPr/>
+        </p:nvPicPr>
+        <p:blipFill>
+          <a:blip r:embed="rId6"/>
+          <a:stretch>
+            <a:fillRect/>
+          </a:stretch>
+        </p:blipFill>
+        <p:spPr>
+          <a:xfrm>
+            <a:off x="1272642" y="4419600"/>
+            <a:ext cx="2915511" cy="2162174"/>
+          </a:xfrm>
+          <a:prstGeom prst="rect">
+            <a:avLst/>
+          </a:prstGeom>
+        </p:spPr>
+      </p:pic>
+      <p:pic>
+        <p:nvPicPr>
+          <p:cNvPr id="13" name="Image 12">
+            <a:extLst>
+              <a:ext uri="{FF2B5EF4-FFF2-40B4-BE49-F238E27FC236}">
+                <a16:creationId xmlns:a16="http://schemas.microsoft.com/office/drawing/2014/main" id="{D895EE36-E180-0D7D-FE40-31D750A94992}"/>
+              </a:ext>
+            </a:extLst>
+          </p:cNvPr>
+          <p:cNvPicPr>
+            <a:picLocks noChangeAspect="1"/>
+          </p:cNvPicPr>
+          <p:nvPr/>
+        </p:nvPicPr>
+        <p:blipFill>
+          <a:blip r:embed="rId7"/>
+          <a:stretch>
+            <a:fillRect/>
+          </a:stretch>
+        </p:blipFill>
+        <p:spPr>
+          <a:xfrm>
+            <a:off x="3819525" y="5076919"/>
+            <a:ext cx="3448050" cy="1528668"/>
+          </a:xfrm>
+          <a:prstGeom prst="rect">
+            <a:avLst/>
+          </a:prstGeom>
+        </p:spPr>
+      </p:pic>
+      <p:pic>
+        <p:nvPicPr>
+          <p:cNvPr id="15" name="Image 14">
+            <a:extLst>
+              <a:ext uri="{FF2B5EF4-FFF2-40B4-BE49-F238E27FC236}">
+                <a16:creationId xmlns:a16="http://schemas.microsoft.com/office/drawing/2014/main" id="{342A10C5-EE03-84B7-A2C5-699CEFB20623}"/>
+              </a:ext>
+            </a:extLst>
+          </p:cNvPr>
+          <p:cNvPicPr>
+            <a:picLocks noChangeAspect="1"/>
+          </p:cNvPicPr>
+          <p:nvPr/>
+        </p:nvPicPr>
+        <p:blipFill>
+          <a:blip r:embed="rId8"/>
+          <a:stretch>
+            <a:fillRect/>
+          </a:stretch>
+        </p:blipFill>
+        <p:spPr>
+          <a:xfrm>
+            <a:off x="5922628" y="2658987"/>
+            <a:ext cx="2212989" cy="1702764"/>
+          </a:xfrm>
+          <a:prstGeom prst="rect">
+            <a:avLst/>
+          </a:prstGeom>
         </p:spPr>
       </p:pic>
     </p:spTree>
     <p:extLst>
       <p:ext uri="{BB962C8B-B14F-4D97-AF65-F5344CB8AC3E}">
-        <p14:creationId xmlns:p14="http://schemas.microsoft.com/office/powerpoint/2010/main" val="2118749072"/>
+        <p14:creationId xmlns:p14="http://schemas.microsoft.com/office/powerpoint/2010/main" val="1513246137"/>
       </p:ext>
     </p:extLst>
   </p:cSld>
@@ -22910,7 +27855,7 @@
           <p:cNvPr id="2" name="Titre 1">
             <a:extLst>
               <a:ext uri="{FF2B5EF4-FFF2-40B4-BE49-F238E27FC236}">
-                <a16:creationId xmlns:a16="http://schemas.microsoft.com/office/drawing/2014/main" id="{9DE23040-F7EF-8FA4-CFCF-C7D144873BBC}"/>
+                <a16:creationId xmlns:a16="http://schemas.microsoft.com/office/drawing/2014/main" id="{70DBC2F8-62A7-8882-4E17-7BABF004C66D}"/>
               </a:ext>
             </a:extLst>
           </p:cNvPr>
@@ -22928,7 +27873,7 @@
           <a:p>
             <a:r>
               <a:rPr lang="en-GB" dirty="0"/>
-              <a:t>Release</a:t>
+              <a:t>Run configuration</a:t>
             </a:r>
           </a:p>
         </p:txBody>
@@ -22938,7 +27883,7 @@
           <p:cNvPr id="3" name="Espace réservé du contenu 2">
             <a:extLst>
               <a:ext uri="{FF2B5EF4-FFF2-40B4-BE49-F238E27FC236}">
-                <a16:creationId xmlns:a16="http://schemas.microsoft.com/office/drawing/2014/main" id="{345D2DF2-7654-1069-3763-EDA318B88CD9}"/>
+                <a16:creationId xmlns:a16="http://schemas.microsoft.com/office/drawing/2014/main" id="{D9345A12-3C8E-896A-E2B4-E656F9832A38}"/>
               </a:ext>
             </a:extLst>
           </p:cNvPr>
@@ -22954,22 +27899,74 @@
           <a:bodyPr/>
           <a:lstStyle/>
           <a:p>
-            <a:r>
-              <a:rPr lang="en-GB" dirty="0"/>
-              <a:t>Build, Release, Publish, install on another machine from </a:t>
-            </a:r>
-            <a:r>
-              <a:rPr lang="en-GB" dirty="0" err="1"/>
-              <a:t>github</a:t>
-            </a:r>
             <a:endParaRPr lang="en-GB" dirty="0"/>
           </a:p>
         </p:txBody>
       </p:sp>
+      <p:pic>
+        <p:nvPicPr>
+          <p:cNvPr id="5" name="Image 4">
+            <a:extLst>
+              <a:ext uri="{FF2B5EF4-FFF2-40B4-BE49-F238E27FC236}">
+                <a16:creationId xmlns:a16="http://schemas.microsoft.com/office/drawing/2014/main" id="{9806F6AE-7266-FBE4-F860-67DF3FE378F4}"/>
+              </a:ext>
+            </a:extLst>
+          </p:cNvPr>
+          <p:cNvPicPr>
+            <a:picLocks noChangeAspect="1"/>
+          </p:cNvPicPr>
+          <p:nvPr/>
+        </p:nvPicPr>
+        <p:blipFill>
+          <a:blip r:embed="rId2"/>
+          <a:stretch>
+            <a:fillRect/>
+          </a:stretch>
+        </p:blipFill>
+        <p:spPr>
+          <a:xfrm>
+            <a:off x="1073791" y="1879572"/>
+            <a:ext cx="6042870" cy="2184563"/>
+          </a:xfrm>
+          <a:prstGeom prst="rect">
+            <a:avLst/>
+          </a:prstGeom>
+        </p:spPr>
+      </p:pic>
+      <p:pic>
+        <p:nvPicPr>
+          <p:cNvPr id="7" name="Image 6">
+            <a:extLst>
+              <a:ext uri="{FF2B5EF4-FFF2-40B4-BE49-F238E27FC236}">
+                <a16:creationId xmlns:a16="http://schemas.microsoft.com/office/drawing/2014/main" id="{C19B1849-2C43-AEC2-5EB3-6F71FD707833}"/>
+              </a:ext>
+            </a:extLst>
+          </p:cNvPr>
+          <p:cNvPicPr>
+            <a:picLocks noChangeAspect="1"/>
+          </p:cNvPicPr>
+          <p:nvPr/>
+        </p:nvPicPr>
+        <p:blipFill>
+          <a:blip r:embed="rId3"/>
+          <a:stretch>
+            <a:fillRect/>
+          </a:stretch>
+        </p:blipFill>
+        <p:spPr>
+          <a:xfrm>
+            <a:off x="7138000" y="1907971"/>
+            <a:ext cx="2868056" cy="2118744"/>
+          </a:xfrm>
+          <a:prstGeom prst="rect">
+            <a:avLst/>
+          </a:prstGeom>
+        </p:spPr>
+      </p:pic>
     </p:spTree>
     <p:extLst>
       <p:ext uri="{BB962C8B-B14F-4D97-AF65-F5344CB8AC3E}">
-        <p14:creationId xmlns:p14="http://schemas.microsoft.com/office/powerpoint/2010/main" val="118254220"/>
+        <p14:creationId xmlns:p14="http://schemas.microsoft.com/office/powerpoint/2010/main" val="2948847707"/>
       </p:ext>
     </p:extLst>
   </p:cSld>
@@ -23001,7 +27998,7 @@
           <p:cNvPr id="2" name="Titre 1">
             <a:extLst>
               <a:ext uri="{FF2B5EF4-FFF2-40B4-BE49-F238E27FC236}">
-                <a16:creationId xmlns:a16="http://schemas.microsoft.com/office/drawing/2014/main" id="{2653F1FD-0A88-3F85-5165-81D519D295B6}"/>
+                <a16:creationId xmlns:a16="http://schemas.microsoft.com/office/drawing/2014/main" id="{7DDDD0F4-DB89-E51C-2E0F-9302CEFD5CCA}"/>
               </a:ext>
             </a:extLst>
           </p:cNvPr>
@@ -23019,7 +28016,7 @@
           <a:p>
             <a:r>
               <a:rPr lang="en-GB" dirty="0"/>
-              <a:t>OSGi</a:t>
+              <a:t>Screen design – Scene Builder</a:t>
             </a:r>
           </a:p>
         </p:txBody>
@@ -23029,7 +28026,7 @@
           <p:cNvPr id="3" name="Espace réservé du contenu 2">
             <a:extLst>
               <a:ext uri="{FF2B5EF4-FFF2-40B4-BE49-F238E27FC236}">
-                <a16:creationId xmlns:a16="http://schemas.microsoft.com/office/drawing/2014/main" id="{5F3E4689-2322-EF4A-493A-5D8AD60D431E}"/>
+                <a16:creationId xmlns:a16="http://schemas.microsoft.com/office/drawing/2014/main" id="{C104AEB7-905B-C647-0C27-5C0163C55311}"/>
               </a:ext>
             </a:extLst>
           </p:cNvPr>
@@ -23046,16 +28043,223 @@
           <a:lstStyle/>
           <a:p>
             <a:r>
-              <a:rPr lang="en-GB" dirty="0"/>
-              <a:t>To evaluate..</a:t>
-            </a:r>
-          </a:p>
-        </p:txBody>
-      </p:sp>
+              <a:rPr lang="en-GB" dirty="0">
+                <a:hlinkClick r:id="rId2">
+                  <a:extLst>
+                    <a:ext uri="{A12FA001-AC4F-418D-AE19-62706E023703}">
+                      <ahyp:hlinkClr xmlns:ahyp="http://schemas.microsoft.com/office/drawing/2018/hyperlinkcolor" val="tx"/>
+                    </a:ext>
+                  </a:extLst>
+                </a:hlinkClick>
+              </a:rPr>
+              <a:t>Install:</a:t>
+            </a:r>
+          </a:p>
+          <a:p>
+            <a:pPr marL="457200" lvl="1" indent="0">
+              <a:buNone/>
+            </a:pPr>
+            <a:r>
+              <a:rPr lang="en-GB" dirty="0">
+                <a:solidFill>
+                  <a:srgbClr val="0563C1"/>
+                </a:solidFill>
+                <a:hlinkClick r:id="rId2">
+                  <a:extLst>
+                    <a:ext uri="{A12FA001-AC4F-418D-AE19-62706E023703}">
+                      <ahyp:hlinkClr xmlns:ahyp="http://schemas.microsoft.com/office/drawing/2018/hyperlinkcolor" val="tx"/>
+                    </a:ext>
+                  </a:extLst>
+                </a:hlinkClick>
+              </a:rPr>
+              <a:t>https://www.youtube.com/watch?v=cfGTJVVcWvE&amp;list=PLpFneQZCNR2ktqseX11XRBc5Kyzdg2fbo</a:t>
+            </a:r>
+            <a:endParaRPr lang="en-GB" dirty="0">
+              <a:solidFill>
+                <a:srgbClr val="0563C1"/>
+              </a:solidFill>
+            </a:endParaRPr>
+          </a:p>
+          <a:p>
+            <a:pPr marL="457200" lvl="1" indent="0">
+              <a:buNone/>
+            </a:pPr>
+            <a:endParaRPr lang="en-GB" dirty="0">
+              <a:solidFill>
+                <a:srgbClr val="0563C1"/>
+              </a:solidFill>
+            </a:endParaRPr>
+          </a:p>
+          <a:p>
+            <a:pPr marL="457200" lvl="1" indent="0">
+              <a:buNone/>
+            </a:pPr>
+            <a:endParaRPr lang="en-GB" dirty="0"/>
+          </a:p>
+          <a:p>
+            <a:r>
+              <a:rPr lang="en-GB" dirty="0">
+                <a:hlinkClick r:id="rId3">
+                  <a:extLst>
+                    <a:ext uri="{A12FA001-AC4F-418D-AE19-62706E023703}">
+                      <ahyp:hlinkClr xmlns:ahyp="http://schemas.microsoft.com/office/drawing/2018/hyperlinkcolor" val="tx"/>
+                    </a:ext>
+                  </a:extLst>
+                </a:hlinkClick>
+              </a:rPr>
+              <a:t>Use:</a:t>
+            </a:r>
+          </a:p>
+          <a:p>
+            <a:pPr marL="457200" lvl="1" indent="0">
+              <a:buNone/>
+            </a:pPr>
+            <a:r>
+              <a:rPr lang="en-GB" dirty="0">
+                <a:hlinkClick r:id="rId4"/>
+              </a:rPr>
+              <a:t>https://www.youtube.com/watch?v=HBBtlwGpBek</a:t>
+            </a:r>
+            <a:endParaRPr lang="en-GB" dirty="0">
+              <a:solidFill>
+                <a:srgbClr val="0563C1"/>
+              </a:solidFill>
+            </a:endParaRPr>
+          </a:p>
+          <a:p>
+            <a:pPr marL="457200" lvl="1" indent="0">
+              <a:buNone/>
+            </a:pPr>
+            <a:endParaRPr lang="en-GB" dirty="0">
+              <a:solidFill>
+                <a:srgbClr val="0563C1"/>
+              </a:solidFill>
+              <a:hlinkClick r:id="rId3">
+                <a:extLst>
+                  <a:ext uri="{A12FA001-AC4F-418D-AE19-62706E023703}">
+                    <ahyp:hlinkClr xmlns:ahyp="http://schemas.microsoft.com/office/drawing/2018/hyperlinkcolor" val="tx"/>
+                  </a:ext>
+                </a:extLst>
+              </a:hlinkClick>
+            </a:endParaRPr>
+          </a:p>
+          <a:p>
+            <a:pPr marL="457200" lvl="1" indent="0">
+              <a:buNone/>
+            </a:pPr>
+            <a:r>
+              <a:rPr lang="en-GB" strike="sngStrike" dirty="0">
+                <a:solidFill>
+                  <a:srgbClr val="0563C1"/>
+                </a:solidFill>
+                <a:hlinkClick r:id="rId3">
+                  <a:extLst>
+                    <a:ext uri="{A12FA001-AC4F-418D-AE19-62706E023703}">
+                      <ahyp:hlinkClr xmlns:ahyp="http://schemas.microsoft.com/office/drawing/2018/hyperlinkcolor" val="tx"/>
+                    </a:ext>
+                  </a:extLst>
+                </a:hlinkClick>
+              </a:rPr>
+              <a:t>https://www.youtube.com/watch?v=q5A-qW2eGKs&amp;list=PLpFneQZCNR2ktqseX11XRBc5Kyzdg2fbo&amp;index=2</a:t>
+            </a:r>
+            <a:endParaRPr lang="en-GB" strike="sngStrike" dirty="0">
+              <a:solidFill>
+                <a:srgbClr val="0563C1"/>
+              </a:solidFill>
+            </a:endParaRPr>
+          </a:p>
+          <a:p>
+            <a:pPr marL="457200" lvl="1" indent="0">
+              <a:buNone/>
+            </a:pPr>
+            <a:endParaRPr lang="en-GB" dirty="0"/>
+          </a:p>
+          <a:p>
+            <a:endParaRPr lang="en-GB" dirty="0"/>
+          </a:p>
+        </p:txBody>
+      </p:sp>
+      <p:pic>
+        <p:nvPicPr>
+          <p:cNvPr id="7" name="Image 6">
+            <a:extLst>
+              <a:ext uri="{FF2B5EF4-FFF2-40B4-BE49-F238E27FC236}">
+                <a16:creationId xmlns:a16="http://schemas.microsoft.com/office/drawing/2014/main" id="{0CAF1986-560D-9DFA-8D7E-0256E81C6831}"/>
+              </a:ext>
+            </a:extLst>
+          </p:cNvPr>
+          <p:cNvPicPr>
+            <a:picLocks noChangeAspect="1"/>
+          </p:cNvPicPr>
+          <p:nvPr/>
+        </p:nvPicPr>
+        <p:blipFill>
+          <a:blip r:embed="rId5"/>
+          <a:stretch>
+            <a:fillRect/>
+          </a:stretch>
+        </p:blipFill>
+        <p:spPr>
+          <a:xfrm>
+            <a:off x="4162425" y="2741564"/>
+            <a:ext cx="6610350" cy="1375487"/>
+          </a:xfrm>
+          <a:prstGeom prst="rect">
+            <a:avLst/>
+          </a:prstGeom>
+        </p:spPr>
+      </p:pic>
+      <p:pic>
+        <p:nvPicPr>
+          <p:cNvPr id="1026" name="Picture 2">
+            <a:extLst>
+              <a:ext uri="{FF2B5EF4-FFF2-40B4-BE49-F238E27FC236}">
+                <a16:creationId xmlns:a16="http://schemas.microsoft.com/office/drawing/2014/main" id="{C663A71E-A9DA-462D-8531-105DD9851BF1}"/>
+              </a:ext>
+            </a:extLst>
+          </p:cNvPr>
+          <p:cNvPicPr>
+            <a:picLocks noChangeAspect="1" noChangeArrowheads="1"/>
+          </p:cNvPicPr>
+          <p:nvPr/>
+        </p:nvPicPr>
+        <p:blipFill>
+          <a:blip r:embed="rId6">
+            <a:extLst>
+              <a:ext uri="{28A0092B-C50C-407E-A947-70E740481C1C}">
+                <a14:useLocalDpi xmlns:a14="http://schemas.microsoft.com/office/drawing/2010/main" val="0"/>
+              </a:ext>
+            </a:extLst>
+          </a:blip>
+          <a:srcRect/>
+          <a:stretch>
+            <a:fillRect/>
+          </a:stretch>
+        </p:blipFill>
+        <p:spPr bwMode="auto">
+          <a:xfrm>
+            <a:off x="8047039" y="371475"/>
+            <a:ext cx="1281130" cy="1409700"/>
+          </a:xfrm>
+          <a:prstGeom prst="rect">
+            <a:avLst/>
+          </a:prstGeom>
+          <a:noFill/>
+          <a:extLst>
+            <a:ext uri="{909E8E84-426E-40DD-AFC4-6F175D3DCCD1}">
+              <a14:hiddenFill xmlns:a14="http://schemas.microsoft.com/office/drawing/2010/main">
+                <a:solidFill>
+                  <a:srgbClr val="FFFFFF"/>
+                </a:solidFill>
+              </a14:hiddenFill>
+            </a:ext>
+          </a:extLst>
+        </p:spPr>
+      </p:pic>
     </p:spTree>
     <p:extLst>
       <p:ext uri="{BB962C8B-B14F-4D97-AF65-F5344CB8AC3E}">
-        <p14:creationId xmlns:p14="http://schemas.microsoft.com/office/powerpoint/2010/main" val="1235747462"/>
+        <p14:creationId xmlns:p14="http://schemas.microsoft.com/office/powerpoint/2010/main" val="2118749072"/>
       </p:ext>
     </p:extLst>
   </p:cSld>
@@ -23070,13 +28274,7 @@
   <p:cSld>
     <p:spTree>
       <p:nvGrpSpPr>
-        <p:cNvPr id="1" name="">
-          <a:extLst>
-            <a:ext uri="{FF2B5EF4-FFF2-40B4-BE49-F238E27FC236}">
-              <a16:creationId xmlns:a16="http://schemas.microsoft.com/office/drawing/2014/main" id="{BD080549-0AF8-4969-FBFC-DA319D487BD6}"/>
-            </a:ext>
-          </a:extLst>
-        </p:cNvPr>
+        <p:cNvPr id="1" name=""/>
         <p:cNvGrpSpPr/>
         <p:nvPr/>
       </p:nvGrpSpPr>
@@ -23093,7 +28291,7 @@
           <p:cNvPr id="2" name="Titre 1">
             <a:extLst>
               <a:ext uri="{FF2B5EF4-FFF2-40B4-BE49-F238E27FC236}">
-                <a16:creationId xmlns:a16="http://schemas.microsoft.com/office/drawing/2014/main" id="{D60EA576-ED00-5388-5F99-9251025CC996}"/>
+                <a16:creationId xmlns:a16="http://schemas.microsoft.com/office/drawing/2014/main" id="{56B5B95B-B1E8-033B-E294-B53C01865D91}"/>
               </a:ext>
             </a:extLst>
           </p:cNvPr>
@@ -23111,15 +28309,7 @@
           <a:p>
             <a:r>
               <a:rPr lang="en-GB" dirty="0"/>
-              <a:t>Step 4 – C/S model (</a:t>
-            </a:r>
-            <a:r>
-              <a:rPr lang="en-GB" dirty="0" err="1"/>
-              <a:t>angular+Spring</a:t>
-            </a:r>
-            <a:r>
-              <a:rPr lang="en-GB" dirty="0"/>
-              <a:t>)</a:t>
+              <a:t>UML</a:t>
             </a:r>
           </a:p>
         </p:txBody>
@@ -23129,7 +28319,7 @@
           <p:cNvPr id="3" name="Espace réservé du contenu 2">
             <a:extLst>
               <a:ext uri="{FF2B5EF4-FFF2-40B4-BE49-F238E27FC236}">
-                <a16:creationId xmlns:a16="http://schemas.microsoft.com/office/drawing/2014/main" id="{C282D129-760F-85C3-4F4E-75E9299D91E7}"/>
+                <a16:creationId xmlns:a16="http://schemas.microsoft.com/office/drawing/2014/main" id="{A8EC5B3E-3787-3C03-C584-C26D7182964B}"/>
               </a:ext>
             </a:extLst>
           </p:cNvPr>
@@ -23146,61 +28336,17 @@
           <a:lstStyle/>
           <a:p>
             <a:r>
-              <a:rPr lang="en-GB" dirty="0"/>
-              <a:t>GUI Framework: Angular</a:t>
-            </a:r>
-          </a:p>
-          <a:p>
-            <a:r>
-              <a:rPr lang="en-GB" dirty="0"/>
-              <a:t>Server : swing</a:t>
-            </a:r>
-          </a:p>
-        </p:txBody>
-      </p:sp>
-      <p:sp>
-        <p:nvSpPr>
-          <p:cNvPr id="4" name="ZoneTexte 3">
-            <a:extLst>
-              <a:ext uri="{FF2B5EF4-FFF2-40B4-BE49-F238E27FC236}">
-                <a16:creationId xmlns:a16="http://schemas.microsoft.com/office/drawing/2014/main" id="{34204BC3-FC0F-F4A2-EF5A-B1A1C83549CF}"/>
-              </a:ext>
-            </a:extLst>
-          </p:cNvPr>
-          <p:cNvSpPr txBox="1"/>
-          <p:nvPr/>
-        </p:nvSpPr>
-        <p:spPr>
-          <a:xfrm rot="19410285">
-            <a:off x="5025005" y="3665989"/>
-            <a:ext cx="737574" cy="369332"/>
-          </a:xfrm>
-          <a:prstGeom prst="rect">
-            <a:avLst/>
-          </a:prstGeom>
-          <a:noFill/>
-        </p:spPr>
-        <p:txBody>
-          <a:bodyPr wrap="none" rtlCol="0">
-            <a:spAutoFit/>
-          </a:bodyPr>
-          <a:lstStyle/>
-          <a:p>
-            <a:r>
-              <a:rPr lang="en-GB" dirty="0">
-                <a:solidFill>
-                  <a:srgbClr val="FF0000"/>
-                </a:solidFill>
-              </a:rPr>
-              <a:t>TODO</a:t>
-            </a:r>
+              <a:rPr lang="en-GB" dirty="0" err="1"/>
+              <a:t>sirius</a:t>
+            </a:r>
+            <a:endParaRPr lang="en-GB" dirty="0"/>
           </a:p>
         </p:txBody>
       </p:sp>
     </p:spTree>
     <p:extLst>
       <p:ext uri="{BB962C8B-B14F-4D97-AF65-F5344CB8AC3E}">
-        <p14:creationId xmlns:p14="http://schemas.microsoft.com/office/powerpoint/2010/main" val="1762366662"/>
+        <p14:creationId xmlns:p14="http://schemas.microsoft.com/office/powerpoint/2010/main" val="2335873274"/>
       </p:ext>
     </p:extLst>
   </p:cSld>
@@ -23232,6 +28378,328 @@
           <p:cNvPr id="2" name="Titre 1">
             <a:extLst>
               <a:ext uri="{FF2B5EF4-FFF2-40B4-BE49-F238E27FC236}">
+                <a16:creationId xmlns:a16="http://schemas.microsoft.com/office/drawing/2014/main" id="{9DE23040-F7EF-8FA4-CFCF-C7D144873BBC}"/>
+              </a:ext>
+            </a:extLst>
+          </p:cNvPr>
+          <p:cNvSpPr>
+            <a:spLocks noGrp="1"/>
+          </p:cNvSpPr>
+          <p:nvPr>
+            <p:ph type="title"/>
+          </p:nvPr>
+        </p:nvSpPr>
+        <p:spPr/>
+        <p:txBody>
+          <a:bodyPr/>
+          <a:lstStyle/>
+          <a:p>
+            <a:r>
+              <a:rPr lang="en-GB" dirty="0"/>
+              <a:t>Release</a:t>
+            </a:r>
+          </a:p>
+        </p:txBody>
+      </p:sp>
+      <p:sp>
+        <p:nvSpPr>
+          <p:cNvPr id="3" name="Espace réservé du contenu 2">
+            <a:extLst>
+              <a:ext uri="{FF2B5EF4-FFF2-40B4-BE49-F238E27FC236}">
+                <a16:creationId xmlns:a16="http://schemas.microsoft.com/office/drawing/2014/main" id="{345D2DF2-7654-1069-3763-EDA318B88CD9}"/>
+              </a:ext>
+            </a:extLst>
+          </p:cNvPr>
+          <p:cNvSpPr>
+            <a:spLocks noGrp="1"/>
+          </p:cNvSpPr>
+          <p:nvPr>
+            <p:ph idx="1"/>
+          </p:nvPr>
+        </p:nvSpPr>
+        <p:spPr/>
+        <p:txBody>
+          <a:bodyPr/>
+          <a:lstStyle/>
+          <a:p>
+            <a:r>
+              <a:rPr lang="en-GB" dirty="0"/>
+              <a:t>Build, Release, Publish, install on another machine from </a:t>
+            </a:r>
+            <a:r>
+              <a:rPr lang="en-GB" dirty="0" err="1"/>
+              <a:t>github</a:t>
+            </a:r>
+            <a:endParaRPr lang="en-GB" dirty="0"/>
+          </a:p>
+        </p:txBody>
+      </p:sp>
+    </p:spTree>
+    <p:extLst>
+      <p:ext uri="{BB962C8B-B14F-4D97-AF65-F5344CB8AC3E}">
+        <p14:creationId xmlns:p14="http://schemas.microsoft.com/office/powerpoint/2010/main" val="118254220"/>
+      </p:ext>
+    </p:extLst>
+  </p:cSld>
+  <p:clrMapOvr>
+    <a:masterClrMapping/>
+  </p:clrMapOvr>
+</p:sld>
+</file>
+
+<file path=ppt/slides/slide35.xml><?xml version="1.0" encoding="utf-8"?>
+<p:sld xmlns:a="http://schemas.openxmlformats.org/drawingml/2006/main" xmlns:r="http://schemas.openxmlformats.org/officeDocument/2006/relationships" xmlns:p="http://schemas.openxmlformats.org/presentationml/2006/main">
+  <p:cSld>
+    <p:spTree>
+      <p:nvGrpSpPr>
+        <p:cNvPr id="1" name=""/>
+        <p:cNvGrpSpPr/>
+        <p:nvPr/>
+      </p:nvGrpSpPr>
+      <p:grpSpPr>
+        <a:xfrm>
+          <a:off x="0" y="0"/>
+          <a:ext cx="0" cy="0"/>
+          <a:chOff x="0" y="0"/>
+          <a:chExt cx="0" cy="0"/>
+        </a:xfrm>
+      </p:grpSpPr>
+      <p:sp>
+        <p:nvSpPr>
+          <p:cNvPr id="2" name="Titre 1">
+            <a:extLst>
+              <a:ext uri="{FF2B5EF4-FFF2-40B4-BE49-F238E27FC236}">
+                <a16:creationId xmlns:a16="http://schemas.microsoft.com/office/drawing/2014/main" id="{2653F1FD-0A88-3F85-5165-81D519D295B6}"/>
+              </a:ext>
+            </a:extLst>
+          </p:cNvPr>
+          <p:cNvSpPr>
+            <a:spLocks noGrp="1"/>
+          </p:cNvSpPr>
+          <p:nvPr>
+            <p:ph type="title"/>
+          </p:nvPr>
+        </p:nvSpPr>
+        <p:spPr/>
+        <p:txBody>
+          <a:bodyPr/>
+          <a:lstStyle/>
+          <a:p>
+            <a:r>
+              <a:rPr lang="en-GB" dirty="0"/>
+              <a:t>OSGi</a:t>
+            </a:r>
+          </a:p>
+        </p:txBody>
+      </p:sp>
+      <p:sp>
+        <p:nvSpPr>
+          <p:cNvPr id="3" name="Espace réservé du contenu 2">
+            <a:extLst>
+              <a:ext uri="{FF2B5EF4-FFF2-40B4-BE49-F238E27FC236}">
+                <a16:creationId xmlns:a16="http://schemas.microsoft.com/office/drawing/2014/main" id="{5F3E4689-2322-EF4A-493A-5D8AD60D431E}"/>
+              </a:ext>
+            </a:extLst>
+          </p:cNvPr>
+          <p:cNvSpPr>
+            <a:spLocks noGrp="1"/>
+          </p:cNvSpPr>
+          <p:nvPr>
+            <p:ph idx="1"/>
+          </p:nvPr>
+        </p:nvSpPr>
+        <p:spPr/>
+        <p:txBody>
+          <a:bodyPr/>
+          <a:lstStyle/>
+          <a:p>
+            <a:r>
+              <a:rPr lang="en-GB" dirty="0"/>
+              <a:t>To evaluate..</a:t>
+            </a:r>
+          </a:p>
+        </p:txBody>
+      </p:sp>
+    </p:spTree>
+    <p:extLst>
+      <p:ext uri="{BB962C8B-B14F-4D97-AF65-F5344CB8AC3E}">
+        <p14:creationId xmlns:p14="http://schemas.microsoft.com/office/powerpoint/2010/main" val="1235747462"/>
+      </p:ext>
+    </p:extLst>
+  </p:cSld>
+  <p:clrMapOvr>
+    <a:masterClrMapping/>
+  </p:clrMapOvr>
+</p:sld>
+</file>
+
+<file path=ppt/slides/slide36.xml><?xml version="1.0" encoding="utf-8"?>
+<p:sld xmlns:a="http://schemas.openxmlformats.org/drawingml/2006/main" xmlns:r="http://schemas.openxmlformats.org/officeDocument/2006/relationships" xmlns:p="http://schemas.openxmlformats.org/presentationml/2006/main">
+  <p:cSld>
+    <p:spTree>
+      <p:nvGrpSpPr>
+        <p:cNvPr id="1" name="">
+          <a:extLst>
+            <a:ext uri="{FF2B5EF4-FFF2-40B4-BE49-F238E27FC236}">
+              <a16:creationId xmlns:a16="http://schemas.microsoft.com/office/drawing/2014/main" id="{BD080549-0AF8-4969-FBFC-DA319D487BD6}"/>
+            </a:ext>
+          </a:extLst>
+        </p:cNvPr>
+        <p:cNvGrpSpPr/>
+        <p:nvPr/>
+      </p:nvGrpSpPr>
+      <p:grpSpPr>
+        <a:xfrm>
+          <a:off x="0" y="0"/>
+          <a:ext cx="0" cy="0"/>
+          <a:chOff x="0" y="0"/>
+          <a:chExt cx="0" cy="0"/>
+        </a:xfrm>
+      </p:grpSpPr>
+      <p:sp>
+        <p:nvSpPr>
+          <p:cNvPr id="2" name="Titre 1">
+            <a:extLst>
+              <a:ext uri="{FF2B5EF4-FFF2-40B4-BE49-F238E27FC236}">
+                <a16:creationId xmlns:a16="http://schemas.microsoft.com/office/drawing/2014/main" id="{D60EA576-ED00-5388-5F99-9251025CC996}"/>
+              </a:ext>
+            </a:extLst>
+          </p:cNvPr>
+          <p:cNvSpPr>
+            <a:spLocks noGrp="1"/>
+          </p:cNvSpPr>
+          <p:nvPr>
+            <p:ph type="title"/>
+          </p:nvPr>
+        </p:nvSpPr>
+        <p:spPr/>
+        <p:txBody>
+          <a:bodyPr/>
+          <a:lstStyle/>
+          <a:p>
+            <a:r>
+              <a:rPr lang="en-GB" dirty="0"/>
+              <a:t>Step 4 – C/S model (</a:t>
+            </a:r>
+            <a:r>
+              <a:rPr lang="en-GB" dirty="0" err="1"/>
+              <a:t>angular+Spring</a:t>
+            </a:r>
+            <a:r>
+              <a:rPr lang="en-GB" dirty="0"/>
+              <a:t>)</a:t>
+            </a:r>
+          </a:p>
+        </p:txBody>
+      </p:sp>
+      <p:sp>
+        <p:nvSpPr>
+          <p:cNvPr id="3" name="Espace réservé du contenu 2">
+            <a:extLst>
+              <a:ext uri="{FF2B5EF4-FFF2-40B4-BE49-F238E27FC236}">
+                <a16:creationId xmlns:a16="http://schemas.microsoft.com/office/drawing/2014/main" id="{C282D129-760F-85C3-4F4E-75E9299D91E7}"/>
+              </a:ext>
+            </a:extLst>
+          </p:cNvPr>
+          <p:cNvSpPr>
+            <a:spLocks noGrp="1"/>
+          </p:cNvSpPr>
+          <p:nvPr>
+            <p:ph idx="1"/>
+          </p:nvPr>
+        </p:nvSpPr>
+        <p:spPr/>
+        <p:txBody>
+          <a:bodyPr/>
+          <a:lstStyle/>
+          <a:p>
+            <a:r>
+              <a:rPr lang="en-GB" dirty="0"/>
+              <a:t>GUI Framework: Angular</a:t>
+            </a:r>
+          </a:p>
+          <a:p>
+            <a:r>
+              <a:rPr lang="en-GB" dirty="0"/>
+              <a:t>Server : swing</a:t>
+            </a:r>
+          </a:p>
+        </p:txBody>
+      </p:sp>
+      <p:sp>
+        <p:nvSpPr>
+          <p:cNvPr id="4" name="ZoneTexte 3">
+            <a:extLst>
+              <a:ext uri="{FF2B5EF4-FFF2-40B4-BE49-F238E27FC236}">
+                <a16:creationId xmlns:a16="http://schemas.microsoft.com/office/drawing/2014/main" id="{34204BC3-FC0F-F4A2-EF5A-B1A1C83549CF}"/>
+              </a:ext>
+            </a:extLst>
+          </p:cNvPr>
+          <p:cNvSpPr txBox="1"/>
+          <p:nvPr/>
+        </p:nvSpPr>
+        <p:spPr>
+          <a:xfrm rot="19410285">
+            <a:off x="5025005" y="3665989"/>
+            <a:ext cx="737574" cy="369332"/>
+          </a:xfrm>
+          <a:prstGeom prst="rect">
+            <a:avLst/>
+          </a:prstGeom>
+          <a:noFill/>
+        </p:spPr>
+        <p:txBody>
+          <a:bodyPr wrap="none" rtlCol="0">
+            <a:spAutoFit/>
+          </a:bodyPr>
+          <a:lstStyle/>
+          <a:p>
+            <a:r>
+              <a:rPr lang="en-GB" dirty="0">
+                <a:solidFill>
+                  <a:srgbClr val="FF0000"/>
+                </a:solidFill>
+              </a:rPr>
+              <a:t>TODO</a:t>
+            </a:r>
+          </a:p>
+        </p:txBody>
+      </p:sp>
+    </p:spTree>
+    <p:extLst>
+      <p:ext uri="{BB962C8B-B14F-4D97-AF65-F5344CB8AC3E}">
+        <p14:creationId xmlns:p14="http://schemas.microsoft.com/office/powerpoint/2010/main" val="1762366662"/>
+      </p:ext>
+    </p:extLst>
+  </p:cSld>
+  <p:clrMapOvr>
+    <a:masterClrMapping/>
+  </p:clrMapOvr>
+</p:sld>
+</file>
+
+<file path=ppt/slides/slide37.xml><?xml version="1.0" encoding="utf-8"?>
+<p:sld xmlns:a="http://schemas.openxmlformats.org/drawingml/2006/main" xmlns:r="http://schemas.openxmlformats.org/officeDocument/2006/relationships" xmlns:p="http://schemas.openxmlformats.org/presentationml/2006/main">
+  <p:cSld>
+    <p:spTree>
+      <p:nvGrpSpPr>
+        <p:cNvPr id="1" name=""/>
+        <p:cNvGrpSpPr/>
+        <p:nvPr/>
+      </p:nvGrpSpPr>
+      <p:grpSpPr>
+        <a:xfrm>
+          <a:off x="0" y="0"/>
+          <a:ext cx="0" cy="0"/>
+          <a:chOff x="0" y="0"/>
+          <a:chExt cx="0" cy="0"/>
+        </a:xfrm>
+      </p:grpSpPr>
+      <p:sp>
+        <p:nvSpPr>
+          <p:cNvPr id="2" name="Titre 1">
+            <a:extLst>
+              <a:ext uri="{FF2B5EF4-FFF2-40B4-BE49-F238E27FC236}">
                 <a16:creationId xmlns:a16="http://schemas.microsoft.com/office/drawing/2014/main" id="{5CABA1D9-3AE1-4B10-25F7-8379A4E72456}"/>
               </a:ext>
             </a:extLst>
@@ -23341,7 +28809,7 @@
 </p:sld>
 </file>
 
-<file path=ppt/slides/slide35.xml><?xml version="1.0" encoding="utf-8"?>
+<file path=ppt/slides/slide38.xml><?xml version="1.0" encoding="utf-8"?>
 <p:sld xmlns:a="http://schemas.openxmlformats.org/drawingml/2006/main" xmlns:r="http://schemas.openxmlformats.org/officeDocument/2006/relationships" xmlns:p="http://schemas.openxmlformats.org/presentationml/2006/main">
   <p:cSld>
     <p:spTree>

--- a/doc/Steps overview.pptx
+++ b/doc/Steps overview.pptx
@@ -8306,8 +8306,8 @@
         </p:nvSpPr>
         <p:spPr>
           <a:xfrm>
-            <a:off x="828675" y="1857375"/>
-            <a:ext cx="7524749" cy="4601260"/>
+            <a:off x="971287" y="3392562"/>
+            <a:ext cx="7524749" cy="3123932"/>
           </a:xfrm>
           <a:prstGeom prst="rect">
             <a:avLst/>
@@ -8331,7 +8331,7 @@
               </a:spcAft>
             </a:pPr>
             <a:r>
-              <a:rPr lang="en-US" sz="1000" dirty="0">
+              <a:rPr lang="en-US" sz="700" dirty="0">
                 <a:solidFill>
                   <a:srgbClr val="808080"/>
                 </a:solidFill>
@@ -8340,7 +8340,7 @@
               </a:rPr>
               <a:t>// Calculate the intersection point of two line segments</a:t>
             </a:r>
-            <a:endParaRPr lang="en-US" sz="1000" dirty="0">
+            <a:endParaRPr lang="en-US" sz="700" dirty="0">
               <a:solidFill>
                 <a:srgbClr val="D9E8F7"/>
               </a:solidFill>
@@ -8358,7 +8358,7 @@
               </a:spcAft>
             </a:pPr>
             <a:r>
-              <a:rPr lang="en-US" sz="1000" dirty="0">
+              <a:rPr lang="en-US" sz="700" dirty="0">
                 <a:solidFill>
                   <a:srgbClr val="CC6C1D"/>
                 </a:solidFill>
@@ -8368,7 +8368,7 @@
               <a:t>public</a:t>
             </a:r>
             <a:r>
-              <a:rPr lang="en-US" sz="1000" dirty="0">
+              <a:rPr lang="en-US" sz="700" dirty="0">
                 <a:solidFill>
                   <a:srgbClr val="D9E8F7"/>
                 </a:solidFill>
@@ -8378,7 +8378,7 @@
               <a:t> </a:t>
             </a:r>
             <a:r>
-              <a:rPr lang="en-US" sz="1000" dirty="0">
+              <a:rPr lang="en-US" sz="700" dirty="0">
                 <a:solidFill>
                   <a:srgbClr val="CC6C1D"/>
                 </a:solidFill>
@@ -8388,7 +8388,7 @@
               <a:t>static</a:t>
             </a:r>
             <a:r>
-              <a:rPr lang="en-US" sz="1000" dirty="0">
+              <a:rPr lang="en-US" sz="700" dirty="0">
                 <a:solidFill>
                   <a:srgbClr val="D9E8F7"/>
                 </a:solidFill>
@@ -8398,7 +8398,7 @@
               <a:t> </a:t>
             </a:r>
             <a:r>
-              <a:rPr lang="en-US" sz="1000" dirty="0">
+              <a:rPr lang="en-US" sz="700" dirty="0">
                 <a:solidFill>
                   <a:srgbClr val="CC6C1D"/>
                 </a:solidFill>
@@ -8408,7 +8408,7 @@
               <a:t>double</a:t>
             </a:r>
             <a:r>
-              <a:rPr lang="en-US" sz="1000" dirty="0">
+              <a:rPr lang="en-US" sz="700" dirty="0">
                 <a:solidFill>
                   <a:srgbClr val="F9FAF4"/>
                 </a:solidFill>
@@ -8418,7 +8418,7 @@
               <a:t>[]</a:t>
             </a:r>
             <a:r>
-              <a:rPr lang="en-US" sz="1000" dirty="0">
+              <a:rPr lang="en-US" sz="700" dirty="0">
                 <a:solidFill>
                   <a:srgbClr val="D9E8F7"/>
                 </a:solidFill>
@@ -8428,7 +8428,7 @@
               <a:t> </a:t>
             </a:r>
             <a:r>
-              <a:rPr lang="en-US" sz="1000" dirty="0" err="1">
+              <a:rPr lang="en-US" sz="700" dirty="0" err="1">
                 <a:solidFill>
                   <a:srgbClr val="D9E8F7"/>
                 </a:solidFill>
@@ -8438,7 +8438,7 @@
               <a:t>calculateIntersection</a:t>
             </a:r>
             <a:r>
-              <a:rPr lang="en-US" sz="1000" dirty="0">
+              <a:rPr lang="en-US" sz="700" dirty="0">
                 <a:solidFill>
                   <a:srgbClr val="F9FAF4"/>
                 </a:solidFill>
@@ -8448,7 +8448,7 @@
               <a:t>(</a:t>
             </a:r>
             <a:r>
-              <a:rPr lang="en-US" sz="1000" dirty="0">
+              <a:rPr lang="en-US" sz="700" dirty="0">
                 <a:solidFill>
                   <a:srgbClr val="CC6C1D"/>
                 </a:solidFill>
@@ -8458,7 +8458,7 @@
               <a:t>double</a:t>
             </a:r>
             <a:r>
-              <a:rPr lang="en-US" sz="1000" dirty="0">
+              <a:rPr lang="en-US" sz="700" dirty="0">
                 <a:solidFill>
                   <a:srgbClr val="D9E8F7"/>
                 </a:solidFill>
@@ -8468,7 +8468,7 @@
               <a:t> x1</a:t>
             </a:r>
             <a:r>
-              <a:rPr lang="en-US" sz="1000" dirty="0">
+              <a:rPr lang="en-US" sz="700" dirty="0">
                 <a:solidFill>
                   <a:srgbClr val="E6E6FA"/>
                 </a:solidFill>
@@ -8478,7 +8478,7 @@
               <a:t>,</a:t>
             </a:r>
             <a:r>
-              <a:rPr lang="en-US" sz="1000" dirty="0">
+              <a:rPr lang="en-US" sz="700" dirty="0">
                 <a:solidFill>
                   <a:srgbClr val="D9E8F7"/>
                 </a:solidFill>
@@ -8488,7 +8488,7 @@
               <a:t> </a:t>
             </a:r>
             <a:r>
-              <a:rPr lang="en-US" sz="1000" dirty="0">
+              <a:rPr lang="en-US" sz="700" dirty="0">
                 <a:solidFill>
                   <a:srgbClr val="CC6C1D"/>
                 </a:solidFill>
@@ -8498,7 +8498,7 @@
               <a:t>double</a:t>
             </a:r>
             <a:r>
-              <a:rPr lang="en-US" sz="1000" dirty="0">
+              <a:rPr lang="en-US" sz="700" dirty="0">
                 <a:solidFill>
                   <a:srgbClr val="D9E8F7"/>
                 </a:solidFill>
@@ -8508,7 +8508,7 @@
               <a:t> y1</a:t>
             </a:r>
             <a:r>
-              <a:rPr lang="en-US" sz="1000" dirty="0">
+              <a:rPr lang="en-US" sz="700" dirty="0">
                 <a:solidFill>
                   <a:srgbClr val="E6E6FA"/>
                 </a:solidFill>
@@ -8518,7 +8518,7 @@
               <a:t>,</a:t>
             </a:r>
             <a:r>
-              <a:rPr lang="en-US" sz="1000" dirty="0">
+              <a:rPr lang="en-US" sz="700" dirty="0">
                 <a:solidFill>
                   <a:srgbClr val="D9E8F7"/>
                 </a:solidFill>
@@ -8528,7 +8528,7 @@
               <a:t> </a:t>
             </a:r>
             <a:r>
-              <a:rPr lang="en-US" sz="1000" dirty="0">
+              <a:rPr lang="en-US" sz="700" dirty="0">
                 <a:solidFill>
                   <a:srgbClr val="CC6C1D"/>
                 </a:solidFill>
@@ -8538,7 +8538,7 @@
               <a:t>double</a:t>
             </a:r>
             <a:r>
-              <a:rPr lang="en-US" sz="1000" dirty="0">
+              <a:rPr lang="en-US" sz="700" dirty="0">
                 <a:solidFill>
                   <a:srgbClr val="D9E8F7"/>
                 </a:solidFill>
@@ -8548,7 +8548,7 @@
               <a:t> x2</a:t>
             </a:r>
             <a:r>
-              <a:rPr lang="en-US" sz="1000" dirty="0">
+              <a:rPr lang="en-US" sz="700" dirty="0">
                 <a:solidFill>
                   <a:srgbClr val="E6E6FA"/>
                 </a:solidFill>
@@ -8558,7 +8558,7 @@
               <a:t>,</a:t>
             </a:r>
             <a:r>
-              <a:rPr lang="en-US" sz="1000" dirty="0">
+              <a:rPr lang="en-US" sz="700" dirty="0">
                 <a:solidFill>
                   <a:srgbClr val="D9E8F7"/>
                 </a:solidFill>
@@ -8568,7 +8568,7 @@
               <a:t> </a:t>
             </a:r>
             <a:r>
-              <a:rPr lang="en-US" sz="1000" dirty="0">
+              <a:rPr lang="en-US" sz="700" dirty="0">
                 <a:solidFill>
                   <a:srgbClr val="CC6C1D"/>
                 </a:solidFill>
@@ -8578,7 +8578,7 @@
               <a:t>double</a:t>
             </a:r>
             <a:r>
-              <a:rPr lang="en-US" sz="1000" dirty="0">
+              <a:rPr lang="en-US" sz="700" dirty="0">
                 <a:solidFill>
                   <a:srgbClr val="D9E8F7"/>
                 </a:solidFill>
@@ -8588,7 +8588,7 @@
               <a:t> y2</a:t>
             </a:r>
             <a:r>
-              <a:rPr lang="en-US" sz="1000" dirty="0">
+              <a:rPr lang="en-US" sz="700" dirty="0">
                 <a:solidFill>
                   <a:srgbClr val="E6E6FA"/>
                 </a:solidFill>
@@ -8597,7 +8597,7 @@
               </a:rPr>
               <a:t>,</a:t>
             </a:r>
-            <a:endParaRPr lang="en-US" sz="1000" dirty="0">
+            <a:endParaRPr lang="en-US" sz="700" dirty="0">
               <a:solidFill>
                 <a:srgbClr val="AAAAAA"/>
               </a:solidFill>
@@ -8615,7 +8615,7 @@
               </a:spcAft>
             </a:pPr>
             <a:r>
-              <a:rPr lang="en-US" sz="1000" dirty="0">
+              <a:rPr lang="en-US" sz="700" dirty="0">
                 <a:solidFill>
                   <a:srgbClr val="CC6C1D"/>
                 </a:solidFill>
@@ -8625,7 +8625,7 @@
               <a:t>double</a:t>
             </a:r>
             <a:r>
-              <a:rPr lang="en-US" sz="1000" dirty="0">
+              <a:rPr lang="en-US" sz="700" dirty="0">
                 <a:solidFill>
                   <a:srgbClr val="D9E8F7"/>
                 </a:solidFill>
@@ -8635,7 +8635,7 @@
               <a:t> x3</a:t>
             </a:r>
             <a:r>
-              <a:rPr lang="en-US" sz="1000" dirty="0">
+              <a:rPr lang="en-US" sz="700" dirty="0">
                 <a:solidFill>
                   <a:srgbClr val="E6E6FA"/>
                 </a:solidFill>
@@ -8645,7 +8645,7 @@
               <a:t>,</a:t>
             </a:r>
             <a:r>
-              <a:rPr lang="en-US" sz="1000" dirty="0">
+              <a:rPr lang="en-US" sz="700" dirty="0">
                 <a:solidFill>
                   <a:srgbClr val="D9E8F7"/>
                 </a:solidFill>
@@ -8655,7 +8655,7 @@
               <a:t> </a:t>
             </a:r>
             <a:r>
-              <a:rPr lang="en-US" sz="1000" dirty="0">
+              <a:rPr lang="en-US" sz="700" dirty="0">
                 <a:solidFill>
                   <a:srgbClr val="CC6C1D"/>
                 </a:solidFill>
@@ -8665,7 +8665,7 @@
               <a:t>double</a:t>
             </a:r>
             <a:r>
-              <a:rPr lang="en-US" sz="1000" dirty="0">
+              <a:rPr lang="en-US" sz="700" dirty="0">
                 <a:solidFill>
                   <a:srgbClr val="D9E8F7"/>
                 </a:solidFill>
@@ -8675,7 +8675,7 @@
               <a:t> y3</a:t>
             </a:r>
             <a:r>
-              <a:rPr lang="en-US" sz="1000" dirty="0">
+              <a:rPr lang="en-US" sz="700" dirty="0">
                 <a:solidFill>
                   <a:srgbClr val="E6E6FA"/>
                 </a:solidFill>
@@ -8685,7 +8685,7 @@
               <a:t>,</a:t>
             </a:r>
             <a:r>
-              <a:rPr lang="en-US" sz="1000" dirty="0">
+              <a:rPr lang="en-US" sz="700" dirty="0">
                 <a:solidFill>
                   <a:srgbClr val="D9E8F7"/>
                 </a:solidFill>
@@ -8695,7 +8695,7 @@
               <a:t> </a:t>
             </a:r>
             <a:r>
-              <a:rPr lang="en-US" sz="1000" dirty="0">
+              <a:rPr lang="en-US" sz="700" dirty="0">
                 <a:solidFill>
                   <a:srgbClr val="CC6C1D"/>
                 </a:solidFill>
@@ -8705,7 +8705,7 @@
               <a:t>double</a:t>
             </a:r>
             <a:r>
-              <a:rPr lang="en-US" sz="1000" dirty="0">
+              <a:rPr lang="en-US" sz="700" dirty="0">
                 <a:solidFill>
                   <a:srgbClr val="D9E8F7"/>
                 </a:solidFill>
@@ -8715,7 +8715,7 @@
               <a:t> x4</a:t>
             </a:r>
             <a:r>
-              <a:rPr lang="en-US" sz="1000" dirty="0">
+              <a:rPr lang="en-US" sz="700" dirty="0">
                 <a:solidFill>
                   <a:srgbClr val="E6E6FA"/>
                 </a:solidFill>
@@ -8725,7 +8725,7 @@
               <a:t>,</a:t>
             </a:r>
             <a:r>
-              <a:rPr lang="en-US" sz="1000" dirty="0">
+              <a:rPr lang="en-US" sz="700" dirty="0">
                 <a:solidFill>
                   <a:srgbClr val="D9E8F7"/>
                 </a:solidFill>
@@ -8735,7 +8735,7 @@
               <a:t> </a:t>
             </a:r>
             <a:r>
-              <a:rPr lang="en-US" sz="1000" dirty="0">
+              <a:rPr lang="en-US" sz="700" dirty="0">
                 <a:solidFill>
                   <a:srgbClr val="CC6C1D"/>
                 </a:solidFill>
@@ -8745,7 +8745,7 @@
               <a:t>double</a:t>
             </a:r>
             <a:r>
-              <a:rPr lang="en-US" sz="1000" dirty="0">
+              <a:rPr lang="en-US" sz="700" dirty="0">
                 <a:solidFill>
                   <a:srgbClr val="D9E8F7"/>
                 </a:solidFill>
@@ -8755,7 +8755,7 @@
               <a:t> y4</a:t>
             </a:r>
             <a:r>
-              <a:rPr lang="en-US" sz="1000" dirty="0">
+              <a:rPr lang="en-US" sz="700" dirty="0">
                 <a:solidFill>
                   <a:srgbClr val="F9FAF4"/>
                 </a:solidFill>
@@ -8765,7 +8765,7 @@
               <a:t>)</a:t>
             </a:r>
             <a:r>
-              <a:rPr lang="en-US" sz="1000" dirty="0">
+              <a:rPr lang="en-US" sz="700" dirty="0">
                 <a:solidFill>
                   <a:srgbClr val="D9E8F7"/>
                 </a:solidFill>
@@ -8775,7 +8775,7 @@
               <a:t> </a:t>
             </a:r>
             <a:r>
-              <a:rPr lang="en-US" sz="1000" dirty="0">
+              <a:rPr lang="en-US" sz="700" dirty="0">
                 <a:solidFill>
                   <a:srgbClr val="F9FAF4"/>
                 </a:solidFill>
@@ -8784,7 +8784,7 @@
               </a:rPr>
               <a:t>{</a:t>
             </a:r>
-            <a:endParaRPr lang="en-US" sz="1000" dirty="0">
+            <a:endParaRPr lang="en-US" sz="700" dirty="0">
               <a:solidFill>
                 <a:srgbClr val="AAAAAA"/>
               </a:solidFill>
@@ -8802,7 +8802,7 @@
               </a:spcAft>
             </a:pPr>
             <a:r>
-              <a:rPr lang="en-US" sz="1000" dirty="0">
+              <a:rPr lang="en-US" sz="700" dirty="0">
                 <a:solidFill>
                   <a:srgbClr val="CC6C1D"/>
                 </a:solidFill>
@@ -8812,7 +8812,7 @@
               <a:t>double</a:t>
             </a:r>
             <a:r>
-              <a:rPr lang="en-US" sz="1000" dirty="0">
+              <a:rPr lang="en-US" sz="700" dirty="0">
                 <a:solidFill>
                   <a:srgbClr val="F9FAF4"/>
                 </a:solidFill>
@@ -8822,7 +8822,7 @@
               <a:t>[]</a:t>
             </a:r>
             <a:r>
-              <a:rPr lang="en-US" sz="1000" dirty="0">
+              <a:rPr lang="en-US" sz="700" dirty="0">
                 <a:solidFill>
                   <a:srgbClr val="D9E8F7"/>
                 </a:solidFill>
@@ -8832,7 +8832,7 @@
               <a:t> intersection </a:t>
             </a:r>
             <a:r>
-              <a:rPr lang="en-US" sz="1000" dirty="0">
+              <a:rPr lang="en-US" sz="700" dirty="0">
                 <a:solidFill>
                   <a:srgbClr val="E6E6FA"/>
                 </a:solidFill>
@@ -8842,7 +8842,7 @@
               <a:t>=</a:t>
             </a:r>
             <a:r>
-              <a:rPr lang="en-US" sz="1000" dirty="0">
+              <a:rPr lang="en-US" sz="700" dirty="0">
                 <a:solidFill>
                   <a:srgbClr val="D9E8F7"/>
                 </a:solidFill>
@@ -8852,7 +8852,7 @@
               <a:t> </a:t>
             </a:r>
             <a:r>
-              <a:rPr lang="en-US" sz="1000" dirty="0">
+              <a:rPr lang="en-US" sz="700" dirty="0">
                 <a:solidFill>
                   <a:srgbClr val="CC6C1D"/>
                 </a:solidFill>
@@ -8862,7 +8862,7 @@
               <a:t>new</a:t>
             </a:r>
             <a:r>
-              <a:rPr lang="en-US" sz="1000" dirty="0">
+              <a:rPr lang="en-US" sz="700" dirty="0">
                 <a:solidFill>
                   <a:srgbClr val="D9E8F7"/>
                 </a:solidFill>
@@ -8872,7 +8872,7 @@
               <a:t> </a:t>
             </a:r>
             <a:r>
-              <a:rPr lang="en-US" sz="1000" dirty="0">
+              <a:rPr lang="en-US" sz="700" dirty="0">
                 <a:solidFill>
                   <a:srgbClr val="CC6C1D"/>
                 </a:solidFill>
@@ -8882,7 +8882,7 @@
               <a:t>double</a:t>
             </a:r>
             <a:r>
-              <a:rPr lang="en-US" sz="1000" dirty="0">
+              <a:rPr lang="en-US" sz="700" dirty="0">
                 <a:solidFill>
                   <a:srgbClr val="F9FAF4"/>
                 </a:solidFill>
@@ -8892,7 +8892,7 @@
               <a:t>[</a:t>
             </a:r>
             <a:r>
-              <a:rPr lang="en-US" sz="1000" dirty="0">
+              <a:rPr lang="en-US" sz="700" dirty="0">
                 <a:solidFill>
                   <a:srgbClr val="D9E8F7"/>
                 </a:solidFill>
@@ -8902,7 +8902,7 @@
               <a:t>2</a:t>
             </a:r>
             <a:r>
-              <a:rPr lang="en-US" sz="1000" dirty="0">
+              <a:rPr lang="en-US" sz="700" dirty="0">
                 <a:solidFill>
                   <a:srgbClr val="F9FAF4"/>
                 </a:solidFill>
@@ -8912,7 +8912,7 @@
               <a:t>]</a:t>
             </a:r>
             <a:r>
-              <a:rPr lang="en-US" sz="1000" dirty="0">
+              <a:rPr lang="en-US" sz="700" dirty="0">
                 <a:solidFill>
                   <a:srgbClr val="E6E6FA"/>
                 </a:solidFill>
@@ -8921,7 +8921,7 @@
               </a:rPr>
               <a:t>;</a:t>
             </a:r>
-            <a:endParaRPr lang="en-US" sz="1000" dirty="0">
+            <a:endParaRPr lang="en-US" sz="700" dirty="0">
               <a:solidFill>
                 <a:srgbClr val="AAAAAA"/>
               </a:solidFill>
@@ -8939,7 +8939,7 @@
               </a:spcAft>
             </a:pPr>
             <a:br>
-              <a:rPr lang="en-US" sz="1000" dirty="0">
+              <a:rPr lang="en-US" sz="700" dirty="0">
                 <a:solidFill>
                   <a:srgbClr val="AAAAAA"/>
                 </a:solidFill>
@@ -8947,7 +8947,7 @@
                 <a:latin typeface="Consolas" panose="020B0609020204030204" pitchFamily="49" charset="0"/>
               </a:rPr>
             </a:br>
-            <a:endParaRPr lang="en-US" sz="1000" dirty="0">
+            <a:endParaRPr lang="en-US" sz="700" dirty="0">
               <a:solidFill>
                 <a:srgbClr val="AAAAAA"/>
               </a:solidFill>
@@ -8965,7 +8965,7 @@
               </a:spcAft>
             </a:pPr>
             <a:r>
-              <a:rPr lang="en-US" sz="1000" dirty="0">
+              <a:rPr lang="en-US" sz="700" dirty="0">
                 <a:solidFill>
                   <a:srgbClr val="CC6C1D"/>
                 </a:solidFill>
@@ -8975,7 +8975,7 @@
               <a:t>double</a:t>
             </a:r>
             <a:r>
-              <a:rPr lang="en-US" sz="1000" dirty="0">
+              <a:rPr lang="en-US" sz="700" dirty="0">
                 <a:solidFill>
                   <a:srgbClr val="D9E8F7"/>
                 </a:solidFill>
@@ -8985,7 +8985,7 @@
               <a:t> denominator </a:t>
             </a:r>
             <a:r>
-              <a:rPr lang="en-US" sz="1000" dirty="0">
+              <a:rPr lang="en-US" sz="700" dirty="0">
                 <a:solidFill>
                   <a:srgbClr val="E6E6FA"/>
                 </a:solidFill>
@@ -8995,7 +8995,7 @@
               <a:t>=</a:t>
             </a:r>
             <a:r>
-              <a:rPr lang="en-US" sz="1000" dirty="0">
+              <a:rPr lang="en-US" sz="700" dirty="0">
                 <a:solidFill>
                   <a:srgbClr val="D9E8F7"/>
                 </a:solidFill>
@@ -9005,7 +9005,7 @@
               <a:t> </a:t>
             </a:r>
             <a:r>
-              <a:rPr lang="en-US" sz="1000" dirty="0">
+              <a:rPr lang="en-US" sz="700" dirty="0">
                 <a:solidFill>
                   <a:srgbClr val="F9FAF4"/>
                 </a:solidFill>
@@ -9015,7 +9015,7 @@
               <a:t>(</a:t>
             </a:r>
             <a:r>
-              <a:rPr lang="en-US" sz="1000" dirty="0">
+              <a:rPr lang="en-US" sz="700" dirty="0">
                 <a:solidFill>
                   <a:srgbClr val="D9E8F7"/>
                 </a:solidFill>
@@ -9025,7 +9025,7 @@
               <a:t>x1 </a:t>
             </a:r>
             <a:r>
-              <a:rPr lang="en-US" sz="1000" dirty="0">
+              <a:rPr lang="en-US" sz="700" dirty="0">
                 <a:solidFill>
                   <a:srgbClr val="E6E6FA"/>
                 </a:solidFill>
@@ -9035,7 +9035,7 @@
               <a:t>-</a:t>
             </a:r>
             <a:r>
-              <a:rPr lang="en-US" sz="1000" dirty="0">
+              <a:rPr lang="en-US" sz="700" dirty="0">
                 <a:solidFill>
                   <a:srgbClr val="D9E8F7"/>
                 </a:solidFill>
@@ -9045,7 +9045,7 @@
               <a:t> x2</a:t>
             </a:r>
             <a:r>
-              <a:rPr lang="en-US" sz="1000" dirty="0">
+              <a:rPr lang="en-US" sz="700" dirty="0">
                 <a:solidFill>
                   <a:srgbClr val="F9FAF4"/>
                 </a:solidFill>
@@ -9055,7 +9055,7 @@
               <a:t>)</a:t>
             </a:r>
             <a:r>
-              <a:rPr lang="en-US" sz="1000" dirty="0">
+              <a:rPr lang="en-US" sz="700" dirty="0">
                 <a:solidFill>
                   <a:srgbClr val="D9E8F7"/>
                 </a:solidFill>
@@ -9065,7 +9065,7 @@
               <a:t> </a:t>
             </a:r>
             <a:r>
-              <a:rPr lang="en-US" sz="1000" dirty="0">
+              <a:rPr lang="en-US" sz="700" dirty="0">
                 <a:solidFill>
                   <a:srgbClr val="E6E6FA"/>
                 </a:solidFill>
@@ -9075,7 +9075,7 @@
               <a:t>*</a:t>
             </a:r>
             <a:r>
-              <a:rPr lang="en-US" sz="1000" dirty="0">
+              <a:rPr lang="en-US" sz="700" dirty="0">
                 <a:solidFill>
                   <a:srgbClr val="D9E8F7"/>
                 </a:solidFill>
@@ -9085,7 +9085,7 @@
               <a:t> </a:t>
             </a:r>
             <a:r>
-              <a:rPr lang="en-US" sz="1000" dirty="0">
+              <a:rPr lang="en-US" sz="700" dirty="0">
                 <a:solidFill>
                   <a:srgbClr val="F9FAF4"/>
                 </a:solidFill>
@@ -9095,7 +9095,7 @@
               <a:t>(</a:t>
             </a:r>
             <a:r>
-              <a:rPr lang="en-US" sz="1000" dirty="0">
+              <a:rPr lang="en-US" sz="700" dirty="0">
                 <a:solidFill>
                   <a:srgbClr val="D9E8F7"/>
                 </a:solidFill>
@@ -9105,7 +9105,7 @@
               <a:t>y3 </a:t>
             </a:r>
             <a:r>
-              <a:rPr lang="en-US" sz="1000" dirty="0">
+              <a:rPr lang="en-US" sz="700" dirty="0">
                 <a:solidFill>
                   <a:srgbClr val="E6E6FA"/>
                 </a:solidFill>
@@ -9115,7 +9115,7 @@
               <a:t>-</a:t>
             </a:r>
             <a:r>
-              <a:rPr lang="en-US" sz="1000" dirty="0">
+              <a:rPr lang="en-US" sz="700" dirty="0">
                 <a:solidFill>
                   <a:srgbClr val="D9E8F7"/>
                 </a:solidFill>
@@ -9125,7 +9125,7 @@
               <a:t> y4</a:t>
             </a:r>
             <a:r>
-              <a:rPr lang="en-US" sz="1000" dirty="0">
+              <a:rPr lang="en-US" sz="700" dirty="0">
                 <a:solidFill>
                   <a:srgbClr val="F9FAF4"/>
                 </a:solidFill>
@@ -9135,7 +9135,7 @@
               <a:t>)</a:t>
             </a:r>
             <a:r>
-              <a:rPr lang="en-US" sz="1000" dirty="0">
+              <a:rPr lang="en-US" sz="700" dirty="0">
                 <a:solidFill>
                   <a:srgbClr val="D9E8F7"/>
                 </a:solidFill>
@@ -9145,7 +9145,7 @@
               <a:t> </a:t>
             </a:r>
             <a:r>
-              <a:rPr lang="en-US" sz="1000" dirty="0">
+              <a:rPr lang="en-US" sz="700" dirty="0">
                 <a:solidFill>
                   <a:srgbClr val="E6E6FA"/>
                 </a:solidFill>
@@ -9155,7 +9155,7 @@
               <a:t>-</a:t>
             </a:r>
             <a:r>
-              <a:rPr lang="en-US" sz="1000" dirty="0">
+              <a:rPr lang="en-US" sz="700" dirty="0">
                 <a:solidFill>
                   <a:srgbClr val="D9E8F7"/>
                 </a:solidFill>
@@ -9165,7 +9165,7 @@
               <a:t> </a:t>
             </a:r>
             <a:r>
-              <a:rPr lang="en-US" sz="1000" dirty="0">
+              <a:rPr lang="en-US" sz="700" dirty="0">
                 <a:solidFill>
                   <a:srgbClr val="F9FAF4"/>
                 </a:solidFill>
@@ -9175,7 +9175,7 @@
               <a:t>(</a:t>
             </a:r>
             <a:r>
-              <a:rPr lang="en-US" sz="1000" dirty="0">
+              <a:rPr lang="en-US" sz="700" dirty="0">
                 <a:solidFill>
                   <a:srgbClr val="D9E8F7"/>
                 </a:solidFill>
@@ -9185,7 +9185,7 @@
               <a:t>y1 </a:t>
             </a:r>
             <a:r>
-              <a:rPr lang="en-US" sz="1000" dirty="0">
+              <a:rPr lang="en-US" sz="700" dirty="0">
                 <a:solidFill>
                   <a:srgbClr val="E6E6FA"/>
                 </a:solidFill>
@@ -9195,7 +9195,7 @@
               <a:t>-</a:t>
             </a:r>
             <a:r>
-              <a:rPr lang="en-US" sz="1000" dirty="0">
+              <a:rPr lang="en-US" sz="700" dirty="0">
                 <a:solidFill>
                   <a:srgbClr val="D9E8F7"/>
                 </a:solidFill>
@@ -9205,7 +9205,7 @@
               <a:t> y2</a:t>
             </a:r>
             <a:r>
-              <a:rPr lang="en-US" sz="1000" dirty="0">
+              <a:rPr lang="en-US" sz="700" dirty="0">
                 <a:solidFill>
                   <a:srgbClr val="F9FAF4"/>
                 </a:solidFill>
@@ -9215,7 +9215,7 @@
               <a:t>)</a:t>
             </a:r>
             <a:r>
-              <a:rPr lang="en-US" sz="1000" dirty="0">
+              <a:rPr lang="en-US" sz="700" dirty="0">
                 <a:solidFill>
                   <a:srgbClr val="D9E8F7"/>
                 </a:solidFill>
@@ -9225,7 +9225,7 @@
               <a:t> </a:t>
             </a:r>
             <a:r>
-              <a:rPr lang="en-US" sz="1000" dirty="0">
+              <a:rPr lang="en-US" sz="700" dirty="0">
                 <a:solidFill>
                   <a:srgbClr val="E6E6FA"/>
                 </a:solidFill>
@@ -9235,7 +9235,7 @@
               <a:t>*</a:t>
             </a:r>
             <a:r>
-              <a:rPr lang="en-US" sz="1000" dirty="0">
+              <a:rPr lang="en-US" sz="700" dirty="0">
                 <a:solidFill>
                   <a:srgbClr val="D9E8F7"/>
                 </a:solidFill>
@@ -9245,7 +9245,7 @@
               <a:t> </a:t>
             </a:r>
             <a:r>
-              <a:rPr lang="en-US" sz="1000" dirty="0">
+              <a:rPr lang="en-US" sz="700" dirty="0">
                 <a:solidFill>
                   <a:srgbClr val="F9FAF4"/>
                 </a:solidFill>
@@ -9255,7 +9255,7 @@
               <a:t>(</a:t>
             </a:r>
             <a:r>
-              <a:rPr lang="en-US" sz="1000" dirty="0">
+              <a:rPr lang="en-US" sz="700" dirty="0">
                 <a:solidFill>
                   <a:srgbClr val="D9E8F7"/>
                 </a:solidFill>
@@ -9265,7 +9265,7 @@
               <a:t>x3 </a:t>
             </a:r>
             <a:r>
-              <a:rPr lang="en-US" sz="1000" dirty="0">
+              <a:rPr lang="en-US" sz="700" dirty="0">
                 <a:solidFill>
                   <a:srgbClr val="E6E6FA"/>
                 </a:solidFill>
@@ -9275,7 +9275,7 @@
               <a:t>-</a:t>
             </a:r>
             <a:r>
-              <a:rPr lang="en-US" sz="1000" dirty="0">
+              <a:rPr lang="en-US" sz="700" dirty="0">
                 <a:solidFill>
                   <a:srgbClr val="D9E8F7"/>
                 </a:solidFill>
@@ -9285,7 +9285,7 @@
               <a:t> x4</a:t>
             </a:r>
             <a:r>
-              <a:rPr lang="en-US" sz="1000" dirty="0">
+              <a:rPr lang="en-US" sz="700" dirty="0">
                 <a:solidFill>
                   <a:srgbClr val="F9FAF4"/>
                 </a:solidFill>
@@ -9295,7 +9295,7 @@
               <a:t>)</a:t>
             </a:r>
             <a:r>
-              <a:rPr lang="en-US" sz="1000" dirty="0">
+              <a:rPr lang="en-US" sz="700" dirty="0">
                 <a:solidFill>
                   <a:srgbClr val="E6E6FA"/>
                 </a:solidFill>
@@ -9304,7 +9304,7 @@
               </a:rPr>
               <a:t>;</a:t>
             </a:r>
-            <a:endParaRPr lang="en-US" sz="1000" dirty="0">
+            <a:endParaRPr lang="en-US" sz="700" dirty="0">
               <a:solidFill>
                 <a:srgbClr val="AAAAAA"/>
               </a:solidFill>
@@ -9322,7 +9322,7 @@
               </a:spcAft>
             </a:pPr>
             <a:br>
-              <a:rPr lang="en-US" sz="1000" dirty="0">
+              <a:rPr lang="en-US" sz="700" dirty="0">
                 <a:solidFill>
                   <a:srgbClr val="AAAAAA"/>
                 </a:solidFill>
@@ -9330,7 +9330,7 @@
                 <a:latin typeface="Consolas" panose="020B0609020204030204" pitchFamily="49" charset="0"/>
               </a:rPr>
             </a:br>
-            <a:endParaRPr lang="en-US" sz="1000" dirty="0">
+            <a:endParaRPr lang="en-US" sz="700" dirty="0">
               <a:solidFill>
                 <a:srgbClr val="AAAAAA"/>
               </a:solidFill>
@@ -9348,7 +9348,7 @@
               </a:spcAft>
             </a:pPr>
             <a:r>
-              <a:rPr lang="en-US" sz="1000" dirty="0">
+              <a:rPr lang="en-US" sz="700" dirty="0">
                 <a:solidFill>
                   <a:srgbClr val="808080"/>
                 </a:solidFill>
@@ -9357,7 +9357,7 @@
               </a:rPr>
               <a:t>// Check if the lines are parallel (denominator is zero)</a:t>
             </a:r>
-            <a:endParaRPr lang="en-US" sz="1000" dirty="0">
+            <a:endParaRPr lang="en-US" sz="700" dirty="0">
               <a:solidFill>
                 <a:srgbClr val="AAAAAA"/>
               </a:solidFill>
@@ -9375,7 +9375,7 @@
               </a:spcAft>
             </a:pPr>
             <a:r>
-              <a:rPr lang="en-US" sz="1000" dirty="0">
+              <a:rPr lang="en-US" sz="700" dirty="0">
                 <a:solidFill>
                   <a:srgbClr val="CC6C1D"/>
                 </a:solidFill>
@@ -9385,7 +9385,7 @@
               <a:t>if</a:t>
             </a:r>
             <a:r>
-              <a:rPr lang="en-US" sz="1000" dirty="0">
+              <a:rPr lang="en-US" sz="700" dirty="0">
                 <a:solidFill>
                   <a:srgbClr val="D9E8F7"/>
                 </a:solidFill>
@@ -9395,7 +9395,7 @@
               <a:t> </a:t>
             </a:r>
             <a:r>
-              <a:rPr lang="en-US" sz="1000" dirty="0">
+              <a:rPr lang="en-US" sz="700" dirty="0">
                 <a:solidFill>
                   <a:srgbClr val="F9FAF4"/>
                 </a:solidFill>
@@ -9405,7 +9405,7 @@
               <a:t>(</a:t>
             </a:r>
             <a:r>
-              <a:rPr lang="en-US" sz="1000" dirty="0">
+              <a:rPr lang="en-US" sz="700" dirty="0">
                 <a:solidFill>
                   <a:srgbClr val="D9E8F7"/>
                 </a:solidFill>
@@ -9415,7 +9415,7 @@
               <a:t>denominator </a:t>
             </a:r>
             <a:r>
-              <a:rPr lang="en-US" sz="1000" dirty="0">
+              <a:rPr lang="en-US" sz="700" dirty="0">
                 <a:solidFill>
                   <a:srgbClr val="E6E6FA"/>
                 </a:solidFill>
@@ -9425,7 +9425,7 @@
               <a:t>==</a:t>
             </a:r>
             <a:r>
-              <a:rPr lang="en-US" sz="1000" dirty="0">
+              <a:rPr lang="en-US" sz="700" dirty="0">
                 <a:solidFill>
                   <a:srgbClr val="D9E8F7"/>
                 </a:solidFill>
@@ -9435,7 +9435,7 @@
               <a:t> 0</a:t>
             </a:r>
             <a:r>
-              <a:rPr lang="en-US" sz="1000" dirty="0">
+              <a:rPr lang="en-US" sz="700" dirty="0">
                 <a:solidFill>
                   <a:srgbClr val="F9FAF4"/>
                 </a:solidFill>
@@ -9445,7 +9445,7 @@
               <a:t>)</a:t>
             </a:r>
             <a:r>
-              <a:rPr lang="en-US" sz="1000" dirty="0">
+              <a:rPr lang="en-US" sz="700" dirty="0">
                 <a:solidFill>
                   <a:srgbClr val="D9E8F7"/>
                 </a:solidFill>
@@ -9455,7 +9455,7 @@
               <a:t> </a:t>
             </a:r>
             <a:r>
-              <a:rPr lang="en-US" sz="1000" dirty="0">
+              <a:rPr lang="en-US" sz="700" dirty="0">
                 <a:solidFill>
                   <a:srgbClr val="F9FAF4"/>
                 </a:solidFill>
@@ -9464,7 +9464,7 @@
               </a:rPr>
               <a:t>{</a:t>
             </a:r>
-            <a:endParaRPr lang="en-US" sz="1000" dirty="0">
+            <a:endParaRPr lang="en-US" sz="700" dirty="0">
               <a:solidFill>
                 <a:srgbClr val="AAAAAA"/>
               </a:solidFill>
@@ -9482,7 +9482,7 @@
               </a:spcAft>
             </a:pPr>
             <a:r>
-              <a:rPr lang="en-US" sz="1000" dirty="0">
+              <a:rPr lang="en-US" sz="700" dirty="0">
                 <a:solidFill>
                   <a:srgbClr val="CC6C1D"/>
                 </a:solidFill>
@@ -9492,7 +9492,7 @@
               <a:t>return</a:t>
             </a:r>
             <a:r>
-              <a:rPr lang="en-US" sz="1000" dirty="0">
+              <a:rPr lang="en-US" sz="700" dirty="0">
                 <a:solidFill>
                   <a:srgbClr val="D9E8F7"/>
                 </a:solidFill>
@@ -9502,7 +9502,7 @@
               <a:t> </a:t>
             </a:r>
             <a:r>
-              <a:rPr lang="en-US" sz="1000" dirty="0">
+              <a:rPr lang="en-US" sz="700" dirty="0">
                 <a:solidFill>
                   <a:srgbClr val="CC6C1D"/>
                 </a:solidFill>
@@ -9512,7 +9512,7 @@
               <a:t>null</a:t>
             </a:r>
             <a:r>
-              <a:rPr lang="en-US" sz="1000" dirty="0">
+              <a:rPr lang="en-US" sz="700" dirty="0">
                 <a:solidFill>
                   <a:srgbClr val="E6E6FA"/>
                 </a:solidFill>
@@ -9522,7 +9522,7 @@
               <a:t>;</a:t>
             </a:r>
             <a:r>
-              <a:rPr lang="en-US" sz="1000" dirty="0">
+              <a:rPr lang="en-US" sz="700" dirty="0">
                 <a:solidFill>
                   <a:srgbClr val="D9E8F7"/>
                 </a:solidFill>
@@ -9532,7 +9532,7 @@
               <a:t> </a:t>
             </a:r>
             <a:r>
-              <a:rPr lang="en-US" sz="1000" dirty="0">
+              <a:rPr lang="en-US" sz="700" dirty="0">
                 <a:solidFill>
                   <a:srgbClr val="808080"/>
                 </a:solidFill>
@@ -9541,7 +9541,7 @@
               </a:rPr>
               <a:t>// No intersection</a:t>
             </a:r>
-            <a:endParaRPr lang="en-US" sz="1000" dirty="0">
+            <a:endParaRPr lang="en-US" sz="700" dirty="0">
               <a:solidFill>
                 <a:srgbClr val="AAAAAA"/>
               </a:solidFill>
@@ -9559,7 +9559,7 @@
               </a:spcAft>
             </a:pPr>
             <a:r>
-              <a:rPr lang="en-US" sz="1000" dirty="0">
+              <a:rPr lang="en-US" sz="700" dirty="0">
                 <a:solidFill>
                   <a:srgbClr val="F9FAF4"/>
                 </a:solidFill>
@@ -9568,7 +9568,7 @@
               </a:rPr>
               <a:t>}</a:t>
             </a:r>
-            <a:endParaRPr lang="en-US" sz="1000" dirty="0">
+            <a:endParaRPr lang="en-US" sz="700" dirty="0">
               <a:solidFill>
                 <a:srgbClr val="AAAAAA"/>
               </a:solidFill>
@@ -9586,7 +9586,7 @@
               </a:spcAft>
             </a:pPr>
             <a:br>
-              <a:rPr lang="en-US" sz="1000" dirty="0">
+              <a:rPr lang="en-US" sz="700" dirty="0">
                 <a:solidFill>
                   <a:srgbClr val="AAAAAA"/>
                 </a:solidFill>
@@ -9594,7 +9594,7 @@
                 <a:latin typeface="Consolas" panose="020B0609020204030204" pitchFamily="49" charset="0"/>
               </a:rPr>
             </a:br>
-            <a:endParaRPr lang="en-US" sz="1000" dirty="0">
+            <a:endParaRPr lang="en-US" sz="700" dirty="0">
               <a:solidFill>
                 <a:srgbClr val="AAAAAA"/>
               </a:solidFill>
@@ -9612,7 +9612,7 @@
               </a:spcAft>
             </a:pPr>
             <a:r>
-              <a:rPr lang="en-US" sz="1000" dirty="0">
+              <a:rPr lang="en-US" sz="700" dirty="0">
                 <a:solidFill>
                   <a:srgbClr val="CC6C1D"/>
                 </a:solidFill>
@@ -9622,7 +9622,7 @@
               <a:t>double</a:t>
             </a:r>
             <a:r>
-              <a:rPr lang="en-US" sz="1000" dirty="0">
+              <a:rPr lang="en-US" sz="700" dirty="0">
                 <a:solidFill>
                   <a:srgbClr val="D9E8F7"/>
                 </a:solidFill>
@@ -9632,7 +9632,7 @@
               <a:t> t </a:t>
             </a:r>
             <a:r>
-              <a:rPr lang="en-US" sz="1000" dirty="0">
+              <a:rPr lang="en-US" sz="700" dirty="0">
                 <a:solidFill>
                   <a:srgbClr val="E6E6FA"/>
                 </a:solidFill>
@@ -9642,7 +9642,7 @@
               <a:t>=</a:t>
             </a:r>
             <a:r>
-              <a:rPr lang="en-US" sz="1000" dirty="0">
+              <a:rPr lang="en-US" sz="700" dirty="0">
                 <a:solidFill>
                   <a:srgbClr val="D9E8F7"/>
                 </a:solidFill>
@@ -9652,7 +9652,7 @@
               <a:t> </a:t>
             </a:r>
             <a:r>
-              <a:rPr lang="en-US" sz="1000" dirty="0">
+              <a:rPr lang="en-US" sz="700" dirty="0">
                 <a:solidFill>
                   <a:srgbClr val="F9FAF4"/>
                 </a:solidFill>
@@ -9662,7 +9662,7 @@
               <a:t>((</a:t>
             </a:r>
             <a:r>
-              <a:rPr lang="en-US" sz="1000" dirty="0">
+              <a:rPr lang="en-US" sz="700" dirty="0">
                 <a:solidFill>
                   <a:srgbClr val="D9E8F7"/>
                 </a:solidFill>
@@ -9672,7 +9672,7 @@
               <a:t>x1 </a:t>
             </a:r>
             <a:r>
-              <a:rPr lang="en-US" sz="1000" dirty="0">
+              <a:rPr lang="en-US" sz="700" dirty="0">
                 <a:solidFill>
                   <a:srgbClr val="E6E6FA"/>
                 </a:solidFill>
@@ -9682,7 +9682,7 @@
               <a:t>-</a:t>
             </a:r>
             <a:r>
-              <a:rPr lang="en-US" sz="1000" dirty="0">
+              <a:rPr lang="en-US" sz="700" dirty="0">
                 <a:solidFill>
                   <a:srgbClr val="D9E8F7"/>
                 </a:solidFill>
@@ -9692,7 +9692,7 @@
               <a:t> x3</a:t>
             </a:r>
             <a:r>
-              <a:rPr lang="en-US" sz="1000" dirty="0">
+              <a:rPr lang="en-US" sz="700" dirty="0">
                 <a:solidFill>
                   <a:srgbClr val="F9FAF4"/>
                 </a:solidFill>
@@ -9702,7 +9702,7 @@
               <a:t>)</a:t>
             </a:r>
             <a:r>
-              <a:rPr lang="en-US" sz="1000" dirty="0">
+              <a:rPr lang="en-US" sz="700" dirty="0">
                 <a:solidFill>
                   <a:srgbClr val="D9E8F7"/>
                 </a:solidFill>
@@ -9712,7 +9712,7 @@
               <a:t> </a:t>
             </a:r>
             <a:r>
-              <a:rPr lang="en-US" sz="1000" dirty="0">
+              <a:rPr lang="en-US" sz="700" dirty="0">
                 <a:solidFill>
                   <a:srgbClr val="E6E6FA"/>
                 </a:solidFill>
@@ -9722,7 +9722,7 @@
               <a:t>*</a:t>
             </a:r>
             <a:r>
-              <a:rPr lang="en-US" sz="1000" dirty="0">
+              <a:rPr lang="en-US" sz="700" dirty="0">
                 <a:solidFill>
                   <a:srgbClr val="D9E8F7"/>
                 </a:solidFill>
@@ -9732,7 +9732,7 @@
               <a:t> </a:t>
             </a:r>
             <a:r>
-              <a:rPr lang="en-US" sz="1000" dirty="0">
+              <a:rPr lang="en-US" sz="700" dirty="0">
                 <a:solidFill>
                   <a:srgbClr val="F9FAF4"/>
                 </a:solidFill>
@@ -9742,7 +9742,7 @@
               <a:t>(</a:t>
             </a:r>
             <a:r>
-              <a:rPr lang="en-US" sz="1000" dirty="0">
+              <a:rPr lang="en-US" sz="700" dirty="0">
                 <a:solidFill>
                   <a:srgbClr val="D9E8F7"/>
                 </a:solidFill>
@@ -9752,7 +9752,7 @@
               <a:t>y3 </a:t>
             </a:r>
             <a:r>
-              <a:rPr lang="en-US" sz="1000" dirty="0">
+              <a:rPr lang="en-US" sz="700" dirty="0">
                 <a:solidFill>
                   <a:srgbClr val="E6E6FA"/>
                 </a:solidFill>
@@ -9762,7 +9762,7 @@
               <a:t>-</a:t>
             </a:r>
             <a:r>
-              <a:rPr lang="en-US" sz="1000" dirty="0">
+              <a:rPr lang="en-US" sz="700" dirty="0">
                 <a:solidFill>
                   <a:srgbClr val="D9E8F7"/>
                 </a:solidFill>
@@ -9772,7 +9772,7 @@
               <a:t> y4</a:t>
             </a:r>
             <a:r>
-              <a:rPr lang="en-US" sz="1000" dirty="0">
+              <a:rPr lang="en-US" sz="700" dirty="0">
                 <a:solidFill>
                   <a:srgbClr val="F9FAF4"/>
                 </a:solidFill>
@@ -9782,7 +9782,7 @@
               <a:t>)</a:t>
             </a:r>
             <a:r>
-              <a:rPr lang="en-US" sz="1000" dirty="0">
+              <a:rPr lang="en-US" sz="700" dirty="0">
                 <a:solidFill>
                   <a:srgbClr val="D9E8F7"/>
                 </a:solidFill>
@@ -9792,7 +9792,7 @@
               <a:t> </a:t>
             </a:r>
             <a:r>
-              <a:rPr lang="en-US" sz="1000" dirty="0">
+              <a:rPr lang="en-US" sz="700" dirty="0">
                 <a:solidFill>
                   <a:srgbClr val="E6E6FA"/>
                 </a:solidFill>
@@ -9802,7 +9802,7 @@
               <a:t>-</a:t>
             </a:r>
             <a:r>
-              <a:rPr lang="en-US" sz="1000" dirty="0">
+              <a:rPr lang="en-US" sz="700" dirty="0">
                 <a:solidFill>
                   <a:srgbClr val="D9E8F7"/>
                 </a:solidFill>
@@ -9812,7 +9812,7 @@
               <a:t> </a:t>
             </a:r>
             <a:r>
-              <a:rPr lang="en-US" sz="1000" dirty="0">
+              <a:rPr lang="en-US" sz="700" dirty="0">
                 <a:solidFill>
                   <a:srgbClr val="F9FAF4"/>
                 </a:solidFill>
@@ -9822,7 +9822,7 @@
               <a:t>(</a:t>
             </a:r>
             <a:r>
-              <a:rPr lang="en-US" sz="1000" dirty="0">
+              <a:rPr lang="en-US" sz="700" dirty="0">
                 <a:solidFill>
                   <a:srgbClr val="D9E8F7"/>
                 </a:solidFill>
@@ -9832,7 +9832,7 @@
               <a:t>y1 </a:t>
             </a:r>
             <a:r>
-              <a:rPr lang="en-US" sz="1000" dirty="0">
+              <a:rPr lang="en-US" sz="700" dirty="0">
                 <a:solidFill>
                   <a:srgbClr val="E6E6FA"/>
                 </a:solidFill>
@@ -9842,7 +9842,7 @@
               <a:t>-</a:t>
             </a:r>
             <a:r>
-              <a:rPr lang="en-US" sz="1000" dirty="0">
+              <a:rPr lang="en-US" sz="700" dirty="0">
                 <a:solidFill>
                   <a:srgbClr val="D9E8F7"/>
                 </a:solidFill>
@@ -9852,7 +9852,7 @@
               <a:t> y3</a:t>
             </a:r>
             <a:r>
-              <a:rPr lang="en-US" sz="1000" dirty="0">
+              <a:rPr lang="en-US" sz="700" dirty="0">
                 <a:solidFill>
                   <a:srgbClr val="F9FAF4"/>
                 </a:solidFill>
@@ -9862,7 +9862,7 @@
               <a:t>)</a:t>
             </a:r>
             <a:r>
-              <a:rPr lang="en-US" sz="1000" dirty="0">
+              <a:rPr lang="en-US" sz="700" dirty="0">
                 <a:solidFill>
                   <a:srgbClr val="D9E8F7"/>
                 </a:solidFill>
@@ -9872,7 +9872,7 @@
               <a:t> </a:t>
             </a:r>
             <a:r>
-              <a:rPr lang="en-US" sz="1000" dirty="0">
+              <a:rPr lang="en-US" sz="700" dirty="0">
                 <a:solidFill>
                   <a:srgbClr val="E6E6FA"/>
                 </a:solidFill>
@@ -9882,7 +9882,7 @@
               <a:t>*</a:t>
             </a:r>
             <a:r>
-              <a:rPr lang="en-US" sz="1000" dirty="0">
+              <a:rPr lang="en-US" sz="700" dirty="0">
                 <a:solidFill>
                   <a:srgbClr val="D9E8F7"/>
                 </a:solidFill>
@@ -9892,7 +9892,7 @@
               <a:t> </a:t>
             </a:r>
             <a:r>
-              <a:rPr lang="en-US" sz="1000" dirty="0">
+              <a:rPr lang="en-US" sz="700" dirty="0">
                 <a:solidFill>
                   <a:srgbClr val="F9FAF4"/>
                 </a:solidFill>
@@ -9902,7 +9902,7 @@
               <a:t>(</a:t>
             </a:r>
             <a:r>
-              <a:rPr lang="en-US" sz="1000" dirty="0">
+              <a:rPr lang="en-US" sz="700" dirty="0">
                 <a:solidFill>
                   <a:srgbClr val="D9E8F7"/>
                 </a:solidFill>
@@ -9912,7 +9912,7 @@
               <a:t>x3 </a:t>
             </a:r>
             <a:r>
-              <a:rPr lang="en-US" sz="1000" dirty="0">
+              <a:rPr lang="en-US" sz="700" dirty="0">
                 <a:solidFill>
                   <a:srgbClr val="E6E6FA"/>
                 </a:solidFill>
@@ -9922,7 +9922,7 @@
               <a:t>-</a:t>
             </a:r>
             <a:r>
-              <a:rPr lang="en-US" sz="1000" dirty="0">
+              <a:rPr lang="en-US" sz="700" dirty="0">
                 <a:solidFill>
                   <a:srgbClr val="D9E8F7"/>
                 </a:solidFill>
@@ -9932,7 +9932,7 @@
               <a:t> x4</a:t>
             </a:r>
             <a:r>
-              <a:rPr lang="en-US" sz="1000" dirty="0">
+              <a:rPr lang="en-US" sz="700" dirty="0">
                 <a:solidFill>
                   <a:srgbClr val="F9FAF4"/>
                 </a:solidFill>
@@ -9942,7 +9942,7 @@
               <a:t>))</a:t>
             </a:r>
             <a:r>
-              <a:rPr lang="en-US" sz="1000" dirty="0">
+              <a:rPr lang="en-US" sz="700" dirty="0">
                 <a:solidFill>
                   <a:srgbClr val="D9E8F7"/>
                 </a:solidFill>
@@ -9952,7 +9952,7 @@
               <a:t> </a:t>
             </a:r>
             <a:r>
-              <a:rPr lang="en-US" sz="1000" dirty="0">
+              <a:rPr lang="en-US" sz="700" dirty="0">
                 <a:solidFill>
                   <a:srgbClr val="E6E6FA"/>
                 </a:solidFill>
@@ -9962,7 +9962,7 @@
               <a:t>/</a:t>
             </a:r>
             <a:r>
-              <a:rPr lang="en-US" sz="1000" dirty="0">
+              <a:rPr lang="en-US" sz="700" dirty="0">
                 <a:solidFill>
                   <a:srgbClr val="D9E8F7"/>
                 </a:solidFill>
@@ -9972,7 +9972,7 @@
               <a:t> denominator</a:t>
             </a:r>
             <a:r>
-              <a:rPr lang="en-US" sz="1000" dirty="0">
+              <a:rPr lang="en-US" sz="700" dirty="0">
                 <a:solidFill>
                   <a:srgbClr val="E6E6FA"/>
                 </a:solidFill>
@@ -9981,7 +9981,7 @@
               </a:rPr>
               <a:t>;</a:t>
             </a:r>
-            <a:endParaRPr lang="en-US" sz="1000" dirty="0">
+            <a:endParaRPr lang="en-US" sz="700" dirty="0">
               <a:solidFill>
                 <a:srgbClr val="AAAAAA"/>
               </a:solidFill>
@@ -9999,7 +9999,7 @@
               </a:spcAft>
             </a:pPr>
             <a:r>
-              <a:rPr lang="en-US" sz="1000" dirty="0">
+              <a:rPr lang="en-US" sz="700" dirty="0">
                 <a:solidFill>
                   <a:srgbClr val="CC6C1D"/>
                 </a:solidFill>
@@ -10009,7 +10009,7 @@
               <a:t>double</a:t>
             </a:r>
             <a:r>
-              <a:rPr lang="en-US" sz="1000" dirty="0">
+              <a:rPr lang="en-US" sz="700" dirty="0">
                 <a:solidFill>
                   <a:srgbClr val="D9E8F7"/>
                 </a:solidFill>
@@ -10019,7 +10019,7 @@
               <a:t> u </a:t>
             </a:r>
             <a:r>
-              <a:rPr lang="en-US" sz="1000" dirty="0">
+              <a:rPr lang="en-US" sz="700" dirty="0">
                 <a:solidFill>
                   <a:srgbClr val="E6E6FA"/>
                 </a:solidFill>
@@ -10029,7 +10029,7 @@
               <a:t>=</a:t>
             </a:r>
             <a:r>
-              <a:rPr lang="en-US" sz="1000" dirty="0">
+              <a:rPr lang="en-US" sz="700" dirty="0">
                 <a:solidFill>
                   <a:srgbClr val="D9E8F7"/>
                 </a:solidFill>
@@ -10039,7 +10039,7 @@
               <a:t> </a:t>
             </a:r>
             <a:r>
-              <a:rPr lang="en-US" sz="1000" dirty="0">
+              <a:rPr lang="en-US" sz="700" dirty="0">
                 <a:solidFill>
                   <a:srgbClr val="E6E6FA"/>
                 </a:solidFill>
@@ -10049,7 +10049,7 @@
               <a:t>-</a:t>
             </a:r>
             <a:r>
-              <a:rPr lang="en-US" sz="1000" dirty="0">
+              <a:rPr lang="en-US" sz="700" dirty="0">
                 <a:solidFill>
                   <a:srgbClr val="F9FAF4"/>
                 </a:solidFill>
@@ -10059,7 +10059,7 @@
               <a:t>((</a:t>
             </a:r>
             <a:r>
-              <a:rPr lang="en-US" sz="1000" dirty="0">
+              <a:rPr lang="en-US" sz="700" dirty="0">
                 <a:solidFill>
                   <a:srgbClr val="D9E8F7"/>
                 </a:solidFill>
@@ -10069,7 +10069,7 @@
               <a:t>x1 </a:t>
             </a:r>
             <a:r>
-              <a:rPr lang="en-US" sz="1000" dirty="0">
+              <a:rPr lang="en-US" sz="700" dirty="0">
                 <a:solidFill>
                   <a:srgbClr val="E6E6FA"/>
                 </a:solidFill>
@@ -10079,7 +10079,7 @@
               <a:t>-</a:t>
             </a:r>
             <a:r>
-              <a:rPr lang="en-US" sz="1000" dirty="0">
+              <a:rPr lang="en-US" sz="700" dirty="0">
                 <a:solidFill>
                   <a:srgbClr val="D9E8F7"/>
                 </a:solidFill>
@@ -10089,7 +10089,7 @@
               <a:t> x2</a:t>
             </a:r>
             <a:r>
-              <a:rPr lang="en-US" sz="1000" dirty="0">
+              <a:rPr lang="en-US" sz="700" dirty="0">
                 <a:solidFill>
                   <a:srgbClr val="F9FAF4"/>
                 </a:solidFill>
@@ -10099,7 +10099,7 @@
               <a:t>)</a:t>
             </a:r>
             <a:r>
-              <a:rPr lang="en-US" sz="1000" dirty="0">
+              <a:rPr lang="en-US" sz="700" dirty="0">
                 <a:solidFill>
                   <a:srgbClr val="D9E8F7"/>
                 </a:solidFill>
@@ -10109,7 +10109,7 @@
               <a:t> </a:t>
             </a:r>
             <a:r>
-              <a:rPr lang="en-US" sz="1000" dirty="0">
+              <a:rPr lang="en-US" sz="700" dirty="0">
                 <a:solidFill>
                   <a:srgbClr val="E6E6FA"/>
                 </a:solidFill>
@@ -10119,7 +10119,7 @@
               <a:t>*</a:t>
             </a:r>
             <a:r>
-              <a:rPr lang="en-US" sz="1000" dirty="0">
+              <a:rPr lang="en-US" sz="700" dirty="0">
                 <a:solidFill>
                   <a:srgbClr val="D9E8F7"/>
                 </a:solidFill>
@@ -10129,7 +10129,7 @@
               <a:t> </a:t>
             </a:r>
             <a:r>
-              <a:rPr lang="en-US" sz="1000" dirty="0">
+              <a:rPr lang="en-US" sz="700" dirty="0">
                 <a:solidFill>
                   <a:srgbClr val="F9FAF4"/>
                 </a:solidFill>
@@ -10139,7 +10139,7 @@
               <a:t>(</a:t>
             </a:r>
             <a:r>
-              <a:rPr lang="en-US" sz="1000" dirty="0">
+              <a:rPr lang="en-US" sz="700" dirty="0">
                 <a:solidFill>
                   <a:srgbClr val="D9E8F7"/>
                 </a:solidFill>
@@ -10149,7 +10149,7 @@
               <a:t>y1 </a:t>
             </a:r>
             <a:r>
-              <a:rPr lang="en-US" sz="1000" dirty="0">
+              <a:rPr lang="en-US" sz="700" dirty="0">
                 <a:solidFill>
                   <a:srgbClr val="E6E6FA"/>
                 </a:solidFill>
@@ -10159,7 +10159,7 @@
               <a:t>-</a:t>
             </a:r>
             <a:r>
-              <a:rPr lang="en-US" sz="1000" dirty="0">
+              <a:rPr lang="en-US" sz="700" dirty="0">
                 <a:solidFill>
                   <a:srgbClr val="D9E8F7"/>
                 </a:solidFill>
@@ -10169,7 +10169,7 @@
               <a:t> y3</a:t>
             </a:r>
             <a:r>
-              <a:rPr lang="en-US" sz="1000" dirty="0">
+              <a:rPr lang="en-US" sz="700" dirty="0">
                 <a:solidFill>
                   <a:srgbClr val="F9FAF4"/>
                 </a:solidFill>
@@ -10179,7 +10179,7 @@
               <a:t>)</a:t>
             </a:r>
             <a:r>
-              <a:rPr lang="en-US" sz="1000" dirty="0">
+              <a:rPr lang="en-US" sz="700" dirty="0">
                 <a:solidFill>
                   <a:srgbClr val="D9E8F7"/>
                 </a:solidFill>
@@ -10189,7 +10189,7 @@
               <a:t> </a:t>
             </a:r>
             <a:r>
-              <a:rPr lang="en-US" sz="1000" dirty="0">
+              <a:rPr lang="en-US" sz="700" dirty="0">
                 <a:solidFill>
                   <a:srgbClr val="E6E6FA"/>
                 </a:solidFill>
@@ -10199,7 +10199,7 @@
               <a:t>-</a:t>
             </a:r>
             <a:r>
-              <a:rPr lang="en-US" sz="1000" dirty="0">
+              <a:rPr lang="en-US" sz="700" dirty="0">
                 <a:solidFill>
                   <a:srgbClr val="D9E8F7"/>
                 </a:solidFill>
@@ -10209,7 +10209,7 @@
               <a:t> </a:t>
             </a:r>
             <a:r>
-              <a:rPr lang="en-US" sz="1000" dirty="0">
+              <a:rPr lang="en-US" sz="700" dirty="0">
                 <a:solidFill>
                   <a:srgbClr val="F9FAF4"/>
                 </a:solidFill>
@@ -10219,7 +10219,7 @@
               <a:t>(</a:t>
             </a:r>
             <a:r>
-              <a:rPr lang="en-US" sz="1000" dirty="0">
+              <a:rPr lang="en-US" sz="700" dirty="0">
                 <a:solidFill>
                   <a:srgbClr val="D9E8F7"/>
                 </a:solidFill>
@@ -10229,7 +10229,7 @@
               <a:t>y1 </a:t>
             </a:r>
             <a:r>
-              <a:rPr lang="en-US" sz="1000" dirty="0">
+              <a:rPr lang="en-US" sz="700" dirty="0">
                 <a:solidFill>
                   <a:srgbClr val="E6E6FA"/>
                 </a:solidFill>
@@ -10239,7 +10239,7 @@
               <a:t>-</a:t>
             </a:r>
             <a:r>
-              <a:rPr lang="en-US" sz="1000" dirty="0">
+              <a:rPr lang="en-US" sz="700" dirty="0">
                 <a:solidFill>
                   <a:srgbClr val="D9E8F7"/>
                 </a:solidFill>
@@ -10249,7 +10249,7 @@
               <a:t> y2</a:t>
             </a:r>
             <a:r>
-              <a:rPr lang="en-US" sz="1000" dirty="0">
+              <a:rPr lang="en-US" sz="700" dirty="0">
                 <a:solidFill>
                   <a:srgbClr val="F9FAF4"/>
                 </a:solidFill>
@@ -10259,7 +10259,7 @@
               <a:t>)</a:t>
             </a:r>
             <a:r>
-              <a:rPr lang="en-US" sz="1000" dirty="0">
+              <a:rPr lang="en-US" sz="700" dirty="0">
                 <a:solidFill>
                   <a:srgbClr val="D9E8F7"/>
                 </a:solidFill>
@@ -10269,7 +10269,7 @@
               <a:t> </a:t>
             </a:r>
             <a:r>
-              <a:rPr lang="en-US" sz="1000" dirty="0">
+              <a:rPr lang="en-US" sz="700" dirty="0">
                 <a:solidFill>
                   <a:srgbClr val="E6E6FA"/>
                 </a:solidFill>
@@ -10279,7 +10279,7 @@
               <a:t>*</a:t>
             </a:r>
             <a:r>
-              <a:rPr lang="en-US" sz="1000" dirty="0">
+              <a:rPr lang="en-US" sz="700" dirty="0">
                 <a:solidFill>
                   <a:srgbClr val="D9E8F7"/>
                 </a:solidFill>
@@ -10289,7 +10289,7 @@
               <a:t> </a:t>
             </a:r>
             <a:r>
-              <a:rPr lang="en-US" sz="1000" dirty="0">
+              <a:rPr lang="en-US" sz="700" dirty="0">
                 <a:solidFill>
                   <a:srgbClr val="F9FAF4"/>
                 </a:solidFill>
@@ -10299,7 +10299,7 @@
               <a:t>(</a:t>
             </a:r>
             <a:r>
-              <a:rPr lang="en-US" sz="1000" dirty="0">
+              <a:rPr lang="en-US" sz="700" dirty="0">
                 <a:solidFill>
                   <a:srgbClr val="D9E8F7"/>
                 </a:solidFill>
@@ -10309,7 +10309,7 @@
               <a:t>x1 </a:t>
             </a:r>
             <a:r>
-              <a:rPr lang="en-US" sz="1000" dirty="0">
+              <a:rPr lang="en-US" sz="700" dirty="0">
                 <a:solidFill>
                   <a:srgbClr val="E6E6FA"/>
                 </a:solidFill>
@@ -10319,7 +10319,7 @@
               <a:t>-</a:t>
             </a:r>
             <a:r>
-              <a:rPr lang="en-US" sz="1000" dirty="0">
+              <a:rPr lang="en-US" sz="700" dirty="0">
                 <a:solidFill>
                   <a:srgbClr val="D9E8F7"/>
                 </a:solidFill>
@@ -10329,7 +10329,7 @@
               <a:t> x3</a:t>
             </a:r>
             <a:r>
-              <a:rPr lang="en-US" sz="1000" dirty="0">
+              <a:rPr lang="en-US" sz="700" dirty="0">
                 <a:solidFill>
                   <a:srgbClr val="F9FAF4"/>
                 </a:solidFill>
@@ -10339,7 +10339,7 @@
               <a:t>))</a:t>
             </a:r>
             <a:r>
-              <a:rPr lang="en-US" sz="1000" dirty="0">
+              <a:rPr lang="en-US" sz="700" dirty="0">
                 <a:solidFill>
                   <a:srgbClr val="D9E8F7"/>
                 </a:solidFill>
@@ -10349,7 +10349,7 @@
               <a:t> </a:t>
             </a:r>
             <a:r>
-              <a:rPr lang="en-US" sz="1000" dirty="0">
+              <a:rPr lang="en-US" sz="700" dirty="0">
                 <a:solidFill>
                   <a:srgbClr val="E6E6FA"/>
                 </a:solidFill>
@@ -10359,7 +10359,7 @@
               <a:t>/</a:t>
             </a:r>
             <a:r>
-              <a:rPr lang="en-US" sz="1000" dirty="0">
+              <a:rPr lang="en-US" sz="700" dirty="0">
                 <a:solidFill>
                   <a:srgbClr val="D9E8F7"/>
                 </a:solidFill>
@@ -10369,7 +10369,7 @@
               <a:t> denominator</a:t>
             </a:r>
             <a:r>
-              <a:rPr lang="en-US" sz="1000" dirty="0">
+              <a:rPr lang="en-US" sz="700" dirty="0">
                 <a:solidFill>
                   <a:srgbClr val="E6E6FA"/>
                 </a:solidFill>
@@ -10378,7 +10378,7 @@
               </a:rPr>
               <a:t>;</a:t>
             </a:r>
-            <a:endParaRPr lang="en-US" sz="1000" dirty="0">
+            <a:endParaRPr lang="en-US" sz="700" dirty="0">
               <a:solidFill>
                 <a:srgbClr val="AAAAAA"/>
               </a:solidFill>
@@ -10396,7 +10396,7 @@
               </a:spcAft>
             </a:pPr>
             <a:br>
-              <a:rPr lang="en-US" sz="1000" dirty="0">
+              <a:rPr lang="en-US" sz="700" dirty="0">
                 <a:solidFill>
                   <a:srgbClr val="AAAAAA"/>
                 </a:solidFill>
@@ -10404,7 +10404,7 @@
                 <a:latin typeface="Consolas" panose="020B0609020204030204" pitchFamily="49" charset="0"/>
               </a:rPr>
             </a:br>
-            <a:endParaRPr lang="en-US" sz="1000" dirty="0">
+            <a:endParaRPr lang="en-US" sz="700" dirty="0">
               <a:solidFill>
                 <a:srgbClr val="AAAAAA"/>
               </a:solidFill>
@@ -10422,7 +10422,7 @@
               </a:spcAft>
             </a:pPr>
             <a:r>
-              <a:rPr lang="en-US" sz="1000" dirty="0">
+              <a:rPr lang="en-US" sz="700" dirty="0">
                 <a:solidFill>
                   <a:srgbClr val="808080"/>
                 </a:solidFill>
@@ -10431,7 +10431,7 @@
               </a:rPr>
               <a:t>// Check if the intersection point is within the line segments</a:t>
             </a:r>
-            <a:endParaRPr lang="en-US" sz="1000" dirty="0">
+            <a:endParaRPr lang="en-US" sz="700" dirty="0">
               <a:solidFill>
                 <a:srgbClr val="AAAAAA"/>
               </a:solidFill>
@@ -10449,7 +10449,7 @@
               </a:spcAft>
             </a:pPr>
             <a:r>
-              <a:rPr lang="en-US" sz="1000" dirty="0">
+              <a:rPr lang="en-US" sz="700" dirty="0">
                 <a:solidFill>
                   <a:srgbClr val="CC6C1D"/>
                 </a:solidFill>
@@ -10459,7 +10459,7 @@
               <a:t>if</a:t>
             </a:r>
             <a:r>
-              <a:rPr lang="en-US" sz="1000" dirty="0">
+              <a:rPr lang="en-US" sz="700" dirty="0">
                 <a:solidFill>
                   <a:srgbClr val="D9E8F7"/>
                 </a:solidFill>
@@ -10469,7 +10469,7 @@
               <a:t> </a:t>
             </a:r>
             <a:r>
-              <a:rPr lang="en-US" sz="1000" dirty="0">
+              <a:rPr lang="en-US" sz="700" dirty="0">
                 <a:solidFill>
                   <a:srgbClr val="F9FAF4"/>
                 </a:solidFill>
@@ -10479,7 +10479,7 @@
               <a:t>(</a:t>
             </a:r>
             <a:r>
-              <a:rPr lang="en-US" sz="1000" dirty="0">
+              <a:rPr lang="en-US" sz="700" dirty="0">
                 <a:solidFill>
                   <a:srgbClr val="D9E8F7"/>
                 </a:solidFill>
@@ -10489,7 +10489,7 @@
               <a:t>t </a:t>
             </a:r>
             <a:r>
-              <a:rPr lang="en-US" sz="1000" dirty="0">
+              <a:rPr lang="en-US" sz="700" dirty="0">
                 <a:solidFill>
                   <a:srgbClr val="E6E6FA"/>
                 </a:solidFill>
@@ -10499,7 +10499,7 @@
               <a:t>&gt;=</a:t>
             </a:r>
             <a:r>
-              <a:rPr lang="en-US" sz="1000" dirty="0">
+              <a:rPr lang="en-US" sz="700" dirty="0">
                 <a:solidFill>
                   <a:srgbClr val="D9E8F7"/>
                 </a:solidFill>
@@ -10509,7 +10509,7 @@
               <a:t> 0 </a:t>
             </a:r>
             <a:r>
-              <a:rPr lang="en-US" sz="1000" dirty="0">
+              <a:rPr lang="en-US" sz="700" dirty="0">
                 <a:solidFill>
                   <a:srgbClr val="E6E6FA"/>
                 </a:solidFill>
@@ -10519,7 +10519,7 @@
               <a:t>&amp;&amp;</a:t>
             </a:r>
             <a:r>
-              <a:rPr lang="en-US" sz="1000" dirty="0">
+              <a:rPr lang="en-US" sz="700" dirty="0">
                 <a:solidFill>
                   <a:srgbClr val="D9E8F7"/>
                 </a:solidFill>
@@ -10529,7 +10529,7 @@
               <a:t> t </a:t>
             </a:r>
             <a:r>
-              <a:rPr lang="en-US" sz="1000" dirty="0">
+              <a:rPr lang="en-US" sz="700" dirty="0">
                 <a:solidFill>
                   <a:srgbClr val="E6E6FA"/>
                 </a:solidFill>
@@ -10539,7 +10539,7 @@
               <a:t>&lt;=</a:t>
             </a:r>
             <a:r>
-              <a:rPr lang="en-US" sz="1000" dirty="0">
+              <a:rPr lang="en-US" sz="700" dirty="0">
                 <a:solidFill>
                   <a:srgbClr val="D9E8F7"/>
                 </a:solidFill>
@@ -10549,7 +10549,7 @@
               <a:t> 1 </a:t>
             </a:r>
             <a:r>
-              <a:rPr lang="en-US" sz="1000" dirty="0">
+              <a:rPr lang="en-US" sz="700" dirty="0">
                 <a:solidFill>
                   <a:srgbClr val="E6E6FA"/>
                 </a:solidFill>
@@ -10559,7 +10559,7 @@
               <a:t>&amp;&amp;</a:t>
             </a:r>
             <a:r>
-              <a:rPr lang="en-US" sz="1000" dirty="0">
+              <a:rPr lang="en-US" sz="700" dirty="0">
                 <a:solidFill>
                   <a:srgbClr val="D9E8F7"/>
                 </a:solidFill>
@@ -10569,7 +10569,7 @@
               <a:t> u </a:t>
             </a:r>
             <a:r>
-              <a:rPr lang="en-US" sz="1000" dirty="0">
+              <a:rPr lang="en-US" sz="700" dirty="0">
                 <a:solidFill>
                   <a:srgbClr val="E6E6FA"/>
                 </a:solidFill>
@@ -10579,7 +10579,7 @@
               <a:t>&gt;=</a:t>
             </a:r>
             <a:r>
-              <a:rPr lang="en-US" sz="1000" dirty="0">
+              <a:rPr lang="en-US" sz="700" dirty="0">
                 <a:solidFill>
                   <a:srgbClr val="D9E8F7"/>
                 </a:solidFill>
@@ -10589,7 +10589,7 @@
               <a:t> 0 </a:t>
             </a:r>
             <a:r>
-              <a:rPr lang="en-US" sz="1000" dirty="0">
+              <a:rPr lang="en-US" sz="700" dirty="0">
                 <a:solidFill>
                   <a:srgbClr val="E6E6FA"/>
                 </a:solidFill>
@@ -10599,7 +10599,7 @@
               <a:t>&amp;&amp;</a:t>
             </a:r>
             <a:r>
-              <a:rPr lang="en-US" sz="1000" dirty="0">
+              <a:rPr lang="en-US" sz="700" dirty="0">
                 <a:solidFill>
                   <a:srgbClr val="D9E8F7"/>
                 </a:solidFill>
@@ -10609,7 +10609,7 @@
               <a:t> u </a:t>
             </a:r>
             <a:r>
-              <a:rPr lang="en-US" sz="1000" dirty="0">
+              <a:rPr lang="en-US" sz="700" dirty="0">
                 <a:solidFill>
                   <a:srgbClr val="E6E6FA"/>
                 </a:solidFill>
@@ -10619,7 +10619,7 @@
               <a:t>&lt;=</a:t>
             </a:r>
             <a:r>
-              <a:rPr lang="en-US" sz="1000" dirty="0">
+              <a:rPr lang="en-US" sz="700" dirty="0">
                 <a:solidFill>
                   <a:srgbClr val="D9E8F7"/>
                 </a:solidFill>
@@ -10629,7 +10629,7 @@
               <a:t> 1</a:t>
             </a:r>
             <a:r>
-              <a:rPr lang="en-US" sz="1000" dirty="0">
+              <a:rPr lang="en-US" sz="700" dirty="0">
                 <a:solidFill>
                   <a:srgbClr val="F9FAF4"/>
                 </a:solidFill>
@@ -10639,7 +10639,7 @@
               <a:t>)</a:t>
             </a:r>
             <a:r>
-              <a:rPr lang="en-US" sz="1000" dirty="0">
+              <a:rPr lang="en-US" sz="700" dirty="0">
                 <a:solidFill>
                   <a:srgbClr val="D9E8F7"/>
                 </a:solidFill>
@@ -10649,7 +10649,7 @@
               <a:t> </a:t>
             </a:r>
             <a:r>
-              <a:rPr lang="en-US" sz="1000" dirty="0">
+              <a:rPr lang="en-US" sz="700" dirty="0">
                 <a:solidFill>
                   <a:srgbClr val="F9FAF4"/>
                 </a:solidFill>
@@ -10658,7 +10658,7 @@
               </a:rPr>
               <a:t>{</a:t>
             </a:r>
-            <a:endParaRPr lang="en-US" sz="1000" dirty="0">
+            <a:endParaRPr lang="en-US" sz="700" dirty="0">
               <a:solidFill>
                 <a:srgbClr val="AAAAAA"/>
               </a:solidFill>
@@ -10676,7 +10676,7 @@
               </a:spcAft>
             </a:pPr>
             <a:r>
-              <a:rPr lang="en-US" sz="1000" dirty="0">
+              <a:rPr lang="en-US" sz="700" dirty="0">
                 <a:solidFill>
                   <a:srgbClr val="D9E8F7"/>
                 </a:solidFill>
@@ -10686,7 +10686,7 @@
               <a:t>intersection</a:t>
             </a:r>
             <a:r>
-              <a:rPr lang="en-US" sz="1000" dirty="0">
+              <a:rPr lang="en-US" sz="700" dirty="0">
                 <a:solidFill>
                   <a:srgbClr val="F9FAF4"/>
                 </a:solidFill>
@@ -10696,7 +10696,7 @@
               <a:t>[</a:t>
             </a:r>
             <a:r>
-              <a:rPr lang="en-US" sz="1000" dirty="0">
+              <a:rPr lang="en-US" sz="700" dirty="0">
                 <a:solidFill>
                   <a:srgbClr val="D9E8F7"/>
                 </a:solidFill>
@@ -10706,7 +10706,7 @@
               <a:t>0</a:t>
             </a:r>
             <a:r>
-              <a:rPr lang="en-US" sz="1000" dirty="0">
+              <a:rPr lang="en-US" sz="700" dirty="0">
                 <a:solidFill>
                   <a:srgbClr val="F9FAF4"/>
                 </a:solidFill>
@@ -10716,7 +10716,7 @@
               <a:t>]</a:t>
             </a:r>
             <a:r>
-              <a:rPr lang="en-US" sz="1000" dirty="0">
+              <a:rPr lang="en-US" sz="700" dirty="0">
                 <a:solidFill>
                   <a:srgbClr val="D9E8F7"/>
                 </a:solidFill>
@@ -10726,7 +10726,7 @@
               <a:t> </a:t>
             </a:r>
             <a:r>
-              <a:rPr lang="en-US" sz="1000" dirty="0">
+              <a:rPr lang="en-US" sz="700" dirty="0">
                 <a:solidFill>
                   <a:srgbClr val="E6E6FA"/>
                 </a:solidFill>
@@ -10736,7 +10736,7 @@
               <a:t>=</a:t>
             </a:r>
             <a:r>
-              <a:rPr lang="en-US" sz="1000" dirty="0">
+              <a:rPr lang="en-US" sz="700" dirty="0">
                 <a:solidFill>
                   <a:srgbClr val="D9E8F7"/>
                 </a:solidFill>
@@ -10746,7 +10746,7 @@
               <a:t> x1 </a:t>
             </a:r>
             <a:r>
-              <a:rPr lang="en-US" sz="1000" dirty="0">
+              <a:rPr lang="en-US" sz="700" dirty="0">
                 <a:solidFill>
                   <a:srgbClr val="E6E6FA"/>
                 </a:solidFill>
@@ -10756,7 +10756,7 @@
               <a:t>+</a:t>
             </a:r>
             <a:r>
-              <a:rPr lang="en-US" sz="1000" dirty="0">
+              <a:rPr lang="en-US" sz="700" dirty="0">
                 <a:solidFill>
                   <a:srgbClr val="D9E8F7"/>
                 </a:solidFill>
@@ -10766,7 +10766,7 @@
               <a:t> t </a:t>
             </a:r>
             <a:r>
-              <a:rPr lang="en-US" sz="1000" dirty="0">
+              <a:rPr lang="en-US" sz="700" dirty="0">
                 <a:solidFill>
                   <a:srgbClr val="E6E6FA"/>
                 </a:solidFill>
@@ -10776,7 +10776,7 @@
               <a:t>*</a:t>
             </a:r>
             <a:r>
-              <a:rPr lang="en-US" sz="1000" dirty="0">
+              <a:rPr lang="en-US" sz="700" dirty="0">
                 <a:solidFill>
                   <a:srgbClr val="D9E8F7"/>
                 </a:solidFill>
@@ -10786,7 +10786,7 @@
               <a:t> </a:t>
             </a:r>
             <a:r>
-              <a:rPr lang="en-US" sz="1000" dirty="0">
+              <a:rPr lang="en-US" sz="700" dirty="0">
                 <a:solidFill>
                   <a:srgbClr val="F9FAF4"/>
                 </a:solidFill>
@@ -10796,7 +10796,7 @@
               <a:t>(</a:t>
             </a:r>
             <a:r>
-              <a:rPr lang="en-US" sz="1000" dirty="0">
+              <a:rPr lang="en-US" sz="700" dirty="0">
                 <a:solidFill>
                   <a:srgbClr val="D9E8F7"/>
                 </a:solidFill>
@@ -10806,7 +10806,7 @@
               <a:t>x2 </a:t>
             </a:r>
             <a:r>
-              <a:rPr lang="en-US" sz="1000" dirty="0">
+              <a:rPr lang="en-US" sz="700" dirty="0">
                 <a:solidFill>
                   <a:srgbClr val="E6E6FA"/>
                 </a:solidFill>
@@ -10816,7 +10816,7 @@
               <a:t>-</a:t>
             </a:r>
             <a:r>
-              <a:rPr lang="en-US" sz="1000" dirty="0">
+              <a:rPr lang="en-US" sz="700" dirty="0">
                 <a:solidFill>
                   <a:srgbClr val="D9E8F7"/>
                 </a:solidFill>
@@ -10826,7 +10826,7 @@
               <a:t> x1</a:t>
             </a:r>
             <a:r>
-              <a:rPr lang="en-US" sz="1000" dirty="0">
+              <a:rPr lang="en-US" sz="700" dirty="0">
                 <a:solidFill>
                   <a:srgbClr val="F9FAF4"/>
                 </a:solidFill>
@@ -10836,7 +10836,7 @@
               <a:t>)</a:t>
             </a:r>
             <a:r>
-              <a:rPr lang="en-US" sz="1000" dirty="0">
+              <a:rPr lang="en-US" sz="700" dirty="0">
                 <a:solidFill>
                   <a:srgbClr val="E6E6FA"/>
                 </a:solidFill>
@@ -10845,7 +10845,7 @@
               </a:rPr>
               <a:t>;</a:t>
             </a:r>
-            <a:endParaRPr lang="en-US" sz="1000" dirty="0">
+            <a:endParaRPr lang="en-US" sz="700" dirty="0">
               <a:solidFill>
                 <a:srgbClr val="AAAAAA"/>
               </a:solidFill>
@@ -10863,7 +10863,7 @@
               </a:spcAft>
             </a:pPr>
             <a:r>
-              <a:rPr lang="en-US" sz="1000" dirty="0">
+              <a:rPr lang="en-US" sz="700" dirty="0">
                 <a:solidFill>
                   <a:srgbClr val="D9E8F7"/>
                 </a:solidFill>
@@ -10873,7 +10873,7 @@
               <a:t>intersection</a:t>
             </a:r>
             <a:r>
-              <a:rPr lang="en-US" sz="1000" dirty="0">
+              <a:rPr lang="en-US" sz="700" dirty="0">
                 <a:solidFill>
                   <a:srgbClr val="F9FAF4"/>
                 </a:solidFill>
@@ -10883,7 +10883,7 @@
               <a:t>[</a:t>
             </a:r>
             <a:r>
-              <a:rPr lang="en-US" sz="1000" dirty="0">
+              <a:rPr lang="en-US" sz="700" dirty="0">
                 <a:solidFill>
                   <a:srgbClr val="D9E8F7"/>
                 </a:solidFill>
@@ -10893,7 +10893,7 @@
               <a:t>1</a:t>
             </a:r>
             <a:r>
-              <a:rPr lang="en-US" sz="1000" dirty="0">
+              <a:rPr lang="en-US" sz="700" dirty="0">
                 <a:solidFill>
                   <a:srgbClr val="F9FAF4"/>
                 </a:solidFill>
@@ -10903,7 +10903,7 @@
               <a:t>]</a:t>
             </a:r>
             <a:r>
-              <a:rPr lang="en-US" sz="1000" dirty="0">
+              <a:rPr lang="en-US" sz="700" dirty="0">
                 <a:solidFill>
                   <a:srgbClr val="D9E8F7"/>
                 </a:solidFill>
@@ -10913,7 +10913,7 @@
               <a:t> </a:t>
             </a:r>
             <a:r>
-              <a:rPr lang="en-US" sz="1000" dirty="0">
+              <a:rPr lang="en-US" sz="700" dirty="0">
                 <a:solidFill>
                   <a:srgbClr val="E6E6FA"/>
                 </a:solidFill>
@@ -10923,7 +10923,7 @@
               <a:t>=</a:t>
             </a:r>
             <a:r>
-              <a:rPr lang="en-US" sz="1000" dirty="0">
+              <a:rPr lang="en-US" sz="700" dirty="0">
                 <a:solidFill>
                   <a:srgbClr val="D9E8F7"/>
                 </a:solidFill>
@@ -10933,7 +10933,7 @@
               <a:t> y1 </a:t>
             </a:r>
             <a:r>
-              <a:rPr lang="en-US" sz="1000" dirty="0">
+              <a:rPr lang="en-US" sz="700" dirty="0">
                 <a:solidFill>
                   <a:srgbClr val="E6E6FA"/>
                 </a:solidFill>
@@ -10943,7 +10943,7 @@
               <a:t>+</a:t>
             </a:r>
             <a:r>
-              <a:rPr lang="en-US" sz="1000" dirty="0">
+              <a:rPr lang="en-US" sz="700" dirty="0">
                 <a:solidFill>
                   <a:srgbClr val="D9E8F7"/>
                 </a:solidFill>
@@ -10953,7 +10953,7 @@
               <a:t> t </a:t>
             </a:r>
             <a:r>
-              <a:rPr lang="en-US" sz="1000" dirty="0">
+              <a:rPr lang="en-US" sz="700" dirty="0">
                 <a:solidFill>
                   <a:srgbClr val="E6E6FA"/>
                 </a:solidFill>
@@ -10963,7 +10963,7 @@
               <a:t>*</a:t>
             </a:r>
             <a:r>
-              <a:rPr lang="en-US" sz="1000" dirty="0">
+              <a:rPr lang="en-US" sz="700" dirty="0">
                 <a:solidFill>
                   <a:srgbClr val="D9E8F7"/>
                 </a:solidFill>
@@ -10973,7 +10973,7 @@
               <a:t> </a:t>
             </a:r>
             <a:r>
-              <a:rPr lang="en-US" sz="1000" dirty="0">
+              <a:rPr lang="en-US" sz="700" dirty="0">
                 <a:solidFill>
                   <a:srgbClr val="F9FAF4"/>
                 </a:solidFill>
@@ -10983,7 +10983,7 @@
               <a:t>(</a:t>
             </a:r>
             <a:r>
-              <a:rPr lang="en-US" sz="1000" dirty="0">
+              <a:rPr lang="en-US" sz="700" dirty="0">
                 <a:solidFill>
                   <a:srgbClr val="D9E8F7"/>
                 </a:solidFill>
@@ -10993,7 +10993,7 @@
               <a:t>y2 </a:t>
             </a:r>
             <a:r>
-              <a:rPr lang="en-US" sz="1000" dirty="0">
+              <a:rPr lang="en-US" sz="700" dirty="0">
                 <a:solidFill>
                   <a:srgbClr val="E6E6FA"/>
                 </a:solidFill>
@@ -11003,7 +11003,7 @@
               <a:t>-</a:t>
             </a:r>
             <a:r>
-              <a:rPr lang="en-US" sz="1000" dirty="0">
+              <a:rPr lang="en-US" sz="700" dirty="0">
                 <a:solidFill>
                   <a:srgbClr val="D9E8F7"/>
                 </a:solidFill>
@@ -11013,7 +11013,7 @@
               <a:t> y1</a:t>
             </a:r>
             <a:r>
-              <a:rPr lang="en-US" sz="1000" dirty="0">
+              <a:rPr lang="en-US" sz="700" dirty="0">
                 <a:solidFill>
                   <a:srgbClr val="F9FAF4"/>
                 </a:solidFill>
@@ -11023,7 +11023,7 @@
               <a:t>)</a:t>
             </a:r>
             <a:r>
-              <a:rPr lang="en-US" sz="1000" dirty="0">
+              <a:rPr lang="en-US" sz="700" dirty="0">
                 <a:solidFill>
                   <a:srgbClr val="E6E6FA"/>
                 </a:solidFill>
@@ -11032,7 +11032,7 @@
               </a:rPr>
               <a:t>;</a:t>
             </a:r>
-            <a:endParaRPr lang="en-US" sz="1000" dirty="0">
+            <a:endParaRPr lang="en-US" sz="700" dirty="0">
               <a:solidFill>
                 <a:srgbClr val="AAAAAA"/>
               </a:solidFill>
@@ -11050,7 +11050,7 @@
               </a:spcAft>
             </a:pPr>
             <a:r>
-              <a:rPr lang="en-US" sz="1000" dirty="0">
+              <a:rPr lang="en-US" sz="700" dirty="0">
                 <a:solidFill>
                   <a:srgbClr val="CC6C1D"/>
                 </a:solidFill>
@@ -11060,7 +11060,7 @@
               <a:t>return</a:t>
             </a:r>
             <a:r>
-              <a:rPr lang="en-US" sz="1000" dirty="0">
+              <a:rPr lang="en-US" sz="700" dirty="0">
                 <a:solidFill>
                   <a:srgbClr val="D9E8F7"/>
                 </a:solidFill>
@@ -11070,7 +11070,7 @@
               <a:t> intersection</a:t>
             </a:r>
             <a:r>
-              <a:rPr lang="en-US" sz="1000" dirty="0">
+              <a:rPr lang="en-US" sz="700" dirty="0">
                 <a:solidFill>
                   <a:srgbClr val="E6E6FA"/>
                 </a:solidFill>
@@ -11079,7 +11079,7 @@
               </a:rPr>
               <a:t>;</a:t>
             </a:r>
-            <a:endParaRPr lang="en-US" sz="1000" dirty="0">
+            <a:endParaRPr lang="en-US" sz="700" dirty="0">
               <a:solidFill>
                 <a:srgbClr val="AAAAAA"/>
               </a:solidFill>
@@ -11097,7 +11097,7 @@
               </a:spcAft>
             </a:pPr>
             <a:r>
-              <a:rPr lang="en-US" sz="1000" dirty="0">
+              <a:rPr lang="en-US" sz="700" dirty="0">
                 <a:solidFill>
                   <a:srgbClr val="F9FAF4"/>
                 </a:solidFill>
@@ -11107,7 +11107,7 @@
               <a:t>}</a:t>
             </a:r>
             <a:r>
-              <a:rPr lang="en-US" sz="1000" dirty="0">
+              <a:rPr lang="en-US" sz="700" dirty="0">
                 <a:solidFill>
                   <a:srgbClr val="D9E8F7"/>
                 </a:solidFill>
@@ -11117,7 +11117,7 @@
               <a:t> </a:t>
             </a:r>
             <a:r>
-              <a:rPr lang="en-US" sz="1000" dirty="0">
+              <a:rPr lang="en-US" sz="700" dirty="0">
                 <a:solidFill>
                   <a:srgbClr val="CC6C1D"/>
                 </a:solidFill>
@@ -11127,7 +11127,7 @@
               <a:t>else</a:t>
             </a:r>
             <a:r>
-              <a:rPr lang="en-US" sz="1000" dirty="0">
+              <a:rPr lang="en-US" sz="700" dirty="0">
                 <a:solidFill>
                   <a:srgbClr val="D9E8F7"/>
                 </a:solidFill>
@@ -11137,7 +11137,7 @@
               <a:t> </a:t>
             </a:r>
             <a:r>
-              <a:rPr lang="en-US" sz="1000" dirty="0">
+              <a:rPr lang="en-US" sz="700" dirty="0">
                 <a:solidFill>
                   <a:srgbClr val="F9FAF4"/>
                 </a:solidFill>
@@ -11146,7 +11146,7 @@
               </a:rPr>
               <a:t>{</a:t>
             </a:r>
-            <a:endParaRPr lang="en-US" sz="1000" dirty="0">
+            <a:endParaRPr lang="en-US" sz="700" dirty="0">
               <a:solidFill>
                 <a:srgbClr val="AAAAAA"/>
               </a:solidFill>
@@ -11164,7 +11164,7 @@
               </a:spcAft>
             </a:pPr>
             <a:r>
-              <a:rPr lang="en-US" sz="1000" dirty="0">
+              <a:rPr lang="en-US" sz="700" dirty="0">
                 <a:solidFill>
                   <a:srgbClr val="CC6C1D"/>
                 </a:solidFill>
@@ -11174,7 +11174,7 @@
               <a:t>return</a:t>
             </a:r>
             <a:r>
-              <a:rPr lang="en-US" sz="1000" dirty="0">
+              <a:rPr lang="en-US" sz="700" dirty="0">
                 <a:solidFill>
                   <a:srgbClr val="D9E8F7"/>
                 </a:solidFill>
@@ -11184,7 +11184,7 @@
               <a:t> </a:t>
             </a:r>
             <a:r>
-              <a:rPr lang="en-US" sz="1000" dirty="0">
+              <a:rPr lang="en-US" sz="700" dirty="0">
                 <a:solidFill>
                   <a:srgbClr val="CC6C1D"/>
                 </a:solidFill>
@@ -11194,7 +11194,7 @@
               <a:t>null</a:t>
             </a:r>
             <a:r>
-              <a:rPr lang="en-US" sz="1000" dirty="0">
+              <a:rPr lang="en-US" sz="700" dirty="0">
                 <a:solidFill>
                   <a:srgbClr val="E6E6FA"/>
                 </a:solidFill>
@@ -11204,7 +11204,7 @@
               <a:t>;</a:t>
             </a:r>
             <a:r>
-              <a:rPr lang="en-US" sz="1000" dirty="0">
+              <a:rPr lang="en-US" sz="700" dirty="0">
                 <a:solidFill>
                   <a:srgbClr val="D9E8F7"/>
                 </a:solidFill>
@@ -11214,7 +11214,7 @@
               <a:t> </a:t>
             </a:r>
             <a:r>
-              <a:rPr lang="en-US" sz="1000" dirty="0">
+              <a:rPr lang="en-US" sz="700" dirty="0">
                 <a:solidFill>
                   <a:srgbClr val="808080"/>
                 </a:solidFill>
@@ -11223,7 +11223,7 @@
               </a:rPr>
               <a:t>// Intersection is outside the line segments</a:t>
             </a:r>
-            <a:endParaRPr lang="en-US" sz="1000" dirty="0">
+            <a:endParaRPr lang="en-US" sz="700" dirty="0">
               <a:solidFill>
                 <a:srgbClr val="AAAAAA"/>
               </a:solidFill>
@@ -11241,7 +11241,7 @@
               </a:spcAft>
             </a:pPr>
             <a:r>
-              <a:rPr lang="en-US" sz="1000" dirty="0">
+              <a:rPr lang="en-US" sz="700" dirty="0">
                 <a:solidFill>
                   <a:srgbClr val="F9FAF4"/>
                 </a:solidFill>
@@ -11250,7 +11250,7 @@
               </a:rPr>
               <a:t>}</a:t>
             </a:r>
-            <a:endParaRPr lang="en-US" sz="1000" dirty="0">
+            <a:endParaRPr lang="en-US" sz="700" dirty="0">
               <a:solidFill>
                 <a:srgbClr val="AAAAAA"/>
               </a:solidFill>
@@ -11268,7 +11268,7 @@
               </a:spcAft>
             </a:pPr>
             <a:r>
-              <a:rPr lang="en-US" sz="1000" dirty="0">
+              <a:rPr lang="en-US" sz="700" dirty="0">
                 <a:solidFill>
                   <a:srgbClr val="F9FAF4"/>
                 </a:solidFill>
@@ -11277,7 +11277,7 @@
               </a:rPr>
               <a:t>}</a:t>
             </a:r>
-            <a:endParaRPr lang="en-US" sz="1000" dirty="0">
+            <a:endParaRPr lang="en-US" sz="700" dirty="0">
               <a:solidFill>
                 <a:srgbClr val="AAAAAA"/>
               </a:solidFill>
@@ -11286,7 +11286,7 @@
             </a:endParaRPr>
           </a:p>
           <a:p>
-            <a:endParaRPr lang="en-GB" sz="200" dirty="0"/>
+            <a:endParaRPr lang="en-GB" sz="100" dirty="0"/>
           </a:p>
         </p:txBody>
       </p:sp>
@@ -11319,29 +11319,505 @@
           </a:p>
         </p:txBody>
       </p:sp>
+      <p:grpSp>
+        <p:nvGrpSpPr>
+          <p:cNvPr id="16" name="Groupe 15">
+            <a:extLst>
+              <a:ext uri="{FF2B5EF4-FFF2-40B4-BE49-F238E27FC236}">
+                <a16:creationId xmlns:a16="http://schemas.microsoft.com/office/drawing/2014/main" id="{134D9619-FBBD-1F03-A187-7F6A9805AC01}"/>
+              </a:ext>
+            </a:extLst>
+          </p:cNvPr>
+          <p:cNvGrpSpPr/>
+          <p:nvPr/>
+        </p:nvGrpSpPr>
+        <p:grpSpPr>
+          <a:xfrm>
+            <a:off x="7608815" y="398477"/>
+            <a:ext cx="3550323" cy="2389680"/>
+            <a:chOff x="8498047" y="650147"/>
+            <a:chExt cx="3550323" cy="2389680"/>
+          </a:xfrm>
+        </p:grpSpPr>
+        <p:cxnSp>
+          <p:nvCxnSpPr>
+            <p:cNvPr id="7" name="Connecteur droit 6">
+              <a:extLst>
+                <a:ext uri="{FF2B5EF4-FFF2-40B4-BE49-F238E27FC236}">
+                  <a16:creationId xmlns:a16="http://schemas.microsoft.com/office/drawing/2014/main" id="{5C8F2D37-33B0-B9D2-9C5A-7CF050FC4F7B}"/>
+                </a:ext>
+              </a:extLst>
+            </p:cNvPr>
+            <p:cNvCxnSpPr/>
+            <p:nvPr/>
+          </p:nvCxnSpPr>
+          <p:spPr>
+            <a:xfrm>
+              <a:off x="8877300" y="2019300"/>
+              <a:ext cx="2447925" cy="0"/>
+            </a:xfrm>
+            <a:prstGeom prst="line">
+              <a:avLst/>
+            </a:prstGeom>
+            <a:ln>
+              <a:headEnd type="none"/>
+              <a:tailEnd type="arrow"/>
+            </a:ln>
+          </p:spPr>
+          <p:style>
+            <a:lnRef idx="1">
+              <a:schemeClr val="accent1"/>
+            </a:lnRef>
+            <a:fillRef idx="0">
+              <a:schemeClr val="accent1"/>
+            </a:fillRef>
+            <a:effectRef idx="0">
+              <a:schemeClr val="accent1"/>
+            </a:effectRef>
+            <a:fontRef idx="minor">
+              <a:schemeClr val="tx1"/>
+            </a:fontRef>
+          </p:style>
+        </p:cxnSp>
+        <p:cxnSp>
+          <p:nvCxnSpPr>
+            <p:cNvPr id="8" name="Connecteur droit 7">
+              <a:extLst>
+                <a:ext uri="{FF2B5EF4-FFF2-40B4-BE49-F238E27FC236}">
+                  <a16:creationId xmlns:a16="http://schemas.microsoft.com/office/drawing/2014/main" id="{618C82EF-D61E-8330-9371-27206D39E9AD}"/>
+                </a:ext>
+              </a:extLst>
+            </p:cNvPr>
+            <p:cNvCxnSpPr>
+              <a:cxnSpLocks/>
+            </p:cNvCxnSpPr>
+            <p:nvPr/>
+          </p:nvCxnSpPr>
+          <p:spPr>
+            <a:xfrm flipV="1">
+              <a:off x="9582150" y="1066800"/>
+              <a:ext cx="904875" cy="1657350"/>
+            </a:xfrm>
+            <a:prstGeom prst="line">
+              <a:avLst/>
+            </a:prstGeom>
+            <a:ln>
+              <a:tailEnd type="arrow"/>
+            </a:ln>
+          </p:spPr>
+          <p:style>
+            <a:lnRef idx="1">
+              <a:schemeClr val="accent1"/>
+            </a:lnRef>
+            <a:fillRef idx="0">
+              <a:schemeClr val="accent1"/>
+            </a:fillRef>
+            <a:effectRef idx="0">
+              <a:schemeClr val="accent1"/>
+            </a:effectRef>
+            <a:fontRef idx="minor">
+              <a:schemeClr val="tx1"/>
+            </a:fontRef>
+          </p:style>
+        </p:cxnSp>
+        <p:sp>
+          <p:nvSpPr>
+            <p:cNvPr id="13" name="Ellipse 12">
+              <a:extLst>
+                <a:ext uri="{FF2B5EF4-FFF2-40B4-BE49-F238E27FC236}">
+                  <a16:creationId xmlns:a16="http://schemas.microsoft.com/office/drawing/2014/main" id="{F8AD9E40-E166-F738-CA25-4DC68FEEB88F}"/>
+                </a:ext>
+              </a:extLst>
+            </p:cNvPr>
+            <p:cNvSpPr/>
+            <p:nvPr/>
+          </p:nvSpPr>
+          <p:spPr>
+            <a:xfrm>
+              <a:off x="9896475" y="1962150"/>
+              <a:ext cx="152400" cy="133350"/>
+            </a:xfrm>
+            <a:prstGeom prst="ellipse">
+              <a:avLst/>
+            </a:prstGeom>
+            <a:ln>
+              <a:noFill/>
+            </a:ln>
+          </p:spPr>
+          <p:style>
+            <a:lnRef idx="2">
+              <a:schemeClr val="accent1">
+                <a:shade val="15000"/>
+              </a:schemeClr>
+            </a:lnRef>
+            <a:fillRef idx="1">
+              <a:schemeClr val="accent1"/>
+            </a:fillRef>
+            <a:effectRef idx="0">
+              <a:schemeClr val="accent1"/>
+            </a:effectRef>
+            <a:fontRef idx="minor">
+              <a:schemeClr val="lt1"/>
+            </a:fontRef>
+          </p:style>
+          <p:txBody>
+            <a:bodyPr rtlCol="0" anchor="ctr"/>
+            <a:lstStyle/>
+            <a:p>
+              <a:pPr algn="ctr"/>
+              <a:endParaRPr lang="en-GB">
+                <a:solidFill>
+                  <a:srgbClr val="0070C0"/>
+                </a:solidFill>
+                <a:latin typeface="Courier New" panose="02070309020205020404" pitchFamily="49" charset="0"/>
+                <a:cs typeface="Courier New" panose="02070309020205020404" pitchFamily="49" charset="0"/>
+              </a:endParaRPr>
+            </a:p>
+          </p:txBody>
+        </p:sp>
+        <p:sp>
+          <p:nvSpPr>
+            <p:cNvPr id="2" name="ZoneTexte 1">
+              <a:extLst>
+                <a:ext uri="{FF2B5EF4-FFF2-40B4-BE49-F238E27FC236}">
+                  <a16:creationId xmlns:a16="http://schemas.microsoft.com/office/drawing/2014/main" id="{AB7F8AF9-6CD2-1B6F-4B4C-11B2BA9DEA52}"/>
+                </a:ext>
+              </a:extLst>
+            </p:cNvPr>
+            <p:cNvSpPr txBox="1"/>
+            <p:nvPr/>
+          </p:nvSpPr>
+          <p:spPr>
+            <a:xfrm>
+              <a:off x="8498047" y="1669409"/>
+              <a:ext cx="1149674" cy="369332"/>
+            </a:xfrm>
+            <a:prstGeom prst="rect">
+              <a:avLst/>
+            </a:prstGeom>
+            <a:noFill/>
+          </p:spPr>
+          <p:txBody>
+            <a:bodyPr wrap="none" rtlCol="0">
+              <a:spAutoFit/>
+            </a:bodyPr>
+            <a:lstStyle/>
+            <a:p>
+              <a:r>
+                <a:rPr lang="en-GB" dirty="0">
+                  <a:solidFill>
+                    <a:srgbClr val="0070C0"/>
+                  </a:solidFill>
+                  <a:latin typeface="Courier New" panose="02070309020205020404" pitchFamily="49" charset="0"/>
+                  <a:cs typeface="Courier New" panose="02070309020205020404" pitchFamily="49" charset="0"/>
+                </a:rPr>
+                <a:t>(x1,y1)</a:t>
+              </a:r>
+            </a:p>
+          </p:txBody>
+        </p:sp>
+        <p:sp>
+          <p:nvSpPr>
+            <p:cNvPr id="3" name="ZoneTexte 2">
+              <a:extLst>
+                <a:ext uri="{FF2B5EF4-FFF2-40B4-BE49-F238E27FC236}">
+                  <a16:creationId xmlns:a16="http://schemas.microsoft.com/office/drawing/2014/main" id="{D7359A16-8087-1F2D-C4B4-5CEBBF3824F0}"/>
+                </a:ext>
+              </a:extLst>
+            </p:cNvPr>
+            <p:cNvSpPr txBox="1"/>
+            <p:nvPr/>
+          </p:nvSpPr>
+          <p:spPr>
+            <a:xfrm>
+              <a:off x="10898696" y="1620473"/>
+              <a:ext cx="1149674" cy="369332"/>
+            </a:xfrm>
+            <a:prstGeom prst="rect">
+              <a:avLst/>
+            </a:prstGeom>
+            <a:noFill/>
+          </p:spPr>
+          <p:txBody>
+            <a:bodyPr wrap="none" rtlCol="0">
+              <a:spAutoFit/>
+            </a:bodyPr>
+            <a:lstStyle/>
+            <a:p>
+              <a:r>
+                <a:rPr lang="en-GB" dirty="0">
+                  <a:solidFill>
+                    <a:srgbClr val="0070C0"/>
+                  </a:solidFill>
+                  <a:latin typeface="Courier New" panose="02070309020205020404" pitchFamily="49" charset="0"/>
+                  <a:cs typeface="Courier New" panose="02070309020205020404" pitchFamily="49" charset="0"/>
+                </a:rPr>
+                <a:t>(x2,y2)</a:t>
+              </a:r>
+            </a:p>
+          </p:txBody>
+        </p:sp>
+        <p:sp>
+          <p:nvSpPr>
+            <p:cNvPr id="6" name="ZoneTexte 5">
+              <a:extLst>
+                <a:ext uri="{FF2B5EF4-FFF2-40B4-BE49-F238E27FC236}">
+                  <a16:creationId xmlns:a16="http://schemas.microsoft.com/office/drawing/2014/main" id="{E235B05E-97A4-ACBD-D04C-807F8A561250}"/>
+                </a:ext>
+              </a:extLst>
+            </p:cNvPr>
+            <p:cNvSpPr txBox="1"/>
+            <p:nvPr/>
+          </p:nvSpPr>
+          <p:spPr>
+            <a:xfrm>
+              <a:off x="9188740" y="2670495"/>
+              <a:ext cx="1149674" cy="369332"/>
+            </a:xfrm>
+            <a:prstGeom prst="rect">
+              <a:avLst/>
+            </a:prstGeom>
+            <a:noFill/>
+          </p:spPr>
+          <p:txBody>
+            <a:bodyPr wrap="none" rtlCol="0">
+              <a:spAutoFit/>
+            </a:bodyPr>
+            <a:lstStyle/>
+            <a:p>
+              <a:r>
+                <a:rPr lang="en-GB" dirty="0">
+                  <a:solidFill>
+                    <a:srgbClr val="0070C0"/>
+                  </a:solidFill>
+                  <a:latin typeface="Courier New" panose="02070309020205020404" pitchFamily="49" charset="0"/>
+                  <a:cs typeface="Courier New" panose="02070309020205020404" pitchFamily="49" charset="0"/>
+                </a:rPr>
+                <a:t>(x3,y3)</a:t>
+              </a:r>
+            </a:p>
+          </p:txBody>
+        </p:sp>
+        <p:sp>
+          <p:nvSpPr>
+            <p:cNvPr id="9" name="ZoneTexte 8">
+              <a:extLst>
+                <a:ext uri="{FF2B5EF4-FFF2-40B4-BE49-F238E27FC236}">
+                  <a16:creationId xmlns:a16="http://schemas.microsoft.com/office/drawing/2014/main" id="{61A76FA4-2B7E-5E69-4B43-3DBC0E1852DB}"/>
+                </a:ext>
+              </a:extLst>
+            </p:cNvPr>
+            <p:cNvSpPr txBox="1"/>
+            <p:nvPr/>
+          </p:nvSpPr>
+          <p:spPr>
+            <a:xfrm>
+              <a:off x="10280707" y="650147"/>
+              <a:ext cx="1149674" cy="369332"/>
+            </a:xfrm>
+            <a:prstGeom prst="rect">
+              <a:avLst/>
+            </a:prstGeom>
+            <a:noFill/>
+          </p:spPr>
+          <p:txBody>
+            <a:bodyPr wrap="none" rtlCol="0">
+              <a:spAutoFit/>
+            </a:bodyPr>
+            <a:lstStyle/>
+            <a:p>
+              <a:r>
+                <a:rPr lang="en-GB" dirty="0">
+                  <a:solidFill>
+                    <a:srgbClr val="0070C0"/>
+                  </a:solidFill>
+                  <a:latin typeface="Courier New" panose="02070309020205020404" pitchFamily="49" charset="0"/>
+                  <a:cs typeface="Courier New" panose="02070309020205020404" pitchFamily="49" charset="0"/>
+                </a:rPr>
+                <a:t>(x4,y4)</a:t>
+              </a:r>
+            </a:p>
+          </p:txBody>
+        </p:sp>
+        <p:sp>
+          <p:nvSpPr>
+            <p:cNvPr id="10" name="ZoneTexte 9">
+              <a:extLst>
+                <a:ext uri="{FF2B5EF4-FFF2-40B4-BE49-F238E27FC236}">
+                  <a16:creationId xmlns:a16="http://schemas.microsoft.com/office/drawing/2014/main" id="{EB192303-E378-ED60-D2BA-2DF9CFFEC21C}"/>
+                </a:ext>
+              </a:extLst>
+            </p:cNvPr>
+            <p:cNvSpPr txBox="1"/>
+            <p:nvPr/>
+          </p:nvSpPr>
+          <p:spPr>
+            <a:xfrm>
+              <a:off x="9808127" y="2073478"/>
+              <a:ext cx="1149674" cy="369332"/>
+            </a:xfrm>
+            <a:prstGeom prst="rect">
+              <a:avLst/>
+            </a:prstGeom>
+            <a:noFill/>
+          </p:spPr>
+          <p:txBody>
+            <a:bodyPr wrap="none" rtlCol="0">
+              <a:spAutoFit/>
+            </a:bodyPr>
+            <a:lstStyle/>
+            <a:p>
+              <a:r>
+                <a:rPr lang="en-GB" b="1" noProof="1">
+                  <a:solidFill>
+                    <a:srgbClr val="0070C0"/>
+                  </a:solidFill>
+                  <a:latin typeface="Courier New" panose="02070309020205020404" pitchFamily="49" charset="0"/>
+                  <a:cs typeface="Courier New" panose="02070309020205020404" pitchFamily="49" charset="0"/>
+                </a:rPr>
+                <a:t>(xI,yI)</a:t>
+              </a:r>
+            </a:p>
+          </p:txBody>
+        </p:sp>
+      </p:grpSp>
+      <p:sp>
+        <p:nvSpPr>
+          <p:cNvPr id="12" name="ZoneTexte 11">
+            <a:extLst>
+              <a:ext uri="{FF2B5EF4-FFF2-40B4-BE49-F238E27FC236}">
+                <a16:creationId xmlns:a16="http://schemas.microsoft.com/office/drawing/2014/main" id="{7BE702BC-861F-E163-53BE-DB1AB4559BF1}"/>
+              </a:ext>
+            </a:extLst>
+          </p:cNvPr>
+          <p:cNvSpPr txBox="1"/>
+          <p:nvPr/>
+        </p:nvSpPr>
+        <p:spPr>
+          <a:xfrm>
+            <a:off x="966833" y="1270555"/>
+            <a:ext cx="5190688" cy="461665"/>
+          </a:xfrm>
+          <a:prstGeom prst="rect">
+            <a:avLst/>
+          </a:prstGeom>
+          <a:noFill/>
+        </p:spPr>
+        <p:txBody>
+          <a:bodyPr wrap="square">
+            <a:spAutoFit/>
+          </a:bodyPr>
+          <a:lstStyle/>
+          <a:p>
+            <a:r>
+              <a:rPr lang="en-GB" sz="1200" dirty="0">
+                <a:hlinkClick r:id="rId2"/>
+              </a:rPr>
+              <a:t>https://en.wikipedia.org/wiki/Line%E2%80%93line_intersection</a:t>
+            </a:r>
+            <a:endParaRPr lang="en-GB" sz="1200" dirty="0"/>
+          </a:p>
+          <a:p>
+            <a:endParaRPr lang="en-GB" sz="1200" dirty="0"/>
+          </a:p>
+        </p:txBody>
+      </p:sp>
+      <p:pic>
+        <p:nvPicPr>
+          <p:cNvPr id="15" name="Image 14">
+            <a:extLst>
+              <a:ext uri="{FF2B5EF4-FFF2-40B4-BE49-F238E27FC236}">
+                <a16:creationId xmlns:a16="http://schemas.microsoft.com/office/drawing/2014/main" id="{150FE631-F598-B8B5-E227-D13816FDC933}"/>
+              </a:ext>
+            </a:extLst>
+          </p:cNvPr>
+          <p:cNvPicPr>
+            <a:picLocks noChangeAspect="1"/>
+          </p:cNvPicPr>
+          <p:nvPr/>
+        </p:nvPicPr>
+        <p:blipFill>
+          <a:blip r:embed="rId3"/>
+          <a:stretch>
+            <a:fillRect/>
+          </a:stretch>
+        </p:blipFill>
+        <p:spPr>
+          <a:xfrm>
+            <a:off x="1484851" y="1530189"/>
+            <a:ext cx="4370665" cy="1715738"/>
+          </a:xfrm>
+          <a:prstGeom prst="rect">
+            <a:avLst/>
+          </a:prstGeom>
+        </p:spPr>
+      </p:pic>
+      <p:sp>
+        <p:nvSpPr>
+          <p:cNvPr id="18" name="ZoneTexte 17">
+            <a:extLst>
+              <a:ext uri="{FF2B5EF4-FFF2-40B4-BE49-F238E27FC236}">
+                <a16:creationId xmlns:a16="http://schemas.microsoft.com/office/drawing/2014/main" id="{72CBB9EE-46B6-32B2-A85C-D559A5792DE1}"/>
+              </a:ext>
+            </a:extLst>
+          </p:cNvPr>
+          <p:cNvSpPr txBox="1"/>
+          <p:nvPr/>
+        </p:nvSpPr>
+        <p:spPr>
+          <a:xfrm>
+            <a:off x="4974673" y="2122415"/>
+            <a:ext cx="1119217" cy="261610"/>
+          </a:xfrm>
+          <a:prstGeom prst="rect">
+            <a:avLst/>
+          </a:prstGeom>
+          <a:noFill/>
+        </p:spPr>
+        <p:txBody>
+          <a:bodyPr wrap="none" rtlCol="0">
+            <a:spAutoFit/>
+          </a:bodyPr>
+          <a:lstStyle/>
+          <a:p>
+            <a:r>
+              <a:rPr lang="en-GB" sz="1100" dirty="0">
+                <a:latin typeface="Courier New" panose="02070309020205020404" pitchFamily="49" charset="0"/>
+                <a:cs typeface="Courier New" panose="02070309020205020404" pitchFamily="49" charset="0"/>
+              </a:rPr>
+              <a:t>denominator</a:t>
+            </a:r>
+          </a:p>
+        </p:txBody>
+      </p:sp>
       <p:cxnSp>
         <p:nvCxnSpPr>
-          <p:cNvPr id="7" name="Connecteur droit 6">
-            <a:extLst>
-              <a:ext uri="{FF2B5EF4-FFF2-40B4-BE49-F238E27FC236}">
-                <a16:creationId xmlns:a16="http://schemas.microsoft.com/office/drawing/2014/main" id="{5C8F2D37-33B0-B9D2-9C5A-7CF050FC4F7B}"/>
-              </a:ext>
-            </a:extLst>
-          </p:cNvPr>
-          <p:cNvCxnSpPr/>
+          <p:cNvPr id="20" name="Connecteur droit avec flèche 19">
+            <a:extLst>
+              <a:ext uri="{FF2B5EF4-FFF2-40B4-BE49-F238E27FC236}">
+                <a16:creationId xmlns:a16="http://schemas.microsoft.com/office/drawing/2014/main" id="{4FA7C29D-4ACC-2329-B3E4-915F9B1928FC}"/>
+              </a:ext>
+            </a:extLst>
+          </p:cNvPr>
+          <p:cNvCxnSpPr>
+            <a:cxnSpLocks/>
+            <a:endCxn id="18" idx="1"/>
+          </p:cNvCxnSpPr>
           <p:nvPr/>
         </p:nvCxnSpPr>
         <p:spPr>
           <a:xfrm>
-            <a:off x="8877300" y="2019300"/>
-            <a:ext cx="2447925" cy="0"/>
-          </a:xfrm>
-          <a:prstGeom prst="line">
+            <a:off x="4572000" y="1921079"/>
+            <a:ext cx="402673" cy="332141"/>
+          </a:xfrm>
+          <a:prstGeom prst="straightConnector1">
             <a:avLst/>
           </a:prstGeom>
           <a:ln>
-            <a:headEnd type="none"/>
-            <a:tailEnd type="arrow"/>
+            <a:solidFill>
+              <a:schemeClr val="tx1"/>
+            </a:solidFill>
+            <a:tailEnd type="triangle"/>
           </a:ln>
         </p:spPr>
         <p:style>
@@ -11361,28 +11837,32 @@
       </p:cxnSp>
       <p:cxnSp>
         <p:nvCxnSpPr>
-          <p:cNvPr id="8" name="Connecteur droit 7">
-            <a:extLst>
-              <a:ext uri="{FF2B5EF4-FFF2-40B4-BE49-F238E27FC236}">
-                <a16:creationId xmlns:a16="http://schemas.microsoft.com/office/drawing/2014/main" id="{618C82EF-D61E-8330-9371-27206D39E9AD}"/>
+          <p:cNvPr id="21" name="Connecteur droit avec flèche 20">
+            <a:extLst>
+              <a:ext uri="{FF2B5EF4-FFF2-40B4-BE49-F238E27FC236}">
+                <a16:creationId xmlns:a16="http://schemas.microsoft.com/office/drawing/2014/main" id="{0A29E0B6-6A02-5DF3-06A9-4CC044186669}"/>
               </a:ext>
             </a:extLst>
           </p:cNvPr>
           <p:cNvCxnSpPr>
             <a:cxnSpLocks/>
+            <a:endCxn id="18" idx="1"/>
           </p:cNvCxnSpPr>
           <p:nvPr/>
         </p:nvCxnSpPr>
         <p:spPr>
           <a:xfrm flipV="1">
-            <a:off x="9582150" y="1066800"/>
-            <a:ext cx="904875" cy="1657350"/>
-          </a:xfrm>
-          <a:prstGeom prst="line">
+            <a:off x="4697835" y="2253220"/>
+            <a:ext cx="276838" cy="456424"/>
+          </a:xfrm>
+          <a:prstGeom prst="straightConnector1">
             <a:avLst/>
           </a:prstGeom>
           <a:ln>
-            <a:tailEnd type="arrow"/>
+            <a:solidFill>
+              <a:schemeClr val="tx1"/>
+            </a:solidFill>
+            <a:tailEnd type="triangle"/>
           </a:ln>
         </p:spPr>
         <p:style>
@@ -11402,10 +11882,10 @@
       </p:cxnSp>
       <p:sp>
         <p:nvSpPr>
-          <p:cNvPr id="13" name="Ellipse 12">
-            <a:extLst>
-              <a:ext uri="{FF2B5EF4-FFF2-40B4-BE49-F238E27FC236}">
-                <a16:creationId xmlns:a16="http://schemas.microsoft.com/office/drawing/2014/main" id="{F8AD9E40-E166-F738-CA25-4DC68FEEB88F}"/>
+          <p:cNvPr id="25" name="Rectangle : coins arrondis 24">
+            <a:extLst>
+              <a:ext uri="{FF2B5EF4-FFF2-40B4-BE49-F238E27FC236}">
+                <a16:creationId xmlns:a16="http://schemas.microsoft.com/office/drawing/2014/main" id="{AD324200-B3DE-83FF-F2AB-B97918B84595}"/>
               </a:ext>
             </a:extLst>
           </p:cNvPr>
@@ -11414,12 +11894,19 @@
         </p:nvSpPr>
         <p:spPr>
           <a:xfrm>
-            <a:off x="9896475" y="1962150"/>
-            <a:ext cx="152400" cy="133350"/>
-          </a:xfrm>
-          <a:prstGeom prst="ellipse">
-            <a:avLst/>
-          </a:prstGeom>
+            <a:off x="7558481" y="318782"/>
+            <a:ext cx="3506598" cy="2558642"/>
+          </a:xfrm>
+          <a:prstGeom prst="roundRect">
+            <a:avLst/>
+          </a:prstGeom>
+          <a:noFill/>
+          <a:ln w="9525">
+            <a:solidFill>
+              <a:srgbClr val="0070C0"/>
+            </a:solidFill>
+            <a:prstDash val="dash"/>
+          </a:ln>
         </p:spPr>
         <p:style>
           <a:lnRef idx="2">
@@ -12491,7 +12978,7 @@
         </p:nvSpPr>
         <p:spPr>
           <a:xfrm>
-            <a:off x="1474452" y="4846652"/>
+            <a:off x="1466063" y="4586594"/>
             <a:ext cx="755015" cy="369332"/>
           </a:xfrm>
           <a:prstGeom prst="rect">
@@ -12582,7 +13069,7 @@
         </p:nvSpPr>
         <p:spPr>
           <a:xfrm>
-            <a:off x="1465451" y="2575944"/>
+            <a:off x="1448673" y="2273940"/>
             <a:ext cx="1143518" cy="369332"/>
           </a:xfrm>
           <a:prstGeom prst="rect">
@@ -12979,8 +13466,8 @@
         </p:nvSpPr>
         <p:spPr>
           <a:xfrm>
-            <a:off x="1168400" y="1454150"/>
-            <a:ext cx="617477" cy="369332"/>
+            <a:off x="799285" y="1504484"/>
+            <a:ext cx="1393330" cy="276999"/>
           </a:xfrm>
           <a:prstGeom prst="rect">
             <a:avLst/>
@@ -12991,10 +13478,31 @@
           <a:bodyPr wrap="none" rtlCol="0">
             <a:spAutoFit/>
           </a:bodyPr>
-          <a:lstStyle/>
+          <a:lstStyle>
+            <a:defPPr>
+              <a:defRPr lang="LID4096"/>
+            </a:defPPr>
+            <a:lvl1pPr>
+              <a:defRPr sz="1200">
+                <a:solidFill>
+                  <a:schemeClr val="accent1"/>
+                </a:solidFill>
+                <a:latin typeface="Courier New" panose="02070309020205020404" pitchFamily="49" charset="0"/>
+                <a:cs typeface="Courier New" panose="02070309020205020404" pitchFamily="49" charset="0"/>
+              </a:defRPr>
+            </a:lvl1pPr>
+          </a:lstStyle>
           <a:p>
             <a:r>
               <a:rPr lang="en-GB" dirty="0"/>
+              <a:t>(0,0) – </a:t>
+            </a:r>
+            <a:r>
+              <a:rPr lang="en-GB" dirty="0">
+                <a:solidFill>
+                  <a:srgbClr val="00B050"/>
+                </a:solidFill>
+              </a:rPr>
               <a:t>(0,0)</a:t>
             </a:r>
           </a:p>
@@ -13014,7 +13522,7 @@
         </p:nvSpPr>
         <p:spPr>
           <a:xfrm>
-            <a:off x="5029200" y="5010150"/>
+            <a:off x="5045978" y="4892704"/>
             <a:ext cx="1579278" cy="276999"/>
           </a:xfrm>
           <a:prstGeom prst="rect">
@@ -13055,8 +13563,8 @@
         </p:nvSpPr>
         <p:spPr>
           <a:xfrm>
-            <a:off x="4314825" y="2609850"/>
-            <a:ext cx="1765227" cy="276999"/>
+            <a:off x="4256102" y="2601461"/>
+            <a:ext cx="1547218" cy="253916"/>
           </a:xfrm>
           <a:prstGeom prst="rect">
             <a:avLst/>
@@ -13070,7 +13578,7 @@
           <a:lstStyle/>
           <a:p>
             <a:r>
-              <a:rPr lang="en-GB" sz="1200" dirty="0">
+              <a:rPr lang="en-GB" sz="1050" dirty="0">
                 <a:solidFill>
                   <a:srgbClr val="01A797"/>
                 </a:solidFill>
@@ -13080,7 +13588,7 @@
               <a:t>(</a:t>
             </a:r>
             <a:r>
-              <a:rPr lang="en-GB" sz="1200" dirty="0" err="1">
+              <a:rPr lang="en-GB" sz="1050" dirty="0" err="1">
                 <a:solidFill>
                   <a:srgbClr val="01A797"/>
                 </a:solidFill>
@@ -13090,7 +13598,7 @@
               <a:t>dWidth</a:t>
             </a:r>
             <a:r>
-              <a:rPr lang="en-GB" sz="1200" dirty="0">
+              <a:rPr lang="en-GB" sz="1050" dirty="0">
                 <a:solidFill>
                   <a:srgbClr val="01A797"/>
                 </a:solidFill>
@@ -13100,7 +13608,7 @@
               <a:t>, </a:t>
             </a:r>
             <a:r>
-              <a:rPr lang="en-GB" sz="1200" dirty="0" err="1">
+              <a:rPr lang="en-GB" sz="1050" dirty="0" err="1">
                 <a:solidFill>
                   <a:srgbClr val="01A797"/>
                 </a:solidFill>
@@ -13110,7 +13618,7 @@
               <a:t>dHeight</a:t>
             </a:r>
             <a:r>
-              <a:rPr lang="en-GB" sz="1200" dirty="0">
+              <a:rPr lang="en-GB" sz="1050" dirty="0">
                 <a:solidFill>
                   <a:srgbClr val="01A797"/>
                 </a:solidFill>
@@ -13574,8 +14082,8 @@
         </p:nvSpPr>
         <p:spPr>
           <a:xfrm>
-            <a:off x="6048375" y="1971675"/>
-            <a:ext cx="5581650" cy="2862322"/>
+            <a:off x="6048374" y="1971675"/>
+            <a:ext cx="5989827" cy="3216265"/>
           </a:xfrm>
           <a:prstGeom prst="rect">
             <a:avLst/>
@@ -13689,7 +14197,35 @@
                   <a:srgbClr val="0070C0"/>
                 </a:solidFill>
               </a:rPr>
-              <a:t> = amplitude * </a:t>
+              <a:t> = </a:t>
+            </a:r>
+            <a:r>
+              <a:rPr lang="en-GB" sz="1200" dirty="0" err="1">
+                <a:solidFill>
+                  <a:srgbClr val="FF0000"/>
+                </a:solidFill>
+                <a:latin typeface="Courier New" panose="02070309020205020404" pitchFamily="49" charset="0"/>
+                <a:cs typeface="Courier New" panose="02070309020205020404" pitchFamily="49" charset="0"/>
+              </a:rPr>
+              <a:t>minAngle</a:t>
+            </a:r>
+            <a:r>
+              <a:rPr lang="en-GB" sz="1200" dirty="0">
+                <a:solidFill>
+                  <a:srgbClr val="FF0000"/>
+                </a:solidFill>
+                <a:latin typeface="Courier New" panose="02070309020205020404" pitchFamily="49" charset="0"/>
+                <a:cs typeface="Courier New" panose="02070309020205020404" pitchFamily="49" charset="0"/>
+              </a:rPr>
+              <a:t> + </a:t>
+            </a:r>
+            <a:r>
+              <a:rPr lang="fr-BE" sz="1200" dirty="0">
+                <a:solidFill>
+                  <a:srgbClr val="0070C0"/>
+                </a:solidFill>
+              </a:rPr>
+              <a:t>amplitude * </a:t>
             </a:r>
             <a:r>
               <a:rPr lang="el-GR" sz="1200" dirty="0">
@@ -13926,7 +14462,7 @@
                 <a:effectLst/>
                 <a:latin typeface="Consolas" panose="020B0609020204030204" pitchFamily="49" charset="0"/>
               </a:rPr>
-              <a:t>(0,0, </a:t>
+              <a:t>(0,height, </a:t>
             </a:r>
             <a:r>
               <a:rPr lang="en-US" sz="1100" dirty="0" err="1">
@@ -14069,7 +14605,7 @@
                 <a:latin typeface="Courier New" panose="02070309020205020404" pitchFamily="49" charset="0"/>
                 <a:cs typeface="Courier New" panose="02070309020205020404" pitchFamily="49" charset="0"/>
               </a:rPr>
-              <a:t>) = ( X * </a:t>
+              <a:t>)   = ( X  * </a:t>
             </a:r>
             <a:r>
               <a:rPr lang="en-GB" sz="1200" dirty="0" err="1">
@@ -14089,7 +14625,7 @@
                 <a:latin typeface="Courier New" panose="02070309020205020404" pitchFamily="49" charset="0"/>
                 <a:cs typeface="Courier New" panose="02070309020205020404" pitchFamily="49" charset="0"/>
               </a:rPr>
-              <a:t>/width, Y * </a:t>
+              <a:t>/width,  Y * </a:t>
             </a:r>
             <a:r>
               <a:rPr lang="en-GB" sz="1200" dirty="0" err="1">
@@ -14109,8 +14645,157 @@
                 <a:latin typeface="Courier New" panose="02070309020205020404" pitchFamily="49" charset="0"/>
                 <a:cs typeface="Courier New" panose="02070309020205020404" pitchFamily="49" charset="0"/>
               </a:rPr>
-              <a:t>/height)</a:t>
-            </a:r>
+              <a:t>/height )</a:t>
+            </a:r>
+          </a:p>
+          <a:p>
+            <a:pPr marL="171450" indent="-171450">
+              <a:buFont typeface="Arial" panose="020B0604020202020204" pitchFamily="34" charset="0"/>
+              <a:buChar char="•"/>
+            </a:pPr>
+            <a:r>
+              <a:rPr lang="en-GB" sz="1200" dirty="0">
+                <a:solidFill>
+                  <a:srgbClr val="01A797"/>
+                </a:solidFill>
+                <a:latin typeface="Courier New" panose="02070309020205020404" pitchFamily="49" charset="0"/>
+                <a:cs typeface="Courier New" panose="02070309020205020404" pitchFamily="49" charset="0"/>
+              </a:rPr>
+              <a:t>(</a:t>
+            </a:r>
+            <a:r>
+              <a:rPr lang="en-GB" sz="1200" dirty="0" err="1">
+                <a:solidFill>
+                  <a:srgbClr val="01A797"/>
+                </a:solidFill>
+                <a:latin typeface="Courier New" panose="02070309020205020404" pitchFamily="49" charset="0"/>
+                <a:cs typeface="Courier New" panose="02070309020205020404" pitchFamily="49" charset="0"/>
+              </a:rPr>
+              <a:t>dXi</a:t>
+            </a:r>
+            <a:r>
+              <a:rPr lang="en-GB" sz="1200" dirty="0">
+                <a:solidFill>
+                  <a:srgbClr val="01A797"/>
+                </a:solidFill>
+                <a:latin typeface="Courier New" panose="02070309020205020404" pitchFamily="49" charset="0"/>
+                <a:cs typeface="Courier New" panose="02070309020205020404" pitchFamily="49" charset="0"/>
+              </a:rPr>
+              <a:t>, </a:t>
+            </a:r>
+            <a:r>
+              <a:rPr lang="en-GB" sz="1200" dirty="0" err="1">
+                <a:solidFill>
+                  <a:srgbClr val="01A797"/>
+                </a:solidFill>
+                <a:latin typeface="Courier New" panose="02070309020205020404" pitchFamily="49" charset="0"/>
+                <a:cs typeface="Courier New" panose="02070309020205020404" pitchFamily="49" charset="0"/>
+              </a:rPr>
+              <a:t>dYi</a:t>
+            </a:r>
+            <a:r>
+              <a:rPr lang="en-GB" sz="1200" dirty="0">
+                <a:solidFill>
+                  <a:srgbClr val="01A797"/>
+                </a:solidFill>
+                <a:latin typeface="Courier New" panose="02070309020205020404" pitchFamily="49" charset="0"/>
+                <a:cs typeface="Courier New" panose="02070309020205020404" pitchFamily="49" charset="0"/>
+              </a:rPr>
+              <a:t>) = ( </a:t>
+            </a:r>
+            <a:r>
+              <a:rPr lang="en-GB" sz="1200" dirty="0" err="1">
+                <a:solidFill>
+                  <a:srgbClr val="01A797"/>
+                </a:solidFill>
+                <a:latin typeface="Courier New" panose="02070309020205020404" pitchFamily="49" charset="0"/>
+                <a:cs typeface="Courier New" panose="02070309020205020404" pitchFamily="49" charset="0"/>
+              </a:rPr>
+              <a:t>xI</a:t>
+            </a:r>
+            <a:r>
+              <a:rPr lang="en-GB" sz="1200" dirty="0">
+                <a:solidFill>
+                  <a:srgbClr val="01A797"/>
+                </a:solidFill>
+                <a:latin typeface="Courier New" panose="02070309020205020404" pitchFamily="49" charset="0"/>
+                <a:cs typeface="Courier New" panose="02070309020205020404" pitchFamily="49" charset="0"/>
+              </a:rPr>
+              <a:t> * </a:t>
+            </a:r>
+            <a:r>
+              <a:rPr lang="en-GB" sz="1200" dirty="0" err="1">
+                <a:solidFill>
+                  <a:srgbClr val="01A797"/>
+                </a:solidFill>
+                <a:latin typeface="Courier New" panose="02070309020205020404" pitchFamily="49" charset="0"/>
+                <a:cs typeface="Courier New" panose="02070309020205020404" pitchFamily="49" charset="0"/>
+              </a:rPr>
+              <a:t>dWidth</a:t>
+            </a:r>
+            <a:r>
+              <a:rPr lang="en-GB" sz="1200" dirty="0">
+                <a:solidFill>
+                  <a:srgbClr val="01A797"/>
+                </a:solidFill>
+                <a:latin typeface="Courier New" panose="02070309020205020404" pitchFamily="49" charset="0"/>
+                <a:cs typeface="Courier New" panose="02070309020205020404" pitchFamily="49" charset="0"/>
+              </a:rPr>
+              <a:t>/width, </a:t>
+            </a:r>
+            <a:r>
+              <a:rPr lang="en-GB" sz="1200" dirty="0" err="1">
+                <a:solidFill>
+                  <a:srgbClr val="01A797"/>
+                </a:solidFill>
+                <a:latin typeface="Courier New" panose="02070309020205020404" pitchFamily="49" charset="0"/>
+                <a:cs typeface="Courier New" panose="02070309020205020404" pitchFamily="49" charset="0"/>
+              </a:rPr>
+              <a:t>yI</a:t>
+            </a:r>
+            <a:r>
+              <a:rPr lang="en-GB" sz="1200" dirty="0">
+                <a:solidFill>
+                  <a:srgbClr val="01A797"/>
+                </a:solidFill>
+                <a:latin typeface="Courier New" panose="02070309020205020404" pitchFamily="49" charset="0"/>
+                <a:cs typeface="Courier New" panose="02070309020205020404" pitchFamily="49" charset="0"/>
+              </a:rPr>
+              <a:t> * </a:t>
+            </a:r>
+            <a:r>
+              <a:rPr lang="en-GB" sz="1200" dirty="0" err="1">
+                <a:solidFill>
+                  <a:srgbClr val="01A797"/>
+                </a:solidFill>
+                <a:latin typeface="Courier New" panose="02070309020205020404" pitchFamily="49" charset="0"/>
+                <a:cs typeface="Courier New" panose="02070309020205020404" pitchFamily="49" charset="0"/>
+              </a:rPr>
+              <a:t>dHeight</a:t>
+            </a:r>
+            <a:r>
+              <a:rPr lang="en-GB" sz="1200" dirty="0">
+                <a:solidFill>
+                  <a:srgbClr val="01A797"/>
+                </a:solidFill>
+                <a:latin typeface="Courier New" panose="02070309020205020404" pitchFamily="49" charset="0"/>
+                <a:cs typeface="Courier New" panose="02070309020205020404" pitchFamily="49" charset="0"/>
+              </a:rPr>
+              <a:t>/height )</a:t>
+            </a:r>
+          </a:p>
+          <a:p>
+            <a:pPr marL="171450" indent="-171450">
+              <a:buFont typeface="Arial" panose="020B0604020202020204" pitchFamily="34" charset="0"/>
+              <a:buChar char="•"/>
+            </a:pPr>
+            <a:endParaRPr lang="en-GB" sz="1200" dirty="0">
+              <a:solidFill>
+                <a:srgbClr val="01A797"/>
+              </a:solidFill>
+              <a:latin typeface="Courier New" panose="02070309020205020404" pitchFamily="49" charset="0"/>
+              <a:cs typeface="Courier New" panose="02070309020205020404" pitchFamily="49" charset="0"/>
+            </a:endParaRPr>
           </a:p>
           <a:p>
             <a:pPr marL="171450" indent="-171450">
@@ -14169,6 +14854,9 @@
           <a:prstGeom prst="ellipse">
             <a:avLst/>
           </a:prstGeom>
+          <a:ln>
+            <a:noFill/>
+          </a:ln>
         </p:spPr>
         <p:style>
           <a:lnRef idx="2">
@@ -14296,6 +14984,9 @@
           <a:prstGeom prst="ellipse">
             <a:avLst/>
           </a:prstGeom>
+          <a:ln>
+            <a:noFill/>
+          </a:ln>
         </p:spPr>
         <p:style>
           <a:lnRef idx="2">
@@ -14503,6 +15194,88 @@
                 <a:cs typeface="Courier New" panose="02070309020205020404" pitchFamily="49" charset="0"/>
               </a:rPr>
               <a:t>)</a:t>
+            </a:r>
+          </a:p>
+        </p:txBody>
+      </p:sp>
+      <p:sp>
+        <p:nvSpPr>
+          <p:cNvPr id="6" name="ZoneTexte 5">
+            <a:extLst>
+              <a:ext uri="{FF2B5EF4-FFF2-40B4-BE49-F238E27FC236}">
+                <a16:creationId xmlns:a16="http://schemas.microsoft.com/office/drawing/2014/main" id="{70A4B4CE-F4BC-C3E1-F314-DF68FA5E4E29}"/>
+              </a:ext>
+            </a:extLst>
+          </p:cNvPr>
+          <p:cNvSpPr txBox="1"/>
+          <p:nvPr/>
+        </p:nvSpPr>
+        <p:spPr>
+          <a:xfrm>
+            <a:off x="1087773" y="4868936"/>
+            <a:ext cx="1207382" cy="276999"/>
+          </a:xfrm>
+          <a:prstGeom prst="rect">
+            <a:avLst/>
+          </a:prstGeom>
+          <a:noFill/>
+        </p:spPr>
+        <p:txBody>
+          <a:bodyPr wrap="none" rtlCol="0">
+            <a:spAutoFit/>
+          </a:bodyPr>
+          <a:lstStyle/>
+          <a:p>
+            <a:r>
+              <a:rPr lang="en-GB" sz="1200" dirty="0">
+                <a:solidFill>
+                  <a:schemeClr val="accent1"/>
+                </a:solidFill>
+                <a:latin typeface="Courier New" panose="02070309020205020404" pitchFamily="49" charset="0"/>
+                <a:cs typeface="Courier New" panose="02070309020205020404" pitchFamily="49" charset="0"/>
+              </a:rPr>
+              <a:t>(0, height)</a:t>
+            </a:r>
+          </a:p>
+        </p:txBody>
+      </p:sp>
+      <p:sp>
+        <p:nvSpPr>
+          <p:cNvPr id="8" name="ZoneTexte 7">
+            <a:extLst>
+              <a:ext uri="{FF2B5EF4-FFF2-40B4-BE49-F238E27FC236}">
+                <a16:creationId xmlns:a16="http://schemas.microsoft.com/office/drawing/2014/main" id="{3ADAE88B-2DCC-A2F8-0923-DD5C210B9A74}"/>
+              </a:ext>
+            </a:extLst>
+          </p:cNvPr>
+          <p:cNvSpPr txBox="1"/>
+          <p:nvPr/>
+        </p:nvSpPr>
+        <p:spPr>
+          <a:xfrm>
+            <a:off x="5248712" y="1496561"/>
+            <a:ext cx="1114408" cy="276999"/>
+          </a:xfrm>
+          <a:prstGeom prst="rect">
+            <a:avLst/>
+          </a:prstGeom>
+          <a:noFill/>
+        </p:spPr>
+        <p:txBody>
+          <a:bodyPr wrap="none" rtlCol="0">
+            <a:spAutoFit/>
+          </a:bodyPr>
+          <a:lstStyle/>
+          <a:p>
+            <a:r>
+              <a:rPr lang="en-GB" sz="1200" dirty="0">
+                <a:solidFill>
+                  <a:schemeClr val="accent1"/>
+                </a:solidFill>
+                <a:latin typeface="Courier New" panose="02070309020205020404" pitchFamily="49" charset="0"/>
+                <a:cs typeface="Courier New" panose="02070309020205020404" pitchFamily="49" charset="0"/>
+              </a:rPr>
+              <a:t>(width, 0)</a:t>
             </a:r>
           </a:p>
         </p:txBody>
